--- a/Design pattern/4.设计模式-行为型模式.pptx
+++ b/Design pattern/4.设计模式-行为型模式.pptx
@@ -8,7 +8,7 @@
     <p:notesMasterId r:id="rId4"/>
   </p:notesMasterIdLst>
   <p:handoutMasterIdLst>
-    <p:handoutMasterId r:id="rId33"/>
+    <p:handoutMasterId r:id="rId46"/>
   </p:handoutMasterIdLst>
   <p:sldIdLst>
     <p:sldId id="453" r:id="rId3"/>
@@ -35,11 +35,24 @@
     <p:sldId id="758" r:id="rId25"/>
     <p:sldId id="759" r:id="rId26"/>
     <p:sldId id="742" r:id="rId27"/>
-    <p:sldId id="743" r:id="rId28"/>
-    <p:sldId id="744" r:id="rId29"/>
-    <p:sldId id="745" r:id="rId30"/>
-    <p:sldId id="746" r:id="rId31"/>
-    <p:sldId id="747" r:id="rId32"/>
+    <p:sldId id="768" r:id="rId28"/>
+    <p:sldId id="769" r:id="rId29"/>
+    <p:sldId id="770" r:id="rId30"/>
+    <p:sldId id="771" r:id="rId31"/>
+    <p:sldId id="743" r:id="rId32"/>
+    <p:sldId id="772" r:id="rId33"/>
+    <p:sldId id="773" r:id="rId34"/>
+    <p:sldId id="774" r:id="rId35"/>
+    <p:sldId id="775" r:id="rId36"/>
+    <p:sldId id="776" r:id="rId37"/>
+    <p:sldId id="777" r:id="rId38"/>
+    <p:sldId id="778" r:id="rId39"/>
+    <p:sldId id="779" r:id="rId40"/>
+    <p:sldId id="780" r:id="rId41"/>
+    <p:sldId id="744" r:id="rId42"/>
+    <p:sldId id="745" r:id="rId43"/>
+    <p:sldId id="746" r:id="rId44"/>
+    <p:sldId id="747" r:id="rId45"/>
   </p:sldIdLst>
   <p:sldSz cx="9144000" cy="6858000" type="screen4x3"/>
   <p:notesSz cx="6858000" cy="9144000"/>
@@ -1750,6 +1763,89 @@
 </p:notes>
 </file>
 
+<file path=ppt/notesSlides/notesSlide19.xml><?xml version="1.0" encoding="utf-8"?>
+<p:notes xmlns:a="http://schemas.openxmlformats.org/drawingml/2006/main" xmlns:r="http://schemas.openxmlformats.org/officeDocument/2006/relationships" xmlns:p="http://schemas.openxmlformats.org/presentationml/2006/main">
+  <p:cSld>
+    <p:spTree>
+      <p:nvGrpSpPr>
+        <p:cNvPr id="1" name=""/>
+        <p:cNvGrpSpPr/>
+        <p:nvPr/>
+      </p:nvGrpSpPr>
+      <p:grpSpPr>
+        <a:xfrm>
+          <a:off x="0" y="0"/>
+          <a:ext cx="0" cy="0"/>
+          <a:chOff x="0" y="0"/>
+          <a:chExt cx="0" cy="0"/>
+        </a:xfrm>
+      </p:grpSpPr>
+      <p:sp>
+        <p:nvSpPr>
+          <p:cNvPr id="2" name="幻灯片图像占位符 1"/>
+          <p:cNvSpPr>
+            <a:spLocks noGrp="1" noRot="1" noChangeAspect="1"/>
+          </p:cNvSpPr>
+          <p:nvPr>
+            <p:ph type="sldImg"/>
+          </p:nvPr>
+        </p:nvSpPr>
+        <p:spPr>
+          <a:xfrm>
+            <a:off x="1371600" y="1143000"/>
+            <a:ext cx="4114800" cy="3086100"/>
+          </a:xfrm>
+        </p:spPr>
+      </p:sp>
+      <p:sp>
+        <p:nvSpPr>
+          <p:cNvPr id="3" name="备注占位符 2"/>
+          <p:cNvSpPr>
+            <a:spLocks noGrp="1"/>
+          </p:cNvSpPr>
+          <p:nvPr>
+            <p:ph type="body" idx="1"/>
+          </p:nvPr>
+        </p:nvSpPr>
+        <p:spPr/>
+        <p:txBody>
+          <a:bodyPr/>
+          <a:lstStyle/>
+          <a:p>
+            <a:endParaRPr lang="zh-CN" altLang="en-US" dirty="0"/>
+          </a:p>
+        </p:txBody>
+      </p:sp>
+      <p:sp>
+        <p:nvSpPr>
+          <p:cNvPr id="4" name="灯片编号占位符 3"/>
+          <p:cNvSpPr>
+            <a:spLocks noGrp="1"/>
+          </p:cNvSpPr>
+          <p:nvPr>
+            <p:ph type="sldNum" sz="quarter" idx="10"/>
+          </p:nvPr>
+        </p:nvSpPr>
+        <p:spPr/>
+        <p:txBody>
+          <a:bodyPr/>
+          <a:lstStyle/>
+          <a:p>
+            <a:fld id="{2ED26FC3-015A-4F86-ACC3-780431FB8E4D}" type="slidenum">
+              <a:rPr lang="zh-CN" altLang="en-US" smtClean="0"/>
+            </a:fld>
+            <a:endParaRPr lang="zh-CN" altLang="en-US"/>
+          </a:p>
+        </p:txBody>
+      </p:sp>
+    </p:spTree>
+  </p:cSld>
+  <p:clrMapOvr>
+    <a:masterClrMapping/>
+  </p:clrMapOvr>
+</p:notes>
+</file>
+
 <file path=ppt/notesSlides/notesSlide2.xml><?xml version="1.0" encoding="utf-8"?>
 <p:notes xmlns:a="http://schemas.openxmlformats.org/drawingml/2006/main" xmlns:r="http://schemas.openxmlformats.org/officeDocument/2006/relationships" xmlns:p="http://schemas.openxmlformats.org/presentationml/2006/main">
   <p:cSld>
@@ -1833,7 +1929,932 @@
 </p:notes>
 </file>
 
+<file path=ppt/notesSlides/notesSlide20.xml><?xml version="1.0" encoding="utf-8"?>
+<p:notes xmlns:a="http://schemas.openxmlformats.org/drawingml/2006/main" xmlns:r="http://schemas.openxmlformats.org/officeDocument/2006/relationships" xmlns:p="http://schemas.openxmlformats.org/presentationml/2006/main">
+  <p:cSld>
+    <p:spTree>
+      <p:nvGrpSpPr>
+        <p:cNvPr id="1" name=""/>
+        <p:cNvGrpSpPr/>
+        <p:nvPr/>
+      </p:nvGrpSpPr>
+      <p:grpSpPr>
+        <a:xfrm>
+          <a:off x="0" y="0"/>
+          <a:ext cx="0" cy="0"/>
+          <a:chOff x="0" y="0"/>
+          <a:chExt cx="0" cy="0"/>
+        </a:xfrm>
+      </p:grpSpPr>
+      <p:sp>
+        <p:nvSpPr>
+          <p:cNvPr id="2" name="幻灯片图像占位符 1"/>
+          <p:cNvSpPr>
+            <a:spLocks noGrp="1" noRot="1" noChangeAspect="1"/>
+          </p:cNvSpPr>
+          <p:nvPr>
+            <p:ph type="sldImg"/>
+          </p:nvPr>
+        </p:nvSpPr>
+        <p:spPr>
+          <a:xfrm>
+            <a:off x="1371600" y="1143000"/>
+            <a:ext cx="4114800" cy="3086100"/>
+          </a:xfrm>
+        </p:spPr>
+      </p:sp>
+      <p:sp>
+        <p:nvSpPr>
+          <p:cNvPr id="3" name="备注占位符 2"/>
+          <p:cNvSpPr>
+            <a:spLocks noGrp="1"/>
+          </p:cNvSpPr>
+          <p:nvPr>
+            <p:ph type="body" idx="1"/>
+          </p:nvPr>
+        </p:nvSpPr>
+        <p:spPr/>
+        <p:txBody>
+          <a:bodyPr/>
+          <a:lstStyle/>
+          <a:p>
+            <a:r>
+              <a:rPr lang="zh-CN" altLang="en-US" dirty="0"/>
+              <a:t>最直观的场景，不想实现接口中的所有方法</a:t>
+            </a:r>
+            <a:endParaRPr lang="en-US" altLang="zh-CN" dirty="0"/>
+          </a:p>
+        </p:txBody>
+      </p:sp>
+      <p:sp>
+        <p:nvSpPr>
+          <p:cNvPr id="4" name="灯片编号占位符 3"/>
+          <p:cNvSpPr>
+            <a:spLocks noGrp="1"/>
+          </p:cNvSpPr>
+          <p:nvPr>
+            <p:ph type="sldNum" sz="quarter" idx="10"/>
+          </p:nvPr>
+        </p:nvSpPr>
+        <p:spPr/>
+        <p:txBody>
+          <a:bodyPr/>
+          <a:lstStyle/>
+          <a:p>
+            <a:fld id="{2ED26FC3-015A-4F86-ACC3-780431FB8E4D}" type="slidenum">
+              <a:rPr lang="zh-CN" altLang="en-US" smtClean="0"/>
+            </a:fld>
+            <a:endParaRPr lang="zh-CN" altLang="en-US"/>
+          </a:p>
+        </p:txBody>
+      </p:sp>
+    </p:spTree>
+  </p:cSld>
+  <p:clrMapOvr>
+    <a:masterClrMapping/>
+  </p:clrMapOvr>
+</p:notes>
+</file>
+
+<file path=ppt/notesSlides/notesSlide21.xml><?xml version="1.0" encoding="utf-8"?>
+<p:notes xmlns:a="http://schemas.openxmlformats.org/drawingml/2006/main" xmlns:r="http://schemas.openxmlformats.org/officeDocument/2006/relationships" xmlns:p="http://schemas.openxmlformats.org/presentationml/2006/main">
+  <p:cSld>
+    <p:spTree>
+      <p:nvGrpSpPr>
+        <p:cNvPr id="1" name=""/>
+        <p:cNvGrpSpPr/>
+        <p:nvPr/>
+      </p:nvGrpSpPr>
+      <p:grpSpPr>
+        <a:xfrm>
+          <a:off x="0" y="0"/>
+          <a:ext cx="0" cy="0"/>
+          <a:chOff x="0" y="0"/>
+          <a:chExt cx="0" cy="0"/>
+        </a:xfrm>
+      </p:grpSpPr>
+      <p:sp>
+        <p:nvSpPr>
+          <p:cNvPr id="2" name="幻灯片图像占位符 1"/>
+          <p:cNvSpPr>
+            <a:spLocks noGrp="1" noRot="1" noChangeAspect="1"/>
+          </p:cNvSpPr>
+          <p:nvPr>
+            <p:ph type="sldImg"/>
+          </p:nvPr>
+        </p:nvSpPr>
+        <p:spPr>
+          <a:xfrm>
+            <a:off x="1371600" y="1143000"/>
+            <a:ext cx="4114800" cy="3086100"/>
+          </a:xfrm>
+        </p:spPr>
+      </p:sp>
+      <p:sp>
+        <p:nvSpPr>
+          <p:cNvPr id="3" name="备注占位符 2"/>
+          <p:cNvSpPr>
+            <a:spLocks noGrp="1"/>
+          </p:cNvSpPr>
+          <p:nvPr>
+            <p:ph type="body" idx="1"/>
+          </p:nvPr>
+        </p:nvSpPr>
+        <p:spPr/>
+        <p:txBody>
+          <a:bodyPr/>
+          <a:lstStyle/>
+          <a:p>
+            <a:endParaRPr lang="zh-CN" altLang="en-US" dirty="0"/>
+          </a:p>
+        </p:txBody>
+      </p:sp>
+      <p:sp>
+        <p:nvSpPr>
+          <p:cNvPr id="4" name="灯片编号占位符 3"/>
+          <p:cNvSpPr>
+            <a:spLocks noGrp="1"/>
+          </p:cNvSpPr>
+          <p:nvPr>
+            <p:ph type="sldNum" sz="quarter" idx="10"/>
+          </p:nvPr>
+        </p:nvSpPr>
+        <p:spPr/>
+        <p:txBody>
+          <a:bodyPr/>
+          <a:lstStyle/>
+          <a:p>
+            <a:fld id="{2ED26FC3-015A-4F86-ACC3-780431FB8E4D}" type="slidenum">
+              <a:rPr lang="zh-CN" altLang="en-US" smtClean="0"/>
+            </a:fld>
+            <a:endParaRPr lang="zh-CN" altLang="en-US"/>
+          </a:p>
+        </p:txBody>
+      </p:sp>
+    </p:spTree>
+  </p:cSld>
+  <p:clrMapOvr>
+    <a:masterClrMapping/>
+  </p:clrMapOvr>
+</p:notes>
+</file>
+
+<file path=ppt/notesSlides/notesSlide22.xml><?xml version="1.0" encoding="utf-8"?>
+<p:notes xmlns:a="http://schemas.openxmlformats.org/drawingml/2006/main" xmlns:r="http://schemas.openxmlformats.org/officeDocument/2006/relationships" xmlns:p="http://schemas.openxmlformats.org/presentationml/2006/main">
+  <p:cSld>
+    <p:spTree>
+      <p:nvGrpSpPr>
+        <p:cNvPr id="1" name=""/>
+        <p:cNvGrpSpPr/>
+        <p:nvPr/>
+      </p:nvGrpSpPr>
+      <p:grpSpPr>
+        <a:xfrm>
+          <a:off x="0" y="0"/>
+          <a:ext cx="0" cy="0"/>
+          <a:chOff x="0" y="0"/>
+          <a:chExt cx="0" cy="0"/>
+        </a:xfrm>
+      </p:grpSpPr>
+      <p:sp>
+        <p:nvSpPr>
+          <p:cNvPr id="2" name="幻灯片图像占位符 1"/>
+          <p:cNvSpPr>
+            <a:spLocks noGrp="1" noRot="1" noChangeAspect="1"/>
+          </p:cNvSpPr>
+          <p:nvPr>
+            <p:ph type="sldImg"/>
+          </p:nvPr>
+        </p:nvSpPr>
+        <p:spPr>
+          <a:xfrm>
+            <a:off x="1371600" y="1143000"/>
+            <a:ext cx="4114800" cy="3086100"/>
+          </a:xfrm>
+        </p:spPr>
+      </p:sp>
+      <p:sp>
+        <p:nvSpPr>
+          <p:cNvPr id="3" name="备注占位符 2"/>
+          <p:cNvSpPr>
+            <a:spLocks noGrp="1"/>
+          </p:cNvSpPr>
+          <p:nvPr>
+            <p:ph type="body" idx="1"/>
+          </p:nvPr>
+        </p:nvSpPr>
+        <p:spPr/>
+        <p:txBody>
+          <a:bodyPr/>
+          <a:lstStyle/>
+          <a:p>
+            <a:endParaRPr lang="zh-CN" altLang="en-US" dirty="0"/>
+          </a:p>
+        </p:txBody>
+      </p:sp>
+      <p:sp>
+        <p:nvSpPr>
+          <p:cNvPr id="4" name="灯片编号占位符 3"/>
+          <p:cNvSpPr>
+            <a:spLocks noGrp="1"/>
+          </p:cNvSpPr>
+          <p:nvPr>
+            <p:ph type="sldNum" sz="quarter" idx="10"/>
+          </p:nvPr>
+        </p:nvSpPr>
+        <p:spPr/>
+        <p:txBody>
+          <a:bodyPr/>
+          <a:lstStyle/>
+          <a:p>
+            <a:fld id="{2ED26FC3-015A-4F86-ACC3-780431FB8E4D}" type="slidenum">
+              <a:rPr lang="zh-CN" altLang="en-US" smtClean="0"/>
+            </a:fld>
+            <a:endParaRPr lang="zh-CN" altLang="en-US"/>
+          </a:p>
+        </p:txBody>
+      </p:sp>
+    </p:spTree>
+  </p:cSld>
+  <p:clrMapOvr>
+    <a:masterClrMapping/>
+  </p:clrMapOvr>
+</p:notes>
+</file>
+
+<file path=ppt/notesSlides/notesSlide23.xml><?xml version="1.0" encoding="utf-8"?>
+<p:notes xmlns:a="http://schemas.openxmlformats.org/drawingml/2006/main" xmlns:r="http://schemas.openxmlformats.org/officeDocument/2006/relationships" xmlns:p="http://schemas.openxmlformats.org/presentationml/2006/main">
+  <p:cSld>
+    <p:spTree>
+      <p:nvGrpSpPr>
+        <p:cNvPr id="1" name=""/>
+        <p:cNvGrpSpPr/>
+        <p:nvPr/>
+      </p:nvGrpSpPr>
+      <p:grpSpPr>
+        <a:xfrm>
+          <a:off x="0" y="0"/>
+          <a:ext cx="0" cy="0"/>
+          <a:chOff x="0" y="0"/>
+          <a:chExt cx="0" cy="0"/>
+        </a:xfrm>
+      </p:grpSpPr>
+      <p:sp>
+        <p:nvSpPr>
+          <p:cNvPr id="2" name="幻灯片图像占位符 1"/>
+          <p:cNvSpPr>
+            <a:spLocks noGrp="1" noRot="1" noChangeAspect="1"/>
+          </p:cNvSpPr>
+          <p:nvPr>
+            <p:ph type="sldImg"/>
+          </p:nvPr>
+        </p:nvSpPr>
+        <p:spPr>
+          <a:xfrm>
+            <a:off x="1371600" y="1143000"/>
+            <a:ext cx="4114800" cy="3086100"/>
+          </a:xfrm>
+        </p:spPr>
+      </p:sp>
+      <p:sp>
+        <p:nvSpPr>
+          <p:cNvPr id="3" name="备注占位符 2"/>
+          <p:cNvSpPr>
+            <a:spLocks noGrp="1"/>
+          </p:cNvSpPr>
+          <p:nvPr>
+            <p:ph type="body" idx="1"/>
+          </p:nvPr>
+        </p:nvSpPr>
+        <p:spPr/>
+        <p:txBody>
+          <a:bodyPr/>
+          <a:lstStyle/>
+          <a:p>
+            <a:endParaRPr lang="zh-CN" altLang="en-US" dirty="0"/>
+          </a:p>
+        </p:txBody>
+      </p:sp>
+      <p:sp>
+        <p:nvSpPr>
+          <p:cNvPr id="4" name="灯片编号占位符 3"/>
+          <p:cNvSpPr>
+            <a:spLocks noGrp="1"/>
+          </p:cNvSpPr>
+          <p:nvPr>
+            <p:ph type="sldNum" sz="quarter" idx="10"/>
+          </p:nvPr>
+        </p:nvSpPr>
+        <p:spPr/>
+        <p:txBody>
+          <a:bodyPr/>
+          <a:lstStyle/>
+          <a:p>
+            <a:fld id="{2ED26FC3-015A-4F86-ACC3-780431FB8E4D}" type="slidenum">
+              <a:rPr lang="zh-CN" altLang="en-US" smtClean="0"/>
+            </a:fld>
+            <a:endParaRPr lang="zh-CN" altLang="en-US"/>
+          </a:p>
+        </p:txBody>
+      </p:sp>
+    </p:spTree>
+  </p:cSld>
+  <p:clrMapOvr>
+    <a:masterClrMapping/>
+  </p:clrMapOvr>
+</p:notes>
+</file>
+
+<file path=ppt/notesSlides/notesSlide24.xml><?xml version="1.0" encoding="utf-8"?>
+<p:notes xmlns:a="http://schemas.openxmlformats.org/drawingml/2006/main" xmlns:r="http://schemas.openxmlformats.org/officeDocument/2006/relationships" xmlns:p="http://schemas.openxmlformats.org/presentationml/2006/main">
+  <p:cSld>
+    <p:spTree>
+      <p:nvGrpSpPr>
+        <p:cNvPr id="1" name=""/>
+        <p:cNvGrpSpPr/>
+        <p:nvPr/>
+      </p:nvGrpSpPr>
+      <p:grpSpPr>
+        <a:xfrm>
+          <a:off x="0" y="0"/>
+          <a:ext cx="0" cy="0"/>
+          <a:chOff x="0" y="0"/>
+          <a:chExt cx="0" cy="0"/>
+        </a:xfrm>
+      </p:grpSpPr>
+      <p:sp>
+        <p:nvSpPr>
+          <p:cNvPr id="2" name="幻灯片图像占位符 1"/>
+          <p:cNvSpPr>
+            <a:spLocks noGrp="1" noRot="1" noChangeAspect="1"/>
+          </p:cNvSpPr>
+          <p:nvPr>
+            <p:ph type="sldImg"/>
+          </p:nvPr>
+        </p:nvSpPr>
+        <p:spPr>
+          <a:xfrm>
+            <a:off x="1371600" y="1143000"/>
+            <a:ext cx="4114800" cy="3086100"/>
+          </a:xfrm>
+        </p:spPr>
+      </p:sp>
+      <p:sp>
+        <p:nvSpPr>
+          <p:cNvPr id="3" name="备注占位符 2"/>
+          <p:cNvSpPr>
+            <a:spLocks noGrp="1"/>
+          </p:cNvSpPr>
+          <p:nvPr>
+            <p:ph type="body" idx="1"/>
+          </p:nvPr>
+        </p:nvSpPr>
+        <p:spPr/>
+        <p:txBody>
+          <a:bodyPr/>
+          <a:lstStyle/>
+          <a:p>
+            <a:r>
+              <a:rPr lang="zh-CN" altLang="en-US" dirty="0"/>
+              <a:t>最直观的场景，不想实现接口中的所有方法</a:t>
+            </a:r>
+            <a:endParaRPr lang="en-US" altLang="zh-CN" dirty="0"/>
+          </a:p>
+        </p:txBody>
+      </p:sp>
+      <p:sp>
+        <p:nvSpPr>
+          <p:cNvPr id="4" name="灯片编号占位符 3"/>
+          <p:cNvSpPr>
+            <a:spLocks noGrp="1"/>
+          </p:cNvSpPr>
+          <p:nvPr>
+            <p:ph type="sldNum" sz="quarter" idx="10"/>
+          </p:nvPr>
+        </p:nvSpPr>
+        <p:spPr/>
+        <p:txBody>
+          <a:bodyPr/>
+          <a:lstStyle/>
+          <a:p>
+            <a:fld id="{2ED26FC3-015A-4F86-ACC3-780431FB8E4D}" type="slidenum">
+              <a:rPr lang="zh-CN" altLang="en-US" smtClean="0"/>
+            </a:fld>
+            <a:endParaRPr lang="zh-CN" altLang="en-US"/>
+          </a:p>
+        </p:txBody>
+      </p:sp>
+    </p:spTree>
+  </p:cSld>
+  <p:clrMapOvr>
+    <a:masterClrMapping/>
+  </p:clrMapOvr>
+</p:notes>
+</file>
+
+<file path=ppt/notesSlides/notesSlide25.xml><?xml version="1.0" encoding="utf-8"?>
+<p:notes xmlns:a="http://schemas.openxmlformats.org/drawingml/2006/main" xmlns:r="http://schemas.openxmlformats.org/officeDocument/2006/relationships" xmlns:p="http://schemas.openxmlformats.org/presentationml/2006/main">
+  <p:cSld>
+    <p:spTree>
+      <p:nvGrpSpPr>
+        <p:cNvPr id="1" name=""/>
+        <p:cNvGrpSpPr/>
+        <p:nvPr/>
+      </p:nvGrpSpPr>
+      <p:grpSpPr>
+        <a:xfrm>
+          <a:off x="0" y="0"/>
+          <a:ext cx="0" cy="0"/>
+          <a:chOff x="0" y="0"/>
+          <a:chExt cx="0" cy="0"/>
+        </a:xfrm>
+      </p:grpSpPr>
+      <p:sp>
+        <p:nvSpPr>
+          <p:cNvPr id="2" name="幻灯片图像占位符 1"/>
+          <p:cNvSpPr>
+            <a:spLocks noGrp="1" noRot="1" noChangeAspect="1"/>
+          </p:cNvSpPr>
+          <p:nvPr>
+            <p:ph type="sldImg"/>
+          </p:nvPr>
+        </p:nvSpPr>
+        <p:spPr>
+          <a:xfrm>
+            <a:off x="1371600" y="1143000"/>
+            <a:ext cx="4114800" cy="3086100"/>
+          </a:xfrm>
+        </p:spPr>
+      </p:sp>
+      <p:sp>
+        <p:nvSpPr>
+          <p:cNvPr id="3" name="备注占位符 2"/>
+          <p:cNvSpPr>
+            <a:spLocks noGrp="1"/>
+          </p:cNvSpPr>
+          <p:nvPr>
+            <p:ph type="body" idx="1"/>
+          </p:nvPr>
+        </p:nvSpPr>
+        <p:spPr/>
+        <p:txBody>
+          <a:bodyPr/>
+          <a:lstStyle/>
+          <a:p>
+            <a:endParaRPr lang="zh-CN" altLang="en-US" dirty="0"/>
+          </a:p>
+        </p:txBody>
+      </p:sp>
+      <p:sp>
+        <p:nvSpPr>
+          <p:cNvPr id="4" name="灯片编号占位符 3"/>
+          <p:cNvSpPr>
+            <a:spLocks noGrp="1"/>
+          </p:cNvSpPr>
+          <p:nvPr>
+            <p:ph type="sldNum" sz="quarter" idx="10"/>
+          </p:nvPr>
+        </p:nvSpPr>
+        <p:spPr/>
+        <p:txBody>
+          <a:bodyPr/>
+          <a:lstStyle/>
+          <a:p>
+            <a:fld id="{2ED26FC3-015A-4F86-ACC3-780431FB8E4D}" type="slidenum">
+              <a:rPr lang="zh-CN" altLang="en-US" smtClean="0"/>
+            </a:fld>
+            <a:endParaRPr lang="zh-CN" altLang="en-US"/>
+          </a:p>
+        </p:txBody>
+      </p:sp>
+    </p:spTree>
+  </p:cSld>
+  <p:clrMapOvr>
+    <a:masterClrMapping/>
+  </p:clrMapOvr>
+</p:notes>
+</file>
+
+<file path=ppt/notesSlides/notesSlide26.xml><?xml version="1.0" encoding="utf-8"?>
+<p:notes xmlns:a="http://schemas.openxmlformats.org/drawingml/2006/main" xmlns:r="http://schemas.openxmlformats.org/officeDocument/2006/relationships" xmlns:p="http://schemas.openxmlformats.org/presentationml/2006/main">
+  <p:cSld>
+    <p:spTree>
+      <p:nvGrpSpPr>
+        <p:cNvPr id="1" name=""/>
+        <p:cNvGrpSpPr/>
+        <p:nvPr/>
+      </p:nvGrpSpPr>
+      <p:grpSpPr>
+        <a:xfrm>
+          <a:off x="0" y="0"/>
+          <a:ext cx="0" cy="0"/>
+          <a:chOff x="0" y="0"/>
+          <a:chExt cx="0" cy="0"/>
+        </a:xfrm>
+      </p:grpSpPr>
+      <p:sp>
+        <p:nvSpPr>
+          <p:cNvPr id="2" name="幻灯片图像占位符 1"/>
+          <p:cNvSpPr>
+            <a:spLocks noGrp="1" noRot="1" noChangeAspect="1"/>
+          </p:cNvSpPr>
+          <p:nvPr>
+            <p:ph type="sldImg"/>
+          </p:nvPr>
+        </p:nvSpPr>
+        <p:spPr>
+          <a:xfrm>
+            <a:off x="1371600" y="1143000"/>
+            <a:ext cx="4114800" cy="3086100"/>
+          </a:xfrm>
+        </p:spPr>
+      </p:sp>
+      <p:sp>
+        <p:nvSpPr>
+          <p:cNvPr id="3" name="备注占位符 2"/>
+          <p:cNvSpPr>
+            <a:spLocks noGrp="1"/>
+          </p:cNvSpPr>
+          <p:nvPr>
+            <p:ph type="body" idx="1"/>
+          </p:nvPr>
+        </p:nvSpPr>
+        <p:spPr/>
+        <p:txBody>
+          <a:bodyPr/>
+          <a:lstStyle/>
+          <a:p>
+            <a:endParaRPr lang="zh-CN" altLang="en-US" dirty="0"/>
+          </a:p>
+        </p:txBody>
+      </p:sp>
+      <p:sp>
+        <p:nvSpPr>
+          <p:cNvPr id="4" name="灯片编号占位符 3"/>
+          <p:cNvSpPr>
+            <a:spLocks noGrp="1"/>
+          </p:cNvSpPr>
+          <p:nvPr>
+            <p:ph type="sldNum" sz="quarter" idx="10"/>
+          </p:nvPr>
+        </p:nvSpPr>
+        <p:spPr/>
+        <p:txBody>
+          <a:bodyPr/>
+          <a:lstStyle/>
+          <a:p>
+            <a:fld id="{2ED26FC3-015A-4F86-ACC3-780431FB8E4D}" type="slidenum">
+              <a:rPr lang="zh-CN" altLang="en-US" smtClean="0"/>
+            </a:fld>
+            <a:endParaRPr lang="zh-CN" altLang="en-US"/>
+          </a:p>
+        </p:txBody>
+      </p:sp>
+    </p:spTree>
+  </p:cSld>
+  <p:clrMapOvr>
+    <a:masterClrMapping/>
+  </p:clrMapOvr>
+</p:notes>
+</file>
+
+<file path=ppt/notesSlides/notesSlide27.xml><?xml version="1.0" encoding="utf-8"?>
+<p:notes xmlns:a="http://schemas.openxmlformats.org/drawingml/2006/main" xmlns:r="http://schemas.openxmlformats.org/officeDocument/2006/relationships" xmlns:p="http://schemas.openxmlformats.org/presentationml/2006/main">
+  <p:cSld>
+    <p:spTree>
+      <p:nvGrpSpPr>
+        <p:cNvPr id="1" name=""/>
+        <p:cNvGrpSpPr/>
+        <p:nvPr/>
+      </p:nvGrpSpPr>
+      <p:grpSpPr>
+        <a:xfrm>
+          <a:off x="0" y="0"/>
+          <a:ext cx="0" cy="0"/>
+          <a:chOff x="0" y="0"/>
+          <a:chExt cx="0" cy="0"/>
+        </a:xfrm>
+      </p:grpSpPr>
+      <p:sp>
+        <p:nvSpPr>
+          <p:cNvPr id="2" name="幻灯片图像占位符 1"/>
+          <p:cNvSpPr>
+            <a:spLocks noGrp="1" noRot="1" noChangeAspect="1"/>
+          </p:cNvSpPr>
+          <p:nvPr>
+            <p:ph type="sldImg"/>
+          </p:nvPr>
+        </p:nvSpPr>
+        <p:spPr>
+          <a:xfrm>
+            <a:off x="1371600" y="1143000"/>
+            <a:ext cx="4114800" cy="3086100"/>
+          </a:xfrm>
+        </p:spPr>
+      </p:sp>
+      <p:sp>
+        <p:nvSpPr>
+          <p:cNvPr id="3" name="备注占位符 2"/>
+          <p:cNvSpPr>
+            <a:spLocks noGrp="1"/>
+          </p:cNvSpPr>
+          <p:nvPr>
+            <p:ph type="body" idx="1"/>
+          </p:nvPr>
+        </p:nvSpPr>
+        <p:spPr/>
+        <p:txBody>
+          <a:bodyPr/>
+          <a:lstStyle/>
+          <a:p>
+            <a:endParaRPr lang="zh-CN" altLang="en-US" dirty="0"/>
+          </a:p>
+        </p:txBody>
+      </p:sp>
+      <p:sp>
+        <p:nvSpPr>
+          <p:cNvPr id="4" name="灯片编号占位符 3"/>
+          <p:cNvSpPr>
+            <a:spLocks noGrp="1"/>
+          </p:cNvSpPr>
+          <p:nvPr>
+            <p:ph type="sldNum" sz="quarter" idx="10"/>
+          </p:nvPr>
+        </p:nvSpPr>
+        <p:spPr/>
+        <p:txBody>
+          <a:bodyPr/>
+          <a:lstStyle/>
+          <a:p>
+            <a:fld id="{2ED26FC3-015A-4F86-ACC3-780431FB8E4D}" type="slidenum">
+              <a:rPr lang="zh-CN" altLang="en-US" smtClean="0"/>
+            </a:fld>
+            <a:endParaRPr lang="zh-CN" altLang="en-US"/>
+          </a:p>
+        </p:txBody>
+      </p:sp>
+    </p:spTree>
+  </p:cSld>
+  <p:clrMapOvr>
+    <a:masterClrMapping/>
+  </p:clrMapOvr>
+</p:notes>
+</file>
+
+<file path=ppt/notesSlides/notesSlide28.xml><?xml version="1.0" encoding="utf-8"?>
+<p:notes xmlns:a="http://schemas.openxmlformats.org/drawingml/2006/main" xmlns:r="http://schemas.openxmlformats.org/officeDocument/2006/relationships" xmlns:p="http://schemas.openxmlformats.org/presentationml/2006/main">
+  <p:cSld>
+    <p:spTree>
+      <p:nvGrpSpPr>
+        <p:cNvPr id="1" name=""/>
+        <p:cNvGrpSpPr/>
+        <p:nvPr/>
+      </p:nvGrpSpPr>
+      <p:grpSpPr>
+        <a:xfrm>
+          <a:off x="0" y="0"/>
+          <a:ext cx="0" cy="0"/>
+          <a:chOff x="0" y="0"/>
+          <a:chExt cx="0" cy="0"/>
+        </a:xfrm>
+      </p:grpSpPr>
+      <p:sp>
+        <p:nvSpPr>
+          <p:cNvPr id="2" name="幻灯片图像占位符 1"/>
+          <p:cNvSpPr>
+            <a:spLocks noGrp="1" noRot="1" noChangeAspect="1"/>
+          </p:cNvSpPr>
+          <p:nvPr>
+            <p:ph type="sldImg"/>
+          </p:nvPr>
+        </p:nvSpPr>
+        <p:spPr>
+          <a:xfrm>
+            <a:off x="1371600" y="1143000"/>
+            <a:ext cx="4114800" cy="3086100"/>
+          </a:xfrm>
+        </p:spPr>
+      </p:sp>
+      <p:sp>
+        <p:nvSpPr>
+          <p:cNvPr id="3" name="备注占位符 2"/>
+          <p:cNvSpPr>
+            <a:spLocks noGrp="1"/>
+          </p:cNvSpPr>
+          <p:nvPr>
+            <p:ph type="body" idx="1"/>
+          </p:nvPr>
+        </p:nvSpPr>
+        <p:spPr/>
+        <p:txBody>
+          <a:bodyPr/>
+          <a:lstStyle/>
+          <a:p>
+            <a:r>
+              <a:rPr lang="zh-CN" altLang="en-US" dirty="0"/>
+              <a:t>最直观的场景，不想实现接口中的所有方法</a:t>
+            </a:r>
+            <a:endParaRPr lang="en-US" altLang="zh-CN" dirty="0"/>
+          </a:p>
+        </p:txBody>
+      </p:sp>
+      <p:sp>
+        <p:nvSpPr>
+          <p:cNvPr id="4" name="灯片编号占位符 3"/>
+          <p:cNvSpPr>
+            <a:spLocks noGrp="1"/>
+          </p:cNvSpPr>
+          <p:nvPr>
+            <p:ph type="sldNum" sz="quarter" idx="10"/>
+          </p:nvPr>
+        </p:nvSpPr>
+        <p:spPr/>
+        <p:txBody>
+          <a:bodyPr/>
+          <a:lstStyle/>
+          <a:p>
+            <a:fld id="{2ED26FC3-015A-4F86-ACC3-780431FB8E4D}" type="slidenum">
+              <a:rPr lang="zh-CN" altLang="en-US" smtClean="0"/>
+            </a:fld>
+            <a:endParaRPr lang="zh-CN" altLang="en-US"/>
+          </a:p>
+        </p:txBody>
+      </p:sp>
+    </p:spTree>
+  </p:cSld>
+  <p:clrMapOvr>
+    <a:masterClrMapping/>
+  </p:clrMapOvr>
+</p:notes>
+</file>
+
+<file path=ppt/notesSlides/notesSlide29.xml><?xml version="1.0" encoding="utf-8"?>
+<p:notes xmlns:a="http://schemas.openxmlformats.org/drawingml/2006/main" xmlns:r="http://schemas.openxmlformats.org/officeDocument/2006/relationships" xmlns:p="http://schemas.openxmlformats.org/presentationml/2006/main">
+  <p:cSld>
+    <p:spTree>
+      <p:nvGrpSpPr>
+        <p:cNvPr id="1" name=""/>
+        <p:cNvGrpSpPr/>
+        <p:nvPr/>
+      </p:nvGrpSpPr>
+      <p:grpSpPr>
+        <a:xfrm>
+          <a:off x="0" y="0"/>
+          <a:ext cx="0" cy="0"/>
+          <a:chOff x="0" y="0"/>
+          <a:chExt cx="0" cy="0"/>
+        </a:xfrm>
+      </p:grpSpPr>
+      <p:sp>
+        <p:nvSpPr>
+          <p:cNvPr id="2" name="幻灯片图像占位符 1"/>
+          <p:cNvSpPr>
+            <a:spLocks noGrp="1" noRot="1" noChangeAspect="1"/>
+          </p:cNvSpPr>
+          <p:nvPr>
+            <p:ph type="sldImg"/>
+          </p:nvPr>
+        </p:nvSpPr>
+        <p:spPr>
+          <a:xfrm>
+            <a:off x="1371600" y="1143000"/>
+            <a:ext cx="4114800" cy="3086100"/>
+          </a:xfrm>
+        </p:spPr>
+      </p:sp>
+      <p:sp>
+        <p:nvSpPr>
+          <p:cNvPr id="3" name="备注占位符 2"/>
+          <p:cNvSpPr>
+            <a:spLocks noGrp="1"/>
+          </p:cNvSpPr>
+          <p:nvPr>
+            <p:ph type="body" idx="1"/>
+          </p:nvPr>
+        </p:nvSpPr>
+        <p:spPr/>
+        <p:txBody>
+          <a:bodyPr/>
+          <a:lstStyle/>
+          <a:p>
+            <a:endParaRPr lang="zh-CN" altLang="en-US" dirty="0"/>
+          </a:p>
+        </p:txBody>
+      </p:sp>
+      <p:sp>
+        <p:nvSpPr>
+          <p:cNvPr id="4" name="灯片编号占位符 3"/>
+          <p:cNvSpPr>
+            <a:spLocks noGrp="1"/>
+          </p:cNvSpPr>
+          <p:nvPr>
+            <p:ph type="sldNum" sz="quarter" idx="10"/>
+          </p:nvPr>
+        </p:nvSpPr>
+        <p:spPr/>
+        <p:txBody>
+          <a:bodyPr/>
+          <a:lstStyle/>
+          <a:p>
+            <a:fld id="{2ED26FC3-015A-4F86-ACC3-780431FB8E4D}" type="slidenum">
+              <a:rPr lang="zh-CN" altLang="en-US" smtClean="0"/>
+            </a:fld>
+            <a:endParaRPr lang="zh-CN" altLang="en-US"/>
+          </a:p>
+        </p:txBody>
+      </p:sp>
+    </p:spTree>
+  </p:cSld>
+  <p:clrMapOvr>
+    <a:masterClrMapping/>
+  </p:clrMapOvr>
+</p:notes>
+</file>
+
 <file path=ppt/notesSlides/notesSlide3.xml><?xml version="1.0" encoding="utf-8"?>
+<p:notes xmlns:a="http://schemas.openxmlformats.org/drawingml/2006/main" xmlns:r="http://schemas.openxmlformats.org/officeDocument/2006/relationships" xmlns:p="http://schemas.openxmlformats.org/presentationml/2006/main">
+  <p:cSld>
+    <p:spTree>
+      <p:nvGrpSpPr>
+        <p:cNvPr id="1" name=""/>
+        <p:cNvGrpSpPr/>
+        <p:nvPr/>
+      </p:nvGrpSpPr>
+      <p:grpSpPr>
+        <a:xfrm>
+          <a:off x="0" y="0"/>
+          <a:ext cx="0" cy="0"/>
+          <a:chOff x="0" y="0"/>
+          <a:chExt cx="0" cy="0"/>
+        </a:xfrm>
+      </p:grpSpPr>
+      <p:sp>
+        <p:nvSpPr>
+          <p:cNvPr id="2" name="幻灯片图像占位符 1"/>
+          <p:cNvSpPr>
+            <a:spLocks noGrp="1" noRot="1" noChangeAspect="1"/>
+          </p:cNvSpPr>
+          <p:nvPr>
+            <p:ph type="sldImg"/>
+          </p:nvPr>
+        </p:nvSpPr>
+        <p:spPr>
+          <a:xfrm>
+            <a:off x="1371600" y="1143000"/>
+            <a:ext cx="4114800" cy="3086100"/>
+          </a:xfrm>
+        </p:spPr>
+      </p:sp>
+      <p:sp>
+        <p:nvSpPr>
+          <p:cNvPr id="3" name="备注占位符 2"/>
+          <p:cNvSpPr>
+            <a:spLocks noGrp="1"/>
+          </p:cNvSpPr>
+          <p:nvPr>
+            <p:ph type="body" idx="1"/>
+          </p:nvPr>
+        </p:nvSpPr>
+        <p:spPr/>
+        <p:txBody>
+          <a:bodyPr/>
+          <a:lstStyle/>
+          <a:p>
+            <a:endParaRPr lang="zh-CN" altLang="en-US" dirty="0"/>
+          </a:p>
+        </p:txBody>
+      </p:sp>
+      <p:sp>
+        <p:nvSpPr>
+          <p:cNvPr id="4" name="灯片编号占位符 3"/>
+          <p:cNvSpPr>
+            <a:spLocks noGrp="1"/>
+          </p:cNvSpPr>
+          <p:nvPr>
+            <p:ph type="sldNum" sz="quarter" idx="10"/>
+          </p:nvPr>
+        </p:nvSpPr>
+        <p:spPr/>
+        <p:txBody>
+          <a:bodyPr/>
+          <a:lstStyle/>
+          <a:p>
+            <a:fld id="{2ED26FC3-015A-4F86-ACC3-780431FB8E4D}" type="slidenum">
+              <a:rPr lang="zh-CN" altLang="en-US" smtClean="0"/>
+            </a:fld>
+            <a:endParaRPr lang="zh-CN" altLang="en-US"/>
+          </a:p>
+        </p:txBody>
+      </p:sp>
+    </p:spTree>
+  </p:cSld>
+  <p:clrMapOvr>
+    <a:masterClrMapping/>
+  </p:clrMapOvr>
+</p:notes>
+</file>
+
+<file path=ppt/notesSlides/notesSlide30.xml><?xml version="1.0" encoding="utf-8"?>
 <p:notes xmlns:a="http://schemas.openxmlformats.org/drawingml/2006/main" xmlns:r="http://schemas.openxmlformats.org/officeDocument/2006/relationships" xmlns:p="http://schemas.openxmlformats.org/presentationml/2006/main">
   <p:cSld>
     <p:spTree>
@@ -9374,406 +10395,6 @@
       </p:grpSpPr>
       <p:sp>
         <p:nvSpPr>
-          <p:cNvPr id="2" name="标题 1"/>
-          <p:cNvSpPr>
-            <a:spLocks noGrp="1"/>
-          </p:cNvSpPr>
-          <p:nvPr>
-            <p:ph type="title"/>
-          </p:nvPr>
-        </p:nvSpPr>
-        <p:spPr>
-          <a:xfrm>
-            <a:off x="1138792" y="3078833"/>
-            <a:ext cx="6856892" cy="830998"/>
-          </a:xfrm>
-        </p:spPr>
-        <p:txBody>
-          <a:bodyPr>
-            <a:noAutofit/>
-          </a:bodyPr>
-          <a:lstStyle/>
-          <a:p>
-            <a:r>
-              <a:rPr lang="en-US" altLang="zh-CN" sz="3600" dirty="0"/>
-              <a:t>The Observer Pattern</a:t>
-            </a:r>
-            <a:endParaRPr lang="en-US" altLang="zh-CN" sz="3600" dirty="0"/>
-          </a:p>
-        </p:txBody>
-      </p:sp>
-      <p:sp>
-        <p:nvSpPr>
-          <p:cNvPr id="3" name="内容占位符 2"/>
-          <p:cNvSpPr>
-            <a:spLocks noGrp="1"/>
-          </p:cNvSpPr>
-          <p:nvPr>
-            <p:ph sz="quarter" idx="13"/>
-          </p:nvPr>
-        </p:nvSpPr>
-        <p:spPr/>
-        <p:txBody>
-          <a:bodyPr>
-            <a:normAutofit/>
-          </a:bodyPr>
-          <a:lstStyle/>
-          <a:p>
-            <a:r>
-              <a:rPr lang="zh-CN" altLang="en-US" dirty="0"/>
-              <a:t>观察者模式</a:t>
-            </a:r>
-            <a:endParaRPr lang="zh-CN" altLang="en-US" dirty="0"/>
-          </a:p>
-        </p:txBody>
-      </p:sp>
-    </p:spTree>
-  </p:cSld>
-  <p:clrMapOvr>
-    <a:masterClrMapping/>
-  </p:clrMapOvr>
-</p:sld>
-</file>
-
-<file path=ppt/slides/slide26.xml><?xml version="1.0" encoding="utf-8"?>
-<p:sld xmlns:a="http://schemas.openxmlformats.org/drawingml/2006/main" xmlns:r="http://schemas.openxmlformats.org/officeDocument/2006/relationships" xmlns:p="http://schemas.openxmlformats.org/presentationml/2006/main">
-  <p:cSld>
-    <p:spTree>
-      <p:nvGrpSpPr>
-        <p:cNvPr id="1" name=""/>
-        <p:cNvGrpSpPr/>
-        <p:nvPr/>
-      </p:nvGrpSpPr>
-      <p:grpSpPr>
-        <a:xfrm>
-          <a:off x="0" y="0"/>
-          <a:ext cx="0" cy="0"/>
-          <a:chOff x="0" y="0"/>
-          <a:chExt cx="0" cy="0"/>
-        </a:xfrm>
-      </p:grpSpPr>
-      <p:sp>
-        <p:nvSpPr>
-          <p:cNvPr id="2" name="标题 1"/>
-          <p:cNvSpPr>
-            <a:spLocks noGrp="1"/>
-          </p:cNvSpPr>
-          <p:nvPr>
-            <p:ph type="title"/>
-          </p:nvPr>
-        </p:nvSpPr>
-        <p:spPr>
-          <a:xfrm>
-            <a:off x="1138792" y="3078833"/>
-            <a:ext cx="6856892" cy="830998"/>
-          </a:xfrm>
-        </p:spPr>
-        <p:txBody>
-          <a:bodyPr>
-            <a:noAutofit/>
-          </a:bodyPr>
-          <a:lstStyle/>
-          <a:p>
-            <a:r>
-              <a:rPr lang="en-US" altLang="zh-CN" sz="3600" dirty="0"/>
-              <a:t>The Strategy Pattern</a:t>
-            </a:r>
-            <a:endParaRPr lang="en-US" altLang="zh-CN" sz="3600" dirty="0"/>
-          </a:p>
-        </p:txBody>
-      </p:sp>
-      <p:sp>
-        <p:nvSpPr>
-          <p:cNvPr id="3" name="内容占位符 2"/>
-          <p:cNvSpPr>
-            <a:spLocks noGrp="1"/>
-          </p:cNvSpPr>
-          <p:nvPr>
-            <p:ph sz="quarter" idx="13"/>
-          </p:nvPr>
-        </p:nvSpPr>
-        <p:spPr/>
-        <p:txBody>
-          <a:bodyPr>
-            <a:normAutofit/>
-          </a:bodyPr>
-          <a:lstStyle/>
-          <a:p>
-            <a:r>
-              <a:rPr lang="zh-CN" altLang="en-US" dirty="0"/>
-              <a:t>策略模式</a:t>
-            </a:r>
-            <a:endParaRPr lang="zh-CN" altLang="en-US" dirty="0"/>
-          </a:p>
-        </p:txBody>
-      </p:sp>
-    </p:spTree>
-  </p:cSld>
-  <p:clrMapOvr>
-    <a:masterClrMapping/>
-  </p:clrMapOvr>
-</p:sld>
-</file>
-
-<file path=ppt/slides/slide27.xml><?xml version="1.0" encoding="utf-8"?>
-<p:sld xmlns:a="http://schemas.openxmlformats.org/drawingml/2006/main" xmlns:r="http://schemas.openxmlformats.org/officeDocument/2006/relationships" xmlns:p="http://schemas.openxmlformats.org/presentationml/2006/main">
-  <p:cSld>
-    <p:spTree>
-      <p:nvGrpSpPr>
-        <p:cNvPr id="1" name=""/>
-        <p:cNvGrpSpPr/>
-        <p:nvPr/>
-      </p:nvGrpSpPr>
-      <p:grpSpPr>
-        <a:xfrm>
-          <a:off x="0" y="0"/>
-          <a:ext cx="0" cy="0"/>
-          <a:chOff x="0" y="0"/>
-          <a:chExt cx="0" cy="0"/>
-        </a:xfrm>
-      </p:grpSpPr>
-      <p:sp>
-        <p:nvSpPr>
-          <p:cNvPr id="2" name="标题 1"/>
-          <p:cNvSpPr>
-            <a:spLocks noGrp="1"/>
-          </p:cNvSpPr>
-          <p:nvPr>
-            <p:ph type="title"/>
-          </p:nvPr>
-        </p:nvSpPr>
-        <p:spPr>
-          <a:xfrm>
-            <a:off x="1138792" y="3078833"/>
-            <a:ext cx="6856892" cy="830998"/>
-          </a:xfrm>
-        </p:spPr>
-        <p:txBody>
-          <a:bodyPr>
-            <a:noAutofit/>
-          </a:bodyPr>
-          <a:lstStyle/>
-          <a:p>
-            <a:r>
-              <a:rPr lang="en-US" altLang="zh-CN" sz="3600" dirty="0"/>
-              <a:t>The Template Pattern</a:t>
-            </a:r>
-            <a:endParaRPr lang="en-US" altLang="zh-CN" sz="3600" dirty="0"/>
-          </a:p>
-        </p:txBody>
-      </p:sp>
-      <p:sp>
-        <p:nvSpPr>
-          <p:cNvPr id="3" name="内容占位符 2"/>
-          <p:cNvSpPr>
-            <a:spLocks noGrp="1"/>
-          </p:cNvSpPr>
-          <p:nvPr>
-            <p:ph sz="quarter" idx="13"/>
-          </p:nvPr>
-        </p:nvSpPr>
-        <p:spPr/>
-        <p:txBody>
-          <a:bodyPr>
-            <a:normAutofit/>
-          </a:bodyPr>
-          <a:lstStyle/>
-          <a:p>
-            <a:r>
-              <a:rPr lang="zh-CN" altLang="en-US" dirty="0"/>
-              <a:t>模版模式</a:t>
-            </a:r>
-            <a:endParaRPr lang="zh-CN" altLang="en-US" dirty="0"/>
-          </a:p>
-        </p:txBody>
-      </p:sp>
-    </p:spTree>
-  </p:cSld>
-  <p:clrMapOvr>
-    <a:masterClrMapping/>
-  </p:clrMapOvr>
-</p:sld>
-</file>
-
-<file path=ppt/slides/slide28.xml><?xml version="1.0" encoding="utf-8"?>
-<p:sld xmlns:a="http://schemas.openxmlformats.org/drawingml/2006/main" xmlns:r="http://schemas.openxmlformats.org/officeDocument/2006/relationships" xmlns:p="http://schemas.openxmlformats.org/presentationml/2006/main">
-  <p:cSld>
-    <p:spTree>
-      <p:nvGrpSpPr>
-        <p:cNvPr id="1" name=""/>
-        <p:cNvGrpSpPr/>
-        <p:nvPr/>
-      </p:nvGrpSpPr>
-      <p:grpSpPr>
-        <a:xfrm>
-          <a:off x="0" y="0"/>
-          <a:ext cx="0" cy="0"/>
-          <a:chOff x="0" y="0"/>
-          <a:chExt cx="0" cy="0"/>
-        </a:xfrm>
-      </p:grpSpPr>
-      <p:sp>
-        <p:nvSpPr>
-          <p:cNvPr id="2" name="标题 1"/>
-          <p:cNvSpPr>
-            <a:spLocks noGrp="1"/>
-          </p:cNvSpPr>
-          <p:nvPr>
-            <p:ph type="title"/>
-          </p:nvPr>
-        </p:nvSpPr>
-        <p:spPr>
-          <a:xfrm>
-            <a:off x="1138792" y="3078833"/>
-            <a:ext cx="6856892" cy="830998"/>
-          </a:xfrm>
-        </p:spPr>
-        <p:txBody>
-          <a:bodyPr>
-            <a:noAutofit/>
-          </a:bodyPr>
-          <a:lstStyle/>
-          <a:p>
-            <a:r>
-              <a:rPr lang="en-US" altLang="zh-CN" sz="3600" dirty="0"/>
-              <a:t>The Visitor Pattern</a:t>
-            </a:r>
-            <a:endParaRPr lang="en-US" altLang="zh-CN" sz="3600" dirty="0"/>
-          </a:p>
-        </p:txBody>
-      </p:sp>
-      <p:sp>
-        <p:nvSpPr>
-          <p:cNvPr id="3" name="内容占位符 2"/>
-          <p:cNvSpPr>
-            <a:spLocks noGrp="1"/>
-          </p:cNvSpPr>
-          <p:nvPr>
-            <p:ph sz="quarter" idx="13"/>
-          </p:nvPr>
-        </p:nvSpPr>
-        <p:spPr/>
-        <p:txBody>
-          <a:bodyPr>
-            <a:normAutofit/>
-          </a:bodyPr>
-          <a:lstStyle/>
-          <a:p>
-            <a:r>
-              <a:rPr lang="zh-CN" altLang="en-US" dirty="0"/>
-              <a:t>访问者模式</a:t>
-            </a:r>
-            <a:endParaRPr lang="zh-CN" altLang="en-US" dirty="0"/>
-          </a:p>
-        </p:txBody>
-      </p:sp>
-    </p:spTree>
-  </p:cSld>
-  <p:clrMapOvr>
-    <a:masterClrMapping/>
-  </p:clrMapOvr>
-</p:sld>
-</file>
-
-<file path=ppt/slides/slide29.xml><?xml version="1.0" encoding="utf-8"?>
-<p:sld xmlns:a="http://schemas.openxmlformats.org/drawingml/2006/main" xmlns:r="http://schemas.openxmlformats.org/officeDocument/2006/relationships" xmlns:p="http://schemas.openxmlformats.org/presentationml/2006/main">
-  <p:cSld>
-    <p:spTree>
-      <p:nvGrpSpPr>
-        <p:cNvPr id="1" name=""/>
-        <p:cNvGrpSpPr/>
-        <p:nvPr/>
-      </p:nvGrpSpPr>
-      <p:grpSpPr>
-        <a:xfrm>
-          <a:off x="0" y="0"/>
-          <a:ext cx="0" cy="0"/>
-          <a:chOff x="0" y="0"/>
-          <a:chExt cx="0" cy="0"/>
-        </a:xfrm>
-      </p:grpSpPr>
-      <p:sp>
-        <p:nvSpPr>
-          <p:cNvPr id="2" name="标题 1"/>
-          <p:cNvSpPr>
-            <a:spLocks noGrp="1"/>
-          </p:cNvSpPr>
-          <p:nvPr>
-            <p:ph type="title"/>
-          </p:nvPr>
-        </p:nvSpPr>
-        <p:spPr>
-          <a:xfrm>
-            <a:off x="1138792" y="3078833"/>
-            <a:ext cx="6856892" cy="830998"/>
-          </a:xfrm>
-        </p:spPr>
-        <p:txBody>
-          <a:bodyPr>
-            <a:noAutofit/>
-          </a:bodyPr>
-          <a:lstStyle/>
-          <a:p>
-            <a:r>
-              <a:rPr lang="en-US" altLang="zh-CN" sz="3600" dirty="0"/>
-              <a:t>The Mememto Pattern</a:t>
-            </a:r>
-            <a:endParaRPr lang="en-US" altLang="zh-CN" sz="3600" dirty="0"/>
-          </a:p>
-        </p:txBody>
-      </p:sp>
-      <p:sp>
-        <p:nvSpPr>
-          <p:cNvPr id="3" name="内容占位符 2"/>
-          <p:cNvSpPr>
-            <a:spLocks noGrp="1"/>
-          </p:cNvSpPr>
-          <p:nvPr>
-            <p:ph sz="quarter" idx="13"/>
-          </p:nvPr>
-        </p:nvSpPr>
-        <p:spPr/>
-        <p:txBody>
-          <a:bodyPr>
-            <a:normAutofit/>
-          </a:bodyPr>
-          <a:lstStyle/>
-          <a:p>
-            <a:r>
-              <a:rPr lang="zh-CN" altLang="en-US" dirty="0"/>
-              <a:t>备忘录模式</a:t>
-            </a:r>
-            <a:endParaRPr lang="zh-CN" altLang="en-US" dirty="0"/>
-          </a:p>
-        </p:txBody>
-      </p:sp>
-    </p:spTree>
-  </p:cSld>
-  <p:clrMapOvr>
-    <a:masterClrMapping/>
-  </p:clrMapOvr>
-</p:sld>
-</file>
-
-<file path=ppt/slides/slide3.xml><?xml version="1.0" encoding="utf-8"?>
-<p:sld xmlns:a="http://schemas.openxmlformats.org/drawingml/2006/main" xmlns:r="http://schemas.openxmlformats.org/officeDocument/2006/relationships" xmlns:p="http://schemas.openxmlformats.org/presentationml/2006/main">
-  <p:cSld>
-    <p:spTree>
-      <p:nvGrpSpPr>
-        <p:cNvPr id="1" name=""/>
-        <p:cNvGrpSpPr/>
-        <p:nvPr/>
-      </p:nvGrpSpPr>
-      <p:grpSpPr>
-        <a:xfrm>
-          <a:off x="0" y="0"/>
-          <a:ext cx="0" cy="0"/>
-          <a:chOff x="0" y="0"/>
-          <a:chExt cx="0" cy="0"/>
-        </a:xfrm>
-      </p:grpSpPr>
-      <p:sp>
-        <p:nvSpPr>
           <p:cNvPr id="8" name="标题 1"/>
           <p:cNvSpPr txBox="1"/>
           <p:nvPr>
@@ -9819,8 +10440,755 @@
           </a:lstStyle>
           <a:p>
             <a:r>
+              <a:rPr dirty="0">
+                <a:sym typeface="+mn-ea"/>
+              </a:rPr>
+              <a:t>中介者模式(The Mediator Pattern)</a:t>
+            </a:r>
+            <a:endParaRPr dirty="0">
+              <a:sym typeface="+mn-ea"/>
+            </a:endParaRPr>
+          </a:p>
+        </p:txBody>
+      </p:sp>
+      <p:sp>
+        <p:nvSpPr>
+          <p:cNvPr id="3" name="文本框 2"/>
+          <p:cNvSpPr txBox="1"/>
+          <p:nvPr/>
+        </p:nvSpPr>
+        <p:spPr>
+          <a:xfrm>
+            <a:off x="566431" y="2057436"/>
+            <a:ext cx="8334776" cy="2306955"/>
+          </a:xfrm>
+          <a:prstGeom prst="rect">
+            <a:avLst/>
+          </a:prstGeom>
+          <a:noFill/>
+        </p:spPr>
+        <p:txBody>
+          <a:bodyPr wrap="square" rtlCol="0">
+            <a:spAutoFit/>
+          </a:bodyPr>
+          <a:lstStyle/>
+          <a:p>
+            <a:pPr indent="0" eaLnBrk="1" hangingPunct="1">
+              <a:lnSpc>
+                <a:spcPct val="150000"/>
+              </a:lnSpc>
+              <a:buFont typeface="Wingdings" panose="05000000000000000000" pitchFamily="2" charset="2"/>
+              <a:buNone/>
+            </a:pPr>
+            <a:r>
+              <a:rPr lang="zh-CN" altLang="en-US" b="1" dirty="0">
+                <a:solidFill>
+                  <a:srgbClr val="0070C0"/>
+                </a:solidFill>
+              </a:rPr>
+              <a:t>定义</a:t>
+            </a:r>
+            <a:endParaRPr lang="zh-CN" altLang="en-US" dirty="0"/>
+          </a:p>
+          <a:p>
+            <a:pPr marL="0" indent="461010" eaLnBrk="1" latinLnBrk="0" hangingPunct="1">
+              <a:lnSpc>
+                <a:spcPct val="200000"/>
+              </a:lnSpc>
+              <a:buClr>
+                <a:srgbClr val="0070C0"/>
+              </a:buClr>
+              <a:buFont typeface="+mj-lt"/>
+              <a:buNone/>
+            </a:pPr>
+            <a:r>
+              <a:rPr lang="en-US" altLang="zh-CN" sz="1800" dirty="0"/>
+              <a:t>是用来降低多个对象和类之间的通信复杂性。这种模式提供了一个中介类，该类通常处理不同类之间的通信，并支持松耦合，使代码易于维护。中介者模式属于行为型模式。</a:t>
+            </a:r>
+            <a:endParaRPr lang="en-US" altLang="zh-CN" sz="1800" dirty="0"/>
+          </a:p>
+        </p:txBody>
+      </p:sp>
+    </p:spTree>
+    <p:custDataLst>
+      <p:tags r:id="rId2"/>
+    </p:custDataLst>
+  </p:cSld>
+  <p:clrMapOvr>
+    <a:masterClrMapping/>
+  </p:clrMapOvr>
+</p:sld>
+</file>
+
+<file path=ppt/slides/slide26.xml><?xml version="1.0" encoding="utf-8"?>
+<p:sld xmlns:a="http://schemas.openxmlformats.org/drawingml/2006/main" xmlns:r="http://schemas.openxmlformats.org/officeDocument/2006/relationships" xmlns:p="http://schemas.openxmlformats.org/presentationml/2006/main">
+  <p:cSld>
+    <p:spTree>
+      <p:nvGrpSpPr>
+        <p:cNvPr id="1" name=""/>
+        <p:cNvGrpSpPr/>
+        <p:nvPr/>
+      </p:nvGrpSpPr>
+      <p:grpSpPr>
+        <a:xfrm>
+          <a:off x="0" y="0"/>
+          <a:ext cx="0" cy="0"/>
+          <a:chOff x="0" y="0"/>
+          <a:chExt cx="0" cy="0"/>
+        </a:xfrm>
+      </p:grpSpPr>
+      <p:sp>
+        <p:nvSpPr>
+          <p:cNvPr id="8" name="标题 1"/>
+          <p:cNvSpPr txBox="1"/>
+          <p:nvPr>
+            <p:custDataLst>
+              <p:tags r:id="rId1"/>
+            </p:custDataLst>
+          </p:nvPr>
+        </p:nvSpPr>
+        <p:spPr>
+          <a:xfrm>
+            <a:off x="571608" y="661194"/>
+            <a:ext cx="7886700" cy="994172"/>
+          </a:xfrm>
+          <a:prstGeom prst="rect">
+            <a:avLst/>
+          </a:prstGeom>
+        </p:spPr>
+        <p:txBody>
+          <a:bodyPr vert="horz" wrap="square" lIns="68580" tIns="34290" rIns="68580" bIns="34290" rtlCol="0" anchor="ctr">
+            <a:normAutofit/>
+          </a:bodyPr>
+          <a:lstStyle>
+            <a:lvl1pPr defTabSz="914400">
+              <a:lnSpc>
+                <a:spcPct val="120000"/>
+              </a:lnSpc>
+              <a:spcBef>
+                <a:spcPct val="0"/>
+              </a:spcBef>
+              <a:buNone/>
+              <a:defRPr sz="3600">
+                <a:solidFill>
+                  <a:schemeClr val="tx1">
+                    <a:lumMod val="75000"/>
+                    <a:lumOff val="25000"/>
+                  </a:schemeClr>
+                </a:solidFill>
+                <a:latin typeface="+mj-lt"/>
+                <a:ea typeface="+mj-ea"/>
+                <a:cs typeface="+mj-cs"/>
+              </a:defRPr>
+            </a:lvl1pPr>
+          </a:lstStyle>
+          <a:p>
+            <a:r>
+              <a:rPr dirty="0">
+                <a:sym typeface="+mn-ea"/>
+              </a:rPr>
+              <a:t>中介者模式(The Mediator Pattern)</a:t>
+            </a:r>
+            <a:endParaRPr dirty="0">
+              <a:sym typeface="+mn-ea"/>
+            </a:endParaRPr>
+          </a:p>
+        </p:txBody>
+      </p:sp>
+      <p:sp>
+        <p:nvSpPr>
+          <p:cNvPr id="3" name="文本框 2"/>
+          <p:cNvSpPr txBox="1"/>
+          <p:nvPr/>
+        </p:nvSpPr>
+        <p:spPr>
+          <a:xfrm>
+            <a:off x="566431" y="2057436"/>
+            <a:ext cx="8334776" cy="2676525"/>
+          </a:xfrm>
+          <a:prstGeom prst="rect">
+            <a:avLst/>
+          </a:prstGeom>
+          <a:noFill/>
+        </p:spPr>
+        <p:txBody>
+          <a:bodyPr wrap="square" rtlCol="0">
+            <a:spAutoFit/>
+          </a:bodyPr>
+          <a:lstStyle/>
+          <a:p>
+            <a:pPr indent="0" eaLnBrk="1" hangingPunct="1">
+              <a:lnSpc>
+                <a:spcPct val="150000"/>
+              </a:lnSpc>
+              <a:buFont typeface="Wingdings" panose="05000000000000000000" pitchFamily="2" charset="2"/>
+              <a:buNone/>
+            </a:pPr>
+            <a:r>
+              <a:rPr lang="zh-CN" altLang="en-US" b="1" dirty="0">
+                <a:solidFill>
+                  <a:srgbClr val="0070C0"/>
+                </a:solidFill>
+              </a:rPr>
+              <a:t>适用场景</a:t>
+            </a:r>
+            <a:endParaRPr lang="zh-CN" altLang="en-US" b="1" dirty="0">
+              <a:solidFill>
+                <a:srgbClr val="0070C0"/>
+              </a:solidFill>
+            </a:endParaRPr>
+          </a:p>
+          <a:p>
+            <a:pPr indent="0" eaLnBrk="1" hangingPunct="1">
+              <a:lnSpc>
+                <a:spcPct val="150000"/>
+              </a:lnSpc>
+              <a:buFont typeface="Wingdings" panose="05000000000000000000" pitchFamily="2" charset="2"/>
+              <a:buNone/>
+            </a:pPr>
+            <a:endParaRPr lang="en-US" altLang="zh-CN" b="1" dirty="0">
+              <a:solidFill>
+                <a:srgbClr val="0070C0"/>
+              </a:solidFill>
+            </a:endParaRPr>
+          </a:p>
+          <a:p>
+            <a:pPr marL="342900" indent="-342900" eaLnBrk="1" latinLnBrk="0" hangingPunct="1">
+              <a:lnSpc>
+                <a:spcPct val="200000"/>
+              </a:lnSpc>
+              <a:buClr>
+                <a:srgbClr val="0070C0"/>
+              </a:buClr>
+              <a:buFont typeface="+mj-lt"/>
+              <a:buAutoNum type="arabicPeriod"/>
+            </a:pPr>
+            <a:r>
+              <a:rPr sz="1600" dirty="0"/>
+              <a:t>系统中对象之间存在比较复杂的引用关系，导致它们之间的依赖关系结构混乱而且难以复用该对象</a:t>
+            </a:r>
+            <a:r>
+              <a:rPr lang="zh-CN" sz="1600" dirty="0"/>
+              <a:t>；</a:t>
+            </a:r>
+            <a:endParaRPr sz="1600" dirty="0"/>
+          </a:p>
+          <a:p>
+            <a:pPr marL="342900" indent="-342900" eaLnBrk="1" latinLnBrk="0" hangingPunct="1">
+              <a:lnSpc>
+                <a:spcPct val="200000"/>
+              </a:lnSpc>
+              <a:buClr>
+                <a:srgbClr val="0070C0"/>
+              </a:buClr>
+              <a:buFont typeface="+mj-lt"/>
+              <a:buAutoNum type="arabicPeriod"/>
+            </a:pPr>
+            <a:r>
+              <a:rPr sz="1600" dirty="0"/>
+              <a:t>想通过一个中间类来封装多个类中的行为，而又不想生成太多的子类</a:t>
+            </a:r>
+            <a:r>
+              <a:rPr lang="zh-CN" sz="1600" dirty="0"/>
+              <a:t>；</a:t>
+            </a:r>
+            <a:endParaRPr lang="zh-CN" sz="1600" dirty="0"/>
+          </a:p>
+        </p:txBody>
+      </p:sp>
+    </p:spTree>
+    <p:custDataLst>
+      <p:tags r:id="rId2"/>
+    </p:custDataLst>
+  </p:cSld>
+  <p:clrMapOvr>
+    <a:masterClrMapping/>
+  </p:clrMapOvr>
+</p:sld>
+</file>
+
+<file path=ppt/slides/slide27.xml><?xml version="1.0" encoding="utf-8"?>
+<p:sld xmlns:a="http://schemas.openxmlformats.org/drawingml/2006/main" xmlns:r="http://schemas.openxmlformats.org/officeDocument/2006/relationships" xmlns:p="http://schemas.openxmlformats.org/presentationml/2006/main">
+  <p:cSld>
+    <p:spTree>
+      <p:nvGrpSpPr>
+        <p:cNvPr id="1" name=""/>
+        <p:cNvGrpSpPr/>
+        <p:nvPr/>
+      </p:nvGrpSpPr>
+      <p:grpSpPr>
+        <a:xfrm>
+          <a:off x="0" y="0"/>
+          <a:ext cx="0" cy="0"/>
+          <a:chOff x="0" y="0"/>
+          <a:chExt cx="0" cy="0"/>
+        </a:xfrm>
+      </p:grpSpPr>
+      <p:sp>
+        <p:nvSpPr>
+          <p:cNvPr id="8" name="标题 1"/>
+          <p:cNvSpPr txBox="1"/>
+          <p:nvPr>
+            <p:custDataLst>
+              <p:tags r:id="rId1"/>
+            </p:custDataLst>
+          </p:nvPr>
+        </p:nvSpPr>
+        <p:spPr>
+          <a:xfrm>
+            <a:off x="571608" y="661194"/>
+            <a:ext cx="7886700" cy="994172"/>
+          </a:xfrm>
+          <a:prstGeom prst="rect">
+            <a:avLst/>
+          </a:prstGeom>
+        </p:spPr>
+        <p:txBody>
+          <a:bodyPr vert="horz" wrap="square" lIns="68580" tIns="34290" rIns="68580" bIns="34290" rtlCol="0" anchor="ctr">
+            <a:normAutofit/>
+          </a:bodyPr>
+          <a:lstStyle>
+            <a:lvl1pPr defTabSz="914400">
+              <a:lnSpc>
+                <a:spcPct val="120000"/>
+              </a:lnSpc>
+              <a:spcBef>
+                <a:spcPct val="0"/>
+              </a:spcBef>
+              <a:buNone/>
+              <a:defRPr sz="3600">
+                <a:solidFill>
+                  <a:schemeClr val="tx1">
+                    <a:lumMod val="75000"/>
+                    <a:lumOff val="25000"/>
+                  </a:schemeClr>
+                </a:solidFill>
+                <a:latin typeface="+mj-lt"/>
+                <a:ea typeface="+mj-ea"/>
+                <a:cs typeface="+mj-cs"/>
+              </a:defRPr>
+            </a:lvl1pPr>
+          </a:lstStyle>
+          <a:p>
+            <a:r>
+              <a:rPr dirty="0">
+                <a:sym typeface="+mn-ea"/>
+              </a:rPr>
+              <a:t>中介者模式(The Mediator Pattern)</a:t>
+            </a:r>
+            <a:endParaRPr dirty="0">
+              <a:sym typeface="+mn-ea"/>
+            </a:endParaRPr>
+          </a:p>
+        </p:txBody>
+      </p:sp>
+      <p:sp>
+        <p:nvSpPr>
+          <p:cNvPr id="3" name="文本框 2"/>
+          <p:cNvSpPr txBox="1"/>
+          <p:nvPr/>
+        </p:nvSpPr>
+        <p:spPr>
+          <a:xfrm>
+            <a:off x="566431" y="2057436"/>
+            <a:ext cx="8334776" cy="2861310"/>
+          </a:xfrm>
+          <a:prstGeom prst="rect">
+            <a:avLst/>
+          </a:prstGeom>
+          <a:noFill/>
+        </p:spPr>
+        <p:txBody>
+          <a:bodyPr wrap="square" rtlCol="0">
+            <a:spAutoFit/>
+          </a:bodyPr>
+          <a:lstStyle/>
+          <a:p>
+            <a:pPr indent="0" eaLnBrk="1" hangingPunct="1">
+              <a:lnSpc>
+                <a:spcPct val="150000"/>
+              </a:lnSpc>
+              <a:buFont typeface="Wingdings" panose="05000000000000000000" pitchFamily="2" charset="2"/>
+              <a:buNone/>
+            </a:pPr>
+            <a:r>
+              <a:rPr lang="zh-CN" altLang="en-US" b="1" dirty="0">
+                <a:solidFill>
+                  <a:srgbClr val="0070C0"/>
+                </a:solidFill>
+              </a:rPr>
+              <a:t>优点</a:t>
+            </a:r>
+            <a:endParaRPr lang="zh-CN" altLang="en-US" b="1" dirty="0">
+              <a:solidFill>
+                <a:srgbClr val="0070C0"/>
+              </a:solidFill>
+            </a:endParaRPr>
+          </a:p>
+          <a:p>
+            <a:pPr indent="0" eaLnBrk="1" hangingPunct="1">
+              <a:lnSpc>
+                <a:spcPct val="150000"/>
+              </a:lnSpc>
+              <a:buFont typeface="Wingdings" panose="05000000000000000000" pitchFamily="2" charset="2"/>
+              <a:buNone/>
+            </a:pPr>
+            <a:endParaRPr lang="zh-CN" altLang="en-US" dirty="0"/>
+          </a:p>
+          <a:p>
+            <a:pPr marL="457200" indent="-457200" eaLnBrk="1" latinLnBrk="0" hangingPunct="1">
+              <a:lnSpc>
+                <a:spcPct val="200000"/>
+              </a:lnSpc>
+              <a:buClr>
+                <a:srgbClr val="0070C0"/>
+              </a:buClr>
+              <a:buFont typeface="+mj-lt"/>
+              <a:buAutoNum type="arabicPeriod"/>
+            </a:pPr>
+            <a:r>
+              <a:rPr lang="zh-CN" altLang="en-US" sz="1800" dirty="0"/>
+              <a:t>降低了类的复杂度，将一对多转化成了一对一；</a:t>
+            </a:r>
+            <a:endParaRPr lang="zh-CN" altLang="en-US" sz="1800" dirty="0"/>
+          </a:p>
+          <a:p>
+            <a:pPr marL="457200" indent="-457200" eaLnBrk="1" latinLnBrk="0" hangingPunct="1">
+              <a:lnSpc>
+                <a:spcPct val="200000"/>
+              </a:lnSpc>
+              <a:buClr>
+                <a:srgbClr val="0070C0"/>
+              </a:buClr>
+              <a:buFont typeface="+mj-lt"/>
+              <a:buAutoNum type="arabicPeriod"/>
+            </a:pPr>
+            <a:r>
+              <a:rPr lang="zh-CN" altLang="en-US" sz="1800" dirty="0"/>
+              <a:t>各个类之间的解耦；</a:t>
+            </a:r>
+            <a:endParaRPr lang="zh-CN" altLang="en-US" sz="1800" dirty="0"/>
+          </a:p>
+          <a:p>
+            <a:pPr marL="457200" indent="-457200" eaLnBrk="1" latinLnBrk="0" hangingPunct="1">
+              <a:lnSpc>
+                <a:spcPct val="200000"/>
+              </a:lnSpc>
+              <a:buClr>
+                <a:srgbClr val="0070C0"/>
+              </a:buClr>
+              <a:buFont typeface="+mj-lt"/>
+              <a:buAutoNum type="arabicPeriod"/>
+            </a:pPr>
+            <a:r>
+              <a:rPr lang="zh-CN" altLang="en-US" sz="1800" dirty="0"/>
+              <a:t>符合迪米特原则；</a:t>
+            </a:r>
+            <a:endParaRPr lang="zh-CN" altLang="en-US" sz="1800" dirty="0"/>
+          </a:p>
+        </p:txBody>
+      </p:sp>
+    </p:spTree>
+    <p:custDataLst>
+      <p:tags r:id="rId2"/>
+    </p:custDataLst>
+  </p:cSld>
+  <p:clrMapOvr>
+    <a:masterClrMapping/>
+  </p:clrMapOvr>
+</p:sld>
+</file>
+
+<file path=ppt/slides/slide28.xml><?xml version="1.0" encoding="utf-8"?>
+<p:sld xmlns:a="http://schemas.openxmlformats.org/drawingml/2006/main" xmlns:r="http://schemas.openxmlformats.org/officeDocument/2006/relationships" xmlns:p="http://schemas.openxmlformats.org/presentationml/2006/main">
+  <p:cSld>
+    <p:spTree>
+      <p:nvGrpSpPr>
+        <p:cNvPr id="1" name=""/>
+        <p:cNvGrpSpPr/>
+        <p:nvPr/>
+      </p:nvGrpSpPr>
+      <p:grpSpPr>
+        <a:xfrm>
+          <a:off x="0" y="0"/>
+          <a:ext cx="0" cy="0"/>
+          <a:chOff x="0" y="0"/>
+          <a:chExt cx="0" cy="0"/>
+        </a:xfrm>
+      </p:grpSpPr>
+      <p:sp>
+        <p:nvSpPr>
+          <p:cNvPr id="8" name="标题 1"/>
+          <p:cNvSpPr txBox="1"/>
+          <p:nvPr>
+            <p:custDataLst>
+              <p:tags r:id="rId1"/>
+            </p:custDataLst>
+          </p:nvPr>
+        </p:nvSpPr>
+        <p:spPr>
+          <a:xfrm>
+            <a:off x="571608" y="661194"/>
+            <a:ext cx="7886700" cy="994172"/>
+          </a:xfrm>
+          <a:prstGeom prst="rect">
+            <a:avLst/>
+          </a:prstGeom>
+        </p:spPr>
+        <p:txBody>
+          <a:bodyPr vert="horz" wrap="square" lIns="68580" tIns="34290" rIns="68580" bIns="34290" rtlCol="0" anchor="ctr">
+            <a:normAutofit/>
+          </a:bodyPr>
+          <a:lstStyle>
+            <a:lvl1pPr defTabSz="914400">
+              <a:lnSpc>
+                <a:spcPct val="120000"/>
+              </a:lnSpc>
+              <a:spcBef>
+                <a:spcPct val="0"/>
+              </a:spcBef>
+              <a:buNone/>
+              <a:defRPr sz="3600">
+                <a:solidFill>
+                  <a:schemeClr val="tx1">
+                    <a:lumMod val="75000"/>
+                    <a:lumOff val="25000"/>
+                  </a:schemeClr>
+                </a:solidFill>
+                <a:latin typeface="+mj-lt"/>
+                <a:ea typeface="+mj-ea"/>
+                <a:cs typeface="+mj-cs"/>
+              </a:defRPr>
+            </a:lvl1pPr>
+          </a:lstStyle>
+          <a:p>
+            <a:r>
+              <a:rPr dirty="0">
+                <a:sym typeface="+mn-ea"/>
+              </a:rPr>
+              <a:t>中介者模式(The Mediator Pattern)</a:t>
+            </a:r>
+            <a:endParaRPr dirty="0">
+              <a:sym typeface="+mn-ea"/>
+            </a:endParaRPr>
+          </a:p>
+        </p:txBody>
+      </p:sp>
+      <p:sp>
+        <p:nvSpPr>
+          <p:cNvPr id="3" name="文本框 2"/>
+          <p:cNvSpPr txBox="1"/>
+          <p:nvPr/>
+        </p:nvSpPr>
+        <p:spPr>
+          <a:xfrm>
+            <a:off x="566431" y="2057436"/>
+            <a:ext cx="8334776" cy="1198880"/>
+          </a:xfrm>
+          <a:prstGeom prst="rect">
+            <a:avLst/>
+          </a:prstGeom>
+          <a:noFill/>
+        </p:spPr>
+        <p:txBody>
+          <a:bodyPr wrap="square" rtlCol="0">
+            <a:spAutoFit/>
+          </a:bodyPr>
+          <a:lstStyle/>
+          <a:p>
+            <a:pPr indent="0" eaLnBrk="1" hangingPunct="1">
+              <a:lnSpc>
+                <a:spcPct val="150000"/>
+              </a:lnSpc>
+              <a:buFont typeface="Wingdings" panose="05000000000000000000" pitchFamily="2" charset="2"/>
+              <a:buNone/>
+            </a:pPr>
+            <a:r>
+              <a:rPr lang="zh-CN" altLang="en-US" b="1" dirty="0">
+                <a:solidFill>
+                  <a:srgbClr val="0070C0"/>
+                </a:solidFill>
+              </a:rPr>
+              <a:t>缺点</a:t>
+            </a:r>
+            <a:endParaRPr lang="zh-CN" altLang="en-US" dirty="0"/>
+          </a:p>
+          <a:p>
+            <a:pPr marL="457200" indent="-457200" algn="l">
+              <a:lnSpc>
+                <a:spcPct val="200000"/>
+              </a:lnSpc>
+              <a:buClr>
+                <a:srgbClr val="0070C0"/>
+              </a:buClr>
+              <a:buFont typeface="+mj-lt"/>
+              <a:buAutoNum type="arabicPeriod"/>
+            </a:pPr>
+            <a:r>
+              <a:rPr lang="zh-CN" altLang="en-US" sz="1800" dirty="0"/>
+              <a:t>中介者会庞大，变得复杂难以维护。</a:t>
+            </a:r>
+            <a:endParaRPr lang="zh-CN" altLang="en-US" sz="1800" dirty="0"/>
+          </a:p>
+        </p:txBody>
+      </p:sp>
+    </p:spTree>
+    <p:custDataLst>
+      <p:tags r:id="rId2"/>
+    </p:custDataLst>
+  </p:cSld>
+  <p:clrMapOvr>
+    <a:masterClrMapping/>
+  </p:clrMapOvr>
+</p:sld>
+</file>
+
+<file path=ppt/slides/slide29.xml><?xml version="1.0" encoding="utf-8"?>
+<p:sld xmlns:a="http://schemas.openxmlformats.org/drawingml/2006/main" xmlns:r="http://schemas.openxmlformats.org/officeDocument/2006/relationships" xmlns:p="http://schemas.openxmlformats.org/presentationml/2006/main">
+  <p:cSld>
+    <p:spTree>
+      <p:nvGrpSpPr>
+        <p:cNvPr id="1" name=""/>
+        <p:cNvGrpSpPr/>
+        <p:nvPr/>
+      </p:nvGrpSpPr>
+      <p:grpSpPr>
+        <a:xfrm>
+          <a:off x="0" y="0"/>
+          <a:ext cx="0" cy="0"/>
+          <a:chOff x="0" y="0"/>
+          <a:chExt cx="0" cy="0"/>
+        </a:xfrm>
+      </p:grpSpPr>
+      <p:sp>
+        <p:nvSpPr>
+          <p:cNvPr id="2" name="标题 1"/>
+          <p:cNvSpPr>
+            <a:spLocks noGrp="1"/>
+          </p:cNvSpPr>
+          <p:nvPr>
+            <p:ph type="title"/>
+          </p:nvPr>
+        </p:nvSpPr>
+        <p:spPr>
+          <a:xfrm>
+            <a:off x="1138792" y="3078833"/>
+            <a:ext cx="6856892" cy="830998"/>
+          </a:xfrm>
+        </p:spPr>
+        <p:txBody>
+          <a:bodyPr>
+            <a:noAutofit/>
+          </a:bodyPr>
+          <a:lstStyle/>
+          <a:p>
+            <a:r>
+              <a:rPr lang="en-US" altLang="zh-CN" sz="3600" dirty="0"/>
+              <a:t>The Observer Pattern</a:t>
+            </a:r>
+            <a:endParaRPr lang="en-US" altLang="zh-CN" sz="3600" dirty="0"/>
+          </a:p>
+        </p:txBody>
+      </p:sp>
+      <p:sp>
+        <p:nvSpPr>
+          <p:cNvPr id="3" name="内容占位符 2"/>
+          <p:cNvSpPr>
+            <a:spLocks noGrp="1"/>
+          </p:cNvSpPr>
+          <p:nvPr>
+            <p:ph sz="quarter" idx="13"/>
+          </p:nvPr>
+        </p:nvSpPr>
+        <p:spPr/>
+        <p:txBody>
+          <a:bodyPr>
+            <a:normAutofit/>
+          </a:bodyPr>
+          <a:lstStyle/>
+          <a:p>
+            <a:r>
               <a:rPr lang="zh-CN" altLang="en-US" dirty="0"/>
-              <a:t>结构型模式</a:t>
+              <a:t>观察者模式</a:t>
+            </a:r>
+            <a:endParaRPr lang="zh-CN" altLang="en-US" dirty="0"/>
+          </a:p>
+        </p:txBody>
+      </p:sp>
+    </p:spTree>
+  </p:cSld>
+  <p:clrMapOvr>
+    <a:masterClrMapping/>
+  </p:clrMapOvr>
+</p:sld>
+</file>
+
+<file path=ppt/slides/slide3.xml><?xml version="1.0" encoding="utf-8"?>
+<p:sld xmlns:a="http://schemas.openxmlformats.org/drawingml/2006/main" xmlns:r="http://schemas.openxmlformats.org/officeDocument/2006/relationships" xmlns:p="http://schemas.openxmlformats.org/presentationml/2006/main">
+  <p:cSld>
+    <p:spTree>
+      <p:nvGrpSpPr>
+        <p:cNvPr id="1" name=""/>
+        <p:cNvGrpSpPr/>
+        <p:nvPr/>
+      </p:nvGrpSpPr>
+      <p:grpSpPr>
+        <a:xfrm>
+          <a:off x="0" y="0"/>
+          <a:ext cx="0" cy="0"/>
+          <a:chOff x="0" y="0"/>
+          <a:chExt cx="0" cy="0"/>
+        </a:xfrm>
+      </p:grpSpPr>
+      <p:sp>
+        <p:nvSpPr>
+          <p:cNvPr id="8" name="标题 1"/>
+          <p:cNvSpPr txBox="1"/>
+          <p:nvPr>
+            <p:custDataLst>
+              <p:tags r:id="rId1"/>
+            </p:custDataLst>
+          </p:nvPr>
+        </p:nvSpPr>
+        <p:spPr>
+          <a:xfrm>
+            <a:off x="571608" y="661194"/>
+            <a:ext cx="7886700" cy="994172"/>
+          </a:xfrm>
+          <a:prstGeom prst="rect">
+            <a:avLst/>
+          </a:prstGeom>
+        </p:spPr>
+        <p:txBody>
+          <a:bodyPr vert="horz" wrap="square" lIns="68580" tIns="34290" rIns="68580" bIns="34290" rtlCol="0" anchor="ctr">
+            <a:normAutofit/>
+          </a:bodyPr>
+          <a:lstStyle>
+            <a:lvl1pPr defTabSz="914400">
+              <a:lnSpc>
+                <a:spcPct val="120000"/>
+              </a:lnSpc>
+              <a:spcBef>
+                <a:spcPct val="0"/>
+              </a:spcBef>
+              <a:buNone/>
+              <a:defRPr sz="3600">
+                <a:solidFill>
+                  <a:schemeClr val="tx1">
+                    <a:lumMod val="75000"/>
+                    <a:lumOff val="25000"/>
+                  </a:schemeClr>
+                </a:solidFill>
+                <a:latin typeface="+mj-lt"/>
+                <a:ea typeface="+mj-ea"/>
+                <a:cs typeface="+mj-cs"/>
+              </a:defRPr>
+            </a:lvl1pPr>
+          </a:lstStyle>
+          <a:p>
+            <a:r>
+              <a:rPr lang="zh-CN" altLang="en-US" dirty="0"/>
+              <a:t>行为型模式</a:t>
             </a:r>
             <a:endParaRPr lang="zh-CN" altLang="en-US" dirty="0"/>
           </a:p>
@@ -10048,6 +11416,1637 @@
     <p:custDataLst>
       <p:tags r:id="rId2"/>
     </p:custDataLst>
+  </p:cSld>
+  <p:clrMapOvr>
+    <a:masterClrMapping/>
+  </p:clrMapOvr>
+</p:sld>
+</file>
+
+<file path=ppt/slides/slide30.xml><?xml version="1.0" encoding="utf-8"?>
+<p:sld xmlns:a="http://schemas.openxmlformats.org/drawingml/2006/main" xmlns:r="http://schemas.openxmlformats.org/officeDocument/2006/relationships" xmlns:p="http://schemas.openxmlformats.org/presentationml/2006/main">
+  <p:cSld>
+    <p:spTree>
+      <p:nvGrpSpPr>
+        <p:cNvPr id="1" name=""/>
+        <p:cNvGrpSpPr/>
+        <p:nvPr/>
+      </p:nvGrpSpPr>
+      <p:grpSpPr>
+        <a:xfrm>
+          <a:off x="0" y="0"/>
+          <a:ext cx="0" cy="0"/>
+          <a:chOff x="0" y="0"/>
+          <a:chExt cx="0" cy="0"/>
+        </a:xfrm>
+      </p:grpSpPr>
+      <p:sp>
+        <p:nvSpPr>
+          <p:cNvPr id="8" name="标题 1"/>
+          <p:cNvSpPr txBox="1"/>
+          <p:nvPr>
+            <p:custDataLst>
+              <p:tags r:id="rId1"/>
+            </p:custDataLst>
+          </p:nvPr>
+        </p:nvSpPr>
+        <p:spPr>
+          <a:xfrm>
+            <a:off x="571608" y="661194"/>
+            <a:ext cx="7886700" cy="994172"/>
+          </a:xfrm>
+          <a:prstGeom prst="rect">
+            <a:avLst/>
+          </a:prstGeom>
+        </p:spPr>
+        <p:txBody>
+          <a:bodyPr vert="horz" wrap="square" lIns="68580" tIns="34290" rIns="68580" bIns="34290" rtlCol="0" anchor="ctr">
+            <a:normAutofit/>
+          </a:bodyPr>
+          <a:lstStyle>
+            <a:lvl1pPr defTabSz="914400">
+              <a:lnSpc>
+                <a:spcPct val="120000"/>
+              </a:lnSpc>
+              <a:spcBef>
+                <a:spcPct val="0"/>
+              </a:spcBef>
+              <a:buNone/>
+              <a:defRPr sz="3600">
+                <a:solidFill>
+                  <a:schemeClr val="tx1">
+                    <a:lumMod val="75000"/>
+                    <a:lumOff val="25000"/>
+                  </a:schemeClr>
+                </a:solidFill>
+                <a:latin typeface="+mj-lt"/>
+                <a:ea typeface="+mj-ea"/>
+                <a:cs typeface="+mj-cs"/>
+              </a:defRPr>
+            </a:lvl1pPr>
+          </a:lstStyle>
+          <a:p>
+            <a:r>
+              <a:rPr dirty="0">
+                <a:sym typeface="+mn-ea"/>
+              </a:rPr>
+              <a:t>观察者模式(The Observer Pattern)</a:t>
+            </a:r>
+            <a:endParaRPr dirty="0">
+              <a:sym typeface="+mn-ea"/>
+            </a:endParaRPr>
+          </a:p>
+        </p:txBody>
+      </p:sp>
+      <p:sp>
+        <p:nvSpPr>
+          <p:cNvPr id="3" name="文本框 2"/>
+          <p:cNvSpPr txBox="1"/>
+          <p:nvPr/>
+        </p:nvSpPr>
+        <p:spPr>
+          <a:xfrm>
+            <a:off x="566431" y="2057436"/>
+            <a:ext cx="8334776" cy="1198880"/>
+          </a:xfrm>
+          <a:prstGeom prst="rect">
+            <a:avLst/>
+          </a:prstGeom>
+          <a:noFill/>
+        </p:spPr>
+        <p:txBody>
+          <a:bodyPr wrap="square" rtlCol="0">
+            <a:spAutoFit/>
+          </a:bodyPr>
+          <a:lstStyle/>
+          <a:p>
+            <a:pPr indent="0" eaLnBrk="1" hangingPunct="1">
+              <a:lnSpc>
+                <a:spcPct val="150000"/>
+              </a:lnSpc>
+              <a:buFont typeface="Wingdings" panose="05000000000000000000" pitchFamily="2" charset="2"/>
+              <a:buNone/>
+            </a:pPr>
+            <a:r>
+              <a:rPr lang="zh-CN" altLang="en-US" b="1" dirty="0">
+                <a:solidFill>
+                  <a:srgbClr val="0070C0"/>
+                </a:solidFill>
+              </a:rPr>
+              <a:t>定义</a:t>
+            </a:r>
+            <a:endParaRPr lang="zh-CN" altLang="en-US" dirty="0"/>
+          </a:p>
+          <a:p>
+            <a:pPr marL="0" indent="461010" eaLnBrk="1" latinLnBrk="0" hangingPunct="1">
+              <a:lnSpc>
+                <a:spcPct val="200000"/>
+              </a:lnSpc>
+              <a:buClr>
+                <a:srgbClr val="0070C0"/>
+              </a:buClr>
+              <a:buFont typeface="+mj-lt"/>
+              <a:buNone/>
+            </a:pPr>
+            <a:r>
+              <a:rPr lang="en-US" altLang="zh-CN" sz="1800" dirty="0"/>
+              <a:t>当对象间存在一对多关系时，则使用观察者模式</a:t>
+            </a:r>
+            <a:r>
+              <a:rPr lang="zh-CN" altLang="en-US" sz="1800" dirty="0"/>
+              <a:t>。</a:t>
+            </a:r>
+            <a:endParaRPr lang="zh-CN" altLang="en-US" sz="1800" dirty="0"/>
+          </a:p>
+        </p:txBody>
+      </p:sp>
+    </p:spTree>
+    <p:custDataLst>
+      <p:tags r:id="rId2"/>
+    </p:custDataLst>
+  </p:cSld>
+  <p:clrMapOvr>
+    <a:masterClrMapping/>
+  </p:clrMapOvr>
+</p:sld>
+</file>
+
+<file path=ppt/slides/slide31.xml><?xml version="1.0" encoding="utf-8"?>
+<p:sld xmlns:a="http://schemas.openxmlformats.org/drawingml/2006/main" xmlns:r="http://schemas.openxmlformats.org/officeDocument/2006/relationships" xmlns:p="http://schemas.openxmlformats.org/presentationml/2006/main">
+  <p:cSld>
+    <p:spTree>
+      <p:nvGrpSpPr>
+        <p:cNvPr id="1" name=""/>
+        <p:cNvGrpSpPr/>
+        <p:nvPr/>
+      </p:nvGrpSpPr>
+      <p:grpSpPr>
+        <a:xfrm>
+          <a:off x="0" y="0"/>
+          <a:ext cx="0" cy="0"/>
+          <a:chOff x="0" y="0"/>
+          <a:chExt cx="0" cy="0"/>
+        </a:xfrm>
+      </p:grpSpPr>
+      <p:sp>
+        <p:nvSpPr>
+          <p:cNvPr id="8" name="标题 1"/>
+          <p:cNvSpPr txBox="1"/>
+          <p:nvPr>
+            <p:custDataLst>
+              <p:tags r:id="rId1"/>
+            </p:custDataLst>
+          </p:nvPr>
+        </p:nvSpPr>
+        <p:spPr>
+          <a:xfrm>
+            <a:off x="571608" y="661194"/>
+            <a:ext cx="7886700" cy="994172"/>
+          </a:xfrm>
+          <a:prstGeom prst="rect">
+            <a:avLst/>
+          </a:prstGeom>
+        </p:spPr>
+        <p:txBody>
+          <a:bodyPr vert="horz" wrap="square" lIns="68580" tIns="34290" rIns="68580" bIns="34290" rtlCol="0" anchor="ctr">
+            <a:normAutofit/>
+          </a:bodyPr>
+          <a:lstStyle>
+            <a:lvl1pPr defTabSz="914400">
+              <a:lnSpc>
+                <a:spcPct val="120000"/>
+              </a:lnSpc>
+              <a:spcBef>
+                <a:spcPct val="0"/>
+              </a:spcBef>
+              <a:buNone/>
+              <a:defRPr sz="3600">
+                <a:solidFill>
+                  <a:schemeClr val="tx1">
+                    <a:lumMod val="75000"/>
+                    <a:lumOff val="25000"/>
+                  </a:schemeClr>
+                </a:solidFill>
+                <a:latin typeface="+mj-lt"/>
+                <a:ea typeface="+mj-ea"/>
+                <a:cs typeface="+mj-cs"/>
+              </a:defRPr>
+            </a:lvl1pPr>
+          </a:lstStyle>
+          <a:p>
+            <a:r>
+              <a:rPr dirty="0">
+                <a:sym typeface="+mn-ea"/>
+              </a:rPr>
+              <a:t>观察者模式(The Observer Pattern)</a:t>
+            </a:r>
+            <a:endParaRPr dirty="0">
+              <a:sym typeface="+mn-ea"/>
+            </a:endParaRPr>
+          </a:p>
+        </p:txBody>
+      </p:sp>
+      <p:sp>
+        <p:nvSpPr>
+          <p:cNvPr id="3" name="文本框 2"/>
+          <p:cNvSpPr txBox="1"/>
+          <p:nvPr/>
+        </p:nvSpPr>
+        <p:spPr>
+          <a:xfrm>
+            <a:off x="566431" y="2057436"/>
+            <a:ext cx="8334776" cy="4831080"/>
+          </a:xfrm>
+          <a:prstGeom prst="rect">
+            <a:avLst/>
+          </a:prstGeom>
+          <a:noFill/>
+        </p:spPr>
+        <p:txBody>
+          <a:bodyPr wrap="square" rtlCol="0">
+            <a:spAutoFit/>
+          </a:bodyPr>
+          <a:lstStyle/>
+          <a:p>
+            <a:pPr indent="0" eaLnBrk="1" hangingPunct="1">
+              <a:lnSpc>
+                <a:spcPct val="150000"/>
+              </a:lnSpc>
+              <a:buFont typeface="Wingdings" panose="05000000000000000000" pitchFamily="2" charset="2"/>
+              <a:buNone/>
+            </a:pPr>
+            <a:r>
+              <a:rPr lang="zh-CN" altLang="en-US" b="1" dirty="0">
+                <a:solidFill>
+                  <a:srgbClr val="0070C0"/>
+                </a:solidFill>
+              </a:rPr>
+              <a:t>适用场景</a:t>
+            </a:r>
+            <a:endParaRPr lang="en-US" altLang="zh-CN" b="1" dirty="0">
+              <a:solidFill>
+                <a:srgbClr val="0070C0"/>
+              </a:solidFill>
+            </a:endParaRPr>
+          </a:p>
+          <a:p>
+            <a:pPr marL="342900" indent="-342900" eaLnBrk="1" latinLnBrk="0" hangingPunct="1">
+              <a:lnSpc>
+                <a:spcPct val="200000"/>
+              </a:lnSpc>
+              <a:buClr>
+                <a:srgbClr val="0070C0"/>
+              </a:buClr>
+              <a:buFont typeface="+mj-lt"/>
+              <a:buAutoNum type="arabicPeriod"/>
+            </a:pPr>
+            <a:r>
+              <a:rPr sz="1600" dirty="0"/>
+              <a:t>一个抽象模型有两个方面，其中一个方面依赖于另一个方面。将这些方面封装在独立的对象中使它们可以各自独立地改变和复用。</a:t>
+            </a:r>
+            <a:endParaRPr sz="1600" dirty="0"/>
+          </a:p>
+          <a:p>
+            <a:pPr marL="342900" indent="-342900" eaLnBrk="1" latinLnBrk="0" hangingPunct="1">
+              <a:lnSpc>
+                <a:spcPct val="200000"/>
+              </a:lnSpc>
+              <a:buClr>
+                <a:srgbClr val="0070C0"/>
+              </a:buClr>
+              <a:buFont typeface="+mj-lt"/>
+              <a:buAutoNum type="arabicPeriod"/>
+            </a:pPr>
+            <a:r>
+              <a:rPr sz="1600" dirty="0"/>
+              <a:t>一个对象的改变将导致其他一个或多个对象也发生改变，而不知道具体有多少对象将发生改变，可以降低对象之间的耦合度。</a:t>
+            </a:r>
+            <a:endParaRPr sz="1600" dirty="0"/>
+          </a:p>
+          <a:p>
+            <a:pPr marL="342900" indent="-342900" eaLnBrk="1" latinLnBrk="0" hangingPunct="1">
+              <a:lnSpc>
+                <a:spcPct val="200000"/>
+              </a:lnSpc>
+              <a:buClr>
+                <a:srgbClr val="0070C0"/>
+              </a:buClr>
+              <a:buFont typeface="+mj-lt"/>
+              <a:buAutoNum type="arabicPeriod"/>
+            </a:pPr>
+            <a:r>
+              <a:rPr sz="1600" dirty="0"/>
+              <a:t>一个对象必须通知其他对象，而并不知道这些对象是谁。</a:t>
+            </a:r>
+            <a:endParaRPr sz="1600" dirty="0"/>
+          </a:p>
+          <a:p>
+            <a:pPr marL="342900" indent="-342900" eaLnBrk="1" latinLnBrk="0" hangingPunct="1">
+              <a:lnSpc>
+                <a:spcPct val="200000"/>
+              </a:lnSpc>
+              <a:buClr>
+                <a:srgbClr val="0070C0"/>
+              </a:buClr>
+              <a:buFont typeface="+mj-lt"/>
+              <a:buAutoNum type="arabicPeriod"/>
+            </a:pPr>
+            <a:r>
+              <a:rPr sz="1600" dirty="0"/>
+              <a:t>需要在系统中创建一个触发链，A对象的行为将影响B对象，B对象的行为将影响C对象……，可以使用观察者模式创建一种链式触发机制。</a:t>
+            </a:r>
+            <a:endParaRPr sz="1600" dirty="0"/>
+          </a:p>
+          <a:p>
+            <a:pPr marL="0" indent="0" eaLnBrk="1" latinLnBrk="0" hangingPunct="1">
+              <a:lnSpc>
+                <a:spcPct val="200000"/>
+              </a:lnSpc>
+              <a:buClr>
+                <a:srgbClr val="0070C0"/>
+              </a:buClr>
+              <a:buFont typeface="+mj-lt"/>
+              <a:buNone/>
+            </a:pPr>
+            <a:r>
+              <a:rPr sz="1200" b="1" dirty="0">
+                <a:solidFill>
+                  <a:srgbClr val="FF0000"/>
+                </a:solidFill>
+              </a:rPr>
+              <a:t>注意事项：</a:t>
+            </a:r>
+            <a:r>
+              <a:rPr sz="1200" dirty="0"/>
+              <a:t> 1、JAVA 中已经有了对观察者模式的支持类。 2、避免循环引用。 3、如果顺序执行，某一观察者错误会导致系统</a:t>
+            </a:r>
+            <a:r>
+              <a:rPr lang="zh-CN" sz="1200" dirty="0"/>
+              <a:t>阻塞</a:t>
+            </a:r>
+            <a:r>
+              <a:rPr sz="1200" dirty="0"/>
+              <a:t>，一般采用异步方式。</a:t>
+            </a:r>
+            <a:endParaRPr sz="1200" dirty="0"/>
+          </a:p>
+        </p:txBody>
+      </p:sp>
+    </p:spTree>
+    <p:custDataLst>
+      <p:tags r:id="rId2"/>
+    </p:custDataLst>
+  </p:cSld>
+  <p:clrMapOvr>
+    <a:masterClrMapping/>
+  </p:clrMapOvr>
+</p:sld>
+</file>
+
+<file path=ppt/slides/slide32.xml><?xml version="1.0" encoding="utf-8"?>
+<p:sld xmlns:a="http://schemas.openxmlformats.org/drawingml/2006/main" xmlns:r="http://schemas.openxmlformats.org/officeDocument/2006/relationships" xmlns:p="http://schemas.openxmlformats.org/presentationml/2006/main">
+  <p:cSld>
+    <p:spTree>
+      <p:nvGrpSpPr>
+        <p:cNvPr id="1" name=""/>
+        <p:cNvGrpSpPr/>
+        <p:nvPr/>
+      </p:nvGrpSpPr>
+      <p:grpSpPr>
+        <a:xfrm>
+          <a:off x="0" y="0"/>
+          <a:ext cx="0" cy="0"/>
+          <a:chOff x="0" y="0"/>
+          <a:chExt cx="0" cy="0"/>
+        </a:xfrm>
+      </p:grpSpPr>
+      <p:sp>
+        <p:nvSpPr>
+          <p:cNvPr id="8" name="标题 1"/>
+          <p:cNvSpPr txBox="1"/>
+          <p:nvPr>
+            <p:custDataLst>
+              <p:tags r:id="rId1"/>
+            </p:custDataLst>
+          </p:nvPr>
+        </p:nvSpPr>
+        <p:spPr>
+          <a:xfrm>
+            <a:off x="571608" y="661194"/>
+            <a:ext cx="7886700" cy="994172"/>
+          </a:xfrm>
+          <a:prstGeom prst="rect">
+            <a:avLst/>
+          </a:prstGeom>
+        </p:spPr>
+        <p:txBody>
+          <a:bodyPr vert="horz" wrap="square" lIns="68580" tIns="34290" rIns="68580" bIns="34290" rtlCol="0" anchor="ctr">
+            <a:normAutofit/>
+          </a:bodyPr>
+          <a:lstStyle>
+            <a:lvl1pPr defTabSz="914400">
+              <a:lnSpc>
+                <a:spcPct val="120000"/>
+              </a:lnSpc>
+              <a:spcBef>
+                <a:spcPct val="0"/>
+              </a:spcBef>
+              <a:buNone/>
+              <a:defRPr sz="3600">
+                <a:solidFill>
+                  <a:schemeClr val="tx1">
+                    <a:lumMod val="75000"/>
+                    <a:lumOff val="25000"/>
+                  </a:schemeClr>
+                </a:solidFill>
+                <a:latin typeface="+mj-lt"/>
+                <a:ea typeface="+mj-ea"/>
+                <a:cs typeface="+mj-cs"/>
+              </a:defRPr>
+            </a:lvl1pPr>
+          </a:lstStyle>
+          <a:p>
+            <a:r>
+              <a:rPr dirty="0">
+                <a:sym typeface="+mn-ea"/>
+              </a:rPr>
+              <a:t>观察者模式(The Observer Pattern)</a:t>
+            </a:r>
+            <a:endParaRPr dirty="0">
+              <a:sym typeface="+mn-ea"/>
+            </a:endParaRPr>
+          </a:p>
+        </p:txBody>
+      </p:sp>
+      <p:sp>
+        <p:nvSpPr>
+          <p:cNvPr id="3" name="文本框 2"/>
+          <p:cNvSpPr txBox="1"/>
+          <p:nvPr/>
+        </p:nvSpPr>
+        <p:spPr>
+          <a:xfrm>
+            <a:off x="566431" y="2057436"/>
+            <a:ext cx="8334776" cy="2306955"/>
+          </a:xfrm>
+          <a:prstGeom prst="rect">
+            <a:avLst/>
+          </a:prstGeom>
+          <a:noFill/>
+        </p:spPr>
+        <p:txBody>
+          <a:bodyPr wrap="square" rtlCol="0">
+            <a:spAutoFit/>
+          </a:bodyPr>
+          <a:lstStyle/>
+          <a:p>
+            <a:pPr indent="0" eaLnBrk="1" hangingPunct="1">
+              <a:lnSpc>
+                <a:spcPct val="150000"/>
+              </a:lnSpc>
+              <a:buFont typeface="Wingdings" panose="05000000000000000000" pitchFamily="2" charset="2"/>
+              <a:buNone/>
+            </a:pPr>
+            <a:r>
+              <a:rPr lang="zh-CN" altLang="en-US" b="1" dirty="0">
+                <a:solidFill>
+                  <a:srgbClr val="0070C0"/>
+                </a:solidFill>
+              </a:rPr>
+              <a:t>优点</a:t>
+            </a:r>
+            <a:endParaRPr lang="zh-CN" altLang="en-US" b="1" dirty="0">
+              <a:solidFill>
+                <a:srgbClr val="0070C0"/>
+              </a:solidFill>
+            </a:endParaRPr>
+          </a:p>
+          <a:p>
+            <a:pPr indent="0" eaLnBrk="1" hangingPunct="1">
+              <a:lnSpc>
+                <a:spcPct val="150000"/>
+              </a:lnSpc>
+              <a:buFont typeface="Wingdings" panose="05000000000000000000" pitchFamily="2" charset="2"/>
+              <a:buNone/>
+            </a:pPr>
+            <a:endParaRPr lang="zh-CN" altLang="en-US" dirty="0"/>
+          </a:p>
+          <a:p>
+            <a:pPr marL="457200" indent="-457200" eaLnBrk="1" latinLnBrk="0" hangingPunct="1">
+              <a:lnSpc>
+                <a:spcPct val="200000"/>
+              </a:lnSpc>
+              <a:buClr>
+                <a:srgbClr val="0070C0"/>
+              </a:buClr>
+              <a:buFont typeface="+mj-lt"/>
+              <a:buAutoNum type="arabicPeriod"/>
+            </a:pPr>
+            <a:r>
+              <a:rPr lang="zh-CN" altLang="en-US" sz="1800" dirty="0"/>
+              <a:t>观察者和被观察者是抽象耦合的；</a:t>
+            </a:r>
+            <a:endParaRPr lang="zh-CN" altLang="en-US" sz="1800" dirty="0"/>
+          </a:p>
+          <a:p>
+            <a:pPr marL="457200" indent="-457200" eaLnBrk="1" latinLnBrk="0" hangingPunct="1">
+              <a:lnSpc>
+                <a:spcPct val="200000"/>
+              </a:lnSpc>
+              <a:buClr>
+                <a:srgbClr val="0070C0"/>
+              </a:buClr>
+              <a:buFont typeface="+mj-lt"/>
+              <a:buAutoNum type="arabicPeriod"/>
+            </a:pPr>
+            <a:r>
+              <a:rPr lang="zh-CN" altLang="en-US" sz="1800" dirty="0"/>
+              <a:t>建立一套触发机制；</a:t>
+            </a:r>
+            <a:endParaRPr lang="zh-CN" altLang="en-US" sz="1800" dirty="0"/>
+          </a:p>
+        </p:txBody>
+      </p:sp>
+    </p:spTree>
+    <p:custDataLst>
+      <p:tags r:id="rId2"/>
+    </p:custDataLst>
+  </p:cSld>
+  <p:clrMapOvr>
+    <a:masterClrMapping/>
+  </p:clrMapOvr>
+</p:sld>
+</file>
+
+<file path=ppt/slides/slide33.xml><?xml version="1.0" encoding="utf-8"?>
+<p:sld xmlns:a="http://schemas.openxmlformats.org/drawingml/2006/main" xmlns:r="http://schemas.openxmlformats.org/officeDocument/2006/relationships" xmlns:p="http://schemas.openxmlformats.org/presentationml/2006/main">
+  <p:cSld>
+    <p:spTree>
+      <p:nvGrpSpPr>
+        <p:cNvPr id="1" name=""/>
+        <p:cNvGrpSpPr/>
+        <p:nvPr/>
+      </p:nvGrpSpPr>
+      <p:grpSpPr>
+        <a:xfrm>
+          <a:off x="0" y="0"/>
+          <a:ext cx="0" cy="0"/>
+          <a:chOff x="0" y="0"/>
+          <a:chExt cx="0" cy="0"/>
+        </a:xfrm>
+      </p:grpSpPr>
+      <p:sp>
+        <p:nvSpPr>
+          <p:cNvPr id="8" name="标题 1"/>
+          <p:cNvSpPr txBox="1"/>
+          <p:nvPr>
+            <p:custDataLst>
+              <p:tags r:id="rId1"/>
+            </p:custDataLst>
+          </p:nvPr>
+        </p:nvSpPr>
+        <p:spPr>
+          <a:xfrm>
+            <a:off x="571608" y="661194"/>
+            <a:ext cx="7886700" cy="994172"/>
+          </a:xfrm>
+          <a:prstGeom prst="rect">
+            <a:avLst/>
+          </a:prstGeom>
+        </p:spPr>
+        <p:txBody>
+          <a:bodyPr vert="horz" wrap="square" lIns="68580" tIns="34290" rIns="68580" bIns="34290" rtlCol="0" anchor="ctr">
+            <a:normAutofit/>
+          </a:bodyPr>
+          <a:lstStyle>
+            <a:lvl1pPr defTabSz="914400">
+              <a:lnSpc>
+                <a:spcPct val="120000"/>
+              </a:lnSpc>
+              <a:spcBef>
+                <a:spcPct val="0"/>
+              </a:spcBef>
+              <a:buNone/>
+              <a:defRPr sz="3600">
+                <a:solidFill>
+                  <a:schemeClr val="tx1">
+                    <a:lumMod val="75000"/>
+                    <a:lumOff val="25000"/>
+                  </a:schemeClr>
+                </a:solidFill>
+                <a:latin typeface="+mj-lt"/>
+                <a:ea typeface="+mj-ea"/>
+                <a:cs typeface="+mj-cs"/>
+              </a:defRPr>
+            </a:lvl1pPr>
+          </a:lstStyle>
+          <a:p>
+            <a:r>
+              <a:rPr dirty="0">
+                <a:sym typeface="+mn-ea"/>
+              </a:rPr>
+              <a:t>观察者模式(The Observer Pattern)</a:t>
+            </a:r>
+            <a:endParaRPr dirty="0">
+              <a:sym typeface="+mn-ea"/>
+            </a:endParaRPr>
+          </a:p>
+        </p:txBody>
+      </p:sp>
+      <p:sp>
+        <p:nvSpPr>
+          <p:cNvPr id="3" name="文本框 2"/>
+          <p:cNvSpPr txBox="1"/>
+          <p:nvPr/>
+        </p:nvSpPr>
+        <p:spPr>
+          <a:xfrm>
+            <a:off x="566431" y="2057436"/>
+            <a:ext cx="8334776" cy="3969385"/>
+          </a:xfrm>
+          <a:prstGeom prst="rect">
+            <a:avLst/>
+          </a:prstGeom>
+          <a:noFill/>
+        </p:spPr>
+        <p:txBody>
+          <a:bodyPr wrap="square" rtlCol="0">
+            <a:spAutoFit/>
+          </a:bodyPr>
+          <a:lstStyle/>
+          <a:p>
+            <a:pPr indent="0" eaLnBrk="1" hangingPunct="1">
+              <a:lnSpc>
+                <a:spcPct val="150000"/>
+              </a:lnSpc>
+              <a:buFont typeface="Wingdings" panose="05000000000000000000" pitchFamily="2" charset="2"/>
+              <a:buNone/>
+            </a:pPr>
+            <a:r>
+              <a:rPr lang="zh-CN" altLang="en-US" b="1" dirty="0">
+                <a:solidFill>
+                  <a:srgbClr val="0070C0"/>
+                </a:solidFill>
+              </a:rPr>
+              <a:t>缺点</a:t>
+            </a:r>
+            <a:endParaRPr lang="zh-CN" altLang="en-US" dirty="0"/>
+          </a:p>
+          <a:p>
+            <a:pPr marL="457200" indent="-457200" algn="l">
+              <a:lnSpc>
+                <a:spcPct val="200000"/>
+              </a:lnSpc>
+              <a:buClr>
+                <a:srgbClr val="0070C0"/>
+              </a:buClr>
+              <a:buFont typeface="+mj-lt"/>
+              <a:buAutoNum type="arabicPeriod"/>
+            </a:pPr>
+            <a:r>
+              <a:rPr lang="zh-CN" altLang="en-US" sz="1800" dirty="0"/>
+              <a:t>如果一个被观察者对象有很多的直接和间接的观察者的话，将所有的观察者都通知到会花费很多时间；</a:t>
+            </a:r>
+            <a:endParaRPr lang="zh-CN" altLang="en-US" sz="1800" dirty="0"/>
+          </a:p>
+          <a:p>
+            <a:pPr marL="457200" indent="-457200" algn="l">
+              <a:lnSpc>
+                <a:spcPct val="200000"/>
+              </a:lnSpc>
+              <a:buClr>
+                <a:srgbClr val="0070C0"/>
+              </a:buClr>
+              <a:buFont typeface="+mj-lt"/>
+              <a:buAutoNum type="arabicPeriod"/>
+            </a:pPr>
+            <a:r>
+              <a:rPr lang="zh-CN" altLang="en-US" sz="1800" dirty="0"/>
+              <a:t>如果在观察者和观察目标之间有循环依赖的话，观察目标会触发它们之间进行循环调用，可能导致系统崩溃；</a:t>
+            </a:r>
+            <a:endParaRPr lang="zh-CN" altLang="en-US" sz="1800" dirty="0"/>
+          </a:p>
+          <a:p>
+            <a:pPr marL="457200" indent="-457200" algn="l">
+              <a:lnSpc>
+                <a:spcPct val="200000"/>
+              </a:lnSpc>
+              <a:buClr>
+                <a:srgbClr val="0070C0"/>
+              </a:buClr>
+              <a:buFont typeface="+mj-lt"/>
+              <a:buAutoNum type="arabicPeriod"/>
+            </a:pPr>
+            <a:r>
+              <a:rPr lang="zh-CN" altLang="en-US" sz="1800" dirty="0"/>
+              <a:t>观察者模式没有相应的机制让观察者知道所观察的目标对象是怎么发生变化的，而仅仅只是知道观察目标发生了变化；</a:t>
+            </a:r>
+            <a:endParaRPr lang="zh-CN" altLang="en-US" sz="1800" dirty="0"/>
+          </a:p>
+        </p:txBody>
+      </p:sp>
+    </p:spTree>
+    <p:custDataLst>
+      <p:tags r:id="rId2"/>
+    </p:custDataLst>
+  </p:cSld>
+  <p:clrMapOvr>
+    <a:masterClrMapping/>
+  </p:clrMapOvr>
+</p:sld>
+</file>
+
+<file path=ppt/slides/slide34.xml><?xml version="1.0" encoding="utf-8"?>
+<p:sld xmlns:a="http://schemas.openxmlformats.org/drawingml/2006/main" xmlns:r="http://schemas.openxmlformats.org/officeDocument/2006/relationships" xmlns:p="http://schemas.openxmlformats.org/presentationml/2006/main">
+  <p:cSld>
+    <p:spTree>
+      <p:nvGrpSpPr>
+        <p:cNvPr id="1" name=""/>
+        <p:cNvGrpSpPr/>
+        <p:nvPr/>
+      </p:nvGrpSpPr>
+      <p:grpSpPr>
+        <a:xfrm>
+          <a:off x="0" y="0"/>
+          <a:ext cx="0" cy="0"/>
+          <a:chOff x="0" y="0"/>
+          <a:chExt cx="0" cy="0"/>
+        </a:xfrm>
+      </p:grpSpPr>
+      <p:sp>
+        <p:nvSpPr>
+          <p:cNvPr id="2" name="标题 1"/>
+          <p:cNvSpPr>
+            <a:spLocks noGrp="1"/>
+          </p:cNvSpPr>
+          <p:nvPr>
+            <p:ph type="title"/>
+          </p:nvPr>
+        </p:nvSpPr>
+        <p:spPr>
+          <a:xfrm>
+            <a:off x="1138792" y="3078833"/>
+            <a:ext cx="6856892" cy="830998"/>
+          </a:xfrm>
+        </p:spPr>
+        <p:txBody>
+          <a:bodyPr>
+            <a:noAutofit/>
+          </a:bodyPr>
+          <a:lstStyle/>
+          <a:p>
+            <a:r>
+              <a:rPr lang="en-US" altLang="zh-CN" sz="3600" dirty="0"/>
+              <a:t>The State Pattern</a:t>
+            </a:r>
+            <a:endParaRPr lang="en-US" altLang="zh-CN" sz="3600" dirty="0"/>
+          </a:p>
+        </p:txBody>
+      </p:sp>
+      <p:sp>
+        <p:nvSpPr>
+          <p:cNvPr id="3" name="内容占位符 2"/>
+          <p:cNvSpPr>
+            <a:spLocks noGrp="1"/>
+          </p:cNvSpPr>
+          <p:nvPr>
+            <p:ph sz="quarter" idx="13"/>
+          </p:nvPr>
+        </p:nvSpPr>
+        <p:spPr/>
+        <p:txBody>
+          <a:bodyPr>
+            <a:normAutofit/>
+          </a:bodyPr>
+          <a:lstStyle/>
+          <a:p>
+            <a:r>
+              <a:rPr lang="zh-CN" altLang="en-US" dirty="0"/>
+              <a:t>状态模式</a:t>
+            </a:r>
+            <a:endParaRPr lang="zh-CN" altLang="en-US" dirty="0"/>
+          </a:p>
+        </p:txBody>
+      </p:sp>
+    </p:spTree>
+  </p:cSld>
+  <p:clrMapOvr>
+    <a:masterClrMapping/>
+  </p:clrMapOvr>
+</p:sld>
+</file>
+
+<file path=ppt/slides/slide35.xml><?xml version="1.0" encoding="utf-8"?>
+<p:sld xmlns:a="http://schemas.openxmlformats.org/drawingml/2006/main" xmlns:r="http://schemas.openxmlformats.org/officeDocument/2006/relationships" xmlns:p="http://schemas.openxmlformats.org/presentationml/2006/main">
+  <p:cSld>
+    <p:spTree>
+      <p:nvGrpSpPr>
+        <p:cNvPr id="1" name=""/>
+        <p:cNvGrpSpPr/>
+        <p:nvPr/>
+      </p:nvGrpSpPr>
+      <p:grpSpPr>
+        <a:xfrm>
+          <a:off x="0" y="0"/>
+          <a:ext cx="0" cy="0"/>
+          <a:chOff x="0" y="0"/>
+          <a:chExt cx="0" cy="0"/>
+        </a:xfrm>
+      </p:grpSpPr>
+      <p:sp>
+        <p:nvSpPr>
+          <p:cNvPr id="8" name="标题 1"/>
+          <p:cNvSpPr txBox="1"/>
+          <p:nvPr>
+            <p:custDataLst>
+              <p:tags r:id="rId1"/>
+            </p:custDataLst>
+          </p:nvPr>
+        </p:nvSpPr>
+        <p:spPr>
+          <a:xfrm>
+            <a:off x="571608" y="661194"/>
+            <a:ext cx="7886700" cy="994172"/>
+          </a:xfrm>
+          <a:prstGeom prst="rect">
+            <a:avLst/>
+          </a:prstGeom>
+        </p:spPr>
+        <p:txBody>
+          <a:bodyPr vert="horz" wrap="square" lIns="68580" tIns="34290" rIns="68580" bIns="34290" rtlCol="0" anchor="ctr">
+            <a:normAutofit/>
+          </a:bodyPr>
+          <a:lstStyle>
+            <a:lvl1pPr defTabSz="914400">
+              <a:lnSpc>
+                <a:spcPct val="120000"/>
+              </a:lnSpc>
+              <a:spcBef>
+                <a:spcPct val="0"/>
+              </a:spcBef>
+              <a:buNone/>
+              <a:defRPr sz="3600">
+                <a:solidFill>
+                  <a:schemeClr val="tx1">
+                    <a:lumMod val="75000"/>
+                    <a:lumOff val="25000"/>
+                  </a:schemeClr>
+                </a:solidFill>
+                <a:latin typeface="+mj-lt"/>
+                <a:ea typeface="+mj-ea"/>
+                <a:cs typeface="+mj-cs"/>
+              </a:defRPr>
+            </a:lvl1pPr>
+          </a:lstStyle>
+          <a:p>
+            <a:r>
+              <a:rPr dirty="0">
+                <a:sym typeface="+mn-ea"/>
+              </a:rPr>
+              <a:t>状态模式(The State Pattern)</a:t>
+            </a:r>
+            <a:endParaRPr dirty="0">
+              <a:sym typeface="+mn-ea"/>
+            </a:endParaRPr>
+          </a:p>
+        </p:txBody>
+      </p:sp>
+      <p:sp>
+        <p:nvSpPr>
+          <p:cNvPr id="3" name="文本框 2"/>
+          <p:cNvSpPr txBox="1"/>
+          <p:nvPr/>
+        </p:nvSpPr>
+        <p:spPr>
+          <a:xfrm>
+            <a:off x="566431" y="2057436"/>
+            <a:ext cx="8334776" cy="1198880"/>
+          </a:xfrm>
+          <a:prstGeom prst="rect">
+            <a:avLst/>
+          </a:prstGeom>
+          <a:noFill/>
+        </p:spPr>
+        <p:txBody>
+          <a:bodyPr wrap="square" rtlCol="0">
+            <a:spAutoFit/>
+          </a:bodyPr>
+          <a:lstStyle/>
+          <a:p>
+            <a:pPr indent="0" eaLnBrk="1" hangingPunct="1">
+              <a:lnSpc>
+                <a:spcPct val="150000"/>
+              </a:lnSpc>
+              <a:buFont typeface="Wingdings" panose="05000000000000000000" pitchFamily="2" charset="2"/>
+              <a:buNone/>
+            </a:pPr>
+            <a:r>
+              <a:rPr lang="zh-CN" altLang="en-US" b="1" dirty="0">
+                <a:solidFill>
+                  <a:srgbClr val="0070C0"/>
+                </a:solidFill>
+              </a:rPr>
+              <a:t>定义</a:t>
+            </a:r>
+            <a:endParaRPr lang="zh-CN" altLang="en-US" dirty="0"/>
+          </a:p>
+          <a:p>
+            <a:pPr marL="0" indent="461010" eaLnBrk="1" latinLnBrk="0" hangingPunct="1">
+              <a:lnSpc>
+                <a:spcPct val="200000"/>
+              </a:lnSpc>
+              <a:buClr>
+                <a:srgbClr val="0070C0"/>
+              </a:buClr>
+              <a:buFont typeface="+mj-lt"/>
+              <a:buNone/>
+            </a:pPr>
+            <a:r>
+              <a:rPr lang="en-US" altLang="zh-CN" sz="1800" dirty="0"/>
+              <a:t>当对象间存在一对多关系时，则使用观察者模式</a:t>
+            </a:r>
+            <a:r>
+              <a:rPr lang="zh-CN" altLang="en-US" sz="1800" dirty="0"/>
+              <a:t>。</a:t>
+            </a:r>
+            <a:endParaRPr lang="zh-CN" altLang="en-US" sz="1800" dirty="0"/>
+          </a:p>
+        </p:txBody>
+      </p:sp>
+    </p:spTree>
+    <p:custDataLst>
+      <p:tags r:id="rId2"/>
+    </p:custDataLst>
+  </p:cSld>
+  <p:clrMapOvr>
+    <a:masterClrMapping/>
+  </p:clrMapOvr>
+</p:sld>
+</file>
+
+<file path=ppt/slides/slide36.xml><?xml version="1.0" encoding="utf-8"?>
+<p:sld xmlns:a="http://schemas.openxmlformats.org/drawingml/2006/main" xmlns:r="http://schemas.openxmlformats.org/officeDocument/2006/relationships" xmlns:p="http://schemas.openxmlformats.org/presentationml/2006/main">
+  <p:cSld>
+    <p:spTree>
+      <p:nvGrpSpPr>
+        <p:cNvPr id="1" name=""/>
+        <p:cNvGrpSpPr/>
+        <p:nvPr/>
+      </p:nvGrpSpPr>
+      <p:grpSpPr>
+        <a:xfrm>
+          <a:off x="0" y="0"/>
+          <a:ext cx="0" cy="0"/>
+          <a:chOff x="0" y="0"/>
+          <a:chExt cx="0" cy="0"/>
+        </a:xfrm>
+      </p:grpSpPr>
+      <p:sp>
+        <p:nvSpPr>
+          <p:cNvPr id="8" name="标题 1"/>
+          <p:cNvSpPr txBox="1"/>
+          <p:nvPr>
+            <p:custDataLst>
+              <p:tags r:id="rId1"/>
+            </p:custDataLst>
+          </p:nvPr>
+        </p:nvSpPr>
+        <p:spPr>
+          <a:xfrm>
+            <a:off x="571608" y="661194"/>
+            <a:ext cx="7886700" cy="994172"/>
+          </a:xfrm>
+          <a:prstGeom prst="rect">
+            <a:avLst/>
+          </a:prstGeom>
+        </p:spPr>
+        <p:txBody>
+          <a:bodyPr vert="horz" wrap="square" lIns="68580" tIns="34290" rIns="68580" bIns="34290" rtlCol="0" anchor="ctr">
+            <a:normAutofit/>
+          </a:bodyPr>
+          <a:lstStyle>
+            <a:lvl1pPr defTabSz="914400">
+              <a:lnSpc>
+                <a:spcPct val="120000"/>
+              </a:lnSpc>
+              <a:spcBef>
+                <a:spcPct val="0"/>
+              </a:spcBef>
+              <a:buNone/>
+              <a:defRPr sz="3600">
+                <a:solidFill>
+                  <a:schemeClr val="tx1">
+                    <a:lumMod val="75000"/>
+                    <a:lumOff val="25000"/>
+                  </a:schemeClr>
+                </a:solidFill>
+                <a:latin typeface="+mj-lt"/>
+                <a:ea typeface="+mj-ea"/>
+                <a:cs typeface="+mj-cs"/>
+              </a:defRPr>
+            </a:lvl1pPr>
+          </a:lstStyle>
+          <a:p>
+            <a:r>
+              <a:rPr dirty="0">
+                <a:sym typeface="+mn-ea"/>
+              </a:rPr>
+              <a:t>状态模式(The State Pattern)</a:t>
+            </a:r>
+            <a:endParaRPr dirty="0">
+              <a:sym typeface="+mn-ea"/>
+            </a:endParaRPr>
+          </a:p>
+        </p:txBody>
+      </p:sp>
+      <p:sp>
+        <p:nvSpPr>
+          <p:cNvPr id="3" name="文本框 2"/>
+          <p:cNvSpPr txBox="1"/>
+          <p:nvPr/>
+        </p:nvSpPr>
+        <p:spPr>
+          <a:xfrm>
+            <a:off x="566431" y="2057436"/>
+            <a:ext cx="8334776" cy="2122805"/>
+          </a:xfrm>
+          <a:prstGeom prst="rect">
+            <a:avLst/>
+          </a:prstGeom>
+          <a:noFill/>
+        </p:spPr>
+        <p:txBody>
+          <a:bodyPr wrap="square" rtlCol="0">
+            <a:spAutoFit/>
+          </a:bodyPr>
+          <a:lstStyle/>
+          <a:p>
+            <a:pPr indent="0" eaLnBrk="1" hangingPunct="1">
+              <a:lnSpc>
+                <a:spcPct val="150000"/>
+              </a:lnSpc>
+              <a:buFont typeface="Wingdings" panose="05000000000000000000" pitchFamily="2" charset="2"/>
+              <a:buNone/>
+            </a:pPr>
+            <a:r>
+              <a:rPr lang="zh-CN" altLang="en-US" b="1" dirty="0">
+                <a:solidFill>
+                  <a:srgbClr val="0070C0"/>
+                </a:solidFill>
+              </a:rPr>
+              <a:t>适用场景</a:t>
+            </a:r>
+            <a:endParaRPr lang="en-US" altLang="zh-CN" b="1" dirty="0">
+              <a:solidFill>
+                <a:srgbClr val="0070C0"/>
+              </a:solidFill>
+            </a:endParaRPr>
+          </a:p>
+          <a:p>
+            <a:pPr marL="342900" indent="-342900" eaLnBrk="1" latinLnBrk="0" hangingPunct="1">
+              <a:lnSpc>
+                <a:spcPct val="200000"/>
+              </a:lnSpc>
+              <a:buClr>
+                <a:srgbClr val="0070C0"/>
+              </a:buClr>
+              <a:buFont typeface="+mj-lt"/>
+              <a:buAutoNum type="arabicPeriod"/>
+            </a:pPr>
+            <a:endParaRPr sz="1600" dirty="0"/>
+          </a:p>
+          <a:p>
+            <a:pPr marL="342900" indent="-342900" eaLnBrk="1" latinLnBrk="0" hangingPunct="1">
+              <a:lnSpc>
+                <a:spcPct val="200000"/>
+              </a:lnSpc>
+              <a:buClr>
+                <a:srgbClr val="0070C0"/>
+              </a:buClr>
+              <a:buFont typeface="+mj-lt"/>
+              <a:buAutoNum type="arabicPeriod"/>
+            </a:pPr>
+            <a:r>
+              <a:rPr sz="1600" dirty="0"/>
+              <a:t>行为随状态改变而改变的场景</a:t>
+            </a:r>
+            <a:r>
+              <a:rPr lang="zh-CN" sz="1600" dirty="0"/>
+              <a:t>；</a:t>
+            </a:r>
+            <a:endParaRPr lang="zh-CN" sz="1600" dirty="0"/>
+          </a:p>
+          <a:p>
+            <a:pPr marL="342900" indent="-342900" eaLnBrk="1" latinLnBrk="0" hangingPunct="1">
+              <a:lnSpc>
+                <a:spcPct val="200000"/>
+              </a:lnSpc>
+              <a:buClr>
+                <a:srgbClr val="0070C0"/>
+              </a:buClr>
+              <a:buFont typeface="+mj-lt"/>
+              <a:buAutoNum type="arabicPeriod"/>
+            </a:pPr>
+            <a:r>
+              <a:rPr sz="1600" dirty="0"/>
+              <a:t>条件、分支语句的代替者</a:t>
+            </a:r>
+            <a:r>
+              <a:rPr lang="zh-CN" sz="1600" dirty="0"/>
+              <a:t>；</a:t>
+            </a:r>
+            <a:endParaRPr lang="zh-CN" sz="1600" dirty="0"/>
+          </a:p>
+        </p:txBody>
+      </p:sp>
+    </p:spTree>
+    <p:custDataLst>
+      <p:tags r:id="rId2"/>
+    </p:custDataLst>
+  </p:cSld>
+  <p:clrMapOvr>
+    <a:masterClrMapping/>
+  </p:clrMapOvr>
+</p:sld>
+</file>
+
+<file path=ppt/slides/slide37.xml><?xml version="1.0" encoding="utf-8"?>
+<p:sld xmlns:a="http://schemas.openxmlformats.org/drawingml/2006/main" xmlns:r="http://schemas.openxmlformats.org/officeDocument/2006/relationships" xmlns:p="http://schemas.openxmlformats.org/presentationml/2006/main">
+  <p:cSld>
+    <p:spTree>
+      <p:nvGrpSpPr>
+        <p:cNvPr id="1" name=""/>
+        <p:cNvGrpSpPr/>
+        <p:nvPr/>
+      </p:nvGrpSpPr>
+      <p:grpSpPr>
+        <a:xfrm>
+          <a:off x="0" y="0"/>
+          <a:ext cx="0" cy="0"/>
+          <a:chOff x="0" y="0"/>
+          <a:chExt cx="0" cy="0"/>
+        </a:xfrm>
+      </p:grpSpPr>
+      <p:sp>
+        <p:nvSpPr>
+          <p:cNvPr id="8" name="标题 1"/>
+          <p:cNvSpPr txBox="1"/>
+          <p:nvPr>
+            <p:custDataLst>
+              <p:tags r:id="rId1"/>
+            </p:custDataLst>
+          </p:nvPr>
+        </p:nvSpPr>
+        <p:spPr>
+          <a:xfrm>
+            <a:off x="571608" y="661194"/>
+            <a:ext cx="7886700" cy="994172"/>
+          </a:xfrm>
+          <a:prstGeom prst="rect">
+            <a:avLst/>
+          </a:prstGeom>
+        </p:spPr>
+        <p:txBody>
+          <a:bodyPr vert="horz" wrap="square" lIns="68580" tIns="34290" rIns="68580" bIns="34290" rtlCol="0" anchor="ctr">
+            <a:normAutofit/>
+          </a:bodyPr>
+          <a:lstStyle>
+            <a:lvl1pPr defTabSz="914400">
+              <a:lnSpc>
+                <a:spcPct val="120000"/>
+              </a:lnSpc>
+              <a:spcBef>
+                <a:spcPct val="0"/>
+              </a:spcBef>
+              <a:buNone/>
+              <a:defRPr sz="3600">
+                <a:solidFill>
+                  <a:schemeClr val="tx1">
+                    <a:lumMod val="75000"/>
+                    <a:lumOff val="25000"/>
+                  </a:schemeClr>
+                </a:solidFill>
+                <a:latin typeface="+mj-lt"/>
+                <a:ea typeface="+mj-ea"/>
+                <a:cs typeface="+mj-cs"/>
+              </a:defRPr>
+            </a:lvl1pPr>
+          </a:lstStyle>
+          <a:p>
+            <a:r>
+              <a:rPr dirty="0">
+                <a:sym typeface="+mn-ea"/>
+              </a:rPr>
+              <a:t>状态模式(The State Pattern)</a:t>
+            </a:r>
+            <a:endParaRPr dirty="0">
+              <a:sym typeface="+mn-ea"/>
+            </a:endParaRPr>
+          </a:p>
+        </p:txBody>
+      </p:sp>
+      <p:sp>
+        <p:nvSpPr>
+          <p:cNvPr id="3" name="文本框 2"/>
+          <p:cNvSpPr txBox="1"/>
+          <p:nvPr/>
+        </p:nvSpPr>
+        <p:spPr>
+          <a:xfrm>
+            <a:off x="566431" y="2057436"/>
+            <a:ext cx="8334776" cy="4523105"/>
+          </a:xfrm>
+          <a:prstGeom prst="rect">
+            <a:avLst/>
+          </a:prstGeom>
+          <a:noFill/>
+        </p:spPr>
+        <p:txBody>
+          <a:bodyPr wrap="square" rtlCol="0">
+            <a:spAutoFit/>
+          </a:bodyPr>
+          <a:lstStyle/>
+          <a:p>
+            <a:pPr indent="0" eaLnBrk="1" hangingPunct="1">
+              <a:lnSpc>
+                <a:spcPct val="150000"/>
+              </a:lnSpc>
+              <a:buFont typeface="Wingdings" panose="05000000000000000000" pitchFamily="2" charset="2"/>
+              <a:buNone/>
+            </a:pPr>
+            <a:r>
+              <a:rPr lang="zh-CN" altLang="en-US" b="1" dirty="0">
+                <a:solidFill>
+                  <a:srgbClr val="0070C0"/>
+                </a:solidFill>
+              </a:rPr>
+              <a:t>优点</a:t>
+            </a:r>
+            <a:endParaRPr lang="zh-CN" altLang="en-US" b="1" dirty="0">
+              <a:solidFill>
+                <a:srgbClr val="0070C0"/>
+              </a:solidFill>
+            </a:endParaRPr>
+          </a:p>
+          <a:p>
+            <a:pPr indent="0" eaLnBrk="1" hangingPunct="1">
+              <a:lnSpc>
+                <a:spcPct val="150000"/>
+              </a:lnSpc>
+              <a:buFont typeface="Wingdings" panose="05000000000000000000" pitchFamily="2" charset="2"/>
+              <a:buNone/>
+            </a:pPr>
+            <a:endParaRPr lang="zh-CN" altLang="en-US" dirty="0"/>
+          </a:p>
+          <a:p>
+            <a:pPr marL="457200" indent="-457200" eaLnBrk="1" latinLnBrk="0" hangingPunct="1">
+              <a:lnSpc>
+                <a:spcPct val="200000"/>
+              </a:lnSpc>
+              <a:buClr>
+                <a:srgbClr val="0070C0"/>
+              </a:buClr>
+              <a:buFont typeface="+mj-lt"/>
+              <a:buAutoNum type="arabicPeriod"/>
+            </a:pPr>
+            <a:r>
+              <a:rPr lang="zh-CN" altLang="en-US" sz="1800" dirty="0"/>
+              <a:t>封装了转换规则；</a:t>
+            </a:r>
+            <a:endParaRPr lang="zh-CN" altLang="en-US" sz="1800" dirty="0"/>
+          </a:p>
+          <a:p>
+            <a:pPr marL="457200" indent="-457200" eaLnBrk="1" latinLnBrk="0" hangingPunct="1">
+              <a:lnSpc>
+                <a:spcPct val="200000"/>
+              </a:lnSpc>
+              <a:buClr>
+                <a:srgbClr val="0070C0"/>
+              </a:buClr>
+              <a:buFont typeface="+mj-lt"/>
+              <a:buAutoNum type="arabicPeriod"/>
+            </a:pPr>
+            <a:r>
+              <a:rPr lang="zh-CN" altLang="en-US" sz="1800" dirty="0"/>
+              <a:t>枚举可能的状态，在枚举状态之前需要确定状态种类；</a:t>
+            </a:r>
+            <a:endParaRPr lang="zh-CN" altLang="en-US" sz="1800" dirty="0"/>
+          </a:p>
+          <a:p>
+            <a:pPr marL="457200" indent="-457200" eaLnBrk="1" latinLnBrk="0" hangingPunct="1">
+              <a:lnSpc>
+                <a:spcPct val="200000"/>
+              </a:lnSpc>
+              <a:buClr>
+                <a:srgbClr val="0070C0"/>
+              </a:buClr>
+              <a:buFont typeface="+mj-lt"/>
+              <a:buAutoNum type="arabicPeriod"/>
+            </a:pPr>
+            <a:r>
+              <a:rPr lang="zh-CN" altLang="en-US" sz="1800" dirty="0"/>
+              <a:t>将所有与某个状态有关的行为放到一个类中，并且可以方便地增加新的状态，只需要改变对象状态即可改变对象的行为；</a:t>
+            </a:r>
+            <a:endParaRPr lang="zh-CN" altLang="en-US" sz="1800" dirty="0"/>
+          </a:p>
+          <a:p>
+            <a:pPr marL="457200" indent="-457200" eaLnBrk="1" latinLnBrk="0" hangingPunct="1">
+              <a:lnSpc>
+                <a:spcPct val="200000"/>
+              </a:lnSpc>
+              <a:buClr>
+                <a:srgbClr val="0070C0"/>
+              </a:buClr>
+              <a:buFont typeface="+mj-lt"/>
+              <a:buAutoNum type="arabicPeriod"/>
+            </a:pPr>
+            <a:r>
+              <a:rPr lang="zh-CN" altLang="en-US" sz="1800" dirty="0"/>
+              <a:t>允许状态转换逻辑与状态对象合成一体，而不是某一个巨大的条件语句块；</a:t>
+            </a:r>
+            <a:endParaRPr lang="zh-CN" altLang="en-US" sz="1800" dirty="0"/>
+          </a:p>
+          <a:p>
+            <a:pPr marL="457200" indent="-457200" eaLnBrk="1" latinLnBrk="0" hangingPunct="1">
+              <a:lnSpc>
+                <a:spcPct val="200000"/>
+              </a:lnSpc>
+              <a:buClr>
+                <a:srgbClr val="0070C0"/>
+              </a:buClr>
+              <a:buFont typeface="+mj-lt"/>
+              <a:buAutoNum type="arabicPeriod"/>
+            </a:pPr>
+            <a:r>
+              <a:rPr lang="zh-CN" altLang="en-US" sz="1800" dirty="0"/>
+              <a:t>可以让多个环境对象共享一个状态对象，从而减少系统中对象的个数。</a:t>
+            </a:r>
+            <a:endParaRPr lang="zh-CN" altLang="en-US" sz="1800" dirty="0"/>
+          </a:p>
+        </p:txBody>
+      </p:sp>
+    </p:spTree>
+    <p:custDataLst>
+      <p:tags r:id="rId2"/>
+    </p:custDataLst>
+  </p:cSld>
+  <p:clrMapOvr>
+    <a:masterClrMapping/>
+  </p:clrMapOvr>
+</p:sld>
+</file>
+
+<file path=ppt/slides/slide38.xml><?xml version="1.0" encoding="utf-8"?>
+<p:sld xmlns:a="http://schemas.openxmlformats.org/drawingml/2006/main" xmlns:r="http://schemas.openxmlformats.org/officeDocument/2006/relationships" xmlns:p="http://schemas.openxmlformats.org/presentationml/2006/main">
+  <p:cSld>
+    <p:spTree>
+      <p:nvGrpSpPr>
+        <p:cNvPr id="1" name=""/>
+        <p:cNvGrpSpPr/>
+        <p:nvPr/>
+      </p:nvGrpSpPr>
+      <p:grpSpPr>
+        <a:xfrm>
+          <a:off x="0" y="0"/>
+          <a:ext cx="0" cy="0"/>
+          <a:chOff x="0" y="0"/>
+          <a:chExt cx="0" cy="0"/>
+        </a:xfrm>
+      </p:grpSpPr>
+      <p:sp>
+        <p:nvSpPr>
+          <p:cNvPr id="8" name="标题 1"/>
+          <p:cNvSpPr txBox="1"/>
+          <p:nvPr>
+            <p:custDataLst>
+              <p:tags r:id="rId1"/>
+            </p:custDataLst>
+          </p:nvPr>
+        </p:nvSpPr>
+        <p:spPr>
+          <a:xfrm>
+            <a:off x="571608" y="661194"/>
+            <a:ext cx="7886700" cy="994172"/>
+          </a:xfrm>
+          <a:prstGeom prst="rect">
+            <a:avLst/>
+          </a:prstGeom>
+        </p:spPr>
+        <p:txBody>
+          <a:bodyPr vert="horz" wrap="square" lIns="68580" tIns="34290" rIns="68580" bIns="34290" rtlCol="0" anchor="ctr">
+            <a:normAutofit/>
+          </a:bodyPr>
+          <a:lstStyle>
+            <a:lvl1pPr defTabSz="914400">
+              <a:lnSpc>
+                <a:spcPct val="120000"/>
+              </a:lnSpc>
+              <a:spcBef>
+                <a:spcPct val="0"/>
+              </a:spcBef>
+              <a:buNone/>
+              <a:defRPr sz="3600">
+                <a:solidFill>
+                  <a:schemeClr val="tx1">
+                    <a:lumMod val="75000"/>
+                    <a:lumOff val="25000"/>
+                  </a:schemeClr>
+                </a:solidFill>
+                <a:latin typeface="+mj-lt"/>
+                <a:ea typeface="+mj-ea"/>
+                <a:cs typeface="+mj-cs"/>
+              </a:defRPr>
+            </a:lvl1pPr>
+          </a:lstStyle>
+          <a:p>
+            <a:r>
+              <a:rPr dirty="0">
+                <a:sym typeface="+mn-ea"/>
+              </a:rPr>
+              <a:t>状态模式(The State Pattern)</a:t>
+            </a:r>
+            <a:endParaRPr dirty="0">
+              <a:sym typeface="+mn-ea"/>
+            </a:endParaRPr>
+          </a:p>
+        </p:txBody>
+      </p:sp>
+      <p:sp>
+        <p:nvSpPr>
+          <p:cNvPr id="3" name="文本框 2"/>
+          <p:cNvSpPr txBox="1"/>
+          <p:nvPr/>
+        </p:nvSpPr>
+        <p:spPr>
+          <a:xfrm>
+            <a:off x="566431" y="2057436"/>
+            <a:ext cx="8334776" cy="3969385"/>
+          </a:xfrm>
+          <a:prstGeom prst="rect">
+            <a:avLst/>
+          </a:prstGeom>
+          <a:noFill/>
+        </p:spPr>
+        <p:txBody>
+          <a:bodyPr wrap="square" rtlCol="0">
+            <a:spAutoFit/>
+          </a:bodyPr>
+          <a:lstStyle/>
+          <a:p>
+            <a:pPr indent="0" eaLnBrk="1" hangingPunct="1">
+              <a:lnSpc>
+                <a:spcPct val="150000"/>
+              </a:lnSpc>
+              <a:buFont typeface="Wingdings" panose="05000000000000000000" pitchFamily="2" charset="2"/>
+              <a:buNone/>
+            </a:pPr>
+            <a:r>
+              <a:rPr lang="zh-CN" altLang="en-US" b="1" dirty="0">
+                <a:solidFill>
+                  <a:srgbClr val="0070C0"/>
+                </a:solidFill>
+              </a:rPr>
+              <a:t>缺点</a:t>
+            </a:r>
+            <a:endParaRPr lang="zh-CN" altLang="en-US" dirty="0"/>
+          </a:p>
+          <a:p>
+            <a:pPr marL="457200" indent="-457200" algn="l">
+              <a:lnSpc>
+                <a:spcPct val="200000"/>
+              </a:lnSpc>
+              <a:buClr>
+                <a:srgbClr val="0070C0"/>
+              </a:buClr>
+              <a:buFont typeface="+mj-lt"/>
+              <a:buAutoNum type="arabicPeriod"/>
+            </a:pPr>
+            <a:r>
+              <a:rPr lang="zh-CN" altLang="en-US" sz="1800" dirty="0"/>
+              <a:t>状态模式的使用必然会增加系统类和对象的个数；</a:t>
+            </a:r>
+            <a:endParaRPr lang="zh-CN" altLang="en-US" sz="1800" dirty="0"/>
+          </a:p>
+          <a:p>
+            <a:pPr marL="457200" indent="-457200" algn="l">
+              <a:lnSpc>
+                <a:spcPct val="200000"/>
+              </a:lnSpc>
+              <a:buClr>
+                <a:srgbClr val="0070C0"/>
+              </a:buClr>
+              <a:buFont typeface="+mj-lt"/>
+              <a:buAutoNum type="arabicPeriod"/>
+            </a:pPr>
+            <a:r>
+              <a:rPr lang="zh-CN" altLang="en-US" sz="1800" dirty="0"/>
+              <a:t>状态模式的结构与实现都较为复杂，如果使用不当将导致程序结构和代码的混乱；</a:t>
+            </a:r>
+            <a:endParaRPr lang="zh-CN" altLang="en-US" sz="1800" dirty="0"/>
+          </a:p>
+          <a:p>
+            <a:pPr marL="457200" indent="-457200" algn="l">
+              <a:lnSpc>
+                <a:spcPct val="200000"/>
+              </a:lnSpc>
+              <a:buClr>
+                <a:srgbClr val="0070C0"/>
+              </a:buClr>
+              <a:buFont typeface="+mj-lt"/>
+              <a:buAutoNum type="arabicPeriod"/>
+            </a:pPr>
+            <a:r>
+              <a:rPr lang="zh-CN" altLang="en-US" sz="1800" dirty="0"/>
+              <a:t>状态模式对"开闭原则"的支持并不太好，对于可以切换状态的状态模式，增加新的状态类需要修改那些负责状态转换的源代码，否则无法切换到新增状态，而且修改某个状态类的行为也需修改对应类的源代码；</a:t>
+            </a:r>
+            <a:endParaRPr lang="zh-CN" altLang="en-US" sz="1800" dirty="0"/>
+          </a:p>
+        </p:txBody>
+      </p:sp>
+    </p:spTree>
+    <p:custDataLst>
+      <p:tags r:id="rId2"/>
+    </p:custDataLst>
+  </p:cSld>
+  <p:clrMapOvr>
+    <a:masterClrMapping/>
+  </p:clrMapOvr>
+</p:sld>
+</file>
+
+<file path=ppt/slides/slide39.xml><?xml version="1.0" encoding="utf-8"?>
+<p:sld xmlns:a="http://schemas.openxmlformats.org/drawingml/2006/main" xmlns:r="http://schemas.openxmlformats.org/officeDocument/2006/relationships" xmlns:p="http://schemas.openxmlformats.org/presentationml/2006/main">
+  <p:cSld>
+    <p:spTree>
+      <p:nvGrpSpPr>
+        <p:cNvPr id="1" name=""/>
+        <p:cNvGrpSpPr/>
+        <p:nvPr/>
+      </p:nvGrpSpPr>
+      <p:grpSpPr>
+        <a:xfrm>
+          <a:off x="0" y="0"/>
+          <a:ext cx="0" cy="0"/>
+          <a:chOff x="0" y="0"/>
+          <a:chExt cx="0" cy="0"/>
+        </a:xfrm>
+      </p:grpSpPr>
+      <p:sp>
+        <p:nvSpPr>
+          <p:cNvPr id="2" name="标题 1"/>
+          <p:cNvSpPr>
+            <a:spLocks noGrp="1"/>
+          </p:cNvSpPr>
+          <p:nvPr>
+            <p:ph type="title"/>
+          </p:nvPr>
+        </p:nvSpPr>
+        <p:spPr>
+          <a:xfrm>
+            <a:off x="1138792" y="3078833"/>
+            <a:ext cx="6856892" cy="830998"/>
+          </a:xfrm>
+        </p:spPr>
+        <p:txBody>
+          <a:bodyPr>
+            <a:noAutofit/>
+          </a:bodyPr>
+          <a:lstStyle/>
+          <a:p>
+            <a:r>
+              <a:rPr lang="en-US" altLang="zh-CN" sz="3600" dirty="0"/>
+              <a:t>The Strategy Pattern</a:t>
+            </a:r>
+            <a:endParaRPr lang="en-US" altLang="zh-CN" sz="3600" dirty="0"/>
+          </a:p>
+        </p:txBody>
+      </p:sp>
+      <p:sp>
+        <p:nvSpPr>
+          <p:cNvPr id="3" name="内容占位符 2"/>
+          <p:cNvSpPr>
+            <a:spLocks noGrp="1"/>
+          </p:cNvSpPr>
+          <p:nvPr>
+            <p:ph sz="quarter" idx="13"/>
+          </p:nvPr>
+        </p:nvSpPr>
+        <p:spPr/>
+        <p:txBody>
+          <a:bodyPr>
+            <a:normAutofit/>
+          </a:bodyPr>
+          <a:lstStyle/>
+          <a:p>
+            <a:r>
+              <a:rPr lang="zh-CN" altLang="en-US" dirty="0"/>
+              <a:t>策略模式</a:t>
+            </a:r>
+            <a:endParaRPr lang="zh-CN" altLang="en-US" dirty="0"/>
+          </a:p>
+        </p:txBody>
+      </p:sp>
+    </p:spTree>
   </p:cSld>
   <p:clrMapOvr>
     <a:masterClrMapping/>
@@ -10122,6 +13121,246 @@
             <a:r>
               <a:rPr lang="zh-CN" altLang="en-US" dirty="0"/>
               <a:t>责任链式</a:t>
+            </a:r>
+            <a:endParaRPr lang="zh-CN" altLang="en-US" dirty="0"/>
+          </a:p>
+        </p:txBody>
+      </p:sp>
+    </p:spTree>
+  </p:cSld>
+  <p:clrMapOvr>
+    <a:masterClrMapping/>
+  </p:clrMapOvr>
+</p:sld>
+</file>
+
+<file path=ppt/slides/slide40.xml><?xml version="1.0" encoding="utf-8"?>
+<p:sld xmlns:a="http://schemas.openxmlformats.org/drawingml/2006/main" xmlns:r="http://schemas.openxmlformats.org/officeDocument/2006/relationships" xmlns:p="http://schemas.openxmlformats.org/presentationml/2006/main">
+  <p:cSld>
+    <p:spTree>
+      <p:nvGrpSpPr>
+        <p:cNvPr id="1" name=""/>
+        <p:cNvGrpSpPr/>
+        <p:nvPr/>
+      </p:nvGrpSpPr>
+      <p:grpSpPr>
+        <a:xfrm>
+          <a:off x="0" y="0"/>
+          <a:ext cx="0" cy="0"/>
+          <a:chOff x="0" y="0"/>
+          <a:chExt cx="0" cy="0"/>
+        </a:xfrm>
+      </p:grpSpPr>
+      <p:sp>
+        <p:nvSpPr>
+          <p:cNvPr id="2" name="标题 1"/>
+          <p:cNvSpPr>
+            <a:spLocks noGrp="1"/>
+          </p:cNvSpPr>
+          <p:nvPr>
+            <p:ph type="title"/>
+          </p:nvPr>
+        </p:nvSpPr>
+        <p:spPr>
+          <a:xfrm>
+            <a:off x="1138792" y="3078833"/>
+            <a:ext cx="6856892" cy="830998"/>
+          </a:xfrm>
+        </p:spPr>
+        <p:txBody>
+          <a:bodyPr>
+            <a:noAutofit/>
+          </a:bodyPr>
+          <a:lstStyle/>
+          <a:p>
+            <a:r>
+              <a:rPr lang="en-US" altLang="zh-CN" sz="3600" dirty="0"/>
+              <a:t>The Template Pattern</a:t>
+            </a:r>
+            <a:endParaRPr lang="en-US" altLang="zh-CN" sz="3600" dirty="0"/>
+          </a:p>
+        </p:txBody>
+      </p:sp>
+      <p:sp>
+        <p:nvSpPr>
+          <p:cNvPr id="3" name="内容占位符 2"/>
+          <p:cNvSpPr>
+            <a:spLocks noGrp="1"/>
+          </p:cNvSpPr>
+          <p:nvPr>
+            <p:ph sz="quarter" idx="13"/>
+          </p:nvPr>
+        </p:nvSpPr>
+        <p:spPr/>
+        <p:txBody>
+          <a:bodyPr>
+            <a:normAutofit/>
+          </a:bodyPr>
+          <a:lstStyle/>
+          <a:p>
+            <a:r>
+              <a:rPr lang="zh-CN" altLang="en-US" dirty="0"/>
+              <a:t>模版模式</a:t>
+            </a:r>
+            <a:endParaRPr lang="zh-CN" altLang="en-US" dirty="0"/>
+          </a:p>
+        </p:txBody>
+      </p:sp>
+    </p:spTree>
+  </p:cSld>
+  <p:clrMapOvr>
+    <a:masterClrMapping/>
+  </p:clrMapOvr>
+</p:sld>
+</file>
+
+<file path=ppt/slides/slide41.xml><?xml version="1.0" encoding="utf-8"?>
+<p:sld xmlns:a="http://schemas.openxmlformats.org/drawingml/2006/main" xmlns:r="http://schemas.openxmlformats.org/officeDocument/2006/relationships" xmlns:p="http://schemas.openxmlformats.org/presentationml/2006/main">
+  <p:cSld>
+    <p:spTree>
+      <p:nvGrpSpPr>
+        <p:cNvPr id="1" name=""/>
+        <p:cNvGrpSpPr/>
+        <p:nvPr/>
+      </p:nvGrpSpPr>
+      <p:grpSpPr>
+        <a:xfrm>
+          <a:off x="0" y="0"/>
+          <a:ext cx="0" cy="0"/>
+          <a:chOff x="0" y="0"/>
+          <a:chExt cx="0" cy="0"/>
+        </a:xfrm>
+      </p:grpSpPr>
+      <p:sp>
+        <p:nvSpPr>
+          <p:cNvPr id="2" name="标题 1"/>
+          <p:cNvSpPr>
+            <a:spLocks noGrp="1"/>
+          </p:cNvSpPr>
+          <p:nvPr>
+            <p:ph type="title"/>
+          </p:nvPr>
+        </p:nvSpPr>
+        <p:spPr>
+          <a:xfrm>
+            <a:off x="1138792" y="3078833"/>
+            <a:ext cx="6856892" cy="830998"/>
+          </a:xfrm>
+        </p:spPr>
+        <p:txBody>
+          <a:bodyPr>
+            <a:noAutofit/>
+          </a:bodyPr>
+          <a:lstStyle/>
+          <a:p>
+            <a:r>
+              <a:rPr lang="en-US" altLang="zh-CN" sz="3600" dirty="0"/>
+              <a:t>The Visitor Pattern</a:t>
+            </a:r>
+            <a:endParaRPr lang="en-US" altLang="zh-CN" sz="3600" dirty="0"/>
+          </a:p>
+        </p:txBody>
+      </p:sp>
+      <p:sp>
+        <p:nvSpPr>
+          <p:cNvPr id="3" name="内容占位符 2"/>
+          <p:cNvSpPr>
+            <a:spLocks noGrp="1"/>
+          </p:cNvSpPr>
+          <p:nvPr>
+            <p:ph sz="quarter" idx="13"/>
+          </p:nvPr>
+        </p:nvSpPr>
+        <p:spPr/>
+        <p:txBody>
+          <a:bodyPr>
+            <a:normAutofit/>
+          </a:bodyPr>
+          <a:lstStyle/>
+          <a:p>
+            <a:r>
+              <a:rPr lang="zh-CN" altLang="en-US" dirty="0"/>
+              <a:t>访问者模式</a:t>
+            </a:r>
+            <a:endParaRPr lang="zh-CN" altLang="en-US" dirty="0"/>
+          </a:p>
+        </p:txBody>
+      </p:sp>
+    </p:spTree>
+  </p:cSld>
+  <p:clrMapOvr>
+    <a:masterClrMapping/>
+  </p:clrMapOvr>
+</p:sld>
+</file>
+
+<file path=ppt/slides/slide42.xml><?xml version="1.0" encoding="utf-8"?>
+<p:sld xmlns:a="http://schemas.openxmlformats.org/drawingml/2006/main" xmlns:r="http://schemas.openxmlformats.org/officeDocument/2006/relationships" xmlns:p="http://schemas.openxmlformats.org/presentationml/2006/main">
+  <p:cSld>
+    <p:spTree>
+      <p:nvGrpSpPr>
+        <p:cNvPr id="1" name=""/>
+        <p:cNvGrpSpPr/>
+        <p:nvPr/>
+      </p:nvGrpSpPr>
+      <p:grpSpPr>
+        <a:xfrm>
+          <a:off x="0" y="0"/>
+          <a:ext cx="0" cy="0"/>
+          <a:chOff x="0" y="0"/>
+          <a:chExt cx="0" cy="0"/>
+        </a:xfrm>
+      </p:grpSpPr>
+      <p:sp>
+        <p:nvSpPr>
+          <p:cNvPr id="2" name="标题 1"/>
+          <p:cNvSpPr>
+            <a:spLocks noGrp="1"/>
+          </p:cNvSpPr>
+          <p:nvPr>
+            <p:ph type="title"/>
+          </p:nvPr>
+        </p:nvSpPr>
+        <p:spPr>
+          <a:xfrm>
+            <a:off x="1138792" y="3078833"/>
+            <a:ext cx="6856892" cy="830998"/>
+          </a:xfrm>
+        </p:spPr>
+        <p:txBody>
+          <a:bodyPr>
+            <a:noAutofit/>
+          </a:bodyPr>
+          <a:lstStyle/>
+          <a:p>
+            <a:r>
+              <a:rPr lang="en-US" altLang="zh-CN" sz="3600" dirty="0"/>
+              <a:t>The Mememto Pattern</a:t>
+            </a:r>
+            <a:endParaRPr lang="en-US" altLang="zh-CN" sz="3600" dirty="0"/>
+          </a:p>
+        </p:txBody>
+      </p:sp>
+      <p:sp>
+        <p:nvSpPr>
+          <p:cNvPr id="3" name="内容占位符 2"/>
+          <p:cNvSpPr>
+            <a:spLocks noGrp="1"/>
+          </p:cNvSpPr>
+          <p:nvPr>
+            <p:ph sz="quarter" idx="13"/>
+          </p:nvPr>
+        </p:nvSpPr>
+        <p:spPr/>
+        <p:txBody>
+          <a:bodyPr>
+            <a:normAutofit/>
+          </a:bodyPr>
+          <a:lstStyle/>
+          <a:p>
+            <a:r>
+              <a:rPr lang="zh-CN" altLang="en-US" dirty="0"/>
+              <a:t>备忘录模式</a:t>
             </a:r>
             <a:endParaRPr lang="zh-CN" altLang="en-US" dirty="0"/>
           </a:p>
@@ -10376,19 +13615,7 @@
               <a:rPr dirty="0">
                 <a:sym typeface="+mn-ea"/>
               </a:rPr>
-              <a:t>责任链式(Chain of Responsibility </a:t>
-            </a:r>
-            <a:r>
-              <a:rPr dirty="0">
-                <a:sym typeface="+mn-ea"/>
-              </a:rPr>
-              <a:t>Pattern</a:t>
-            </a:r>
-            <a:r>
-              <a:rPr dirty="0">
-                <a:sym typeface="+mn-ea"/>
-              </a:rPr>
-              <a:t>)</a:t>
+              <a:t>责任链式(Chain of Responsibility Pattern)</a:t>
             </a:r>
             <a:endParaRPr dirty="0">
               <a:sym typeface="+mn-ea"/>
@@ -10622,19 +13849,7 @@
               <a:rPr dirty="0">
                 <a:sym typeface="+mn-ea"/>
               </a:rPr>
-              <a:t>责任链式(Chain of Responsibility</a:t>
-            </a:r>
-            <a:r>
-              <a:rPr dirty="0">
-                <a:sym typeface="+mn-ea"/>
-              </a:rPr>
-              <a:t> Pattern</a:t>
-            </a:r>
-            <a:r>
-              <a:rPr dirty="0">
-                <a:sym typeface="+mn-ea"/>
-              </a:rPr>
-              <a:t>)</a:t>
+              <a:t>责任链式(Chain of Responsibility Pattern)</a:t>
             </a:r>
             <a:endParaRPr dirty="0">
               <a:sym typeface="+mn-ea"/>
@@ -10833,19 +14048,7 @@
               <a:rPr dirty="0">
                 <a:sym typeface="+mn-ea"/>
               </a:rPr>
-              <a:t>责任链式(Chain of Responsibility</a:t>
-            </a:r>
-            <a:r>
-              <a:rPr dirty="0">
-                <a:sym typeface="+mn-ea"/>
-              </a:rPr>
-              <a:t> Pattern</a:t>
-            </a:r>
-            <a:r>
-              <a:rPr dirty="0">
-                <a:sym typeface="+mn-ea"/>
-              </a:rPr>
-              <a:t>)</a:t>
+              <a:t>责任链式(Chain of Responsibility Pattern)</a:t>
             </a:r>
             <a:endParaRPr dirty="0">
               <a:sym typeface="+mn-ea"/>
@@ -11936,6 +15139,65 @@
 </p:tagLst>
 </file>
 
+<file path=ppt/tags/tag57.xml><?xml version="1.0" encoding="utf-8"?>
+<p:tagLst xmlns:p="http://schemas.openxmlformats.org/presentationml/2006/main">
+  <p:tag name="KSO_WM_TEMPLATE_CATEGORY" val="custom"/>
+  <p:tag name="KSO_WM_TEMPLATE_INDEX" val="20186830"/>
+  <p:tag name="KSO_WM_TAG_VERSION" val="1.0"/>
+  <p:tag name="KSO_WM_BEAUTIFY_FLAG" val="#wm#"/>
+  <p:tag name="KSO_WM_UNIT_TYPE" val="a"/>
+  <p:tag name="KSO_WM_UNIT_INDEX" val="1"/>
+  <p:tag name="KSO_WM_UNIT_ID" val="custom20186830_7*a*1"/>
+  <p:tag name="KSO_WM_UNIT_LAYERLEVEL" val="1"/>
+  <p:tag name="KSO_WM_UNIT_VALUE" val="19"/>
+  <p:tag name="KSO_WM_UNIT_ISCONTENTSTITLE" val="0"/>
+  <p:tag name="KSO_WM_UNIT_HIGHLIGHT" val="0"/>
+  <p:tag name="KSO_WM_UNIT_COMPATIBLE" val="0"/>
+  <p:tag name="KSO_WM_UNIT_CLEAR" val="0"/>
+  <p:tag name="KSO_WM_UNIT_PRESET_TEXT_INDEX" val="3"/>
+  <p:tag name="KSO_WM_UNIT_PRESET_TEXT_LEN" val="17"/>
+</p:tagLst>
+</file>
+
+<file path=ppt/tags/tag58.xml><?xml version="1.0" encoding="utf-8"?>
+<p:tagLst xmlns:p="http://schemas.openxmlformats.org/presentationml/2006/main">
+  <p:tag name="KSO_WM_TEMPLATE_CATEGORY" val="custom"/>
+  <p:tag name="KSO_WM_TEMPLATE_INDEX" val="20186830"/>
+  <p:tag name="KSO_WM_TAG_VERSION" val="1.0"/>
+  <p:tag name="KSO_WM_SLIDE_ID" val="custom20186830_7"/>
+  <p:tag name="KSO_WM_SLIDE_INDEX" val="7"/>
+  <p:tag name="KSO_WM_SLIDE_ITEM_CNT" val="1"/>
+  <p:tag name="KSO_WM_SLIDE_LAYOUT" val="a_l"/>
+  <p:tag name="KSO_WM_SLIDE_LAYOUT_CNT" val="1_1"/>
+  <p:tag name="KSO_WM_SLIDE_TYPE" val="text"/>
+  <p:tag name="KSO_WM_BEAUTIFY_FLAG" val="#wm#"/>
+  <p:tag name="KSO_WM_SLIDE_POSITION" val="25*85"/>
+  <p:tag name="KSO_WM_SLIDE_SIZE" val="452*279"/>
+  <p:tag name="KSO_WM_DIAGRAM_GROUP_CODE" val="l1-1"/>
+  <p:tag name="KSO_WM_SLIDE_SUBTYPE" val="diag"/>
+</p:tagLst>
+</file>
+
+<file path=ppt/tags/tag59.xml><?xml version="1.0" encoding="utf-8"?>
+<p:tagLst xmlns:p="http://schemas.openxmlformats.org/presentationml/2006/main">
+  <p:tag name="KSO_WM_TEMPLATE_CATEGORY" val="custom"/>
+  <p:tag name="KSO_WM_TEMPLATE_INDEX" val="20186830"/>
+  <p:tag name="KSO_WM_TAG_VERSION" val="1.0"/>
+  <p:tag name="KSO_WM_BEAUTIFY_FLAG" val="#wm#"/>
+  <p:tag name="KSO_WM_UNIT_TYPE" val="a"/>
+  <p:tag name="KSO_WM_UNIT_INDEX" val="1"/>
+  <p:tag name="KSO_WM_UNIT_ID" val="custom20186830_7*a*1"/>
+  <p:tag name="KSO_WM_UNIT_LAYERLEVEL" val="1"/>
+  <p:tag name="KSO_WM_UNIT_VALUE" val="19"/>
+  <p:tag name="KSO_WM_UNIT_ISCONTENTSTITLE" val="0"/>
+  <p:tag name="KSO_WM_UNIT_HIGHLIGHT" val="0"/>
+  <p:tag name="KSO_WM_UNIT_COMPATIBLE" val="0"/>
+  <p:tag name="KSO_WM_UNIT_CLEAR" val="0"/>
+  <p:tag name="KSO_WM_UNIT_PRESET_TEXT_INDEX" val="3"/>
+  <p:tag name="KSO_WM_UNIT_PRESET_TEXT_LEN" val="17"/>
+</p:tagLst>
+</file>
+
 <file path=ppt/tags/tag6.xml><?xml version="1.0" encoding="utf-8"?>
 <p:tagLst xmlns:p="http://schemas.openxmlformats.org/presentationml/2006/main">
   <p:tag name="KSO_WM_TAG_VERSION" val="1.0"/>
@@ -11948,6 +15210,201 @@
 </p:tagLst>
 </file>
 
+<file path=ppt/tags/tag60.xml><?xml version="1.0" encoding="utf-8"?>
+<p:tagLst xmlns:p="http://schemas.openxmlformats.org/presentationml/2006/main">
+  <p:tag name="KSO_WM_TEMPLATE_CATEGORY" val="custom"/>
+  <p:tag name="KSO_WM_TEMPLATE_INDEX" val="20186830"/>
+  <p:tag name="KSO_WM_TAG_VERSION" val="1.0"/>
+  <p:tag name="KSO_WM_SLIDE_ID" val="custom20186830_7"/>
+  <p:tag name="KSO_WM_SLIDE_INDEX" val="7"/>
+  <p:tag name="KSO_WM_SLIDE_ITEM_CNT" val="1"/>
+  <p:tag name="KSO_WM_SLIDE_LAYOUT" val="a_l"/>
+  <p:tag name="KSO_WM_SLIDE_LAYOUT_CNT" val="1_1"/>
+  <p:tag name="KSO_WM_SLIDE_TYPE" val="text"/>
+  <p:tag name="KSO_WM_BEAUTIFY_FLAG" val="#wm#"/>
+  <p:tag name="KSO_WM_SLIDE_POSITION" val="25*85"/>
+  <p:tag name="KSO_WM_SLIDE_SIZE" val="452*279"/>
+  <p:tag name="KSO_WM_DIAGRAM_GROUP_CODE" val="l1-1"/>
+  <p:tag name="KSO_WM_SLIDE_SUBTYPE" val="diag"/>
+</p:tagLst>
+</file>
+
+<file path=ppt/tags/tag61.xml><?xml version="1.0" encoding="utf-8"?>
+<p:tagLst xmlns:p="http://schemas.openxmlformats.org/presentationml/2006/main">
+  <p:tag name="KSO_WM_TEMPLATE_CATEGORY" val="custom"/>
+  <p:tag name="KSO_WM_TEMPLATE_INDEX" val="20186830"/>
+  <p:tag name="KSO_WM_TAG_VERSION" val="1.0"/>
+  <p:tag name="KSO_WM_BEAUTIFY_FLAG" val="#wm#"/>
+  <p:tag name="KSO_WM_UNIT_TYPE" val="a"/>
+  <p:tag name="KSO_WM_UNIT_INDEX" val="1"/>
+  <p:tag name="KSO_WM_UNIT_ID" val="custom20186830_7*a*1"/>
+  <p:tag name="KSO_WM_UNIT_LAYERLEVEL" val="1"/>
+  <p:tag name="KSO_WM_UNIT_VALUE" val="19"/>
+  <p:tag name="KSO_WM_UNIT_ISCONTENTSTITLE" val="0"/>
+  <p:tag name="KSO_WM_UNIT_HIGHLIGHT" val="0"/>
+  <p:tag name="KSO_WM_UNIT_COMPATIBLE" val="0"/>
+  <p:tag name="KSO_WM_UNIT_CLEAR" val="0"/>
+  <p:tag name="KSO_WM_UNIT_PRESET_TEXT_INDEX" val="3"/>
+  <p:tag name="KSO_WM_UNIT_PRESET_TEXT_LEN" val="17"/>
+</p:tagLst>
+</file>
+
+<file path=ppt/tags/tag62.xml><?xml version="1.0" encoding="utf-8"?>
+<p:tagLst xmlns:p="http://schemas.openxmlformats.org/presentationml/2006/main">
+  <p:tag name="KSO_WM_TEMPLATE_CATEGORY" val="custom"/>
+  <p:tag name="KSO_WM_TEMPLATE_INDEX" val="20186830"/>
+  <p:tag name="KSO_WM_TAG_VERSION" val="1.0"/>
+  <p:tag name="KSO_WM_SLIDE_ID" val="custom20186830_7"/>
+  <p:tag name="KSO_WM_SLIDE_INDEX" val="7"/>
+  <p:tag name="KSO_WM_SLIDE_ITEM_CNT" val="1"/>
+  <p:tag name="KSO_WM_SLIDE_LAYOUT" val="a_l"/>
+  <p:tag name="KSO_WM_SLIDE_LAYOUT_CNT" val="1_1"/>
+  <p:tag name="KSO_WM_SLIDE_TYPE" val="text"/>
+  <p:tag name="KSO_WM_BEAUTIFY_FLAG" val="#wm#"/>
+  <p:tag name="KSO_WM_SLIDE_POSITION" val="25*85"/>
+  <p:tag name="KSO_WM_SLIDE_SIZE" val="452*279"/>
+  <p:tag name="KSO_WM_DIAGRAM_GROUP_CODE" val="l1-1"/>
+  <p:tag name="KSO_WM_SLIDE_SUBTYPE" val="diag"/>
+</p:tagLst>
+</file>
+
+<file path=ppt/tags/tag63.xml><?xml version="1.0" encoding="utf-8"?>
+<p:tagLst xmlns:p="http://schemas.openxmlformats.org/presentationml/2006/main">
+  <p:tag name="KSO_WM_TEMPLATE_CATEGORY" val="custom"/>
+  <p:tag name="KSO_WM_TEMPLATE_INDEX" val="20186830"/>
+  <p:tag name="KSO_WM_TAG_VERSION" val="1.0"/>
+  <p:tag name="KSO_WM_BEAUTIFY_FLAG" val="#wm#"/>
+  <p:tag name="KSO_WM_UNIT_TYPE" val="a"/>
+  <p:tag name="KSO_WM_UNIT_INDEX" val="1"/>
+  <p:tag name="KSO_WM_UNIT_ID" val="custom20186830_7*a*1"/>
+  <p:tag name="KSO_WM_UNIT_LAYERLEVEL" val="1"/>
+  <p:tag name="KSO_WM_UNIT_VALUE" val="19"/>
+  <p:tag name="KSO_WM_UNIT_ISCONTENTSTITLE" val="0"/>
+  <p:tag name="KSO_WM_UNIT_HIGHLIGHT" val="0"/>
+  <p:tag name="KSO_WM_UNIT_COMPATIBLE" val="0"/>
+  <p:tag name="KSO_WM_UNIT_CLEAR" val="0"/>
+  <p:tag name="KSO_WM_UNIT_PRESET_TEXT_INDEX" val="3"/>
+  <p:tag name="KSO_WM_UNIT_PRESET_TEXT_LEN" val="17"/>
+</p:tagLst>
+</file>
+
+<file path=ppt/tags/tag64.xml><?xml version="1.0" encoding="utf-8"?>
+<p:tagLst xmlns:p="http://schemas.openxmlformats.org/presentationml/2006/main">
+  <p:tag name="KSO_WM_TEMPLATE_CATEGORY" val="custom"/>
+  <p:tag name="KSO_WM_TEMPLATE_INDEX" val="20186830"/>
+  <p:tag name="KSO_WM_TAG_VERSION" val="1.0"/>
+  <p:tag name="KSO_WM_SLIDE_ID" val="custom20186830_7"/>
+  <p:tag name="KSO_WM_SLIDE_INDEX" val="7"/>
+  <p:tag name="KSO_WM_SLIDE_ITEM_CNT" val="1"/>
+  <p:tag name="KSO_WM_SLIDE_LAYOUT" val="a_l"/>
+  <p:tag name="KSO_WM_SLIDE_LAYOUT_CNT" val="1_1"/>
+  <p:tag name="KSO_WM_SLIDE_TYPE" val="text"/>
+  <p:tag name="KSO_WM_BEAUTIFY_FLAG" val="#wm#"/>
+  <p:tag name="KSO_WM_SLIDE_POSITION" val="25*85"/>
+  <p:tag name="KSO_WM_SLIDE_SIZE" val="452*279"/>
+  <p:tag name="KSO_WM_DIAGRAM_GROUP_CODE" val="l1-1"/>
+  <p:tag name="KSO_WM_SLIDE_SUBTYPE" val="diag"/>
+</p:tagLst>
+</file>
+
+<file path=ppt/tags/tag65.xml><?xml version="1.0" encoding="utf-8"?>
+<p:tagLst xmlns:p="http://schemas.openxmlformats.org/presentationml/2006/main">
+  <p:tag name="KSO_WM_TEMPLATE_CATEGORY" val="custom"/>
+  <p:tag name="KSO_WM_TEMPLATE_INDEX" val="20186830"/>
+  <p:tag name="KSO_WM_TAG_VERSION" val="1.0"/>
+  <p:tag name="KSO_WM_BEAUTIFY_FLAG" val="#wm#"/>
+  <p:tag name="KSO_WM_UNIT_TYPE" val="a"/>
+  <p:tag name="KSO_WM_UNIT_INDEX" val="1"/>
+  <p:tag name="KSO_WM_UNIT_ID" val="custom20186830_7*a*1"/>
+  <p:tag name="KSO_WM_UNIT_LAYERLEVEL" val="1"/>
+  <p:tag name="KSO_WM_UNIT_VALUE" val="19"/>
+  <p:tag name="KSO_WM_UNIT_ISCONTENTSTITLE" val="0"/>
+  <p:tag name="KSO_WM_UNIT_HIGHLIGHT" val="0"/>
+  <p:tag name="KSO_WM_UNIT_COMPATIBLE" val="0"/>
+  <p:tag name="KSO_WM_UNIT_CLEAR" val="0"/>
+  <p:tag name="KSO_WM_UNIT_PRESET_TEXT_INDEX" val="3"/>
+  <p:tag name="KSO_WM_UNIT_PRESET_TEXT_LEN" val="17"/>
+</p:tagLst>
+</file>
+
+<file path=ppt/tags/tag66.xml><?xml version="1.0" encoding="utf-8"?>
+<p:tagLst xmlns:p="http://schemas.openxmlformats.org/presentationml/2006/main">
+  <p:tag name="KSO_WM_TEMPLATE_CATEGORY" val="custom"/>
+  <p:tag name="KSO_WM_TEMPLATE_INDEX" val="20186830"/>
+  <p:tag name="KSO_WM_TAG_VERSION" val="1.0"/>
+  <p:tag name="KSO_WM_SLIDE_ID" val="custom20186830_7"/>
+  <p:tag name="KSO_WM_SLIDE_INDEX" val="7"/>
+  <p:tag name="KSO_WM_SLIDE_ITEM_CNT" val="1"/>
+  <p:tag name="KSO_WM_SLIDE_LAYOUT" val="a_l"/>
+  <p:tag name="KSO_WM_SLIDE_LAYOUT_CNT" val="1_1"/>
+  <p:tag name="KSO_WM_SLIDE_TYPE" val="text"/>
+  <p:tag name="KSO_WM_BEAUTIFY_FLAG" val="#wm#"/>
+  <p:tag name="KSO_WM_SLIDE_POSITION" val="25*85"/>
+  <p:tag name="KSO_WM_SLIDE_SIZE" val="452*279"/>
+  <p:tag name="KSO_WM_DIAGRAM_GROUP_CODE" val="l1-1"/>
+  <p:tag name="KSO_WM_SLIDE_SUBTYPE" val="diag"/>
+</p:tagLst>
+</file>
+
+<file path=ppt/tags/tag67.xml><?xml version="1.0" encoding="utf-8"?>
+<p:tagLst xmlns:p="http://schemas.openxmlformats.org/presentationml/2006/main">
+  <p:tag name="KSO_WM_TEMPLATE_CATEGORY" val="custom"/>
+  <p:tag name="KSO_WM_TEMPLATE_INDEX" val="20186830"/>
+  <p:tag name="KSO_WM_TAG_VERSION" val="1.0"/>
+  <p:tag name="KSO_WM_BEAUTIFY_FLAG" val="#wm#"/>
+  <p:tag name="KSO_WM_UNIT_TYPE" val="a"/>
+  <p:tag name="KSO_WM_UNIT_INDEX" val="1"/>
+  <p:tag name="KSO_WM_UNIT_ID" val="custom20186830_7*a*1"/>
+  <p:tag name="KSO_WM_UNIT_LAYERLEVEL" val="1"/>
+  <p:tag name="KSO_WM_UNIT_VALUE" val="19"/>
+  <p:tag name="KSO_WM_UNIT_ISCONTENTSTITLE" val="0"/>
+  <p:tag name="KSO_WM_UNIT_HIGHLIGHT" val="0"/>
+  <p:tag name="KSO_WM_UNIT_COMPATIBLE" val="0"/>
+  <p:tag name="KSO_WM_UNIT_CLEAR" val="0"/>
+  <p:tag name="KSO_WM_UNIT_PRESET_TEXT_INDEX" val="3"/>
+  <p:tag name="KSO_WM_UNIT_PRESET_TEXT_LEN" val="17"/>
+</p:tagLst>
+</file>
+
+<file path=ppt/tags/tag68.xml><?xml version="1.0" encoding="utf-8"?>
+<p:tagLst xmlns:p="http://schemas.openxmlformats.org/presentationml/2006/main">
+  <p:tag name="KSO_WM_TEMPLATE_CATEGORY" val="custom"/>
+  <p:tag name="KSO_WM_TEMPLATE_INDEX" val="20186830"/>
+  <p:tag name="KSO_WM_TAG_VERSION" val="1.0"/>
+  <p:tag name="KSO_WM_SLIDE_ID" val="custom20186830_7"/>
+  <p:tag name="KSO_WM_SLIDE_INDEX" val="7"/>
+  <p:tag name="KSO_WM_SLIDE_ITEM_CNT" val="1"/>
+  <p:tag name="KSO_WM_SLIDE_LAYOUT" val="a_l"/>
+  <p:tag name="KSO_WM_SLIDE_LAYOUT_CNT" val="1_1"/>
+  <p:tag name="KSO_WM_SLIDE_TYPE" val="text"/>
+  <p:tag name="KSO_WM_BEAUTIFY_FLAG" val="#wm#"/>
+  <p:tag name="KSO_WM_SLIDE_POSITION" val="25*85"/>
+  <p:tag name="KSO_WM_SLIDE_SIZE" val="452*279"/>
+  <p:tag name="KSO_WM_DIAGRAM_GROUP_CODE" val="l1-1"/>
+  <p:tag name="KSO_WM_SLIDE_SUBTYPE" val="diag"/>
+</p:tagLst>
+</file>
+
+<file path=ppt/tags/tag69.xml><?xml version="1.0" encoding="utf-8"?>
+<p:tagLst xmlns:p="http://schemas.openxmlformats.org/presentationml/2006/main">
+  <p:tag name="KSO_WM_TEMPLATE_CATEGORY" val="custom"/>
+  <p:tag name="KSO_WM_TEMPLATE_INDEX" val="20186830"/>
+  <p:tag name="KSO_WM_TAG_VERSION" val="1.0"/>
+  <p:tag name="KSO_WM_BEAUTIFY_FLAG" val="#wm#"/>
+  <p:tag name="KSO_WM_UNIT_TYPE" val="a"/>
+  <p:tag name="KSO_WM_UNIT_INDEX" val="1"/>
+  <p:tag name="KSO_WM_UNIT_ID" val="custom20186830_7*a*1"/>
+  <p:tag name="KSO_WM_UNIT_LAYERLEVEL" val="1"/>
+  <p:tag name="KSO_WM_UNIT_VALUE" val="19"/>
+  <p:tag name="KSO_WM_UNIT_ISCONTENTSTITLE" val="0"/>
+  <p:tag name="KSO_WM_UNIT_HIGHLIGHT" val="0"/>
+  <p:tag name="KSO_WM_UNIT_COMPATIBLE" val="0"/>
+  <p:tag name="KSO_WM_UNIT_CLEAR" val="0"/>
+  <p:tag name="KSO_WM_UNIT_PRESET_TEXT_INDEX" val="3"/>
+  <p:tag name="KSO_WM_UNIT_PRESET_TEXT_LEN" val="17"/>
+</p:tagLst>
+</file>
+
 <file path=ppt/tags/tag7.xml><?xml version="1.0" encoding="utf-8"?>
 <p:tagLst xmlns:p="http://schemas.openxmlformats.org/presentationml/2006/main">
   <p:tag name="KSO_WM_TAG_VERSION" val="1.0"/>
@@ -11960,6 +15417,201 @@
 </p:tagLst>
 </file>
 
+<file path=ppt/tags/tag70.xml><?xml version="1.0" encoding="utf-8"?>
+<p:tagLst xmlns:p="http://schemas.openxmlformats.org/presentationml/2006/main">
+  <p:tag name="KSO_WM_TEMPLATE_CATEGORY" val="custom"/>
+  <p:tag name="KSO_WM_TEMPLATE_INDEX" val="20186830"/>
+  <p:tag name="KSO_WM_TAG_VERSION" val="1.0"/>
+  <p:tag name="KSO_WM_SLIDE_ID" val="custom20186830_7"/>
+  <p:tag name="KSO_WM_SLIDE_INDEX" val="7"/>
+  <p:tag name="KSO_WM_SLIDE_ITEM_CNT" val="1"/>
+  <p:tag name="KSO_WM_SLIDE_LAYOUT" val="a_l"/>
+  <p:tag name="KSO_WM_SLIDE_LAYOUT_CNT" val="1_1"/>
+  <p:tag name="KSO_WM_SLIDE_TYPE" val="text"/>
+  <p:tag name="KSO_WM_BEAUTIFY_FLAG" val="#wm#"/>
+  <p:tag name="KSO_WM_SLIDE_POSITION" val="25*85"/>
+  <p:tag name="KSO_WM_SLIDE_SIZE" val="452*279"/>
+  <p:tag name="KSO_WM_DIAGRAM_GROUP_CODE" val="l1-1"/>
+  <p:tag name="KSO_WM_SLIDE_SUBTYPE" val="diag"/>
+</p:tagLst>
+</file>
+
+<file path=ppt/tags/tag71.xml><?xml version="1.0" encoding="utf-8"?>
+<p:tagLst xmlns:p="http://schemas.openxmlformats.org/presentationml/2006/main">
+  <p:tag name="KSO_WM_TEMPLATE_CATEGORY" val="custom"/>
+  <p:tag name="KSO_WM_TEMPLATE_INDEX" val="20186830"/>
+  <p:tag name="KSO_WM_TAG_VERSION" val="1.0"/>
+  <p:tag name="KSO_WM_BEAUTIFY_FLAG" val="#wm#"/>
+  <p:tag name="KSO_WM_UNIT_TYPE" val="a"/>
+  <p:tag name="KSO_WM_UNIT_INDEX" val="1"/>
+  <p:tag name="KSO_WM_UNIT_ID" val="custom20186830_7*a*1"/>
+  <p:tag name="KSO_WM_UNIT_LAYERLEVEL" val="1"/>
+  <p:tag name="KSO_WM_UNIT_VALUE" val="19"/>
+  <p:tag name="KSO_WM_UNIT_ISCONTENTSTITLE" val="0"/>
+  <p:tag name="KSO_WM_UNIT_HIGHLIGHT" val="0"/>
+  <p:tag name="KSO_WM_UNIT_COMPATIBLE" val="0"/>
+  <p:tag name="KSO_WM_UNIT_CLEAR" val="0"/>
+  <p:tag name="KSO_WM_UNIT_PRESET_TEXT_INDEX" val="3"/>
+  <p:tag name="KSO_WM_UNIT_PRESET_TEXT_LEN" val="17"/>
+</p:tagLst>
+</file>
+
+<file path=ppt/tags/tag72.xml><?xml version="1.0" encoding="utf-8"?>
+<p:tagLst xmlns:p="http://schemas.openxmlformats.org/presentationml/2006/main">
+  <p:tag name="KSO_WM_TEMPLATE_CATEGORY" val="custom"/>
+  <p:tag name="KSO_WM_TEMPLATE_INDEX" val="20186830"/>
+  <p:tag name="KSO_WM_TAG_VERSION" val="1.0"/>
+  <p:tag name="KSO_WM_SLIDE_ID" val="custom20186830_7"/>
+  <p:tag name="KSO_WM_SLIDE_INDEX" val="7"/>
+  <p:tag name="KSO_WM_SLIDE_ITEM_CNT" val="1"/>
+  <p:tag name="KSO_WM_SLIDE_LAYOUT" val="a_l"/>
+  <p:tag name="KSO_WM_SLIDE_LAYOUT_CNT" val="1_1"/>
+  <p:tag name="KSO_WM_SLIDE_TYPE" val="text"/>
+  <p:tag name="KSO_WM_BEAUTIFY_FLAG" val="#wm#"/>
+  <p:tag name="KSO_WM_SLIDE_POSITION" val="25*85"/>
+  <p:tag name="KSO_WM_SLIDE_SIZE" val="452*279"/>
+  <p:tag name="KSO_WM_DIAGRAM_GROUP_CODE" val="l1-1"/>
+  <p:tag name="KSO_WM_SLIDE_SUBTYPE" val="diag"/>
+</p:tagLst>
+</file>
+
+<file path=ppt/tags/tag73.xml><?xml version="1.0" encoding="utf-8"?>
+<p:tagLst xmlns:p="http://schemas.openxmlformats.org/presentationml/2006/main">
+  <p:tag name="KSO_WM_TEMPLATE_CATEGORY" val="custom"/>
+  <p:tag name="KSO_WM_TEMPLATE_INDEX" val="20186830"/>
+  <p:tag name="KSO_WM_TAG_VERSION" val="1.0"/>
+  <p:tag name="KSO_WM_BEAUTIFY_FLAG" val="#wm#"/>
+  <p:tag name="KSO_WM_UNIT_TYPE" val="a"/>
+  <p:tag name="KSO_WM_UNIT_INDEX" val="1"/>
+  <p:tag name="KSO_WM_UNIT_ID" val="custom20186830_7*a*1"/>
+  <p:tag name="KSO_WM_UNIT_LAYERLEVEL" val="1"/>
+  <p:tag name="KSO_WM_UNIT_VALUE" val="19"/>
+  <p:tag name="KSO_WM_UNIT_ISCONTENTSTITLE" val="0"/>
+  <p:tag name="KSO_WM_UNIT_HIGHLIGHT" val="0"/>
+  <p:tag name="KSO_WM_UNIT_COMPATIBLE" val="0"/>
+  <p:tag name="KSO_WM_UNIT_CLEAR" val="0"/>
+  <p:tag name="KSO_WM_UNIT_PRESET_TEXT_INDEX" val="3"/>
+  <p:tag name="KSO_WM_UNIT_PRESET_TEXT_LEN" val="17"/>
+</p:tagLst>
+</file>
+
+<file path=ppt/tags/tag74.xml><?xml version="1.0" encoding="utf-8"?>
+<p:tagLst xmlns:p="http://schemas.openxmlformats.org/presentationml/2006/main">
+  <p:tag name="KSO_WM_TEMPLATE_CATEGORY" val="custom"/>
+  <p:tag name="KSO_WM_TEMPLATE_INDEX" val="20186830"/>
+  <p:tag name="KSO_WM_TAG_VERSION" val="1.0"/>
+  <p:tag name="KSO_WM_SLIDE_ID" val="custom20186830_7"/>
+  <p:tag name="KSO_WM_SLIDE_INDEX" val="7"/>
+  <p:tag name="KSO_WM_SLIDE_ITEM_CNT" val="1"/>
+  <p:tag name="KSO_WM_SLIDE_LAYOUT" val="a_l"/>
+  <p:tag name="KSO_WM_SLIDE_LAYOUT_CNT" val="1_1"/>
+  <p:tag name="KSO_WM_SLIDE_TYPE" val="text"/>
+  <p:tag name="KSO_WM_BEAUTIFY_FLAG" val="#wm#"/>
+  <p:tag name="KSO_WM_SLIDE_POSITION" val="25*85"/>
+  <p:tag name="KSO_WM_SLIDE_SIZE" val="452*279"/>
+  <p:tag name="KSO_WM_DIAGRAM_GROUP_CODE" val="l1-1"/>
+  <p:tag name="KSO_WM_SLIDE_SUBTYPE" val="diag"/>
+</p:tagLst>
+</file>
+
+<file path=ppt/tags/tag75.xml><?xml version="1.0" encoding="utf-8"?>
+<p:tagLst xmlns:p="http://schemas.openxmlformats.org/presentationml/2006/main">
+  <p:tag name="KSO_WM_TEMPLATE_CATEGORY" val="custom"/>
+  <p:tag name="KSO_WM_TEMPLATE_INDEX" val="20186830"/>
+  <p:tag name="KSO_WM_TAG_VERSION" val="1.0"/>
+  <p:tag name="KSO_WM_BEAUTIFY_FLAG" val="#wm#"/>
+  <p:tag name="KSO_WM_UNIT_TYPE" val="a"/>
+  <p:tag name="KSO_WM_UNIT_INDEX" val="1"/>
+  <p:tag name="KSO_WM_UNIT_ID" val="custom20186830_7*a*1"/>
+  <p:tag name="KSO_WM_UNIT_LAYERLEVEL" val="1"/>
+  <p:tag name="KSO_WM_UNIT_VALUE" val="19"/>
+  <p:tag name="KSO_WM_UNIT_ISCONTENTSTITLE" val="0"/>
+  <p:tag name="KSO_WM_UNIT_HIGHLIGHT" val="0"/>
+  <p:tag name="KSO_WM_UNIT_COMPATIBLE" val="0"/>
+  <p:tag name="KSO_WM_UNIT_CLEAR" val="0"/>
+  <p:tag name="KSO_WM_UNIT_PRESET_TEXT_INDEX" val="3"/>
+  <p:tag name="KSO_WM_UNIT_PRESET_TEXT_LEN" val="17"/>
+</p:tagLst>
+</file>
+
+<file path=ppt/tags/tag76.xml><?xml version="1.0" encoding="utf-8"?>
+<p:tagLst xmlns:p="http://schemas.openxmlformats.org/presentationml/2006/main">
+  <p:tag name="KSO_WM_TEMPLATE_CATEGORY" val="custom"/>
+  <p:tag name="KSO_WM_TEMPLATE_INDEX" val="20186830"/>
+  <p:tag name="KSO_WM_TAG_VERSION" val="1.0"/>
+  <p:tag name="KSO_WM_SLIDE_ID" val="custom20186830_7"/>
+  <p:tag name="KSO_WM_SLIDE_INDEX" val="7"/>
+  <p:tag name="KSO_WM_SLIDE_ITEM_CNT" val="1"/>
+  <p:tag name="KSO_WM_SLIDE_LAYOUT" val="a_l"/>
+  <p:tag name="KSO_WM_SLIDE_LAYOUT_CNT" val="1_1"/>
+  <p:tag name="KSO_WM_SLIDE_TYPE" val="text"/>
+  <p:tag name="KSO_WM_BEAUTIFY_FLAG" val="#wm#"/>
+  <p:tag name="KSO_WM_SLIDE_POSITION" val="25*85"/>
+  <p:tag name="KSO_WM_SLIDE_SIZE" val="452*279"/>
+  <p:tag name="KSO_WM_DIAGRAM_GROUP_CODE" val="l1-1"/>
+  <p:tag name="KSO_WM_SLIDE_SUBTYPE" val="diag"/>
+</p:tagLst>
+</file>
+
+<file path=ppt/tags/tag77.xml><?xml version="1.0" encoding="utf-8"?>
+<p:tagLst xmlns:p="http://schemas.openxmlformats.org/presentationml/2006/main">
+  <p:tag name="KSO_WM_TEMPLATE_CATEGORY" val="custom"/>
+  <p:tag name="KSO_WM_TEMPLATE_INDEX" val="20186830"/>
+  <p:tag name="KSO_WM_TAG_VERSION" val="1.0"/>
+  <p:tag name="KSO_WM_BEAUTIFY_FLAG" val="#wm#"/>
+  <p:tag name="KSO_WM_UNIT_TYPE" val="a"/>
+  <p:tag name="KSO_WM_UNIT_INDEX" val="1"/>
+  <p:tag name="KSO_WM_UNIT_ID" val="custom20186830_7*a*1"/>
+  <p:tag name="KSO_WM_UNIT_LAYERLEVEL" val="1"/>
+  <p:tag name="KSO_WM_UNIT_VALUE" val="19"/>
+  <p:tag name="KSO_WM_UNIT_ISCONTENTSTITLE" val="0"/>
+  <p:tag name="KSO_WM_UNIT_HIGHLIGHT" val="0"/>
+  <p:tag name="KSO_WM_UNIT_COMPATIBLE" val="0"/>
+  <p:tag name="KSO_WM_UNIT_CLEAR" val="0"/>
+  <p:tag name="KSO_WM_UNIT_PRESET_TEXT_INDEX" val="3"/>
+  <p:tag name="KSO_WM_UNIT_PRESET_TEXT_LEN" val="17"/>
+</p:tagLst>
+</file>
+
+<file path=ppt/tags/tag78.xml><?xml version="1.0" encoding="utf-8"?>
+<p:tagLst xmlns:p="http://schemas.openxmlformats.org/presentationml/2006/main">
+  <p:tag name="KSO_WM_TEMPLATE_CATEGORY" val="custom"/>
+  <p:tag name="KSO_WM_TEMPLATE_INDEX" val="20186830"/>
+  <p:tag name="KSO_WM_TAG_VERSION" val="1.0"/>
+  <p:tag name="KSO_WM_SLIDE_ID" val="custom20186830_7"/>
+  <p:tag name="KSO_WM_SLIDE_INDEX" val="7"/>
+  <p:tag name="KSO_WM_SLIDE_ITEM_CNT" val="1"/>
+  <p:tag name="KSO_WM_SLIDE_LAYOUT" val="a_l"/>
+  <p:tag name="KSO_WM_SLIDE_LAYOUT_CNT" val="1_1"/>
+  <p:tag name="KSO_WM_SLIDE_TYPE" val="text"/>
+  <p:tag name="KSO_WM_BEAUTIFY_FLAG" val="#wm#"/>
+  <p:tag name="KSO_WM_SLIDE_POSITION" val="25*85"/>
+  <p:tag name="KSO_WM_SLIDE_SIZE" val="452*279"/>
+  <p:tag name="KSO_WM_DIAGRAM_GROUP_CODE" val="l1-1"/>
+  <p:tag name="KSO_WM_SLIDE_SUBTYPE" val="diag"/>
+</p:tagLst>
+</file>
+
+<file path=ppt/tags/tag79.xml><?xml version="1.0" encoding="utf-8"?>
+<p:tagLst xmlns:p="http://schemas.openxmlformats.org/presentationml/2006/main">
+  <p:tag name="KSO_WM_TEMPLATE_CATEGORY" val="custom"/>
+  <p:tag name="KSO_WM_TEMPLATE_INDEX" val="20186830"/>
+  <p:tag name="KSO_WM_TAG_VERSION" val="1.0"/>
+  <p:tag name="KSO_WM_BEAUTIFY_FLAG" val="#wm#"/>
+  <p:tag name="KSO_WM_UNIT_TYPE" val="a"/>
+  <p:tag name="KSO_WM_UNIT_INDEX" val="1"/>
+  <p:tag name="KSO_WM_UNIT_ID" val="custom20186830_7*a*1"/>
+  <p:tag name="KSO_WM_UNIT_LAYERLEVEL" val="1"/>
+  <p:tag name="KSO_WM_UNIT_VALUE" val="19"/>
+  <p:tag name="KSO_WM_UNIT_ISCONTENTSTITLE" val="0"/>
+  <p:tag name="KSO_WM_UNIT_HIGHLIGHT" val="0"/>
+  <p:tag name="KSO_WM_UNIT_COMPATIBLE" val="0"/>
+  <p:tag name="KSO_WM_UNIT_CLEAR" val="0"/>
+  <p:tag name="KSO_WM_UNIT_PRESET_TEXT_INDEX" val="3"/>
+  <p:tag name="KSO_WM_UNIT_PRESET_TEXT_LEN" val="17"/>
+</p:tagLst>
+</file>
+
 <file path=ppt/tags/tag8.xml><?xml version="1.0" encoding="utf-8"?>
 <p:tagLst xmlns:p="http://schemas.openxmlformats.org/presentationml/2006/main">
   <p:tag name="KSO_WM_TAG_VERSION" val="1.0"/>
@@ -11969,6 +15621,25 @@
   <p:tag name="KSO_WM_TEMPLATE_CATEGORY" val="custom"/>
   <p:tag name="KSO_WM_TEMPLATE_INDEX" val="20184556"/>
   <p:tag name="KSO_WM_UNIT_INDEX" val="4"/>
+</p:tagLst>
+</file>
+
+<file path=ppt/tags/tag80.xml><?xml version="1.0" encoding="utf-8"?>
+<p:tagLst xmlns:p="http://schemas.openxmlformats.org/presentationml/2006/main">
+  <p:tag name="KSO_WM_TEMPLATE_CATEGORY" val="custom"/>
+  <p:tag name="KSO_WM_TEMPLATE_INDEX" val="20186830"/>
+  <p:tag name="KSO_WM_TAG_VERSION" val="1.0"/>
+  <p:tag name="KSO_WM_SLIDE_ID" val="custom20186830_7"/>
+  <p:tag name="KSO_WM_SLIDE_INDEX" val="7"/>
+  <p:tag name="KSO_WM_SLIDE_ITEM_CNT" val="1"/>
+  <p:tag name="KSO_WM_SLIDE_LAYOUT" val="a_l"/>
+  <p:tag name="KSO_WM_SLIDE_LAYOUT_CNT" val="1_1"/>
+  <p:tag name="KSO_WM_SLIDE_TYPE" val="text"/>
+  <p:tag name="KSO_WM_BEAUTIFY_FLAG" val="#wm#"/>
+  <p:tag name="KSO_WM_SLIDE_POSITION" val="25*85"/>
+  <p:tag name="KSO_WM_SLIDE_SIZE" val="452*279"/>
+  <p:tag name="KSO_WM_DIAGRAM_GROUP_CODE" val="l1-1"/>
+  <p:tag name="KSO_WM_SLIDE_SUBTYPE" val="diag"/>
 </p:tagLst>
 </file>
 

--- a/Design pattern/4.设计模式-行为型模式.pptx
+++ b/Design pattern/4.设计模式-行为型模式.pptx
@@ -8,7 +8,7 @@
     <p:notesMasterId r:id="rId4"/>
   </p:notesMasterIdLst>
   <p:handoutMasterIdLst>
-    <p:handoutMasterId r:id="rId46"/>
+    <p:handoutMasterId r:id="rId54"/>
   </p:handoutMasterIdLst>
   <p:sldIdLst>
     <p:sldId id="453" r:id="rId3"/>
@@ -50,9 +50,17 @@
     <p:sldId id="779" r:id="rId40"/>
     <p:sldId id="780" r:id="rId41"/>
     <p:sldId id="744" r:id="rId42"/>
-    <p:sldId id="745" r:id="rId43"/>
-    <p:sldId id="746" r:id="rId44"/>
-    <p:sldId id="747" r:id="rId45"/>
+    <p:sldId id="786" r:id="rId43"/>
+    <p:sldId id="787" r:id="rId44"/>
+    <p:sldId id="788" r:id="rId45"/>
+    <p:sldId id="789" r:id="rId46"/>
+    <p:sldId id="745" r:id="rId47"/>
+    <p:sldId id="790" r:id="rId48"/>
+    <p:sldId id="791" r:id="rId49"/>
+    <p:sldId id="792" r:id="rId50"/>
+    <p:sldId id="793" r:id="rId51"/>
+    <p:sldId id="746" r:id="rId52"/>
+    <p:sldId id="747" r:id="rId53"/>
   </p:sldIdLst>
   <p:sldSz cx="9144000" cy="6858000" type="screen4x3"/>
   <p:notesSz cx="6858000" cy="9144000"/>
@@ -2855,6 +2863,678 @@
 </file>
 
 <file path=ppt/notesSlides/notesSlide30.xml><?xml version="1.0" encoding="utf-8"?>
+<p:notes xmlns:a="http://schemas.openxmlformats.org/drawingml/2006/main" xmlns:r="http://schemas.openxmlformats.org/officeDocument/2006/relationships" xmlns:p="http://schemas.openxmlformats.org/presentationml/2006/main">
+  <p:cSld>
+    <p:spTree>
+      <p:nvGrpSpPr>
+        <p:cNvPr id="1" name=""/>
+        <p:cNvGrpSpPr/>
+        <p:nvPr/>
+      </p:nvGrpSpPr>
+      <p:grpSpPr>
+        <a:xfrm>
+          <a:off x="0" y="0"/>
+          <a:ext cx="0" cy="0"/>
+          <a:chOff x="0" y="0"/>
+          <a:chExt cx="0" cy="0"/>
+        </a:xfrm>
+      </p:grpSpPr>
+      <p:sp>
+        <p:nvSpPr>
+          <p:cNvPr id="2" name="幻灯片图像占位符 1"/>
+          <p:cNvSpPr>
+            <a:spLocks noGrp="1" noRot="1" noChangeAspect="1"/>
+          </p:cNvSpPr>
+          <p:nvPr>
+            <p:ph type="sldImg"/>
+          </p:nvPr>
+        </p:nvSpPr>
+        <p:spPr>
+          <a:xfrm>
+            <a:off x="1371600" y="1143000"/>
+            <a:ext cx="4114800" cy="3086100"/>
+          </a:xfrm>
+        </p:spPr>
+      </p:sp>
+      <p:sp>
+        <p:nvSpPr>
+          <p:cNvPr id="3" name="备注占位符 2"/>
+          <p:cNvSpPr>
+            <a:spLocks noGrp="1"/>
+          </p:cNvSpPr>
+          <p:nvPr>
+            <p:ph type="body" idx="1"/>
+          </p:nvPr>
+        </p:nvSpPr>
+        <p:spPr/>
+        <p:txBody>
+          <a:bodyPr/>
+          <a:lstStyle/>
+          <a:p>
+            <a:endParaRPr lang="zh-CN" altLang="en-US" dirty="0"/>
+          </a:p>
+        </p:txBody>
+      </p:sp>
+      <p:sp>
+        <p:nvSpPr>
+          <p:cNvPr id="4" name="灯片编号占位符 3"/>
+          <p:cNvSpPr>
+            <a:spLocks noGrp="1"/>
+          </p:cNvSpPr>
+          <p:nvPr>
+            <p:ph type="sldNum" sz="quarter" idx="10"/>
+          </p:nvPr>
+        </p:nvSpPr>
+        <p:spPr/>
+        <p:txBody>
+          <a:bodyPr/>
+          <a:lstStyle/>
+          <a:p>
+            <a:fld id="{2ED26FC3-015A-4F86-ACC3-780431FB8E4D}" type="slidenum">
+              <a:rPr lang="zh-CN" altLang="en-US" smtClean="0"/>
+            </a:fld>
+            <a:endParaRPr lang="zh-CN" altLang="en-US"/>
+          </a:p>
+        </p:txBody>
+      </p:sp>
+    </p:spTree>
+  </p:cSld>
+  <p:clrMapOvr>
+    <a:masterClrMapping/>
+  </p:clrMapOvr>
+</p:notes>
+</file>
+
+<file path=ppt/notesSlides/notesSlide31.xml><?xml version="1.0" encoding="utf-8"?>
+<p:notes xmlns:a="http://schemas.openxmlformats.org/drawingml/2006/main" xmlns:r="http://schemas.openxmlformats.org/officeDocument/2006/relationships" xmlns:p="http://schemas.openxmlformats.org/presentationml/2006/main">
+  <p:cSld>
+    <p:spTree>
+      <p:nvGrpSpPr>
+        <p:cNvPr id="1" name=""/>
+        <p:cNvGrpSpPr/>
+        <p:nvPr/>
+      </p:nvGrpSpPr>
+      <p:grpSpPr>
+        <a:xfrm>
+          <a:off x="0" y="0"/>
+          <a:ext cx="0" cy="0"/>
+          <a:chOff x="0" y="0"/>
+          <a:chExt cx="0" cy="0"/>
+        </a:xfrm>
+      </p:grpSpPr>
+      <p:sp>
+        <p:nvSpPr>
+          <p:cNvPr id="2" name="幻灯片图像占位符 1"/>
+          <p:cNvSpPr>
+            <a:spLocks noGrp="1" noRot="1" noChangeAspect="1"/>
+          </p:cNvSpPr>
+          <p:nvPr>
+            <p:ph type="sldImg"/>
+          </p:nvPr>
+        </p:nvSpPr>
+        <p:spPr>
+          <a:xfrm>
+            <a:off x="1371600" y="1143000"/>
+            <a:ext cx="4114800" cy="3086100"/>
+          </a:xfrm>
+        </p:spPr>
+      </p:sp>
+      <p:sp>
+        <p:nvSpPr>
+          <p:cNvPr id="3" name="备注占位符 2"/>
+          <p:cNvSpPr>
+            <a:spLocks noGrp="1"/>
+          </p:cNvSpPr>
+          <p:nvPr>
+            <p:ph type="body" idx="1"/>
+          </p:nvPr>
+        </p:nvSpPr>
+        <p:spPr/>
+        <p:txBody>
+          <a:bodyPr/>
+          <a:lstStyle/>
+          <a:p>
+            <a:endParaRPr lang="zh-CN" altLang="en-US" dirty="0"/>
+          </a:p>
+        </p:txBody>
+      </p:sp>
+      <p:sp>
+        <p:nvSpPr>
+          <p:cNvPr id="4" name="灯片编号占位符 3"/>
+          <p:cNvSpPr>
+            <a:spLocks noGrp="1"/>
+          </p:cNvSpPr>
+          <p:nvPr>
+            <p:ph type="sldNum" sz="quarter" idx="10"/>
+          </p:nvPr>
+        </p:nvSpPr>
+        <p:spPr/>
+        <p:txBody>
+          <a:bodyPr/>
+          <a:lstStyle/>
+          <a:p>
+            <a:fld id="{2ED26FC3-015A-4F86-ACC3-780431FB8E4D}" type="slidenum">
+              <a:rPr lang="zh-CN" altLang="en-US" smtClean="0"/>
+            </a:fld>
+            <a:endParaRPr lang="zh-CN" altLang="en-US"/>
+          </a:p>
+        </p:txBody>
+      </p:sp>
+    </p:spTree>
+  </p:cSld>
+  <p:clrMapOvr>
+    <a:masterClrMapping/>
+  </p:clrMapOvr>
+</p:notes>
+</file>
+
+<file path=ppt/notesSlides/notesSlide32.xml><?xml version="1.0" encoding="utf-8"?>
+<p:notes xmlns:a="http://schemas.openxmlformats.org/drawingml/2006/main" xmlns:r="http://schemas.openxmlformats.org/officeDocument/2006/relationships" xmlns:p="http://schemas.openxmlformats.org/presentationml/2006/main">
+  <p:cSld>
+    <p:spTree>
+      <p:nvGrpSpPr>
+        <p:cNvPr id="1" name=""/>
+        <p:cNvGrpSpPr/>
+        <p:nvPr/>
+      </p:nvGrpSpPr>
+      <p:grpSpPr>
+        <a:xfrm>
+          <a:off x="0" y="0"/>
+          <a:ext cx="0" cy="0"/>
+          <a:chOff x="0" y="0"/>
+          <a:chExt cx="0" cy="0"/>
+        </a:xfrm>
+      </p:grpSpPr>
+      <p:sp>
+        <p:nvSpPr>
+          <p:cNvPr id="2" name="幻灯片图像占位符 1"/>
+          <p:cNvSpPr>
+            <a:spLocks noGrp="1" noRot="1" noChangeAspect="1"/>
+          </p:cNvSpPr>
+          <p:nvPr>
+            <p:ph type="sldImg"/>
+          </p:nvPr>
+        </p:nvSpPr>
+        <p:spPr>
+          <a:xfrm>
+            <a:off x="1371600" y="1143000"/>
+            <a:ext cx="4114800" cy="3086100"/>
+          </a:xfrm>
+        </p:spPr>
+      </p:sp>
+      <p:sp>
+        <p:nvSpPr>
+          <p:cNvPr id="3" name="备注占位符 2"/>
+          <p:cNvSpPr>
+            <a:spLocks noGrp="1"/>
+          </p:cNvSpPr>
+          <p:nvPr>
+            <p:ph type="body" idx="1"/>
+          </p:nvPr>
+        </p:nvSpPr>
+        <p:spPr/>
+        <p:txBody>
+          <a:bodyPr/>
+          <a:lstStyle/>
+          <a:p>
+            <a:r>
+              <a:rPr lang="zh-CN" altLang="en-US" dirty="0"/>
+              <a:t>最直观的场景，不想实现接口中的所有方法</a:t>
+            </a:r>
+            <a:endParaRPr lang="en-US" altLang="zh-CN" dirty="0"/>
+          </a:p>
+        </p:txBody>
+      </p:sp>
+      <p:sp>
+        <p:nvSpPr>
+          <p:cNvPr id="4" name="灯片编号占位符 3"/>
+          <p:cNvSpPr>
+            <a:spLocks noGrp="1"/>
+          </p:cNvSpPr>
+          <p:nvPr>
+            <p:ph type="sldNum" sz="quarter" idx="10"/>
+          </p:nvPr>
+        </p:nvSpPr>
+        <p:spPr/>
+        <p:txBody>
+          <a:bodyPr/>
+          <a:lstStyle/>
+          <a:p>
+            <a:fld id="{2ED26FC3-015A-4F86-ACC3-780431FB8E4D}" type="slidenum">
+              <a:rPr lang="zh-CN" altLang="en-US" smtClean="0"/>
+            </a:fld>
+            <a:endParaRPr lang="zh-CN" altLang="en-US"/>
+          </a:p>
+        </p:txBody>
+      </p:sp>
+    </p:spTree>
+  </p:cSld>
+  <p:clrMapOvr>
+    <a:masterClrMapping/>
+  </p:clrMapOvr>
+</p:notes>
+</file>
+
+<file path=ppt/notesSlides/notesSlide33.xml><?xml version="1.0" encoding="utf-8"?>
+<p:notes xmlns:a="http://schemas.openxmlformats.org/drawingml/2006/main" xmlns:r="http://schemas.openxmlformats.org/officeDocument/2006/relationships" xmlns:p="http://schemas.openxmlformats.org/presentationml/2006/main">
+  <p:cSld>
+    <p:spTree>
+      <p:nvGrpSpPr>
+        <p:cNvPr id="1" name=""/>
+        <p:cNvGrpSpPr/>
+        <p:nvPr/>
+      </p:nvGrpSpPr>
+      <p:grpSpPr>
+        <a:xfrm>
+          <a:off x="0" y="0"/>
+          <a:ext cx="0" cy="0"/>
+          <a:chOff x="0" y="0"/>
+          <a:chExt cx="0" cy="0"/>
+        </a:xfrm>
+      </p:grpSpPr>
+      <p:sp>
+        <p:nvSpPr>
+          <p:cNvPr id="2" name="幻灯片图像占位符 1"/>
+          <p:cNvSpPr>
+            <a:spLocks noGrp="1" noRot="1" noChangeAspect="1"/>
+          </p:cNvSpPr>
+          <p:nvPr>
+            <p:ph type="sldImg"/>
+          </p:nvPr>
+        </p:nvSpPr>
+        <p:spPr>
+          <a:xfrm>
+            <a:off x="1371600" y="1143000"/>
+            <a:ext cx="4114800" cy="3086100"/>
+          </a:xfrm>
+        </p:spPr>
+      </p:sp>
+      <p:sp>
+        <p:nvSpPr>
+          <p:cNvPr id="3" name="备注占位符 2"/>
+          <p:cNvSpPr>
+            <a:spLocks noGrp="1"/>
+          </p:cNvSpPr>
+          <p:nvPr>
+            <p:ph type="body" idx="1"/>
+          </p:nvPr>
+        </p:nvSpPr>
+        <p:spPr/>
+        <p:txBody>
+          <a:bodyPr/>
+          <a:lstStyle/>
+          <a:p>
+            <a:endParaRPr lang="zh-CN" altLang="en-US" dirty="0"/>
+          </a:p>
+        </p:txBody>
+      </p:sp>
+      <p:sp>
+        <p:nvSpPr>
+          <p:cNvPr id="4" name="灯片编号占位符 3"/>
+          <p:cNvSpPr>
+            <a:spLocks noGrp="1"/>
+          </p:cNvSpPr>
+          <p:nvPr>
+            <p:ph type="sldNum" sz="quarter" idx="10"/>
+          </p:nvPr>
+        </p:nvSpPr>
+        <p:spPr/>
+        <p:txBody>
+          <a:bodyPr/>
+          <a:lstStyle/>
+          <a:p>
+            <a:fld id="{2ED26FC3-015A-4F86-ACC3-780431FB8E4D}" type="slidenum">
+              <a:rPr lang="zh-CN" altLang="en-US" smtClean="0"/>
+            </a:fld>
+            <a:endParaRPr lang="zh-CN" altLang="en-US"/>
+          </a:p>
+        </p:txBody>
+      </p:sp>
+    </p:spTree>
+  </p:cSld>
+  <p:clrMapOvr>
+    <a:masterClrMapping/>
+  </p:clrMapOvr>
+</p:notes>
+</file>
+
+<file path=ppt/notesSlides/notesSlide34.xml><?xml version="1.0" encoding="utf-8"?>
+<p:notes xmlns:a="http://schemas.openxmlformats.org/drawingml/2006/main" xmlns:r="http://schemas.openxmlformats.org/officeDocument/2006/relationships" xmlns:p="http://schemas.openxmlformats.org/presentationml/2006/main">
+  <p:cSld>
+    <p:spTree>
+      <p:nvGrpSpPr>
+        <p:cNvPr id="1" name=""/>
+        <p:cNvGrpSpPr/>
+        <p:nvPr/>
+      </p:nvGrpSpPr>
+      <p:grpSpPr>
+        <a:xfrm>
+          <a:off x="0" y="0"/>
+          <a:ext cx="0" cy="0"/>
+          <a:chOff x="0" y="0"/>
+          <a:chExt cx="0" cy="0"/>
+        </a:xfrm>
+      </p:grpSpPr>
+      <p:sp>
+        <p:nvSpPr>
+          <p:cNvPr id="2" name="幻灯片图像占位符 1"/>
+          <p:cNvSpPr>
+            <a:spLocks noGrp="1" noRot="1" noChangeAspect="1"/>
+          </p:cNvSpPr>
+          <p:nvPr>
+            <p:ph type="sldImg"/>
+          </p:nvPr>
+        </p:nvSpPr>
+        <p:spPr>
+          <a:xfrm>
+            <a:off x="1371600" y="1143000"/>
+            <a:ext cx="4114800" cy="3086100"/>
+          </a:xfrm>
+        </p:spPr>
+      </p:sp>
+      <p:sp>
+        <p:nvSpPr>
+          <p:cNvPr id="3" name="备注占位符 2"/>
+          <p:cNvSpPr>
+            <a:spLocks noGrp="1"/>
+          </p:cNvSpPr>
+          <p:nvPr>
+            <p:ph type="body" idx="1"/>
+          </p:nvPr>
+        </p:nvSpPr>
+        <p:spPr/>
+        <p:txBody>
+          <a:bodyPr/>
+          <a:lstStyle/>
+          <a:p>
+            <a:endParaRPr lang="zh-CN" altLang="en-US" dirty="0"/>
+          </a:p>
+        </p:txBody>
+      </p:sp>
+      <p:sp>
+        <p:nvSpPr>
+          <p:cNvPr id="4" name="灯片编号占位符 3"/>
+          <p:cNvSpPr>
+            <a:spLocks noGrp="1"/>
+          </p:cNvSpPr>
+          <p:nvPr>
+            <p:ph type="sldNum" sz="quarter" idx="10"/>
+          </p:nvPr>
+        </p:nvSpPr>
+        <p:spPr/>
+        <p:txBody>
+          <a:bodyPr/>
+          <a:lstStyle/>
+          <a:p>
+            <a:fld id="{2ED26FC3-015A-4F86-ACC3-780431FB8E4D}" type="slidenum">
+              <a:rPr lang="zh-CN" altLang="en-US" smtClean="0"/>
+            </a:fld>
+            <a:endParaRPr lang="zh-CN" altLang="en-US"/>
+          </a:p>
+        </p:txBody>
+      </p:sp>
+    </p:spTree>
+  </p:cSld>
+  <p:clrMapOvr>
+    <a:masterClrMapping/>
+  </p:clrMapOvr>
+</p:notes>
+</file>
+
+<file path=ppt/notesSlides/notesSlide35.xml><?xml version="1.0" encoding="utf-8"?>
+<p:notes xmlns:a="http://schemas.openxmlformats.org/drawingml/2006/main" xmlns:r="http://schemas.openxmlformats.org/officeDocument/2006/relationships" xmlns:p="http://schemas.openxmlformats.org/presentationml/2006/main">
+  <p:cSld>
+    <p:spTree>
+      <p:nvGrpSpPr>
+        <p:cNvPr id="1" name=""/>
+        <p:cNvGrpSpPr/>
+        <p:nvPr/>
+      </p:nvGrpSpPr>
+      <p:grpSpPr>
+        <a:xfrm>
+          <a:off x="0" y="0"/>
+          <a:ext cx="0" cy="0"/>
+          <a:chOff x="0" y="0"/>
+          <a:chExt cx="0" cy="0"/>
+        </a:xfrm>
+      </p:grpSpPr>
+      <p:sp>
+        <p:nvSpPr>
+          <p:cNvPr id="2" name="幻灯片图像占位符 1"/>
+          <p:cNvSpPr>
+            <a:spLocks noGrp="1" noRot="1" noChangeAspect="1"/>
+          </p:cNvSpPr>
+          <p:nvPr>
+            <p:ph type="sldImg"/>
+          </p:nvPr>
+        </p:nvSpPr>
+        <p:spPr>
+          <a:xfrm>
+            <a:off x="1371600" y="1143000"/>
+            <a:ext cx="4114800" cy="3086100"/>
+          </a:xfrm>
+        </p:spPr>
+      </p:sp>
+      <p:sp>
+        <p:nvSpPr>
+          <p:cNvPr id="3" name="备注占位符 2"/>
+          <p:cNvSpPr>
+            <a:spLocks noGrp="1"/>
+          </p:cNvSpPr>
+          <p:nvPr>
+            <p:ph type="body" idx="1"/>
+          </p:nvPr>
+        </p:nvSpPr>
+        <p:spPr/>
+        <p:txBody>
+          <a:bodyPr/>
+          <a:lstStyle/>
+          <a:p>
+            <a:endParaRPr lang="zh-CN" altLang="en-US" dirty="0"/>
+          </a:p>
+        </p:txBody>
+      </p:sp>
+      <p:sp>
+        <p:nvSpPr>
+          <p:cNvPr id="4" name="灯片编号占位符 3"/>
+          <p:cNvSpPr>
+            <a:spLocks noGrp="1"/>
+          </p:cNvSpPr>
+          <p:nvPr>
+            <p:ph type="sldNum" sz="quarter" idx="10"/>
+          </p:nvPr>
+        </p:nvSpPr>
+        <p:spPr/>
+        <p:txBody>
+          <a:bodyPr/>
+          <a:lstStyle/>
+          <a:p>
+            <a:fld id="{2ED26FC3-015A-4F86-ACC3-780431FB8E4D}" type="slidenum">
+              <a:rPr lang="zh-CN" altLang="en-US" smtClean="0"/>
+            </a:fld>
+            <a:endParaRPr lang="zh-CN" altLang="en-US"/>
+          </a:p>
+        </p:txBody>
+      </p:sp>
+    </p:spTree>
+  </p:cSld>
+  <p:clrMapOvr>
+    <a:masterClrMapping/>
+  </p:clrMapOvr>
+</p:notes>
+</file>
+
+<file path=ppt/notesSlides/notesSlide36.xml><?xml version="1.0" encoding="utf-8"?>
+<p:notes xmlns:a="http://schemas.openxmlformats.org/drawingml/2006/main" xmlns:r="http://schemas.openxmlformats.org/officeDocument/2006/relationships" xmlns:p="http://schemas.openxmlformats.org/presentationml/2006/main">
+  <p:cSld>
+    <p:spTree>
+      <p:nvGrpSpPr>
+        <p:cNvPr id="1" name=""/>
+        <p:cNvGrpSpPr/>
+        <p:nvPr/>
+      </p:nvGrpSpPr>
+      <p:grpSpPr>
+        <a:xfrm>
+          <a:off x="0" y="0"/>
+          <a:ext cx="0" cy="0"/>
+          <a:chOff x="0" y="0"/>
+          <a:chExt cx="0" cy="0"/>
+        </a:xfrm>
+      </p:grpSpPr>
+      <p:sp>
+        <p:nvSpPr>
+          <p:cNvPr id="2" name="幻灯片图像占位符 1"/>
+          <p:cNvSpPr>
+            <a:spLocks noGrp="1" noRot="1" noChangeAspect="1"/>
+          </p:cNvSpPr>
+          <p:nvPr>
+            <p:ph type="sldImg"/>
+          </p:nvPr>
+        </p:nvSpPr>
+        <p:spPr>
+          <a:xfrm>
+            <a:off x="1371600" y="1143000"/>
+            <a:ext cx="4114800" cy="3086100"/>
+          </a:xfrm>
+        </p:spPr>
+      </p:sp>
+      <p:sp>
+        <p:nvSpPr>
+          <p:cNvPr id="3" name="备注占位符 2"/>
+          <p:cNvSpPr>
+            <a:spLocks noGrp="1"/>
+          </p:cNvSpPr>
+          <p:nvPr>
+            <p:ph type="body" idx="1"/>
+          </p:nvPr>
+        </p:nvSpPr>
+        <p:spPr/>
+        <p:txBody>
+          <a:bodyPr/>
+          <a:lstStyle/>
+          <a:p>
+            <a:r>
+              <a:rPr lang="zh-CN" altLang="en-US" dirty="0"/>
+              <a:t>最直观的场景，不想实现接口中的所有方法</a:t>
+            </a:r>
+            <a:endParaRPr lang="en-US" altLang="zh-CN" dirty="0"/>
+          </a:p>
+        </p:txBody>
+      </p:sp>
+      <p:sp>
+        <p:nvSpPr>
+          <p:cNvPr id="4" name="灯片编号占位符 3"/>
+          <p:cNvSpPr>
+            <a:spLocks noGrp="1"/>
+          </p:cNvSpPr>
+          <p:nvPr>
+            <p:ph type="sldNum" sz="quarter" idx="10"/>
+          </p:nvPr>
+        </p:nvSpPr>
+        <p:spPr/>
+        <p:txBody>
+          <a:bodyPr/>
+          <a:lstStyle/>
+          <a:p>
+            <a:fld id="{2ED26FC3-015A-4F86-ACC3-780431FB8E4D}" type="slidenum">
+              <a:rPr lang="zh-CN" altLang="en-US" smtClean="0"/>
+            </a:fld>
+            <a:endParaRPr lang="zh-CN" altLang="en-US"/>
+          </a:p>
+        </p:txBody>
+      </p:sp>
+    </p:spTree>
+  </p:cSld>
+  <p:clrMapOvr>
+    <a:masterClrMapping/>
+  </p:clrMapOvr>
+</p:notes>
+</file>
+
+<file path=ppt/notesSlides/notesSlide37.xml><?xml version="1.0" encoding="utf-8"?>
+<p:notes xmlns:a="http://schemas.openxmlformats.org/drawingml/2006/main" xmlns:r="http://schemas.openxmlformats.org/officeDocument/2006/relationships" xmlns:p="http://schemas.openxmlformats.org/presentationml/2006/main">
+  <p:cSld>
+    <p:spTree>
+      <p:nvGrpSpPr>
+        <p:cNvPr id="1" name=""/>
+        <p:cNvGrpSpPr/>
+        <p:nvPr/>
+      </p:nvGrpSpPr>
+      <p:grpSpPr>
+        <a:xfrm>
+          <a:off x="0" y="0"/>
+          <a:ext cx="0" cy="0"/>
+          <a:chOff x="0" y="0"/>
+          <a:chExt cx="0" cy="0"/>
+        </a:xfrm>
+      </p:grpSpPr>
+      <p:sp>
+        <p:nvSpPr>
+          <p:cNvPr id="2" name="幻灯片图像占位符 1"/>
+          <p:cNvSpPr>
+            <a:spLocks noGrp="1" noRot="1" noChangeAspect="1"/>
+          </p:cNvSpPr>
+          <p:nvPr>
+            <p:ph type="sldImg"/>
+          </p:nvPr>
+        </p:nvSpPr>
+        <p:spPr>
+          <a:xfrm>
+            <a:off x="1371600" y="1143000"/>
+            <a:ext cx="4114800" cy="3086100"/>
+          </a:xfrm>
+        </p:spPr>
+      </p:sp>
+      <p:sp>
+        <p:nvSpPr>
+          <p:cNvPr id="3" name="备注占位符 2"/>
+          <p:cNvSpPr>
+            <a:spLocks noGrp="1"/>
+          </p:cNvSpPr>
+          <p:nvPr>
+            <p:ph type="body" idx="1"/>
+          </p:nvPr>
+        </p:nvSpPr>
+        <p:spPr/>
+        <p:txBody>
+          <a:bodyPr/>
+          <a:lstStyle/>
+          <a:p>
+            <a:endParaRPr lang="zh-CN" altLang="en-US" dirty="0"/>
+          </a:p>
+        </p:txBody>
+      </p:sp>
+      <p:sp>
+        <p:nvSpPr>
+          <p:cNvPr id="4" name="灯片编号占位符 3"/>
+          <p:cNvSpPr>
+            <a:spLocks noGrp="1"/>
+          </p:cNvSpPr>
+          <p:nvPr>
+            <p:ph type="sldNum" sz="quarter" idx="10"/>
+          </p:nvPr>
+        </p:nvSpPr>
+        <p:spPr/>
+        <p:txBody>
+          <a:bodyPr/>
+          <a:lstStyle/>
+          <a:p>
+            <a:fld id="{2ED26FC3-015A-4F86-ACC3-780431FB8E4D}" type="slidenum">
+              <a:rPr lang="zh-CN" altLang="en-US" smtClean="0"/>
+            </a:fld>
+            <a:endParaRPr lang="zh-CN" altLang="en-US"/>
+          </a:p>
+        </p:txBody>
+      </p:sp>
+    </p:spTree>
+  </p:cSld>
+  <p:clrMapOvr>
+    <a:masterClrMapping/>
+  </p:clrMapOvr>
+</p:notes>
+</file>
+
+<file path=ppt/notesSlides/notesSlide38.xml><?xml version="1.0" encoding="utf-8"?>
 <p:notes xmlns:a="http://schemas.openxmlformats.org/drawingml/2006/main" xmlns:r="http://schemas.openxmlformats.org/officeDocument/2006/relationships" xmlns:p="http://schemas.openxmlformats.org/presentationml/2006/main">
   <p:cSld>
     <p:spTree>
@@ -13153,60 +13833,128 @@
       </p:grpSpPr>
       <p:sp>
         <p:nvSpPr>
-          <p:cNvPr id="2" name="标题 1"/>
-          <p:cNvSpPr>
-            <a:spLocks noGrp="1"/>
-          </p:cNvSpPr>
-          <p:nvPr>
-            <p:ph type="title"/>
+          <p:cNvPr id="8" name="标题 1"/>
+          <p:cNvSpPr txBox="1"/>
+          <p:nvPr>
+            <p:custDataLst>
+              <p:tags r:id="rId1"/>
+            </p:custDataLst>
           </p:nvPr>
         </p:nvSpPr>
         <p:spPr>
           <a:xfrm>
-            <a:off x="1138792" y="3078833"/>
-            <a:ext cx="6856892" cy="830998"/>
+            <a:off x="571608" y="661194"/>
+            <a:ext cx="7886700" cy="994172"/>
           </a:xfrm>
+          <a:prstGeom prst="rect">
+            <a:avLst/>
+          </a:prstGeom>
         </p:spPr>
         <p:txBody>
-          <a:bodyPr>
-            <a:noAutofit/>
+          <a:bodyPr vert="horz" wrap="square" lIns="68580" tIns="34290" rIns="68580" bIns="34290" rtlCol="0" anchor="ctr">
+            <a:normAutofit/>
+          </a:bodyPr>
+          <a:lstStyle>
+            <a:lvl1pPr defTabSz="914400">
+              <a:lnSpc>
+                <a:spcPct val="120000"/>
+              </a:lnSpc>
+              <a:spcBef>
+                <a:spcPct val="0"/>
+              </a:spcBef>
+              <a:buNone/>
+              <a:defRPr sz="3600">
+                <a:solidFill>
+                  <a:schemeClr val="tx1">
+                    <a:lumMod val="75000"/>
+                    <a:lumOff val="25000"/>
+                  </a:schemeClr>
+                </a:solidFill>
+                <a:latin typeface="+mj-lt"/>
+                <a:ea typeface="+mj-ea"/>
+                <a:cs typeface="+mj-cs"/>
+              </a:defRPr>
+            </a:lvl1pPr>
+          </a:lstStyle>
+          <a:p>
+            <a:r>
+              <a:rPr dirty="0">
+                <a:sym typeface="+mn-ea"/>
+              </a:rPr>
+              <a:t>策略模式(The Strategy Pattern)</a:t>
+            </a:r>
+            <a:endParaRPr dirty="0">
+              <a:sym typeface="+mn-ea"/>
+            </a:endParaRPr>
+          </a:p>
+        </p:txBody>
+      </p:sp>
+      <p:sp>
+        <p:nvSpPr>
+          <p:cNvPr id="3" name="文本框 2"/>
+          <p:cNvSpPr txBox="1"/>
+          <p:nvPr/>
+        </p:nvSpPr>
+        <p:spPr>
+          <a:xfrm>
+            <a:off x="566431" y="2057436"/>
+            <a:ext cx="8334776" cy="1198880"/>
+          </a:xfrm>
+          <a:prstGeom prst="rect">
+            <a:avLst/>
+          </a:prstGeom>
+          <a:noFill/>
+        </p:spPr>
+        <p:txBody>
+          <a:bodyPr wrap="square" rtlCol="0">
+            <a:spAutoFit/>
           </a:bodyPr>
           <a:lstStyle/>
           <a:p>
-            <a:r>
-              <a:rPr lang="en-US" altLang="zh-CN" sz="3600" dirty="0"/>
-              <a:t>The Template Pattern</a:t>
-            </a:r>
-            <a:endParaRPr lang="en-US" altLang="zh-CN" sz="3600" dirty="0"/>
-          </a:p>
-        </p:txBody>
-      </p:sp>
-      <p:sp>
-        <p:nvSpPr>
-          <p:cNvPr id="3" name="内容占位符 2"/>
-          <p:cNvSpPr>
-            <a:spLocks noGrp="1"/>
-          </p:cNvSpPr>
-          <p:nvPr>
-            <p:ph sz="quarter" idx="13"/>
-          </p:nvPr>
-        </p:nvSpPr>
-        <p:spPr/>
-        <p:txBody>
-          <a:bodyPr>
-            <a:normAutofit/>
-          </a:bodyPr>
-          <a:lstStyle/>
-          <a:p>
-            <a:r>
-              <a:rPr lang="zh-CN" altLang="en-US" dirty="0"/>
-              <a:t>模版模式</a:t>
+            <a:pPr indent="0" eaLnBrk="1" hangingPunct="1">
+              <a:lnSpc>
+                <a:spcPct val="150000"/>
+              </a:lnSpc>
+              <a:buFont typeface="Wingdings" panose="05000000000000000000" pitchFamily="2" charset="2"/>
+              <a:buNone/>
+            </a:pPr>
+            <a:r>
+              <a:rPr lang="zh-CN" altLang="en-US" b="1" dirty="0">
+                <a:solidFill>
+                  <a:srgbClr val="0070C0"/>
+                </a:solidFill>
+              </a:rPr>
+              <a:t>定义</a:t>
             </a:r>
             <a:endParaRPr lang="zh-CN" altLang="en-US" dirty="0"/>
           </a:p>
+          <a:p>
+            <a:pPr marL="0" indent="461010" eaLnBrk="1" latinLnBrk="0" hangingPunct="1">
+              <a:lnSpc>
+                <a:spcPct val="200000"/>
+              </a:lnSpc>
+              <a:buClr>
+                <a:srgbClr val="0070C0"/>
+              </a:buClr>
+              <a:buFont typeface="+mj-lt"/>
+              <a:buNone/>
+            </a:pPr>
+            <a:r>
+              <a:rPr sz="1800" dirty="0"/>
+              <a:t>一个类的行为或其算法可以在运行时更改</a:t>
+            </a:r>
+            <a:r>
+              <a:rPr lang="zh-CN" sz="1800" dirty="0"/>
+              <a:t>。</a:t>
+            </a:r>
+            <a:endParaRPr lang="zh-CN" sz="1800" dirty="0"/>
+          </a:p>
         </p:txBody>
       </p:sp>
     </p:spTree>
+    <p:custDataLst>
+      <p:tags r:id="rId2"/>
+    </p:custDataLst>
   </p:cSld>
   <p:clrMapOvr>
     <a:masterClrMapping/>
@@ -13233,60 +13981,187 @@
       </p:grpSpPr>
       <p:sp>
         <p:nvSpPr>
-          <p:cNvPr id="2" name="标题 1"/>
-          <p:cNvSpPr>
-            <a:spLocks noGrp="1"/>
-          </p:cNvSpPr>
-          <p:nvPr>
-            <p:ph type="title"/>
+          <p:cNvPr id="8" name="标题 1"/>
+          <p:cNvSpPr txBox="1"/>
+          <p:nvPr>
+            <p:custDataLst>
+              <p:tags r:id="rId1"/>
+            </p:custDataLst>
           </p:nvPr>
         </p:nvSpPr>
         <p:spPr>
           <a:xfrm>
-            <a:off x="1138792" y="3078833"/>
-            <a:ext cx="6856892" cy="830998"/>
+            <a:off x="571608" y="661194"/>
+            <a:ext cx="7886700" cy="994172"/>
           </a:xfrm>
+          <a:prstGeom prst="rect">
+            <a:avLst/>
+          </a:prstGeom>
         </p:spPr>
         <p:txBody>
-          <a:bodyPr>
-            <a:noAutofit/>
+          <a:bodyPr vert="horz" wrap="square" lIns="68580" tIns="34290" rIns="68580" bIns="34290" rtlCol="0" anchor="ctr">
+            <a:normAutofit/>
+          </a:bodyPr>
+          <a:lstStyle>
+            <a:lvl1pPr defTabSz="914400">
+              <a:lnSpc>
+                <a:spcPct val="120000"/>
+              </a:lnSpc>
+              <a:spcBef>
+                <a:spcPct val="0"/>
+              </a:spcBef>
+              <a:buNone/>
+              <a:defRPr sz="3600">
+                <a:solidFill>
+                  <a:schemeClr val="tx1">
+                    <a:lumMod val="75000"/>
+                    <a:lumOff val="25000"/>
+                  </a:schemeClr>
+                </a:solidFill>
+                <a:latin typeface="+mj-lt"/>
+                <a:ea typeface="+mj-ea"/>
+                <a:cs typeface="+mj-cs"/>
+              </a:defRPr>
+            </a:lvl1pPr>
+          </a:lstStyle>
+          <a:p>
+            <a:r>
+              <a:rPr dirty="0">
+                <a:sym typeface="+mn-ea"/>
+              </a:rPr>
+              <a:t>策略模式(The Strategy Pattern)</a:t>
+            </a:r>
+            <a:endParaRPr dirty="0">
+              <a:sym typeface="+mn-ea"/>
+            </a:endParaRPr>
+          </a:p>
+        </p:txBody>
+      </p:sp>
+      <p:sp>
+        <p:nvSpPr>
+          <p:cNvPr id="3" name="文本框 2"/>
+          <p:cNvSpPr txBox="1"/>
+          <p:nvPr/>
+        </p:nvSpPr>
+        <p:spPr>
+          <a:xfrm>
+            <a:off x="566431" y="2057436"/>
+            <a:ext cx="8334776" cy="3599815"/>
+          </a:xfrm>
+          <a:prstGeom prst="rect">
+            <a:avLst/>
+          </a:prstGeom>
+          <a:noFill/>
+        </p:spPr>
+        <p:txBody>
+          <a:bodyPr wrap="square" rtlCol="0">
+            <a:spAutoFit/>
           </a:bodyPr>
           <a:lstStyle/>
           <a:p>
-            <a:r>
-              <a:rPr lang="en-US" altLang="zh-CN" sz="3600" dirty="0"/>
-              <a:t>The Visitor Pattern</a:t>
-            </a:r>
-            <a:endParaRPr lang="en-US" altLang="zh-CN" sz="3600" dirty="0"/>
-          </a:p>
-        </p:txBody>
-      </p:sp>
-      <p:sp>
-        <p:nvSpPr>
-          <p:cNvPr id="3" name="内容占位符 2"/>
-          <p:cNvSpPr>
-            <a:spLocks noGrp="1"/>
-          </p:cNvSpPr>
-          <p:nvPr>
-            <p:ph sz="quarter" idx="13"/>
-          </p:nvPr>
-        </p:nvSpPr>
-        <p:spPr/>
-        <p:txBody>
-          <a:bodyPr>
-            <a:normAutofit/>
-          </a:bodyPr>
-          <a:lstStyle/>
-          <a:p>
-            <a:r>
-              <a:rPr lang="zh-CN" altLang="en-US" dirty="0"/>
-              <a:t>访问者模式</a:t>
-            </a:r>
-            <a:endParaRPr lang="zh-CN" altLang="en-US" dirty="0"/>
+            <a:pPr indent="0" eaLnBrk="1" hangingPunct="1">
+              <a:lnSpc>
+                <a:spcPct val="150000"/>
+              </a:lnSpc>
+              <a:buFont typeface="Wingdings" panose="05000000000000000000" pitchFamily="2" charset="2"/>
+              <a:buNone/>
+            </a:pPr>
+            <a:r>
+              <a:rPr lang="zh-CN" altLang="en-US" b="1" dirty="0">
+                <a:solidFill>
+                  <a:srgbClr val="0070C0"/>
+                </a:solidFill>
+              </a:rPr>
+              <a:t>适用场景</a:t>
+            </a:r>
+            <a:endParaRPr lang="en-US" altLang="zh-CN" b="1" dirty="0">
+              <a:solidFill>
+                <a:srgbClr val="0070C0"/>
+              </a:solidFill>
+            </a:endParaRPr>
+          </a:p>
+          <a:p>
+            <a:pPr marL="342900" indent="-342900" eaLnBrk="1" latinLnBrk="0" hangingPunct="1">
+              <a:lnSpc>
+                <a:spcPct val="200000"/>
+              </a:lnSpc>
+              <a:buClr>
+                <a:srgbClr val="0070C0"/>
+              </a:buClr>
+              <a:buFont typeface="+mj-lt"/>
+              <a:buAutoNum type="arabicPeriod"/>
+            </a:pPr>
+            <a:endParaRPr sz="1600" dirty="0"/>
+          </a:p>
+          <a:p>
+            <a:pPr marL="342900" indent="-342900" eaLnBrk="1" latinLnBrk="0" hangingPunct="1">
+              <a:lnSpc>
+                <a:spcPct val="200000"/>
+              </a:lnSpc>
+              <a:buClr>
+                <a:srgbClr val="0070C0"/>
+              </a:buClr>
+              <a:buFont typeface="+mj-lt"/>
+              <a:buAutoNum type="arabicPeriod"/>
+            </a:pPr>
+            <a:r>
+              <a:rPr sz="1600" dirty="0"/>
+              <a:t>如果在一个系统里面有许多类，它们之间的区别仅在于它们的行为，那么使用策略模式可以动态地让一个对象在许多行为中选择一种行为</a:t>
+            </a:r>
+            <a:r>
+              <a:rPr lang="zh-CN" sz="1600" dirty="0"/>
+              <a:t>；</a:t>
+            </a:r>
+            <a:endParaRPr lang="zh-CN" sz="1600" dirty="0"/>
+          </a:p>
+          <a:p>
+            <a:pPr marL="342900" indent="-342900" eaLnBrk="1" latinLnBrk="0" hangingPunct="1">
+              <a:lnSpc>
+                <a:spcPct val="200000"/>
+              </a:lnSpc>
+              <a:buClr>
+                <a:srgbClr val="0070C0"/>
+              </a:buClr>
+              <a:buFont typeface="+mj-lt"/>
+              <a:buAutoNum type="arabicPeriod"/>
+            </a:pPr>
+            <a:r>
+              <a:rPr sz="1600" dirty="0"/>
+              <a:t>一个系统需要动态地在几种算法中选择一种</a:t>
+            </a:r>
+            <a:r>
+              <a:rPr lang="zh-CN" sz="1600" dirty="0"/>
+              <a:t>；</a:t>
+            </a:r>
+            <a:endParaRPr lang="zh-CN" sz="1600" dirty="0"/>
+          </a:p>
+          <a:p>
+            <a:pPr marL="342900" indent="-342900" eaLnBrk="1" latinLnBrk="0" hangingPunct="1">
+              <a:lnSpc>
+                <a:spcPct val="200000"/>
+              </a:lnSpc>
+              <a:buClr>
+                <a:srgbClr val="0070C0"/>
+              </a:buClr>
+              <a:buFont typeface="+mj-lt"/>
+              <a:buAutoNum type="arabicPeriod"/>
+            </a:pPr>
+            <a:r>
+              <a:rPr sz="1600" dirty="0"/>
+              <a:t>如果一个对象有很多的行为，如果不用恰当的模式，这些行为就只好使用多重的条件选择语句来实现</a:t>
+            </a:r>
+            <a:r>
+              <a:rPr lang="zh-CN" sz="1600" dirty="0"/>
+              <a:t>；</a:t>
+            </a:r>
+            <a:endParaRPr lang="zh-CN" sz="1600" dirty="0"/>
           </a:p>
         </p:txBody>
       </p:sp>
     </p:spTree>
+    <p:custDataLst>
+      <p:tags r:id="rId2"/>
+    </p:custDataLst>
   </p:cSld>
   <p:clrMapOvr>
     <a:masterClrMapping/>
@@ -13313,6 +14188,359 @@
       </p:grpSpPr>
       <p:sp>
         <p:nvSpPr>
+          <p:cNvPr id="8" name="标题 1"/>
+          <p:cNvSpPr txBox="1"/>
+          <p:nvPr>
+            <p:custDataLst>
+              <p:tags r:id="rId1"/>
+            </p:custDataLst>
+          </p:nvPr>
+        </p:nvSpPr>
+        <p:spPr>
+          <a:xfrm>
+            <a:off x="571608" y="661194"/>
+            <a:ext cx="7886700" cy="994172"/>
+          </a:xfrm>
+          <a:prstGeom prst="rect">
+            <a:avLst/>
+          </a:prstGeom>
+        </p:spPr>
+        <p:txBody>
+          <a:bodyPr vert="horz" wrap="square" lIns="68580" tIns="34290" rIns="68580" bIns="34290" rtlCol="0" anchor="ctr">
+            <a:normAutofit/>
+          </a:bodyPr>
+          <a:lstStyle>
+            <a:lvl1pPr defTabSz="914400">
+              <a:lnSpc>
+                <a:spcPct val="120000"/>
+              </a:lnSpc>
+              <a:spcBef>
+                <a:spcPct val="0"/>
+              </a:spcBef>
+              <a:buNone/>
+              <a:defRPr sz="3600">
+                <a:solidFill>
+                  <a:schemeClr val="tx1">
+                    <a:lumMod val="75000"/>
+                    <a:lumOff val="25000"/>
+                  </a:schemeClr>
+                </a:solidFill>
+                <a:latin typeface="+mj-lt"/>
+                <a:ea typeface="+mj-ea"/>
+                <a:cs typeface="+mj-cs"/>
+              </a:defRPr>
+            </a:lvl1pPr>
+          </a:lstStyle>
+          <a:p>
+            <a:r>
+              <a:rPr dirty="0">
+                <a:sym typeface="+mn-ea"/>
+              </a:rPr>
+              <a:t>策略模式(The Strategy Pattern)</a:t>
+            </a:r>
+            <a:endParaRPr dirty="0">
+              <a:sym typeface="+mn-ea"/>
+            </a:endParaRPr>
+          </a:p>
+        </p:txBody>
+      </p:sp>
+      <p:sp>
+        <p:nvSpPr>
+          <p:cNvPr id="3" name="文本框 2"/>
+          <p:cNvSpPr txBox="1"/>
+          <p:nvPr/>
+        </p:nvSpPr>
+        <p:spPr>
+          <a:xfrm>
+            <a:off x="566431" y="2057436"/>
+            <a:ext cx="8334776" cy="2861310"/>
+          </a:xfrm>
+          <a:prstGeom prst="rect">
+            <a:avLst/>
+          </a:prstGeom>
+          <a:noFill/>
+        </p:spPr>
+        <p:txBody>
+          <a:bodyPr wrap="square" rtlCol="0">
+            <a:spAutoFit/>
+          </a:bodyPr>
+          <a:lstStyle/>
+          <a:p>
+            <a:pPr indent="0" eaLnBrk="1" hangingPunct="1">
+              <a:lnSpc>
+                <a:spcPct val="150000"/>
+              </a:lnSpc>
+              <a:buFont typeface="Wingdings" panose="05000000000000000000" pitchFamily="2" charset="2"/>
+              <a:buNone/>
+            </a:pPr>
+            <a:r>
+              <a:rPr lang="zh-CN" altLang="en-US" b="1" dirty="0">
+                <a:solidFill>
+                  <a:srgbClr val="0070C0"/>
+                </a:solidFill>
+              </a:rPr>
+              <a:t>优点</a:t>
+            </a:r>
+            <a:endParaRPr lang="zh-CN" altLang="en-US" b="1" dirty="0">
+              <a:solidFill>
+                <a:srgbClr val="0070C0"/>
+              </a:solidFill>
+            </a:endParaRPr>
+          </a:p>
+          <a:p>
+            <a:pPr indent="0" eaLnBrk="1" hangingPunct="1">
+              <a:lnSpc>
+                <a:spcPct val="150000"/>
+              </a:lnSpc>
+              <a:buFont typeface="Wingdings" panose="05000000000000000000" pitchFamily="2" charset="2"/>
+              <a:buNone/>
+            </a:pPr>
+            <a:endParaRPr lang="zh-CN" altLang="en-US" dirty="0"/>
+          </a:p>
+          <a:p>
+            <a:pPr marL="457200" indent="-457200" eaLnBrk="1" latinLnBrk="0" hangingPunct="1">
+              <a:lnSpc>
+                <a:spcPct val="200000"/>
+              </a:lnSpc>
+              <a:buClr>
+                <a:srgbClr val="0070C0"/>
+              </a:buClr>
+              <a:buFont typeface="+mj-lt"/>
+              <a:buAutoNum type="arabicPeriod"/>
+            </a:pPr>
+            <a:r>
+              <a:rPr lang="zh-CN" altLang="en-US" sz="1800" dirty="0"/>
+              <a:t>算法可以自由切换；</a:t>
+            </a:r>
+            <a:endParaRPr lang="zh-CN" altLang="en-US" sz="1800" dirty="0"/>
+          </a:p>
+          <a:p>
+            <a:pPr marL="457200" indent="-457200" eaLnBrk="1" latinLnBrk="0" hangingPunct="1">
+              <a:lnSpc>
+                <a:spcPct val="200000"/>
+              </a:lnSpc>
+              <a:buClr>
+                <a:srgbClr val="0070C0"/>
+              </a:buClr>
+              <a:buFont typeface="+mj-lt"/>
+              <a:buAutoNum type="arabicPeriod"/>
+            </a:pPr>
+            <a:r>
+              <a:rPr lang="zh-CN" altLang="en-US" sz="1800" dirty="0"/>
+              <a:t>避免使用多重条件判断；</a:t>
+            </a:r>
+            <a:endParaRPr lang="zh-CN" altLang="en-US" sz="1800" dirty="0"/>
+          </a:p>
+          <a:p>
+            <a:pPr marL="457200" indent="-457200" eaLnBrk="1" latinLnBrk="0" hangingPunct="1">
+              <a:lnSpc>
+                <a:spcPct val="200000"/>
+              </a:lnSpc>
+              <a:buClr>
+                <a:srgbClr val="0070C0"/>
+              </a:buClr>
+              <a:buFont typeface="+mj-lt"/>
+              <a:buAutoNum type="arabicPeriod"/>
+            </a:pPr>
+            <a:r>
+              <a:rPr lang="zh-CN" altLang="en-US" sz="1800" dirty="0"/>
+              <a:t>扩展性良好。</a:t>
+            </a:r>
+            <a:endParaRPr lang="zh-CN" altLang="en-US" sz="1800" dirty="0"/>
+          </a:p>
+        </p:txBody>
+      </p:sp>
+    </p:spTree>
+    <p:custDataLst>
+      <p:tags r:id="rId2"/>
+    </p:custDataLst>
+  </p:cSld>
+  <p:clrMapOvr>
+    <a:masterClrMapping/>
+  </p:clrMapOvr>
+</p:sld>
+</file>
+
+<file path=ppt/slides/slide43.xml><?xml version="1.0" encoding="utf-8"?>
+<p:sld xmlns:a="http://schemas.openxmlformats.org/drawingml/2006/main" xmlns:r="http://schemas.openxmlformats.org/officeDocument/2006/relationships" xmlns:p="http://schemas.openxmlformats.org/presentationml/2006/main">
+  <p:cSld>
+    <p:spTree>
+      <p:nvGrpSpPr>
+        <p:cNvPr id="1" name=""/>
+        <p:cNvGrpSpPr/>
+        <p:nvPr/>
+      </p:nvGrpSpPr>
+      <p:grpSpPr>
+        <a:xfrm>
+          <a:off x="0" y="0"/>
+          <a:ext cx="0" cy="0"/>
+          <a:chOff x="0" y="0"/>
+          <a:chExt cx="0" cy="0"/>
+        </a:xfrm>
+      </p:grpSpPr>
+      <p:sp>
+        <p:nvSpPr>
+          <p:cNvPr id="8" name="标题 1"/>
+          <p:cNvSpPr txBox="1"/>
+          <p:nvPr>
+            <p:custDataLst>
+              <p:tags r:id="rId1"/>
+            </p:custDataLst>
+          </p:nvPr>
+        </p:nvSpPr>
+        <p:spPr>
+          <a:xfrm>
+            <a:off x="571608" y="661194"/>
+            <a:ext cx="7886700" cy="994172"/>
+          </a:xfrm>
+          <a:prstGeom prst="rect">
+            <a:avLst/>
+          </a:prstGeom>
+        </p:spPr>
+        <p:txBody>
+          <a:bodyPr vert="horz" wrap="square" lIns="68580" tIns="34290" rIns="68580" bIns="34290" rtlCol="0" anchor="ctr">
+            <a:normAutofit/>
+          </a:bodyPr>
+          <a:lstStyle>
+            <a:lvl1pPr defTabSz="914400">
+              <a:lnSpc>
+                <a:spcPct val="120000"/>
+              </a:lnSpc>
+              <a:spcBef>
+                <a:spcPct val="0"/>
+              </a:spcBef>
+              <a:buNone/>
+              <a:defRPr sz="3600">
+                <a:solidFill>
+                  <a:schemeClr val="tx1">
+                    <a:lumMod val="75000"/>
+                    <a:lumOff val="25000"/>
+                  </a:schemeClr>
+                </a:solidFill>
+                <a:latin typeface="+mj-lt"/>
+                <a:ea typeface="+mj-ea"/>
+                <a:cs typeface="+mj-cs"/>
+              </a:defRPr>
+            </a:lvl1pPr>
+          </a:lstStyle>
+          <a:p>
+            <a:r>
+              <a:rPr dirty="0">
+                <a:sym typeface="+mn-ea"/>
+              </a:rPr>
+              <a:t>策略模式(The Strategy Pattern)</a:t>
+            </a:r>
+            <a:endParaRPr dirty="0">
+              <a:sym typeface="+mn-ea"/>
+            </a:endParaRPr>
+          </a:p>
+        </p:txBody>
+      </p:sp>
+      <p:sp>
+        <p:nvSpPr>
+          <p:cNvPr id="3" name="文本框 2"/>
+          <p:cNvSpPr txBox="1"/>
+          <p:nvPr/>
+        </p:nvSpPr>
+        <p:spPr>
+          <a:xfrm>
+            <a:off x="566431" y="2057436"/>
+            <a:ext cx="8334776" cy="1753235"/>
+          </a:xfrm>
+          <a:prstGeom prst="rect">
+            <a:avLst/>
+          </a:prstGeom>
+          <a:noFill/>
+        </p:spPr>
+        <p:txBody>
+          <a:bodyPr wrap="square" rtlCol="0">
+            <a:spAutoFit/>
+          </a:bodyPr>
+          <a:lstStyle/>
+          <a:p>
+            <a:pPr indent="0" eaLnBrk="1" hangingPunct="1">
+              <a:lnSpc>
+                <a:spcPct val="150000"/>
+              </a:lnSpc>
+              <a:buFont typeface="Wingdings" panose="05000000000000000000" pitchFamily="2" charset="2"/>
+              <a:buNone/>
+            </a:pPr>
+            <a:r>
+              <a:rPr lang="zh-CN" altLang="en-US" b="1" dirty="0">
+                <a:solidFill>
+                  <a:srgbClr val="0070C0"/>
+                </a:solidFill>
+              </a:rPr>
+              <a:t>缺点</a:t>
+            </a:r>
+            <a:endParaRPr lang="zh-CN" altLang="en-US" dirty="0"/>
+          </a:p>
+          <a:p>
+            <a:pPr marL="457200" indent="-457200" algn="l">
+              <a:lnSpc>
+                <a:spcPct val="200000"/>
+              </a:lnSpc>
+              <a:buClr>
+                <a:srgbClr val="0070C0"/>
+              </a:buClr>
+              <a:buFont typeface="+mj-lt"/>
+              <a:buAutoNum type="arabicPeriod"/>
+            </a:pPr>
+            <a:r>
+              <a:rPr lang="zh-CN" altLang="en-US" sz="1800" dirty="0"/>
+              <a:t>策略类会增多；</a:t>
+            </a:r>
+            <a:endParaRPr lang="zh-CN" altLang="en-US" sz="1800" dirty="0"/>
+          </a:p>
+          <a:p>
+            <a:pPr marL="457200" indent="-457200" algn="l">
+              <a:lnSpc>
+                <a:spcPct val="200000"/>
+              </a:lnSpc>
+              <a:buClr>
+                <a:srgbClr val="0070C0"/>
+              </a:buClr>
+              <a:buFont typeface="+mj-lt"/>
+              <a:buAutoNum type="arabicPeriod"/>
+            </a:pPr>
+            <a:r>
+              <a:rPr lang="zh-CN" altLang="en-US" sz="1800" dirty="0"/>
+              <a:t>所有策略类都需要对外暴露。</a:t>
+            </a:r>
+            <a:endParaRPr lang="zh-CN" altLang="en-US" sz="1800" dirty="0"/>
+          </a:p>
+        </p:txBody>
+      </p:sp>
+    </p:spTree>
+    <p:custDataLst>
+      <p:tags r:id="rId2"/>
+    </p:custDataLst>
+  </p:cSld>
+  <p:clrMapOvr>
+    <a:masterClrMapping/>
+  </p:clrMapOvr>
+</p:sld>
+</file>
+
+<file path=ppt/slides/slide44.xml><?xml version="1.0" encoding="utf-8"?>
+<p:sld xmlns:a="http://schemas.openxmlformats.org/drawingml/2006/main" xmlns:r="http://schemas.openxmlformats.org/officeDocument/2006/relationships" xmlns:p="http://schemas.openxmlformats.org/presentationml/2006/main">
+  <p:cSld>
+    <p:spTree>
+      <p:nvGrpSpPr>
+        <p:cNvPr id="1" name=""/>
+        <p:cNvGrpSpPr/>
+        <p:nvPr/>
+      </p:nvGrpSpPr>
+      <p:grpSpPr>
+        <a:xfrm>
+          <a:off x="0" y="0"/>
+          <a:ext cx="0" cy="0"/>
+          <a:chOff x="0" y="0"/>
+          <a:chExt cx="0" cy="0"/>
+        </a:xfrm>
+      </p:grpSpPr>
+      <p:sp>
+        <p:nvSpPr>
           <p:cNvPr id="2" name="标题 1"/>
           <p:cNvSpPr>
             <a:spLocks noGrp="1"/>
@@ -13335,7 +14563,7 @@
           <a:p>
             <a:r>
               <a:rPr lang="en-US" altLang="zh-CN" sz="3600" dirty="0"/>
-              <a:t>The Mememto Pattern</a:t>
+              <a:t>The Template Pattern</a:t>
             </a:r>
             <a:endParaRPr lang="en-US" altLang="zh-CN" sz="3600" dirty="0"/>
           </a:p>
@@ -13360,7 +14588,801 @@
           <a:p>
             <a:r>
               <a:rPr lang="zh-CN" altLang="en-US" dirty="0"/>
-              <a:t>备忘录模式</a:t>
+              <a:t>模版模式</a:t>
+            </a:r>
+            <a:endParaRPr lang="zh-CN" altLang="en-US" dirty="0"/>
+          </a:p>
+        </p:txBody>
+      </p:sp>
+    </p:spTree>
+  </p:cSld>
+  <p:clrMapOvr>
+    <a:masterClrMapping/>
+  </p:clrMapOvr>
+</p:sld>
+</file>
+
+<file path=ppt/slides/slide45.xml><?xml version="1.0" encoding="utf-8"?>
+<p:sld xmlns:a="http://schemas.openxmlformats.org/drawingml/2006/main" xmlns:r="http://schemas.openxmlformats.org/officeDocument/2006/relationships" xmlns:p="http://schemas.openxmlformats.org/presentationml/2006/main">
+  <p:cSld>
+    <p:spTree>
+      <p:nvGrpSpPr>
+        <p:cNvPr id="1" name=""/>
+        <p:cNvGrpSpPr/>
+        <p:nvPr/>
+      </p:nvGrpSpPr>
+      <p:grpSpPr>
+        <a:xfrm>
+          <a:off x="0" y="0"/>
+          <a:ext cx="0" cy="0"/>
+          <a:chOff x="0" y="0"/>
+          <a:chExt cx="0" cy="0"/>
+        </a:xfrm>
+      </p:grpSpPr>
+      <p:sp>
+        <p:nvSpPr>
+          <p:cNvPr id="8" name="标题 1"/>
+          <p:cNvSpPr txBox="1"/>
+          <p:nvPr>
+            <p:custDataLst>
+              <p:tags r:id="rId1"/>
+            </p:custDataLst>
+          </p:nvPr>
+        </p:nvSpPr>
+        <p:spPr>
+          <a:xfrm>
+            <a:off x="571608" y="661194"/>
+            <a:ext cx="7886700" cy="994172"/>
+          </a:xfrm>
+          <a:prstGeom prst="rect">
+            <a:avLst/>
+          </a:prstGeom>
+        </p:spPr>
+        <p:txBody>
+          <a:bodyPr vert="horz" wrap="square" lIns="68580" tIns="34290" rIns="68580" bIns="34290" rtlCol="0" anchor="ctr">
+            <a:normAutofit/>
+          </a:bodyPr>
+          <a:lstStyle>
+            <a:lvl1pPr defTabSz="914400">
+              <a:lnSpc>
+                <a:spcPct val="120000"/>
+              </a:lnSpc>
+              <a:spcBef>
+                <a:spcPct val="0"/>
+              </a:spcBef>
+              <a:buNone/>
+              <a:defRPr sz="3600">
+                <a:solidFill>
+                  <a:schemeClr val="tx1">
+                    <a:lumMod val="75000"/>
+                    <a:lumOff val="25000"/>
+                  </a:schemeClr>
+                </a:solidFill>
+                <a:latin typeface="+mj-lt"/>
+                <a:ea typeface="+mj-ea"/>
+                <a:cs typeface="+mj-cs"/>
+              </a:defRPr>
+            </a:lvl1pPr>
+          </a:lstStyle>
+          <a:p>
+            <a:r>
+              <a:rPr dirty="0">
+                <a:sym typeface="+mn-ea"/>
+              </a:rPr>
+              <a:t>模版模式(</a:t>
+            </a:r>
+            <a:r>
+              <a:rPr lang="en-US" altLang="zh-CN" dirty="0">
+                <a:sym typeface="+mn-ea"/>
+              </a:rPr>
+              <a:t>The Template Pattern</a:t>
+            </a:r>
+            <a:r>
+              <a:rPr dirty="0">
+                <a:sym typeface="+mn-ea"/>
+              </a:rPr>
+              <a:t>)</a:t>
+            </a:r>
+            <a:endParaRPr dirty="0">
+              <a:sym typeface="+mn-ea"/>
+            </a:endParaRPr>
+          </a:p>
+        </p:txBody>
+      </p:sp>
+      <p:sp>
+        <p:nvSpPr>
+          <p:cNvPr id="3" name="文本框 2"/>
+          <p:cNvSpPr txBox="1"/>
+          <p:nvPr/>
+        </p:nvSpPr>
+        <p:spPr>
+          <a:xfrm>
+            <a:off x="566431" y="2057436"/>
+            <a:ext cx="8334776" cy="2306955"/>
+          </a:xfrm>
+          <a:prstGeom prst="rect">
+            <a:avLst/>
+          </a:prstGeom>
+          <a:noFill/>
+        </p:spPr>
+        <p:txBody>
+          <a:bodyPr wrap="square" rtlCol="0">
+            <a:spAutoFit/>
+          </a:bodyPr>
+          <a:lstStyle/>
+          <a:p>
+            <a:pPr indent="0" eaLnBrk="1" hangingPunct="1">
+              <a:lnSpc>
+                <a:spcPct val="150000"/>
+              </a:lnSpc>
+              <a:buFont typeface="Wingdings" panose="05000000000000000000" pitchFamily="2" charset="2"/>
+              <a:buNone/>
+            </a:pPr>
+            <a:r>
+              <a:rPr lang="zh-CN" altLang="en-US" b="1" dirty="0">
+                <a:solidFill>
+                  <a:srgbClr val="0070C0"/>
+                </a:solidFill>
+              </a:rPr>
+              <a:t>定义</a:t>
+            </a:r>
+            <a:endParaRPr lang="zh-CN" altLang="en-US" dirty="0"/>
+          </a:p>
+          <a:p>
+            <a:pPr marL="0" indent="461010" eaLnBrk="1" latinLnBrk="0" hangingPunct="1">
+              <a:lnSpc>
+                <a:spcPct val="200000"/>
+              </a:lnSpc>
+              <a:buClr>
+                <a:srgbClr val="0070C0"/>
+              </a:buClr>
+              <a:buFont typeface="+mj-lt"/>
+              <a:buNone/>
+            </a:pPr>
+            <a:r>
+              <a:rPr sz="1800" dirty="0"/>
+              <a:t>一个抽象类公开定义了执行它的方法的方式/模板。它的子类可以按需要重写方法实现，但调用将以抽象类中定义的方式进行。这种类型的设计模式属于行为型模式。</a:t>
+            </a:r>
+            <a:endParaRPr sz="1800" dirty="0"/>
+          </a:p>
+        </p:txBody>
+      </p:sp>
+    </p:spTree>
+    <p:custDataLst>
+      <p:tags r:id="rId2"/>
+    </p:custDataLst>
+  </p:cSld>
+  <p:clrMapOvr>
+    <a:masterClrMapping/>
+  </p:clrMapOvr>
+</p:sld>
+</file>
+
+<file path=ppt/slides/slide46.xml><?xml version="1.0" encoding="utf-8"?>
+<p:sld xmlns:a="http://schemas.openxmlformats.org/drawingml/2006/main" xmlns:r="http://schemas.openxmlformats.org/officeDocument/2006/relationships" xmlns:p="http://schemas.openxmlformats.org/presentationml/2006/main">
+  <p:cSld>
+    <p:spTree>
+      <p:nvGrpSpPr>
+        <p:cNvPr id="1" name=""/>
+        <p:cNvGrpSpPr/>
+        <p:nvPr/>
+      </p:nvGrpSpPr>
+      <p:grpSpPr>
+        <a:xfrm>
+          <a:off x="0" y="0"/>
+          <a:ext cx="0" cy="0"/>
+          <a:chOff x="0" y="0"/>
+          <a:chExt cx="0" cy="0"/>
+        </a:xfrm>
+      </p:grpSpPr>
+      <p:sp>
+        <p:nvSpPr>
+          <p:cNvPr id="8" name="标题 1"/>
+          <p:cNvSpPr txBox="1"/>
+          <p:nvPr>
+            <p:custDataLst>
+              <p:tags r:id="rId1"/>
+            </p:custDataLst>
+          </p:nvPr>
+        </p:nvSpPr>
+        <p:spPr>
+          <a:xfrm>
+            <a:off x="571608" y="661194"/>
+            <a:ext cx="7886700" cy="994172"/>
+          </a:xfrm>
+          <a:prstGeom prst="rect">
+            <a:avLst/>
+          </a:prstGeom>
+        </p:spPr>
+        <p:txBody>
+          <a:bodyPr vert="horz" wrap="square" lIns="68580" tIns="34290" rIns="68580" bIns="34290" rtlCol="0" anchor="ctr">
+            <a:normAutofit/>
+          </a:bodyPr>
+          <a:lstStyle>
+            <a:lvl1pPr defTabSz="914400">
+              <a:lnSpc>
+                <a:spcPct val="120000"/>
+              </a:lnSpc>
+              <a:spcBef>
+                <a:spcPct val="0"/>
+              </a:spcBef>
+              <a:buNone/>
+              <a:defRPr sz="3600">
+                <a:solidFill>
+                  <a:schemeClr val="tx1">
+                    <a:lumMod val="75000"/>
+                    <a:lumOff val="25000"/>
+                  </a:schemeClr>
+                </a:solidFill>
+                <a:latin typeface="+mj-lt"/>
+                <a:ea typeface="+mj-ea"/>
+                <a:cs typeface="+mj-cs"/>
+              </a:defRPr>
+            </a:lvl1pPr>
+          </a:lstStyle>
+          <a:p>
+            <a:r>
+              <a:rPr dirty="0">
+                <a:sym typeface="+mn-ea"/>
+              </a:rPr>
+              <a:t>模版模式(</a:t>
+            </a:r>
+            <a:r>
+              <a:rPr lang="en-US" altLang="zh-CN" dirty="0">
+                <a:sym typeface="+mn-ea"/>
+              </a:rPr>
+              <a:t>The Template Pattern</a:t>
+            </a:r>
+            <a:r>
+              <a:rPr dirty="0">
+                <a:sym typeface="+mn-ea"/>
+              </a:rPr>
+              <a:t>)</a:t>
+            </a:r>
+            <a:endParaRPr dirty="0">
+              <a:sym typeface="+mn-ea"/>
+            </a:endParaRPr>
+          </a:p>
+        </p:txBody>
+      </p:sp>
+      <p:sp>
+        <p:nvSpPr>
+          <p:cNvPr id="3" name="文本框 2"/>
+          <p:cNvSpPr txBox="1"/>
+          <p:nvPr/>
+        </p:nvSpPr>
+        <p:spPr>
+          <a:xfrm>
+            <a:off x="566431" y="2057436"/>
+            <a:ext cx="8334776" cy="2122805"/>
+          </a:xfrm>
+          <a:prstGeom prst="rect">
+            <a:avLst/>
+          </a:prstGeom>
+          <a:noFill/>
+        </p:spPr>
+        <p:txBody>
+          <a:bodyPr wrap="square" rtlCol="0">
+            <a:spAutoFit/>
+          </a:bodyPr>
+          <a:lstStyle/>
+          <a:p>
+            <a:pPr indent="0" eaLnBrk="1" hangingPunct="1">
+              <a:lnSpc>
+                <a:spcPct val="150000"/>
+              </a:lnSpc>
+              <a:buFont typeface="Wingdings" panose="05000000000000000000" pitchFamily="2" charset="2"/>
+              <a:buNone/>
+            </a:pPr>
+            <a:r>
+              <a:rPr lang="zh-CN" altLang="en-US" b="1" dirty="0">
+                <a:solidFill>
+                  <a:srgbClr val="0070C0"/>
+                </a:solidFill>
+              </a:rPr>
+              <a:t>适用场景</a:t>
+            </a:r>
+            <a:endParaRPr lang="en-US" altLang="zh-CN" b="1" dirty="0">
+              <a:solidFill>
+                <a:srgbClr val="0070C0"/>
+              </a:solidFill>
+            </a:endParaRPr>
+          </a:p>
+          <a:p>
+            <a:pPr marL="342900" indent="-342900" eaLnBrk="1" latinLnBrk="0" hangingPunct="1">
+              <a:lnSpc>
+                <a:spcPct val="200000"/>
+              </a:lnSpc>
+              <a:buClr>
+                <a:srgbClr val="0070C0"/>
+              </a:buClr>
+              <a:buFont typeface="+mj-lt"/>
+              <a:buAutoNum type="arabicPeriod"/>
+            </a:pPr>
+            <a:endParaRPr sz="1600" dirty="0"/>
+          </a:p>
+          <a:p>
+            <a:pPr marL="342900" indent="-342900" eaLnBrk="1" latinLnBrk="0" hangingPunct="1">
+              <a:lnSpc>
+                <a:spcPct val="200000"/>
+              </a:lnSpc>
+              <a:buClr>
+                <a:srgbClr val="0070C0"/>
+              </a:buClr>
+              <a:buFont typeface="+mj-lt"/>
+              <a:buAutoNum type="arabicPeriod"/>
+            </a:pPr>
+            <a:r>
+              <a:rPr sz="1600" dirty="0"/>
+              <a:t>有多个子类共有的方法，且逻辑相同</a:t>
+            </a:r>
+            <a:r>
+              <a:rPr lang="zh-CN" sz="1600" dirty="0"/>
+              <a:t>；</a:t>
+            </a:r>
+            <a:endParaRPr lang="zh-CN" sz="1600" dirty="0"/>
+          </a:p>
+          <a:p>
+            <a:pPr marL="342900" indent="-342900" eaLnBrk="1" latinLnBrk="0" hangingPunct="1">
+              <a:lnSpc>
+                <a:spcPct val="200000"/>
+              </a:lnSpc>
+              <a:buClr>
+                <a:srgbClr val="0070C0"/>
+              </a:buClr>
+              <a:buFont typeface="+mj-lt"/>
+              <a:buAutoNum type="arabicPeriod"/>
+            </a:pPr>
+            <a:r>
+              <a:rPr sz="1600" dirty="0"/>
+              <a:t>重要的、复杂的方法，可以考虑作为模板方法</a:t>
+            </a:r>
+            <a:r>
+              <a:rPr lang="zh-CN" sz="1600" dirty="0"/>
+              <a:t>；</a:t>
+            </a:r>
+            <a:endParaRPr lang="zh-CN" sz="1600" dirty="0"/>
+          </a:p>
+        </p:txBody>
+      </p:sp>
+    </p:spTree>
+    <p:custDataLst>
+      <p:tags r:id="rId2"/>
+    </p:custDataLst>
+  </p:cSld>
+  <p:clrMapOvr>
+    <a:masterClrMapping/>
+  </p:clrMapOvr>
+</p:sld>
+</file>
+
+<file path=ppt/slides/slide47.xml><?xml version="1.0" encoding="utf-8"?>
+<p:sld xmlns:a="http://schemas.openxmlformats.org/drawingml/2006/main" xmlns:r="http://schemas.openxmlformats.org/officeDocument/2006/relationships" xmlns:p="http://schemas.openxmlformats.org/presentationml/2006/main">
+  <p:cSld>
+    <p:spTree>
+      <p:nvGrpSpPr>
+        <p:cNvPr id="1" name=""/>
+        <p:cNvGrpSpPr/>
+        <p:nvPr/>
+      </p:nvGrpSpPr>
+      <p:grpSpPr>
+        <a:xfrm>
+          <a:off x="0" y="0"/>
+          <a:ext cx="0" cy="0"/>
+          <a:chOff x="0" y="0"/>
+          <a:chExt cx="0" cy="0"/>
+        </a:xfrm>
+      </p:grpSpPr>
+      <p:sp>
+        <p:nvSpPr>
+          <p:cNvPr id="8" name="标题 1"/>
+          <p:cNvSpPr txBox="1"/>
+          <p:nvPr>
+            <p:custDataLst>
+              <p:tags r:id="rId1"/>
+            </p:custDataLst>
+          </p:nvPr>
+        </p:nvSpPr>
+        <p:spPr>
+          <a:xfrm>
+            <a:off x="571608" y="661194"/>
+            <a:ext cx="7886700" cy="994172"/>
+          </a:xfrm>
+          <a:prstGeom prst="rect">
+            <a:avLst/>
+          </a:prstGeom>
+        </p:spPr>
+        <p:txBody>
+          <a:bodyPr vert="horz" wrap="square" lIns="68580" tIns="34290" rIns="68580" bIns="34290" rtlCol="0" anchor="ctr">
+            <a:normAutofit/>
+          </a:bodyPr>
+          <a:lstStyle>
+            <a:lvl1pPr defTabSz="914400">
+              <a:lnSpc>
+                <a:spcPct val="120000"/>
+              </a:lnSpc>
+              <a:spcBef>
+                <a:spcPct val="0"/>
+              </a:spcBef>
+              <a:buNone/>
+              <a:defRPr sz="3600">
+                <a:solidFill>
+                  <a:schemeClr val="tx1">
+                    <a:lumMod val="75000"/>
+                    <a:lumOff val="25000"/>
+                  </a:schemeClr>
+                </a:solidFill>
+                <a:latin typeface="+mj-lt"/>
+                <a:ea typeface="+mj-ea"/>
+                <a:cs typeface="+mj-cs"/>
+              </a:defRPr>
+            </a:lvl1pPr>
+          </a:lstStyle>
+          <a:p>
+            <a:r>
+              <a:rPr dirty="0">
+                <a:sym typeface="+mn-ea"/>
+              </a:rPr>
+              <a:t>模版模式(</a:t>
+            </a:r>
+            <a:r>
+              <a:rPr lang="en-US" altLang="zh-CN" dirty="0">
+                <a:sym typeface="+mn-ea"/>
+              </a:rPr>
+              <a:t>The Template Pattern</a:t>
+            </a:r>
+            <a:r>
+              <a:rPr dirty="0">
+                <a:sym typeface="+mn-ea"/>
+              </a:rPr>
+              <a:t>)</a:t>
+            </a:r>
+            <a:endParaRPr dirty="0">
+              <a:sym typeface="+mn-ea"/>
+            </a:endParaRPr>
+          </a:p>
+        </p:txBody>
+      </p:sp>
+      <p:sp>
+        <p:nvSpPr>
+          <p:cNvPr id="3" name="文本框 2"/>
+          <p:cNvSpPr txBox="1"/>
+          <p:nvPr/>
+        </p:nvSpPr>
+        <p:spPr>
+          <a:xfrm>
+            <a:off x="566431" y="2057436"/>
+            <a:ext cx="8334776" cy="2861310"/>
+          </a:xfrm>
+          <a:prstGeom prst="rect">
+            <a:avLst/>
+          </a:prstGeom>
+          <a:noFill/>
+        </p:spPr>
+        <p:txBody>
+          <a:bodyPr wrap="square" rtlCol="0">
+            <a:spAutoFit/>
+          </a:bodyPr>
+          <a:lstStyle/>
+          <a:p>
+            <a:pPr indent="0" eaLnBrk="1" hangingPunct="1">
+              <a:lnSpc>
+                <a:spcPct val="150000"/>
+              </a:lnSpc>
+              <a:buFont typeface="Wingdings" panose="05000000000000000000" pitchFamily="2" charset="2"/>
+              <a:buNone/>
+            </a:pPr>
+            <a:r>
+              <a:rPr lang="zh-CN" altLang="en-US" b="1" dirty="0">
+                <a:solidFill>
+                  <a:srgbClr val="0070C0"/>
+                </a:solidFill>
+              </a:rPr>
+              <a:t>优点</a:t>
+            </a:r>
+            <a:endParaRPr lang="zh-CN" altLang="en-US" b="1" dirty="0">
+              <a:solidFill>
+                <a:srgbClr val="0070C0"/>
+              </a:solidFill>
+            </a:endParaRPr>
+          </a:p>
+          <a:p>
+            <a:pPr indent="0" eaLnBrk="1" hangingPunct="1">
+              <a:lnSpc>
+                <a:spcPct val="150000"/>
+              </a:lnSpc>
+              <a:buFont typeface="Wingdings" panose="05000000000000000000" pitchFamily="2" charset="2"/>
+              <a:buNone/>
+            </a:pPr>
+            <a:endParaRPr lang="zh-CN" altLang="en-US" dirty="0"/>
+          </a:p>
+          <a:p>
+            <a:pPr marL="457200" indent="-457200" eaLnBrk="1" latinLnBrk="0" hangingPunct="1">
+              <a:lnSpc>
+                <a:spcPct val="200000"/>
+              </a:lnSpc>
+              <a:buClr>
+                <a:srgbClr val="0070C0"/>
+              </a:buClr>
+              <a:buFont typeface="+mj-lt"/>
+              <a:buAutoNum type="arabicPeriod"/>
+            </a:pPr>
+            <a:r>
+              <a:rPr lang="zh-CN" altLang="en-US" sz="1800" dirty="0"/>
+              <a:t>封装不变部分，扩展可变部分；</a:t>
+            </a:r>
+            <a:endParaRPr lang="zh-CN" altLang="en-US" sz="1800" dirty="0"/>
+          </a:p>
+          <a:p>
+            <a:pPr marL="457200" indent="-457200" eaLnBrk="1" latinLnBrk="0" hangingPunct="1">
+              <a:lnSpc>
+                <a:spcPct val="200000"/>
+              </a:lnSpc>
+              <a:buClr>
+                <a:srgbClr val="0070C0"/>
+              </a:buClr>
+              <a:buFont typeface="+mj-lt"/>
+              <a:buAutoNum type="arabicPeriod"/>
+            </a:pPr>
+            <a:r>
+              <a:rPr lang="zh-CN" altLang="en-US" sz="1800" dirty="0"/>
+              <a:t>提取公共代码，便于维护；</a:t>
+            </a:r>
+            <a:endParaRPr lang="zh-CN" altLang="en-US" sz="1800" dirty="0"/>
+          </a:p>
+          <a:p>
+            <a:pPr marL="457200" indent="-457200" eaLnBrk="1" latinLnBrk="0" hangingPunct="1">
+              <a:lnSpc>
+                <a:spcPct val="200000"/>
+              </a:lnSpc>
+              <a:buClr>
+                <a:srgbClr val="0070C0"/>
+              </a:buClr>
+              <a:buFont typeface="+mj-lt"/>
+              <a:buAutoNum type="arabicPeriod"/>
+            </a:pPr>
+            <a:r>
+              <a:rPr lang="zh-CN" altLang="en-US" sz="1800" dirty="0"/>
+              <a:t>行为由父类控制，子类实现；</a:t>
+            </a:r>
+            <a:endParaRPr lang="zh-CN" altLang="en-US" sz="1800" dirty="0"/>
+          </a:p>
+        </p:txBody>
+      </p:sp>
+    </p:spTree>
+    <p:custDataLst>
+      <p:tags r:id="rId2"/>
+    </p:custDataLst>
+  </p:cSld>
+  <p:clrMapOvr>
+    <a:masterClrMapping/>
+  </p:clrMapOvr>
+</p:sld>
+</file>
+
+<file path=ppt/slides/slide48.xml><?xml version="1.0" encoding="utf-8"?>
+<p:sld xmlns:a="http://schemas.openxmlformats.org/drawingml/2006/main" xmlns:r="http://schemas.openxmlformats.org/officeDocument/2006/relationships" xmlns:p="http://schemas.openxmlformats.org/presentationml/2006/main">
+  <p:cSld>
+    <p:spTree>
+      <p:nvGrpSpPr>
+        <p:cNvPr id="1" name=""/>
+        <p:cNvGrpSpPr/>
+        <p:nvPr/>
+      </p:nvGrpSpPr>
+      <p:grpSpPr>
+        <a:xfrm>
+          <a:off x="0" y="0"/>
+          <a:ext cx="0" cy="0"/>
+          <a:chOff x="0" y="0"/>
+          <a:chExt cx="0" cy="0"/>
+        </a:xfrm>
+      </p:grpSpPr>
+      <p:sp>
+        <p:nvSpPr>
+          <p:cNvPr id="8" name="标题 1"/>
+          <p:cNvSpPr txBox="1"/>
+          <p:nvPr>
+            <p:custDataLst>
+              <p:tags r:id="rId1"/>
+            </p:custDataLst>
+          </p:nvPr>
+        </p:nvSpPr>
+        <p:spPr>
+          <a:xfrm>
+            <a:off x="571608" y="661194"/>
+            <a:ext cx="7886700" cy="994172"/>
+          </a:xfrm>
+          <a:prstGeom prst="rect">
+            <a:avLst/>
+          </a:prstGeom>
+        </p:spPr>
+        <p:txBody>
+          <a:bodyPr vert="horz" wrap="square" lIns="68580" tIns="34290" rIns="68580" bIns="34290" rtlCol="0" anchor="ctr">
+            <a:normAutofit/>
+          </a:bodyPr>
+          <a:lstStyle>
+            <a:lvl1pPr defTabSz="914400">
+              <a:lnSpc>
+                <a:spcPct val="120000"/>
+              </a:lnSpc>
+              <a:spcBef>
+                <a:spcPct val="0"/>
+              </a:spcBef>
+              <a:buNone/>
+              <a:defRPr sz="3600">
+                <a:solidFill>
+                  <a:schemeClr val="tx1">
+                    <a:lumMod val="75000"/>
+                    <a:lumOff val="25000"/>
+                  </a:schemeClr>
+                </a:solidFill>
+                <a:latin typeface="+mj-lt"/>
+                <a:ea typeface="+mj-ea"/>
+                <a:cs typeface="+mj-cs"/>
+              </a:defRPr>
+            </a:lvl1pPr>
+          </a:lstStyle>
+          <a:p>
+            <a:r>
+              <a:rPr dirty="0">
+                <a:sym typeface="+mn-ea"/>
+              </a:rPr>
+              <a:t>模版模式(</a:t>
+            </a:r>
+            <a:r>
+              <a:rPr lang="en-US" altLang="zh-CN" dirty="0">
+                <a:sym typeface="+mn-ea"/>
+              </a:rPr>
+              <a:t>The Template Pattern</a:t>
+            </a:r>
+            <a:r>
+              <a:rPr dirty="0">
+                <a:sym typeface="+mn-ea"/>
+              </a:rPr>
+              <a:t>)</a:t>
+            </a:r>
+            <a:endParaRPr dirty="0">
+              <a:sym typeface="+mn-ea"/>
+            </a:endParaRPr>
+          </a:p>
+        </p:txBody>
+      </p:sp>
+      <p:sp>
+        <p:nvSpPr>
+          <p:cNvPr id="3" name="文本框 2"/>
+          <p:cNvSpPr txBox="1"/>
+          <p:nvPr/>
+        </p:nvSpPr>
+        <p:spPr>
+          <a:xfrm>
+            <a:off x="566431" y="2057436"/>
+            <a:ext cx="8334776" cy="1753235"/>
+          </a:xfrm>
+          <a:prstGeom prst="rect">
+            <a:avLst/>
+          </a:prstGeom>
+          <a:noFill/>
+        </p:spPr>
+        <p:txBody>
+          <a:bodyPr wrap="square" rtlCol="0">
+            <a:spAutoFit/>
+          </a:bodyPr>
+          <a:lstStyle/>
+          <a:p>
+            <a:pPr indent="0" eaLnBrk="1" hangingPunct="1">
+              <a:lnSpc>
+                <a:spcPct val="150000"/>
+              </a:lnSpc>
+              <a:buFont typeface="Wingdings" panose="05000000000000000000" pitchFamily="2" charset="2"/>
+              <a:buNone/>
+            </a:pPr>
+            <a:r>
+              <a:rPr lang="zh-CN" altLang="en-US" b="1" dirty="0">
+                <a:solidFill>
+                  <a:srgbClr val="0070C0"/>
+                </a:solidFill>
+              </a:rPr>
+              <a:t>缺点</a:t>
+            </a:r>
+            <a:endParaRPr lang="zh-CN" altLang="en-US" dirty="0"/>
+          </a:p>
+          <a:p>
+            <a:pPr marL="457200" indent="-457200" algn="l">
+              <a:lnSpc>
+                <a:spcPct val="200000"/>
+              </a:lnSpc>
+              <a:buClr>
+                <a:srgbClr val="0070C0"/>
+              </a:buClr>
+              <a:buFont typeface="+mj-lt"/>
+              <a:buAutoNum type="arabicPeriod"/>
+            </a:pPr>
+            <a:r>
+              <a:rPr lang="zh-CN" altLang="en-US" sz="1800" dirty="0"/>
+              <a:t>每一个不同的实现都需要一个子类来实现，导致类的个数增加，使得系统更加庞大。</a:t>
+            </a:r>
+            <a:endParaRPr lang="zh-CN" altLang="en-US" sz="1800" dirty="0"/>
+          </a:p>
+        </p:txBody>
+      </p:sp>
+    </p:spTree>
+    <p:custDataLst>
+      <p:tags r:id="rId2"/>
+    </p:custDataLst>
+  </p:cSld>
+  <p:clrMapOvr>
+    <a:masterClrMapping/>
+  </p:clrMapOvr>
+</p:sld>
+</file>
+
+<file path=ppt/slides/slide49.xml><?xml version="1.0" encoding="utf-8"?>
+<p:sld xmlns:a="http://schemas.openxmlformats.org/drawingml/2006/main" xmlns:r="http://schemas.openxmlformats.org/officeDocument/2006/relationships" xmlns:p="http://schemas.openxmlformats.org/presentationml/2006/main">
+  <p:cSld>
+    <p:spTree>
+      <p:nvGrpSpPr>
+        <p:cNvPr id="1" name=""/>
+        <p:cNvGrpSpPr/>
+        <p:nvPr/>
+      </p:nvGrpSpPr>
+      <p:grpSpPr>
+        <a:xfrm>
+          <a:off x="0" y="0"/>
+          <a:ext cx="0" cy="0"/>
+          <a:chOff x="0" y="0"/>
+          <a:chExt cx="0" cy="0"/>
+        </a:xfrm>
+      </p:grpSpPr>
+      <p:sp>
+        <p:nvSpPr>
+          <p:cNvPr id="2" name="标题 1"/>
+          <p:cNvSpPr>
+            <a:spLocks noGrp="1"/>
+          </p:cNvSpPr>
+          <p:nvPr>
+            <p:ph type="title"/>
+          </p:nvPr>
+        </p:nvSpPr>
+        <p:spPr>
+          <a:xfrm>
+            <a:off x="1138792" y="3078833"/>
+            <a:ext cx="6856892" cy="830998"/>
+          </a:xfrm>
+        </p:spPr>
+        <p:txBody>
+          <a:bodyPr>
+            <a:noAutofit/>
+          </a:bodyPr>
+          <a:lstStyle/>
+          <a:p>
+            <a:r>
+              <a:rPr lang="en-US" altLang="zh-CN" sz="3600" dirty="0"/>
+              <a:t>The Visitor Pattern</a:t>
+            </a:r>
+            <a:endParaRPr lang="en-US" altLang="zh-CN" sz="3600" dirty="0"/>
+          </a:p>
+        </p:txBody>
+      </p:sp>
+      <p:sp>
+        <p:nvSpPr>
+          <p:cNvPr id="3" name="内容占位符 2"/>
+          <p:cNvSpPr>
+            <a:spLocks noGrp="1"/>
+          </p:cNvSpPr>
+          <p:nvPr>
+            <p:ph sz="quarter" idx="13"/>
+          </p:nvPr>
+        </p:nvSpPr>
+        <p:spPr/>
+        <p:txBody>
+          <a:bodyPr>
+            <a:normAutofit/>
+          </a:bodyPr>
+          <a:lstStyle/>
+          <a:p>
+            <a:r>
+              <a:rPr lang="zh-CN" altLang="en-US" dirty="0"/>
+              <a:t>访问者模式</a:t>
             </a:r>
             <a:endParaRPr lang="zh-CN" altLang="en-US" dirty="0"/>
           </a:p>
@@ -13541,6 +15563,86 @@
     <p:custDataLst>
       <p:tags r:id="rId2"/>
     </p:custDataLst>
+  </p:cSld>
+  <p:clrMapOvr>
+    <a:masterClrMapping/>
+  </p:clrMapOvr>
+</p:sld>
+</file>
+
+<file path=ppt/slides/slide50.xml><?xml version="1.0" encoding="utf-8"?>
+<p:sld xmlns:a="http://schemas.openxmlformats.org/drawingml/2006/main" xmlns:r="http://schemas.openxmlformats.org/officeDocument/2006/relationships" xmlns:p="http://schemas.openxmlformats.org/presentationml/2006/main">
+  <p:cSld>
+    <p:spTree>
+      <p:nvGrpSpPr>
+        <p:cNvPr id="1" name=""/>
+        <p:cNvGrpSpPr/>
+        <p:nvPr/>
+      </p:nvGrpSpPr>
+      <p:grpSpPr>
+        <a:xfrm>
+          <a:off x="0" y="0"/>
+          <a:ext cx="0" cy="0"/>
+          <a:chOff x="0" y="0"/>
+          <a:chExt cx="0" cy="0"/>
+        </a:xfrm>
+      </p:grpSpPr>
+      <p:sp>
+        <p:nvSpPr>
+          <p:cNvPr id="2" name="标题 1"/>
+          <p:cNvSpPr>
+            <a:spLocks noGrp="1"/>
+          </p:cNvSpPr>
+          <p:nvPr>
+            <p:ph type="title"/>
+          </p:nvPr>
+        </p:nvSpPr>
+        <p:spPr>
+          <a:xfrm>
+            <a:off x="1138792" y="3078833"/>
+            <a:ext cx="6856892" cy="830998"/>
+          </a:xfrm>
+        </p:spPr>
+        <p:txBody>
+          <a:bodyPr>
+            <a:noAutofit/>
+          </a:bodyPr>
+          <a:lstStyle/>
+          <a:p>
+            <a:r>
+              <a:rPr lang="en-US" altLang="zh-CN" sz="3600" dirty="0"/>
+              <a:t>The Mememto Pattern</a:t>
+            </a:r>
+            <a:endParaRPr lang="en-US" altLang="zh-CN" sz="3600" dirty="0"/>
+          </a:p>
+        </p:txBody>
+      </p:sp>
+      <p:sp>
+        <p:nvSpPr>
+          <p:cNvPr id="3" name="内容占位符 2"/>
+          <p:cNvSpPr>
+            <a:spLocks noGrp="1"/>
+          </p:cNvSpPr>
+          <p:nvPr>
+            <p:ph sz="quarter" idx="13"/>
+          </p:nvPr>
+        </p:nvSpPr>
+        <p:spPr/>
+        <p:txBody>
+          <a:bodyPr>
+            <a:normAutofit/>
+          </a:bodyPr>
+          <a:lstStyle/>
+          <a:p>
+            <a:r>
+              <a:rPr lang="zh-CN" altLang="en-US" dirty="0"/>
+              <a:t>备忘录模式</a:t>
+            </a:r>
+            <a:endParaRPr lang="zh-CN" altLang="en-US" dirty="0"/>
+          </a:p>
+        </p:txBody>
+      </p:sp>
+    </p:spTree>
   </p:cSld>
   <p:clrMapOvr>
     <a:masterClrMapping/>
@@ -15643,6 +17745,182 @@
 </p:tagLst>
 </file>
 
+<file path=ppt/tags/tag81.xml><?xml version="1.0" encoding="utf-8"?>
+<p:tagLst xmlns:p="http://schemas.openxmlformats.org/presentationml/2006/main">
+  <p:tag name="KSO_WM_TEMPLATE_CATEGORY" val="custom"/>
+  <p:tag name="KSO_WM_TEMPLATE_INDEX" val="20186830"/>
+  <p:tag name="KSO_WM_TAG_VERSION" val="1.0"/>
+  <p:tag name="KSO_WM_BEAUTIFY_FLAG" val="#wm#"/>
+  <p:tag name="KSO_WM_UNIT_TYPE" val="a"/>
+  <p:tag name="KSO_WM_UNIT_INDEX" val="1"/>
+  <p:tag name="KSO_WM_UNIT_ID" val="custom20186830_7*a*1"/>
+  <p:tag name="KSO_WM_UNIT_LAYERLEVEL" val="1"/>
+  <p:tag name="KSO_WM_UNIT_VALUE" val="19"/>
+  <p:tag name="KSO_WM_UNIT_ISCONTENTSTITLE" val="0"/>
+  <p:tag name="KSO_WM_UNIT_HIGHLIGHT" val="0"/>
+  <p:tag name="KSO_WM_UNIT_COMPATIBLE" val="0"/>
+  <p:tag name="KSO_WM_UNIT_CLEAR" val="0"/>
+  <p:tag name="KSO_WM_UNIT_PRESET_TEXT_INDEX" val="3"/>
+  <p:tag name="KSO_WM_UNIT_PRESET_TEXT_LEN" val="17"/>
+</p:tagLst>
+</file>
+
+<file path=ppt/tags/tag82.xml><?xml version="1.0" encoding="utf-8"?>
+<p:tagLst xmlns:p="http://schemas.openxmlformats.org/presentationml/2006/main">
+  <p:tag name="KSO_WM_TEMPLATE_CATEGORY" val="custom"/>
+  <p:tag name="KSO_WM_TEMPLATE_INDEX" val="20186830"/>
+  <p:tag name="KSO_WM_TAG_VERSION" val="1.0"/>
+  <p:tag name="KSO_WM_SLIDE_ID" val="custom20186830_7"/>
+  <p:tag name="KSO_WM_SLIDE_INDEX" val="7"/>
+  <p:tag name="KSO_WM_SLIDE_ITEM_CNT" val="1"/>
+  <p:tag name="KSO_WM_SLIDE_LAYOUT" val="a_l"/>
+  <p:tag name="KSO_WM_SLIDE_LAYOUT_CNT" val="1_1"/>
+  <p:tag name="KSO_WM_SLIDE_TYPE" val="text"/>
+  <p:tag name="KSO_WM_BEAUTIFY_FLAG" val="#wm#"/>
+  <p:tag name="KSO_WM_SLIDE_POSITION" val="25*85"/>
+  <p:tag name="KSO_WM_SLIDE_SIZE" val="452*279"/>
+  <p:tag name="KSO_WM_DIAGRAM_GROUP_CODE" val="l1-1"/>
+  <p:tag name="KSO_WM_SLIDE_SUBTYPE" val="diag"/>
+</p:tagLst>
+</file>
+
+<file path=ppt/tags/tag83.xml><?xml version="1.0" encoding="utf-8"?>
+<p:tagLst xmlns:p="http://schemas.openxmlformats.org/presentationml/2006/main">
+  <p:tag name="KSO_WM_TEMPLATE_CATEGORY" val="custom"/>
+  <p:tag name="KSO_WM_TEMPLATE_INDEX" val="20186830"/>
+  <p:tag name="KSO_WM_TAG_VERSION" val="1.0"/>
+  <p:tag name="KSO_WM_BEAUTIFY_FLAG" val="#wm#"/>
+  <p:tag name="KSO_WM_UNIT_TYPE" val="a"/>
+  <p:tag name="KSO_WM_UNIT_INDEX" val="1"/>
+  <p:tag name="KSO_WM_UNIT_ID" val="custom20186830_7*a*1"/>
+  <p:tag name="KSO_WM_UNIT_LAYERLEVEL" val="1"/>
+  <p:tag name="KSO_WM_UNIT_VALUE" val="19"/>
+  <p:tag name="KSO_WM_UNIT_ISCONTENTSTITLE" val="0"/>
+  <p:tag name="KSO_WM_UNIT_HIGHLIGHT" val="0"/>
+  <p:tag name="KSO_WM_UNIT_COMPATIBLE" val="0"/>
+  <p:tag name="KSO_WM_UNIT_CLEAR" val="0"/>
+  <p:tag name="KSO_WM_UNIT_PRESET_TEXT_INDEX" val="3"/>
+  <p:tag name="KSO_WM_UNIT_PRESET_TEXT_LEN" val="17"/>
+</p:tagLst>
+</file>
+
+<file path=ppt/tags/tag84.xml><?xml version="1.0" encoding="utf-8"?>
+<p:tagLst xmlns:p="http://schemas.openxmlformats.org/presentationml/2006/main">
+  <p:tag name="KSO_WM_TEMPLATE_CATEGORY" val="custom"/>
+  <p:tag name="KSO_WM_TEMPLATE_INDEX" val="20186830"/>
+  <p:tag name="KSO_WM_TAG_VERSION" val="1.0"/>
+  <p:tag name="KSO_WM_SLIDE_ID" val="custom20186830_7"/>
+  <p:tag name="KSO_WM_SLIDE_INDEX" val="7"/>
+  <p:tag name="KSO_WM_SLIDE_ITEM_CNT" val="1"/>
+  <p:tag name="KSO_WM_SLIDE_LAYOUT" val="a_l"/>
+  <p:tag name="KSO_WM_SLIDE_LAYOUT_CNT" val="1_1"/>
+  <p:tag name="KSO_WM_SLIDE_TYPE" val="text"/>
+  <p:tag name="KSO_WM_BEAUTIFY_FLAG" val="#wm#"/>
+  <p:tag name="KSO_WM_SLIDE_POSITION" val="25*85"/>
+  <p:tag name="KSO_WM_SLIDE_SIZE" val="452*279"/>
+  <p:tag name="KSO_WM_DIAGRAM_GROUP_CODE" val="l1-1"/>
+  <p:tag name="KSO_WM_SLIDE_SUBTYPE" val="diag"/>
+</p:tagLst>
+</file>
+
+<file path=ppt/tags/tag85.xml><?xml version="1.0" encoding="utf-8"?>
+<p:tagLst xmlns:p="http://schemas.openxmlformats.org/presentationml/2006/main">
+  <p:tag name="KSO_WM_TEMPLATE_CATEGORY" val="custom"/>
+  <p:tag name="KSO_WM_TEMPLATE_INDEX" val="20186830"/>
+  <p:tag name="KSO_WM_TAG_VERSION" val="1.0"/>
+  <p:tag name="KSO_WM_BEAUTIFY_FLAG" val="#wm#"/>
+  <p:tag name="KSO_WM_UNIT_TYPE" val="a"/>
+  <p:tag name="KSO_WM_UNIT_INDEX" val="1"/>
+  <p:tag name="KSO_WM_UNIT_ID" val="custom20186830_7*a*1"/>
+  <p:tag name="KSO_WM_UNIT_LAYERLEVEL" val="1"/>
+  <p:tag name="KSO_WM_UNIT_VALUE" val="19"/>
+  <p:tag name="KSO_WM_UNIT_ISCONTENTSTITLE" val="0"/>
+  <p:tag name="KSO_WM_UNIT_HIGHLIGHT" val="0"/>
+  <p:tag name="KSO_WM_UNIT_COMPATIBLE" val="0"/>
+  <p:tag name="KSO_WM_UNIT_CLEAR" val="0"/>
+  <p:tag name="KSO_WM_UNIT_PRESET_TEXT_INDEX" val="3"/>
+  <p:tag name="KSO_WM_UNIT_PRESET_TEXT_LEN" val="17"/>
+</p:tagLst>
+</file>
+
+<file path=ppt/tags/tag86.xml><?xml version="1.0" encoding="utf-8"?>
+<p:tagLst xmlns:p="http://schemas.openxmlformats.org/presentationml/2006/main">
+  <p:tag name="KSO_WM_TEMPLATE_CATEGORY" val="custom"/>
+  <p:tag name="KSO_WM_TEMPLATE_INDEX" val="20186830"/>
+  <p:tag name="KSO_WM_TAG_VERSION" val="1.0"/>
+  <p:tag name="KSO_WM_SLIDE_ID" val="custom20186830_7"/>
+  <p:tag name="KSO_WM_SLIDE_INDEX" val="7"/>
+  <p:tag name="KSO_WM_SLIDE_ITEM_CNT" val="1"/>
+  <p:tag name="KSO_WM_SLIDE_LAYOUT" val="a_l"/>
+  <p:tag name="KSO_WM_SLIDE_LAYOUT_CNT" val="1_1"/>
+  <p:tag name="KSO_WM_SLIDE_TYPE" val="text"/>
+  <p:tag name="KSO_WM_BEAUTIFY_FLAG" val="#wm#"/>
+  <p:tag name="KSO_WM_SLIDE_POSITION" val="25*85"/>
+  <p:tag name="KSO_WM_SLIDE_SIZE" val="452*279"/>
+  <p:tag name="KSO_WM_DIAGRAM_GROUP_CODE" val="l1-1"/>
+  <p:tag name="KSO_WM_SLIDE_SUBTYPE" val="diag"/>
+</p:tagLst>
+</file>
+
+<file path=ppt/tags/tag87.xml><?xml version="1.0" encoding="utf-8"?>
+<p:tagLst xmlns:p="http://schemas.openxmlformats.org/presentationml/2006/main">
+  <p:tag name="KSO_WM_TEMPLATE_CATEGORY" val="custom"/>
+  <p:tag name="KSO_WM_TEMPLATE_INDEX" val="20186830"/>
+  <p:tag name="KSO_WM_TAG_VERSION" val="1.0"/>
+  <p:tag name="KSO_WM_BEAUTIFY_FLAG" val="#wm#"/>
+  <p:tag name="KSO_WM_UNIT_TYPE" val="a"/>
+  <p:tag name="KSO_WM_UNIT_INDEX" val="1"/>
+  <p:tag name="KSO_WM_UNIT_ID" val="custom20186830_7*a*1"/>
+  <p:tag name="KSO_WM_UNIT_LAYERLEVEL" val="1"/>
+  <p:tag name="KSO_WM_UNIT_VALUE" val="19"/>
+  <p:tag name="KSO_WM_UNIT_ISCONTENTSTITLE" val="0"/>
+  <p:tag name="KSO_WM_UNIT_HIGHLIGHT" val="0"/>
+  <p:tag name="KSO_WM_UNIT_COMPATIBLE" val="0"/>
+  <p:tag name="KSO_WM_UNIT_CLEAR" val="0"/>
+  <p:tag name="KSO_WM_UNIT_PRESET_TEXT_INDEX" val="3"/>
+  <p:tag name="KSO_WM_UNIT_PRESET_TEXT_LEN" val="17"/>
+</p:tagLst>
+</file>
+
+<file path=ppt/tags/tag88.xml><?xml version="1.0" encoding="utf-8"?>
+<p:tagLst xmlns:p="http://schemas.openxmlformats.org/presentationml/2006/main">
+  <p:tag name="KSO_WM_TEMPLATE_CATEGORY" val="custom"/>
+  <p:tag name="KSO_WM_TEMPLATE_INDEX" val="20186830"/>
+  <p:tag name="KSO_WM_TAG_VERSION" val="1.0"/>
+  <p:tag name="KSO_WM_SLIDE_ID" val="custom20186830_7"/>
+  <p:tag name="KSO_WM_SLIDE_INDEX" val="7"/>
+  <p:tag name="KSO_WM_SLIDE_ITEM_CNT" val="1"/>
+  <p:tag name="KSO_WM_SLIDE_LAYOUT" val="a_l"/>
+  <p:tag name="KSO_WM_SLIDE_LAYOUT_CNT" val="1_1"/>
+  <p:tag name="KSO_WM_SLIDE_TYPE" val="text"/>
+  <p:tag name="KSO_WM_BEAUTIFY_FLAG" val="#wm#"/>
+  <p:tag name="KSO_WM_SLIDE_POSITION" val="25*85"/>
+  <p:tag name="KSO_WM_SLIDE_SIZE" val="452*279"/>
+  <p:tag name="KSO_WM_DIAGRAM_GROUP_CODE" val="l1-1"/>
+  <p:tag name="KSO_WM_SLIDE_SUBTYPE" val="diag"/>
+</p:tagLst>
+</file>
+
+<file path=ppt/tags/tag89.xml><?xml version="1.0" encoding="utf-8"?>
+<p:tagLst xmlns:p="http://schemas.openxmlformats.org/presentationml/2006/main">
+  <p:tag name="KSO_WM_TEMPLATE_CATEGORY" val="custom"/>
+  <p:tag name="KSO_WM_TEMPLATE_INDEX" val="20186830"/>
+  <p:tag name="KSO_WM_TAG_VERSION" val="1.0"/>
+  <p:tag name="KSO_WM_BEAUTIFY_FLAG" val="#wm#"/>
+  <p:tag name="KSO_WM_UNIT_TYPE" val="a"/>
+  <p:tag name="KSO_WM_UNIT_INDEX" val="1"/>
+  <p:tag name="KSO_WM_UNIT_ID" val="custom20186830_7*a*1"/>
+  <p:tag name="KSO_WM_UNIT_LAYERLEVEL" val="1"/>
+  <p:tag name="KSO_WM_UNIT_VALUE" val="19"/>
+  <p:tag name="KSO_WM_UNIT_ISCONTENTSTITLE" val="0"/>
+  <p:tag name="KSO_WM_UNIT_HIGHLIGHT" val="0"/>
+  <p:tag name="KSO_WM_UNIT_COMPATIBLE" val="0"/>
+  <p:tag name="KSO_WM_UNIT_CLEAR" val="0"/>
+  <p:tag name="KSO_WM_UNIT_PRESET_TEXT_INDEX" val="3"/>
+  <p:tag name="KSO_WM_UNIT_PRESET_TEXT_LEN" val="17"/>
+</p:tagLst>
+</file>
+
 <file path=ppt/tags/tag9.xml><?xml version="1.0" encoding="utf-8"?>
 <p:tagLst xmlns:p="http://schemas.openxmlformats.org/presentationml/2006/main">
   <p:tag name="KSO_WM_TAG_VERSION" val="1.0"/>
@@ -15652,6 +17930,142 @@
   <p:tag name="KSO_WM_TEMPLATE_CATEGORY" val="custom"/>
   <p:tag name="KSO_WM_TEMPLATE_INDEX" val="20184556"/>
   <p:tag name="KSO_WM_UNIT_INDEX" val="5"/>
+</p:tagLst>
+</file>
+
+<file path=ppt/tags/tag90.xml><?xml version="1.0" encoding="utf-8"?>
+<p:tagLst xmlns:p="http://schemas.openxmlformats.org/presentationml/2006/main">
+  <p:tag name="KSO_WM_TEMPLATE_CATEGORY" val="custom"/>
+  <p:tag name="KSO_WM_TEMPLATE_INDEX" val="20186830"/>
+  <p:tag name="KSO_WM_TAG_VERSION" val="1.0"/>
+  <p:tag name="KSO_WM_SLIDE_ID" val="custom20186830_7"/>
+  <p:tag name="KSO_WM_SLIDE_INDEX" val="7"/>
+  <p:tag name="KSO_WM_SLIDE_ITEM_CNT" val="1"/>
+  <p:tag name="KSO_WM_SLIDE_LAYOUT" val="a_l"/>
+  <p:tag name="KSO_WM_SLIDE_LAYOUT_CNT" val="1_1"/>
+  <p:tag name="KSO_WM_SLIDE_TYPE" val="text"/>
+  <p:tag name="KSO_WM_BEAUTIFY_FLAG" val="#wm#"/>
+  <p:tag name="KSO_WM_SLIDE_POSITION" val="25*85"/>
+  <p:tag name="KSO_WM_SLIDE_SIZE" val="452*279"/>
+  <p:tag name="KSO_WM_DIAGRAM_GROUP_CODE" val="l1-1"/>
+  <p:tag name="KSO_WM_SLIDE_SUBTYPE" val="diag"/>
+</p:tagLst>
+</file>
+
+<file path=ppt/tags/tag91.xml><?xml version="1.0" encoding="utf-8"?>
+<p:tagLst xmlns:p="http://schemas.openxmlformats.org/presentationml/2006/main">
+  <p:tag name="KSO_WM_TEMPLATE_CATEGORY" val="custom"/>
+  <p:tag name="KSO_WM_TEMPLATE_INDEX" val="20186830"/>
+  <p:tag name="KSO_WM_TAG_VERSION" val="1.0"/>
+  <p:tag name="KSO_WM_BEAUTIFY_FLAG" val="#wm#"/>
+  <p:tag name="KSO_WM_UNIT_TYPE" val="a"/>
+  <p:tag name="KSO_WM_UNIT_INDEX" val="1"/>
+  <p:tag name="KSO_WM_UNIT_ID" val="custom20186830_7*a*1"/>
+  <p:tag name="KSO_WM_UNIT_LAYERLEVEL" val="1"/>
+  <p:tag name="KSO_WM_UNIT_VALUE" val="19"/>
+  <p:tag name="KSO_WM_UNIT_ISCONTENTSTITLE" val="0"/>
+  <p:tag name="KSO_WM_UNIT_HIGHLIGHT" val="0"/>
+  <p:tag name="KSO_WM_UNIT_COMPATIBLE" val="0"/>
+  <p:tag name="KSO_WM_UNIT_CLEAR" val="0"/>
+  <p:tag name="KSO_WM_UNIT_PRESET_TEXT_INDEX" val="3"/>
+  <p:tag name="KSO_WM_UNIT_PRESET_TEXT_LEN" val="17"/>
+</p:tagLst>
+</file>
+
+<file path=ppt/tags/tag92.xml><?xml version="1.0" encoding="utf-8"?>
+<p:tagLst xmlns:p="http://schemas.openxmlformats.org/presentationml/2006/main">
+  <p:tag name="KSO_WM_TEMPLATE_CATEGORY" val="custom"/>
+  <p:tag name="KSO_WM_TEMPLATE_INDEX" val="20186830"/>
+  <p:tag name="KSO_WM_TAG_VERSION" val="1.0"/>
+  <p:tag name="KSO_WM_SLIDE_ID" val="custom20186830_7"/>
+  <p:tag name="KSO_WM_SLIDE_INDEX" val="7"/>
+  <p:tag name="KSO_WM_SLIDE_ITEM_CNT" val="1"/>
+  <p:tag name="KSO_WM_SLIDE_LAYOUT" val="a_l"/>
+  <p:tag name="KSO_WM_SLIDE_LAYOUT_CNT" val="1_1"/>
+  <p:tag name="KSO_WM_SLIDE_TYPE" val="text"/>
+  <p:tag name="KSO_WM_BEAUTIFY_FLAG" val="#wm#"/>
+  <p:tag name="KSO_WM_SLIDE_POSITION" val="25*85"/>
+  <p:tag name="KSO_WM_SLIDE_SIZE" val="452*279"/>
+  <p:tag name="KSO_WM_DIAGRAM_GROUP_CODE" val="l1-1"/>
+  <p:tag name="KSO_WM_SLIDE_SUBTYPE" val="diag"/>
+</p:tagLst>
+</file>
+
+<file path=ppt/tags/tag93.xml><?xml version="1.0" encoding="utf-8"?>
+<p:tagLst xmlns:p="http://schemas.openxmlformats.org/presentationml/2006/main">
+  <p:tag name="KSO_WM_TEMPLATE_CATEGORY" val="custom"/>
+  <p:tag name="KSO_WM_TEMPLATE_INDEX" val="20186830"/>
+  <p:tag name="KSO_WM_TAG_VERSION" val="1.0"/>
+  <p:tag name="KSO_WM_BEAUTIFY_FLAG" val="#wm#"/>
+  <p:tag name="KSO_WM_UNIT_TYPE" val="a"/>
+  <p:tag name="KSO_WM_UNIT_INDEX" val="1"/>
+  <p:tag name="KSO_WM_UNIT_ID" val="custom20186830_7*a*1"/>
+  <p:tag name="KSO_WM_UNIT_LAYERLEVEL" val="1"/>
+  <p:tag name="KSO_WM_UNIT_VALUE" val="19"/>
+  <p:tag name="KSO_WM_UNIT_ISCONTENTSTITLE" val="0"/>
+  <p:tag name="KSO_WM_UNIT_HIGHLIGHT" val="0"/>
+  <p:tag name="KSO_WM_UNIT_COMPATIBLE" val="0"/>
+  <p:tag name="KSO_WM_UNIT_CLEAR" val="0"/>
+  <p:tag name="KSO_WM_UNIT_PRESET_TEXT_INDEX" val="3"/>
+  <p:tag name="KSO_WM_UNIT_PRESET_TEXT_LEN" val="17"/>
+</p:tagLst>
+</file>
+
+<file path=ppt/tags/tag94.xml><?xml version="1.0" encoding="utf-8"?>
+<p:tagLst xmlns:p="http://schemas.openxmlformats.org/presentationml/2006/main">
+  <p:tag name="KSO_WM_TEMPLATE_CATEGORY" val="custom"/>
+  <p:tag name="KSO_WM_TEMPLATE_INDEX" val="20186830"/>
+  <p:tag name="KSO_WM_TAG_VERSION" val="1.0"/>
+  <p:tag name="KSO_WM_SLIDE_ID" val="custom20186830_7"/>
+  <p:tag name="KSO_WM_SLIDE_INDEX" val="7"/>
+  <p:tag name="KSO_WM_SLIDE_ITEM_CNT" val="1"/>
+  <p:tag name="KSO_WM_SLIDE_LAYOUT" val="a_l"/>
+  <p:tag name="KSO_WM_SLIDE_LAYOUT_CNT" val="1_1"/>
+  <p:tag name="KSO_WM_SLIDE_TYPE" val="text"/>
+  <p:tag name="KSO_WM_BEAUTIFY_FLAG" val="#wm#"/>
+  <p:tag name="KSO_WM_SLIDE_POSITION" val="25*85"/>
+  <p:tag name="KSO_WM_SLIDE_SIZE" val="452*279"/>
+  <p:tag name="KSO_WM_DIAGRAM_GROUP_CODE" val="l1-1"/>
+  <p:tag name="KSO_WM_SLIDE_SUBTYPE" val="diag"/>
+</p:tagLst>
+</file>
+
+<file path=ppt/tags/tag95.xml><?xml version="1.0" encoding="utf-8"?>
+<p:tagLst xmlns:p="http://schemas.openxmlformats.org/presentationml/2006/main">
+  <p:tag name="KSO_WM_TEMPLATE_CATEGORY" val="custom"/>
+  <p:tag name="KSO_WM_TEMPLATE_INDEX" val="20186830"/>
+  <p:tag name="KSO_WM_TAG_VERSION" val="1.0"/>
+  <p:tag name="KSO_WM_BEAUTIFY_FLAG" val="#wm#"/>
+  <p:tag name="KSO_WM_UNIT_TYPE" val="a"/>
+  <p:tag name="KSO_WM_UNIT_INDEX" val="1"/>
+  <p:tag name="KSO_WM_UNIT_ID" val="custom20186830_7*a*1"/>
+  <p:tag name="KSO_WM_UNIT_LAYERLEVEL" val="1"/>
+  <p:tag name="KSO_WM_UNIT_VALUE" val="19"/>
+  <p:tag name="KSO_WM_UNIT_ISCONTENTSTITLE" val="0"/>
+  <p:tag name="KSO_WM_UNIT_HIGHLIGHT" val="0"/>
+  <p:tag name="KSO_WM_UNIT_COMPATIBLE" val="0"/>
+  <p:tag name="KSO_WM_UNIT_CLEAR" val="0"/>
+  <p:tag name="KSO_WM_UNIT_PRESET_TEXT_INDEX" val="3"/>
+  <p:tag name="KSO_WM_UNIT_PRESET_TEXT_LEN" val="17"/>
+</p:tagLst>
+</file>
+
+<file path=ppt/tags/tag96.xml><?xml version="1.0" encoding="utf-8"?>
+<p:tagLst xmlns:p="http://schemas.openxmlformats.org/presentationml/2006/main">
+  <p:tag name="KSO_WM_TEMPLATE_CATEGORY" val="custom"/>
+  <p:tag name="KSO_WM_TEMPLATE_INDEX" val="20186830"/>
+  <p:tag name="KSO_WM_TAG_VERSION" val="1.0"/>
+  <p:tag name="KSO_WM_SLIDE_ID" val="custom20186830_7"/>
+  <p:tag name="KSO_WM_SLIDE_INDEX" val="7"/>
+  <p:tag name="KSO_WM_SLIDE_ITEM_CNT" val="1"/>
+  <p:tag name="KSO_WM_SLIDE_LAYOUT" val="a_l"/>
+  <p:tag name="KSO_WM_SLIDE_LAYOUT_CNT" val="1_1"/>
+  <p:tag name="KSO_WM_SLIDE_TYPE" val="text"/>
+  <p:tag name="KSO_WM_BEAUTIFY_FLAG" val="#wm#"/>
+  <p:tag name="KSO_WM_SLIDE_POSITION" val="25*85"/>
+  <p:tag name="KSO_WM_SLIDE_SIZE" val="452*279"/>
+  <p:tag name="KSO_WM_DIAGRAM_GROUP_CODE" val="l1-1"/>
+  <p:tag name="KSO_WM_SLIDE_SUBTYPE" val="diag"/>
 </p:tagLst>
 </file>
 

--- a/Design pattern/4.设计模式-行为型模式.pptx
+++ b/Design pattern/4.设计模式-行为型模式.pptx
@@ -8,7 +8,7 @@
     <p:notesMasterId r:id="rId4"/>
   </p:notesMasterIdLst>
   <p:handoutMasterIdLst>
-    <p:handoutMasterId r:id="rId54"/>
+    <p:handoutMasterId r:id="rId62"/>
   </p:handoutMasterIdLst>
   <p:sldIdLst>
     <p:sldId id="453" r:id="rId3"/>
@@ -60,7 +60,15 @@
     <p:sldId id="792" r:id="rId50"/>
     <p:sldId id="793" r:id="rId51"/>
     <p:sldId id="746" r:id="rId52"/>
-    <p:sldId id="747" r:id="rId53"/>
+    <p:sldId id="797" r:id="rId53"/>
+    <p:sldId id="798" r:id="rId54"/>
+    <p:sldId id="799" r:id="rId55"/>
+    <p:sldId id="800" r:id="rId56"/>
+    <p:sldId id="747" r:id="rId57"/>
+    <p:sldId id="801" r:id="rId58"/>
+    <p:sldId id="802" r:id="rId59"/>
+    <p:sldId id="803" r:id="rId60"/>
+    <p:sldId id="804" r:id="rId61"/>
   </p:sldIdLst>
   <p:sldSz cx="9144000" cy="6858000" type="screen4x3"/>
   <p:notesSz cx="6858000" cy="9144000"/>
@@ -3617,6 +3625,89 @@
 </p:notes>
 </file>
 
+<file path=ppt/notesSlides/notesSlide39.xml><?xml version="1.0" encoding="utf-8"?>
+<p:notes xmlns:a="http://schemas.openxmlformats.org/drawingml/2006/main" xmlns:r="http://schemas.openxmlformats.org/officeDocument/2006/relationships" xmlns:p="http://schemas.openxmlformats.org/presentationml/2006/main">
+  <p:cSld>
+    <p:spTree>
+      <p:nvGrpSpPr>
+        <p:cNvPr id="1" name=""/>
+        <p:cNvGrpSpPr/>
+        <p:nvPr/>
+      </p:nvGrpSpPr>
+      <p:grpSpPr>
+        <a:xfrm>
+          <a:off x="0" y="0"/>
+          <a:ext cx="0" cy="0"/>
+          <a:chOff x="0" y="0"/>
+          <a:chExt cx="0" cy="0"/>
+        </a:xfrm>
+      </p:grpSpPr>
+      <p:sp>
+        <p:nvSpPr>
+          <p:cNvPr id="2" name="幻灯片图像占位符 1"/>
+          <p:cNvSpPr>
+            <a:spLocks noGrp="1" noRot="1" noChangeAspect="1"/>
+          </p:cNvSpPr>
+          <p:nvPr>
+            <p:ph type="sldImg"/>
+          </p:nvPr>
+        </p:nvSpPr>
+        <p:spPr>
+          <a:xfrm>
+            <a:off x="1371600" y="1143000"/>
+            <a:ext cx="4114800" cy="3086100"/>
+          </a:xfrm>
+        </p:spPr>
+      </p:sp>
+      <p:sp>
+        <p:nvSpPr>
+          <p:cNvPr id="3" name="备注占位符 2"/>
+          <p:cNvSpPr>
+            <a:spLocks noGrp="1"/>
+          </p:cNvSpPr>
+          <p:nvPr>
+            <p:ph type="body" idx="1"/>
+          </p:nvPr>
+        </p:nvSpPr>
+        <p:spPr/>
+        <p:txBody>
+          <a:bodyPr/>
+          <a:lstStyle/>
+          <a:p>
+            <a:endParaRPr lang="zh-CN" altLang="en-US" dirty="0"/>
+          </a:p>
+        </p:txBody>
+      </p:sp>
+      <p:sp>
+        <p:nvSpPr>
+          <p:cNvPr id="4" name="灯片编号占位符 3"/>
+          <p:cNvSpPr>
+            <a:spLocks noGrp="1"/>
+          </p:cNvSpPr>
+          <p:nvPr>
+            <p:ph type="sldNum" sz="quarter" idx="10"/>
+          </p:nvPr>
+        </p:nvSpPr>
+        <p:spPr/>
+        <p:txBody>
+          <a:bodyPr/>
+          <a:lstStyle/>
+          <a:p>
+            <a:fld id="{2ED26FC3-015A-4F86-ACC3-780431FB8E4D}" type="slidenum">
+              <a:rPr lang="zh-CN" altLang="en-US" smtClean="0"/>
+            </a:fld>
+            <a:endParaRPr lang="zh-CN" altLang="en-US"/>
+          </a:p>
+        </p:txBody>
+      </p:sp>
+    </p:spTree>
+  </p:cSld>
+  <p:clrMapOvr>
+    <a:masterClrMapping/>
+  </p:clrMapOvr>
+</p:notes>
+</file>
+
 <file path=ppt/notesSlides/notesSlide4.xml><?xml version="1.0" encoding="utf-8"?>
 <p:notes xmlns:a="http://schemas.openxmlformats.org/drawingml/2006/main" xmlns:r="http://schemas.openxmlformats.org/officeDocument/2006/relationships" xmlns:p="http://schemas.openxmlformats.org/presentationml/2006/main">
   <p:cSld>
@@ -3671,6 +3762,595 @@
               <a:t>最直观的场景，不想实现接口中的所有方法</a:t>
             </a:r>
             <a:endParaRPr lang="en-US" altLang="zh-CN" dirty="0"/>
+          </a:p>
+        </p:txBody>
+      </p:sp>
+      <p:sp>
+        <p:nvSpPr>
+          <p:cNvPr id="4" name="灯片编号占位符 3"/>
+          <p:cNvSpPr>
+            <a:spLocks noGrp="1"/>
+          </p:cNvSpPr>
+          <p:nvPr>
+            <p:ph type="sldNum" sz="quarter" idx="10"/>
+          </p:nvPr>
+        </p:nvSpPr>
+        <p:spPr/>
+        <p:txBody>
+          <a:bodyPr/>
+          <a:lstStyle/>
+          <a:p>
+            <a:fld id="{2ED26FC3-015A-4F86-ACC3-780431FB8E4D}" type="slidenum">
+              <a:rPr lang="zh-CN" altLang="en-US" smtClean="0"/>
+            </a:fld>
+            <a:endParaRPr lang="zh-CN" altLang="en-US"/>
+          </a:p>
+        </p:txBody>
+      </p:sp>
+    </p:spTree>
+  </p:cSld>
+  <p:clrMapOvr>
+    <a:masterClrMapping/>
+  </p:clrMapOvr>
+</p:notes>
+</file>
+
+<file path=ppt/notesSlides/notesSlide40.xml><?xml version="1.0" encoding="utf-8"?>
+<p:notes xmlns:a="http://schemas.openxmlformats.org/drawingml/2006/main" xmlns:r="http://schemas.openxmlformats.org/officeDocument/2006/relationships" xmlns:p="http://schemas.openxmlformats.org/presentationml/2006/main">
+  <p:cSld>
+    <p:spTree>
+      <p:nvGrpSpPr>
+        <p:cNvPr id="1" name=""/>
+        <p:cNvGrpSpPr/>
+        <p:nvPr/>
+      </p:nvGrpSpPr>
+      <p:grpSpPr>
+        <a:xfrm>
+          <a:off x="0" y="0"/>
+          <a:ext cx="0" cy="0"/>
+          <a:chOff x="0" y="0"/>
+          <a:chExt cx="0" cy="0"/>
+        </a:xfrm>
+      </p:grpSpPr>
+      <p:sp>
+        <p:nvSpPr>
+          <p:cNvPr id="2" name="幻灯片图像占位符 1"/>
+          <p:cNvSpPr>
+            <a:spLocks noGrp="1" noRot="1" noChangeAspect="1"/>
+          </p:cNvSpPr>
+          <p:nvPr>
+            <p:ph type="sldImg"/>
+          </p:nvPr>
+        </p:nvSpPr>
+        <p:spPr>
+          <a:xfrm>
+            <a:off x="1371600" y="1143000"/>
+            <a:ext cx="4114800" cy="3086100"/>
+          </a:xfrm>
+        </p:spPr>
+      </p:sp>
+      <p:sp>
+        <p:nvSpPr>
+          <p:cNvPr id="3" name="备注占位符 2"/>
+          <p:cNvSpPr>
+            <a:spLocks noGrp="1"/>
+          </p:cNvSpPr>
+          <p:nvPr>
+            <p:ph type="body" idx="1"/>
+          </p:nvPr>
+        </p:nvSpPr>
+        <p:spPr/>
+        <p:txBody>
+          <a:bodyPr/>
+          <a:lstStyle/>
+          <a:p>
+            <a:r>
+              <a:rPr lang="zh-CN" altLang="en-US" dirty="0"/>
+              <a:t>最直观的场景，不想实现接口中的所有方法</a:t>
+            </a:r>
+            <a:endParaRPr lang="en-US" altLang="zh-CN" dirty="0"/>
+          </a:p>
+        </p:txBody>
+      </p:sp>
+      <p:sp>
+        <p:nvSpPr>
+          <p:cNvPr id="4" name="灯片编号占位符 3"/>
+          <p:cNvSpPr>
+            <a:spLocks noGrp="1"/>
+          </p:cNvSpPr>
+          <p:nvPr>
+            <p:ph type="sldNum" sz="quarter" idx="10"/>
+          </p:nvPr>
+        </p:nvSpPr>
+        <p:spPr/>
+        <p:txBody>
+          <a:bodyPr/>
+          <a:lstStyle/>
+          <a:p>
+            <a:fld id="{2ED26FC3-015A-4F86-ACC3-780431FB8E4D}" type="slidenum">
+              <a:rPr lang="zh-CN" altLang="en-US" smtClean="0"/>
+            </a:fld>
+            <a:endParaRPr lang="zh-CN" altLang="en-US"/>
+          </a:p>
+        </p:txBody>
+      </p:sp>
+    </p:spTree>
+  </p:cSld>
+  <p:clrMapOvr>
+    <a:masterClrMapping/>
+  </p:clrMapOvr>
+</p:notes>
+</file>
+
+<file path=ppt/notesSlides/notesSlide41.xml><?xml version="1.0" encoding="utf-8"?>
+<p:notes xmlns:a="http://schemas.openxmlformats.org/drawingml/2006/main" xmlns:r="http://schemas.openxmlformats.org/officeDocument/2006/relationships" xmlns:p="http://schemas.openxmlformats.org/presentationml/2006/main">
+  <p:cSld>
+    <p:spTree>
+      <p:nvGrpSpPr>
+        <p:cNvPr id="1" name=""/>
+        <p:cNvGrpSpPr/>
+        <p:nvPr/>
+      </p:nvGrpSpPr>
+      <p:grpSpPr>
+        <a:xfrm>
+          <a:off x="0" y="0"/>
+          <a:ext cx="0" cy="0"/>
+          <a:chOff x="0" y="0"/>
+          <a:chExt cx="0" cy="0"/>
+        </a:xfrm>
+      </p:grpSpPr>
+      <p:sp>
+        <p:nvSpPr>
+          <p:cNvPr id="2" name="幻灯片图像占位符 1"/>
+          <p:cNvSpPr>
+            <a:spLocks noGrp="1" noRot="1" noChangeAspect="1"/>
+          </p:cNvSpPr>
+          <p:nvPr>
+            <p:ph type="sldImg"/>
+          </p:nvPr>
+        </p:nvSpPr>
+        <p:spPr>
+          <a:xfrm>
+            <a:off x="1371600" y="1143000"/>
+            <a:ext cx="4114800" cy="3086100"/>
+          </a:xfrm>
+        </p:spPr>
+      </p:sp>
+      <p:sp>
+        <p:nvSpPr>
+          <p:cNvPr id="3" name="备注占位符 2"/>
+          <p:cNvSpPr>
+            <a:spLocks noGrp="1"/>
+          </p:cNvSpPr>
+          <p:nvPr>
+            <p:ph type="body" idx="1"/>
+          </p:nvPr>
+        </p:nvSpPr>
+        <p:spPr/>
+        <p:txBody>
+          <a:bodyPr/>
+          <a:lstStyle/>
+          <a:p>
+            <a:endParaRPr lang="zh-CN" altLang="en-US" dirty="0"/>
+          </a:p>
+        </p:txBody>
+      </p:sp>
+      <p:sp>
+        <p:nvSpPr>
+          <p:cNvPr id="4" name="灯片编号占位符 3"/>
+          <p:cNvSpPr>
+            <a:spLocks noGrp="1"/>
+          </p:cNvSpPr>
+          <p:nvPr>
+            <p:ph type="sldNum" sz="quarter" idx="10"/>
+          </p:nvPr>
+        </p:nvSpPr>
+        <p:spPr/>
+        <p:txBody>
+          <a:bodyPr/>
+          <a:lstStyle/>
+          <a:p>
+            <a:fld id="{2ED26FC3-015A-4F86-ACC3-780431FB8E4D}" type="slidenum">
+              <a:rPr lang="zh-CN" altLang="en-US" smtClean="0"/>
+            </a:fld>
+            <a:endParaRPr lang="zh-CN" altLang="en-US"/>
+          </a:p>
+        </p:txBody>
+      </p:sp>
+    </p:spTree>
+  </p:cSld>
+  <p:clrMapOvr>
+    <a:masterClrMapping/>
+  </p:clrMapOvr>
+</p:notes>
+</file>
+
+<file path=ppt/notesSlides/notesSlide42.xml><?xml version="1.0" encoding="utf-8"?>
+<p:notes xmlns:a="http://schemas.openxmlformats.org/drawingml/2006/main" xmlns:r="http://schemas.openxmlformats.org/officeDocument/2006/relationships" xmlns:p="http://schemas.openxmlformats.org/presentationml/2006/main">
+  <p:cSld>
+    <p:spTree>
+      <p:nvGrpSpPr>
+        <p:cNvPr id="1" name=""/>
+        <p:cNvGrpSpPr/>
+        <p:nvPr/>
+      </p:nvGrpSpPr>
+      <p:grpSpPr>
+        <a:xfrm>
+          <a:off x="0" y="0"/>
+          <a:ext cx="0" cy="0"/>
+          <a:chOff x="0" y="0"/>
+          <a:chExt cx="0" cy="0"/>
+        </a:xfrm>
+      </p:grpSpPr>
+      <p:sp>
+        <p:nvSpPr>
+          <p:cNvPr id="2" name="幻灯片图像占位符 1"/>
+          <p:cNvSpPr>
+            <a:spLocks noGrp="1" noRot="1" noChangeAspect="1"/>
+          </p:cNvSpPr>
+          <p:nvPr>
+            <p:ph type="sldImg"/>
+          </p:nvPr>
+        </p:nvSpPr>
+        <p:spPr>
+          <a:xfrm>
+            <a:off x="1371600" y="1143000"/>
+            <a:ext cx="4114800" cy="3086100"/>
+          </a:xfrm>
+        </p:spPr>
+      </p:sp>
+      <p:sp>
+        <p:nvSpPr>
+          <p:cNvPr id="3" name="备注占位符 2"/>
+          <p:cNvSpPr>
+            <a:spLocks noGrp="1"/>
+          </p:cNvSpPr>
+          <p:nvPr>
+            <p:ph type="body" idx="1"/>
+          </p:nvPr>
+        </p:nvSpPr>
+        <p:spPr/>
+        <p:txBody>
+          <a:bodyPr/>
+          <a:lstStyle/>
+          <a:p>
+            <a:endParaRPr lang="zh-CN" altLang="en-US" dirty="0"/>
+          </a:p>
+        </p:txBody>
+      </p:sp>
+      <p:sp>
+        <p:nvSpPr>
+          <p:cNvPr id="4" name="灯片编号占位符 3"/>
+          <p:cNvSpPr>
+            <a:spLocks noGrp="1"/>
+          </p:cNvSpPr>
+          <p:nvPr>
+            <p:ph type="sldNum" sz="quarter" idx="10"/>
+          </p:nvPr>
+        </p:nvSpPr>
+        <p:spPr/>
+        <p:txBody>
+          <a:bodyPr/>
+          <a:lstStyle/>
+          <a:p>
+            <a:fld id="{2ED26FC3-015A-4F86-ACC3-780431FB8E4D}" type="slidenum">
+              <a:rPr lang="zh-CN" altLang="en-US" smtClean="0"/>
+            </a:fld>
+            <a:endParaRPr lang="zh-CN" altLang="en-US"/>
+          </a:p>
+        </p:txBody>
+      </p:sp>
+    </p:spTree>
+  </p:cSld>
+  <p:clrMapOvr>
+    <a:masterClrMapping/>
+  </p:clrMapOvr>
+</p:notes>
+</file>
+
+<file path=ppt/notesSlides/notesSlide43.xml><?xml version="1.0" encoding="utf-8"?>
+<p:notes xmlns:a="http://schemas.openxmlformats.org/drawingml/2006/main" xmlns:r="http://schemas.openxmlformats.org/officeDocument/2006/relationships" xmlns:p="http://schemas.openxmlformats.org/presentationml/2006/main">
+  <p:cSld>
+    <p:spTree>
+      <p:nvGrpSpPr>
+        <p:cNvPr id="1" name=""/>
+        <p:cNvGrpSpPr/>
+        <p:nvPr/>
+      </p:nvGrpSpPr>
+      <p:grpSpPr>
+        <a:xfrm>
+          <a:off x="0" y="0"/>
+          <a:ext cx="0" cy="0"/>
+          <a:chOff x="0" y="0"/>
+          <a:chExt cx="0" cy="0"/>
+        </a:xfrm>
+      </p:grpSpPr>
+      <p:sp>
+        <p:nvSpPr>
+          <p:cNvPr id="2" name="幻灯片图像占位符 1"/>
+          <p:cNvSpPr>
+            <a:spLocks noGrp="1" noRot="1" noChangeAspect="1"/>
+          </p:cNvSpPr>
+          <p:nvPr>
+            <p:ph type="sldImg"/>
+          </p:nvPr>
+        </p:nvSpPr>
+        <p:spPr>
+          <a:xfrm>
+            <a:off x="1371600" y="1143000"/>
+            <a:ext cx="4114800" cy="3086100"/>
+          </a:xfrm>
+        </p:spPr>
+      </p:sp>
+      <p:sp>
+        <p:nvSpPr>
+          <p:cNvPr id="3" name="备注占位符 2"/>
+          <p:cNvSpPr>
+            <a:spLocks noGrp="1"/>
+          </p:cNvSpPr>
+          <p:nvPr>
+            <p:ph type="body" idx="1"/>
+          </p:nvPr>
+        </p:nvSpPr>
+        <p:spPr/>
+        <p:txBody>
+          <a:bodyPr/>
+          <a:lstStyle/>
+          <a:p>
+            <a:endParaRPr lang="zh-CN" altLang="en-US" dirty="0"/>
+          </a:p>
+        </p:txBody>
+      </p:sp>
+      <p:sp>
+        <p:nvSpPr>
+          <p:cNvPr id="4" name="灯片编号占位符 3"/>
+          <p:cNvSpPr>
+            <a:spLocks noGrp="1"/>
+          </p:cNvSpPr>
+          <p:nvPr>
+            <p:ph type="sldNum" sz="quarter" idx="10"/>
+          </p:nvPr>
+        </p:nvSpPr>
+        <p:spPr/>
+        <p:txBody>
+          <a:bodyPr/>
+          <a:lstStyle/>
+          <a:p>
+            <a:fld id="{2ED26FC3-015A-4F86-ACC3-780431FB8E4D}" type="slidenum">
+              <a:rPr lang="zh-CN" altLang="en-US" smtClean="0"/>
+            </a:fld>
+            <a:endParaRPr lang="zh-CN" altLang="en-US"/>
+          </a:p>
+        </p:txBody>
+      </p:sp>
+    </p:spTree>
+  </p:cSld>
+  <p:clrMapOvr>
+    <a:masterClrMapping/>
+  </p:clrMapOvr>
+</p:notes>
+</file>
+
+<file path=ppt/notesSlides/notesSlide44.xml><?xml version="1.0" encoding="utf-8"?>
+<p:notes xmlns:a="http://schemas.openxmlformats.org/drawingml/2006/main" xmlns:r="http://schemas.openxmlformats.org/officeDocument/2006/relationships" xmlns:p="http://schemas.openxmlformats.org/presentationml/2006/main">
+  <p:cSld>
+    <p:spTree>
+      <p:nvGrpSpPr>
+        <p:cNvPr id="1" name=""/>
+        <p:cNvGrpSpPr/>
+        <p:nvPr/>
+      </p:nvGrpSpPr>
+      <p:grpSpPr>
+        <a:xfrm>
+          <a:off x="0" y="0"/>
+          <a:ext cx="0" cy="0"/>
+          <a:chOff x="0" y="0"/>
+          <a:chExt cx="0" cy="0"/>
+        </a:xfrm>
+      </p:grpSpPr>
+      <p:sp>
+        <p:nvSpPr>
+          <p:cNvPr id="2" name="幻灯片图像占位符 1"/>
+          <p:cNvSpPr>
+            <a:spLocks noGrp="1" noRot="1" noChangeAspect="1"/>
+          </p:cNvSpPr>
+          <p:nvPr>
+            <p:ph type="sldImg"/>
+          </p:nvPr>
+        </p:nvSpPr>
+        <p:spPr>
+          <a:xfrm>
+            <a:off x="1371600" y="1143000"/>
+            <a:ext cx="4114800" cy="3086100"/>
+          </a:xfrm>
+        </p:spPr>
+      </p:sp>
+      <p:sp>
+        <p:nvSpPr>
+          <p:cNvPr id="3" name="备注占位符 2"/>
+          <p:cNvSpPr>
+            <a:spLocks noGrp="1"/>
+          </p:cNvSpPr>
+          <p:nvPr>
+            <p:ph type="body" idx="1"/>
+          </p:nvPr>
+        </p:nvSpPr>
+        <p:spPr/>
+        <p:txBody>
+          <a:bodyPr/>
+          <a:lstStyle/>
+          <a:p>
+            <a:r>
+              <a:rPr lang="zh-CN" altLang="en-US" dirty="0"/>
+              <a:t>最直观的场景，不想实现接口中的所有方法</a:t>
+            </a:r>
+            <a:endParaRPr lang="en-US" altLang="zh-CN" dirty="0"/>
+          </a:p>
+        </p:txBody>
+      </p:sp>
+      <p:sp>
+        <p:nvSpPr>
+          <p:cNvPr id="4" name="灯片编号占位符 3"/>
+          <p:cNvSpPr>
+            <a:spLocks noGrp="1"/>
+          </p:cNvSpPr>
+          <p:nvPr>
+            <p:ph type="sldNum" sz="quarter" idx="10"/>
+          </p:nvPr>
+        </p:nvSpPr>
+        <p:spPr/>
+        <p:txBody>
+          <a:bodyPr/>
+          <a:lstStyle/>
+          <a:p>
+            <a:fld id="{2ED26FC3-015A-4F86-ACC3-780431FB8E4D}" type="slidenum">
+              <a:rPr lang="zh-CN" altLang="en-US" smtClean="0"/>
+            </a:fld>
+            <a:endParaRPr lang="zh-CN" altLang="en-US"/>
+          </a:p>
+        </p:txBody>
+      </p:sp>
+    </p:spTree>
+  </p:cSld>
+  <p:clrMapOvr>
+    <a:masterClrMapping/>
+  </p:clrMapOvr>
+</p:notes>
+</file>
+
+<file path=ppt/notesSlides/notesSlide45.xml><?xml version="1.0" encoding="utf-8"?>
+<p:notes xmlns:a="http://schemas.openxmlformats.org/drawingml/2006/main" xmlns:r="http://schemas.openxmlformats.org/officeDocument/2006/relationships" xmlns:p="http://schemas.openxmlformats.org/presentationml/2006/main">
+  <p:cSld>
+    <p:spTree>
+      <p:nvGrpSpPr>
+        <p:cNvPr id="1" name=""/>
+        <p:cNvGrpSpPr/>
+        <p:nvPr/>
+      </p:nvGrpSpPr>
+      <p:grpSpPr>
+        <a:xfrm>
+          <a:off x="0" y="0"/>
+          <a:ext cx="0" cy="0"/>
+          <a:chOff x="0" y="0"/>
+          <a:chExt cx="0" cy="0"/>
+        </a:xfrm>
+      </p:grpSpPr>
+      <p:sp>
+        <p:nvSpPr>
+          <p:cNvPr id="2" name="幻灯片图像占位符 1"/>
+          <p:cNvSpPr>
+            <a:spLocks noGrp="1" noRot="1" noChangeAspect="1"/>
+          </p:cNvSpPr>
+          <p:nvPr>
+            <p:ph type="sldImg"/>
+          </p:nvPr>
+        </p:nvSpPr>
+        <p:spPr>
+          <a:xfrm>
+            <a:off x="1371600" y="1143000"/>
+            <a:ext cx="4114800" cy="3086100"/>
+          </a:xfrm>
+        </p:spPr>
+      </p:sp>
+      <p:sp>
+        <p:nvSpPr>
+          <p:cNvPr id="3" name="备注占位符 2"/>
+          <p:cNvSpPr>
+            <a:spLocks noGrp="1"/>
+          </p:cNvSpPr>
+          <p:nvPr>
+            <p:ph type="body" idx="1"/>
+          </p:nvPr>
+        </p:nvSpPr>
+        <p:spPr/>
+        <p:txBody>
+          <a:bodyPr/>
+          <a:lstStyle/>
+          <a:p>
+            <a:endParaRPr lang="zh-CN" altLang="en-US" dirty="0"/>
+          </a:p>
+        </p:txBody>
+      </p:sp>
+      <p:sp>
+        <p:nvSpPr>
+          <p:cNvPr id="4" name="灯片编号占位符 3"/>
+          <p:cNvSpPr>
+            <a:spLocks noGrp="1"/>
+          </p:cNvSpPr>
+          <p:nvPr>
+            <p:ph type="sldNum" sz="quarter" idx="10"/>
+          </p:nvPr>
+        </p:nvSpPr>
+        <p:spPr/>
+        <p:txBody>
+          <a:bodyPr/>
+          <a:lstStyle/>
+          <a:p>
+            <a:fld id="{2ED26FC3-015A-4F86-ACC3-780431FB8E4D}" type="slidenum">
+              <a:rPr lang="zh-CN" altLang="en-US" smtClean="0"/>
+            </a:fld>
+            <a:endParaRPr lang="zh-CN" altLang="en-US"/>
+          </a:p>
+        </p:txBody>
+      </p:sp>
+    </p:spTree>
+  </p:cSld>
+  <p:clrMapOvr>
+    <a:masterClrMapping/>
+  </p:clrMapOvr>
+</p:notes>
+</file>
+
+<file path=ppt/notesSlides/notesSlide46.xml><?xml version="1.0" encoding="utf-8"?>
+<p:notes xmlns:a="http://schemas.openxmlformats.org/drawingml/2006/main" xmlns:r="http://schemas.openxmlformats.org/officeDocument/2006/relationships" xmlns:p="http://schemas.openxmlformats.org/presentationml/2006/main">
+  <p:cSld>
+    <p:spTree>
+      <p:nvGrpSpPr>
+        <p:cNvPr id="1" name=""/>
+        <p:cNvGrpSpPr/>
+        <p:nvPr/>
+      </p:nvGrpSpPr>
+      <p:grpSpPr>
+        <a:xfrm>
+          <a:off x="0" y="0"/>
+          <a:ext cx="0" cy="0"/>
+          <a:chOff x="0" y="0"/>
+          <a:chExt cx="0" cy="0"/>
+        </a:xfrm>
+      </p:grpSpPr>
+      <p:sp>
+        <p:nvSpPr>
+          <p:cNvPr id="2" name="幻灯片图像占位符 1"/>
+          <p:cNvSpPr>
+            <a:spLocks noGrp="1" noRot="1" noChangeAspect="1"/>
+          </p:cNvSpPr>
+          <p:nvPr>
+            <p:ph type="sldImg"/>
+          </p:nvPr>
+        </p:nvSpPr>
+        <p:spPr>
+          <a:xfrm>
+            <a:off x="1371600" y="1143000"/>
+            <a:ext cx="4114800" cy="3086100"/>
+          </a:xfrm>
+        </p:spPr>
+      </p:sp>
+      <p:sp>
+        <p:nvSpPr>
+          <p:cNvPr id="3" name="备注占位符 2"/>
+          <p:cNvSpPr>
+            <a:spLocks noGrp="1"/>
+          </p:cNvSpPr>
+          <p:nvPr>
+            <p:ph type="body" idx="1"/>
+          </p:nvPr>
+        </p:nvSpPr>
+        <p:spPr/>
+        <p:txBody>
+          <a:bodyPr/>
+          <a:lstStyle/>
+          <a:p>
+            <a:endParaRPr lang="zh-CN" altLang="en-US" dirty="0"/>
           </a:p>
         </p:txBody>
       </p:sp>
@@ -12086,7 +12766,15 @@
             </a:r>
             <a:r>
               <a:rPr sz="2000" dirty="0"/>
-              <a:t>Mememto Pattern)</a:t>
+              <a:t>Meme</a:t>
+            </a:r>
+            <a:r>
+              <a:rPr lang="en-US" sz="2000" dirty="0"/>
+              <a:t>n</a:t>
+            </a:r>
+            <a:r>
+              <a:rPr sz="2000" dirty="0"/>
+              <a:t>to Pattern)</a:t>
             </a:r>
             <a:endParaRPr sz="2000" dirty="0"/>
           </a:p>
@@ -15589,6 +16277,750 @@
       </p:grpSpPr>
       <p:sp>
         <p:nvSpPr>
+          <p:cNvPr id="8" name="标题 1"/>
+          <p:cNvSpPr txBox="1"/>
+          <p:nvPr>
+            <p:custDataLst>
+              <p:tags r:id="rId1"/>
+            </p:custDataLst>
+          </p:nvPr>
+        </p:nvSpPr>
+        <p:spPr>
+          <a:xfrm>
+            <a:off x="571608" y="661194"/>
+            <a:ext cx="7886700" cy="994172"/>
+          </a:xfrm>
+          <a:prstGeom prst="rect">
+            <a:avLst/>
+          </a:prstGeom>
+        </p:spPr>
+        <p:txBody>
+          <a:bodyPr vert="horz" wrap="square" lIns="68580" tIns="34290" rIns="68580" bIns="34290" rtlCol="0" anchor="ctr">
+            <a:normAutofit/>
+          </a:bodyPr>
+          <a:lstStyle>
+            <a:lvl1pPr defTabSz="914400">
+              <a:lnSpc>
+                <a:spcPct val="120000"/>
+              </a:lnSpc>
+              <a:spcBef>
+                <a:spcPct val="0"/>
+              </a:spcBef>
+              <a:buNone/>
+              <a:defRPr sz="3600">
+                <a:solidFill>
+                  <a:schemeClr val="tx1">
+                    <a:lumMod val="75000"/>
+                    <a:lumOff val="25000"/>
+                  </a:schemeClr>
+                </a:solidFill>
+                <a:latin typeface="+mj-lt"/>
+                <a:ea typeface="+mj-ea"/>
+                <a:cs typeface="+mj-cs"/>
+              </a:defRPr>
+            </a:lvl1pPr>
+          </a:lstStyle>
+          <a:p>
+            <a:r>
+              <a:rPr dirty="0">
+                <a:sym typeface="+mn-ea"/>
+              </a:rPr>
+              <a:t>访问者模式(</a:t>
+            </a:r>
+            <a:r>
+              <a:rPr lang="en-US" altLang="zh-CN" dirty="0">
+                <a:sym typeface="+mn-ea"/>
+              </a:rPr>
+              <a:t>The Visitor Pattern</a:t>
+            </a:r>
+            <a:r>
+              <a:rPr dirty="0">
+                <a:sym typeface="+mn-ea"/>
+              </a:rPr>
+              <a:t>)</a:t>
+            </a:r>
+            <a:endParaRPr dirty="0">
+              <a:sym typeface="+mn-ea"/>
+            </a:endParaRPr>
+          </a:p>
+        </p:txBody>
+      </p:sp>
+      <p:sp>
+        <p:nvSpPr>
+          <p:cNvPr id="3" name="文本框 2"/>
+          <p:cNvSpPr txBox="1"/>
+          <p:nvPr/>
+        </p:nvSpPr>
+        <p:spPr>
+          <a:xfrm>
+            <a:off x="566431" y="2057436"/>
+            <a:ext cx="8334776" cy="2861310"/>
+          </a:xfrm>
+          <a:prstGeom prst="rect">
+            <a:avLst/>
+          </a:prstGeom>
+          <a:noFill/>
+        </p:spPr>
+        <p:txBody>
+          <a:bodyPr wrap="square" rtlCol="0">
+            <a:spAutoFit/>
+          </a:bodyPr>
+          <a:lstStyle/>
+          <a:p>
+            <a:pPr indent="0" eaLnBrk="1" hangingPunct="1">
+              <a:lnSpc>
+                <a:spcPct val="150000"/>
+              </a:lnSpc>
+              <a:buFont typeface="Wingdings" panose="05000000000000000000" pitchFamily="2" charset="2"/>
+              <a:buNone/>
+            </a:pPr>
+            <a:r>
+              <a:rPr lang="zh-CN" altLang="en-US" b="1" dirty="0">
+                <a:solidFill>
+                  <a:srgbClr val="0070C0"/>
+                </a:solidFill>
+              </a:rPr>
+              <a:t>定义</a:t>
+            </a:r>
+            <a:endParaRPr lang="zh-CN" altLang="en-US" dirty="0"/>
+          </a:p>
+          <a:p>
+            <a:pPr marL="0" indent="461010" eaLnBrk="1" latinLnBrk="0" hangingPunct="1">
+              <a:lnSpc>
+                <a:spcPct val="200000"/>
+              </a:lnSpc>
+              <a:buClr>
+                <a:srgbClr val="0070C0"/>
+              </a:buClr>
+              <a:buFont typeface="+mj-lt"/>
+              <a:buNone/>
+            </a:pPr>
+            <a:r>
+              <a:rPr sz="1800" dirty="0"/>
+              <a:t>我们使用了一个访问者类，它改变了元素类的执行算法。通过这种方式，元素的执行算法可以随着访问者改变而改变。这种类型的设计模式属于行为型模式。根据模式，元素对象已接受访问者对象，这样访问者对象就可以处理元素对象上的操作。</a:t>
+            </a:r>
+            <a:endParaRPr sz="1800" dirty="0"/>
+          </a:p>
+        </p:txBody>
+      </p:sp>
+    </p:spTree>
+    <p:custDataLst>
+      <p:tags r:id="rId2"/>
+    </p:custDataLst>
+  </p:cSld>
+  <p:clrMapOvr>
+    <a:masterClrMapping/>
+  </p:clrMapOvr>
+</p:sld>
+</file>
+
+<file path=ppt/slides/slide51.xml><?xml version="1.0" encoding="utf-8"?>
+<p:sld xmlns:a="http://schemas.openxmlformats.org/drawingml/2006/main" xmlns:r="http://schemas.openxmlformats.org/officeDocument/2006/relationships" xmlns:p="http://schemas.openxmlformats.org/presentationml/2006/main">
+  <p:cSld>
+    <p:spTree>
+      <p:nvGrpSpPr>
+        <p:cNvPr id="1" name=""/>
+        <p:cNvGrpSpPr/>
+        <p:nvPr/>
+      </p:nvGrpSpPr>
+      <p:grpSpPr>
+        <a:xfrm>
+          <a:off x="0" y="0"/>
+          <a:ext cx="0" cy="0"/>
+          <a:chOff x="0" y="0"/>
+          <a:chExt cx="0" cy="0"/>
+        </a:xfrm>
+      </p:grpSpPr>
+      <p:sp>
+        <p:nvSpPr>
+          <p:cNvPr id="8" name="标题 1"/>
+          <p:cNvSpPr txBox="1"/>
+          <p:nvPr>
+            <p:custDataLst>
+              <p:tags r:id="rId1"/>
+            </p:custDataLst>
+          </p:nvPr>
+        </p:nvSpPr>
+        <p:spPr>
+          <a:xfrm>
+            <a:off x="571608" y="661194"/>
+            <a:ext cx="7886700" cy="994172"/>
+          </a:xfrm>
+          <a:prstGeom prst="rect">
+            <a:avLst/>
+          </a:prstGeom>
+        </p:spPr>
+        <p:txBody>
+          <a:bodyPr vert="horz" wrap="square" lIns="68580" tIns="34290" rIns="68580" bIns="34290" rtlCol="0" anchor="ctr">
+            <a:normAutofit/>
+          </a:bodyPr>
+          <a:lstStyle>
+            <a:lvl1pPr defTabSz="914400">
+              <a:lnSpc>
+                <a:spcPct val="120000"/>
+              </a:lnSpc>
+              <a:spcBef>
+                <a:spcPct val="0"/>
+              </a:spcBef>
+              <a:buNone/>
+              <a:defRPr sz="3600">
+                <a:solidFill>
+                  <a:schemeClr val="tx1">
+                    <a:lumMod val="75000"/>
+                    <a:lumOff val="25000"/>
+                  </a:schemeClr>
+                </a:solidFill>
+                <a:latin typeface="+mj-lt"/>
+                <a:ea typeface="+mj-ea"/>
+                <a:cs typeface="+mj-cs"/>
+              </a:defRPr>
+            </a:lvl1pPr>
+          </a:lstStyle>
+          <a:p>
+            <a:r>
+              <a:rPr dirty="0">
+                <a:sym typeface="+mn-ea"/>
+              </a:rPr>
+              <a:t>访问者模式(</a:t>
+            </a:r>
+            <a:r>
+              <a:rPr lang="en-US" altLang="zh-CN" dirty="0">
+                <a:sym typeface="+mn-ea"/>
+              </a:rPr>
+              <a:t>The Visitor Pattern</a:t>
+            </a:r>
+            <a:r>
+              <a:rPr dirty="0">
+                <a:sym typeface="+mn-ea"/>
+              </a:rPr>
+              <a:t>)</a:t>
+            </a:r>
+            <a:endParaRPr dirty="0">
+              <a:sym typeface="+mn-ea"/>
+            </a:endParaRPr>
+          </a:p>
+        </p:txBody>
+      </p:sp>
+      <p:sp>
+        <p:nvSpPr>
+          <p:cNvPr id="3" name="文本框 2"/>
+          <p:cNvSpPr txBox="1"/>
+          <p:nvPr/>
+        </p:nvSpPr>
+        <p:spPr>
+          <a:xfrm>
+            <a:off x="566431" y="2057436"/>
+            <a:ext cx="8334776" cy="2614930"/>
+          </a:xfrm>
+          <a:prstGeom prst="rect">
+            <a:avLst/>
+          </a:prstGeom>
+          <a:noFill/>
+        </p:spPr>
+        <p:txBody>
+          <a:bodyPr wrap="square" rtlCol="0">
+            <a:spAutoFit/>
+          </a:bodyPr>
+          <a:lstStyle/>
+          <a:p>
+            <a:pPr indent="0" eaLnBrk="1" hangingPunct="1">
+              <a:lnSpc>
+                <a:spcPct val="150000"/>
+              </a:lnSpc>
+              <a:buFont typeface="Wingdings" panose="05000000000000000000" pitchFamily="2" charset="2"/>
+              <a:buNone/>
+            </a:pPr>
+            <a:r>
+              <a:rPr lang="zh-CN" altLang="en-US" b="1" dirty="0">
+                <a:solidFill>
+                  <a:srgbClr val="0070C0"/>
+                </a:solidFill>
+              </a:rPr>
+              <a:t>适用场景</a:t>
+            </a:r>
+            <a:endParaRPr lang="en-US" altLang="zh-CN" b="1" dirty="0">
+              <a:solidFill>
+                <a:srgbClr val="0070C0"/>
+              </a:solidFill>
+            </a:endParaRPr>
+          </a:p>
+          <a:p>
+            <a:pPr marL="342900" indent="-342900" eaLnBrk="1" latinLnBrk="0" hangingPunct="1">
+              <a:lnSpc>
+                <a:spcPct val="200000"/>
+              </a:lnSpc>
+              <a:buClr>
+                <a:srgbClr val="0070C0"/>
+              </a:buClr>
+              <a:buFont typeface="+mj-lt"/>
+              <a:buAutoNum type="arabicPeriod"/>
+            </a:pPr>
+            <a:endParaRPr sz="1600" dirty="0"/>
+          </a:p>
+          <a:p>
+            <a:pPr marL="342900" indent="-342900" eaLnBrk="1" latinLnBrk="0" hangingPunct="1">
+              <a:lnSpc>
+                <a:spcPct val="200000"/>
+              </a:lnSpc>
+              <a:buClr>
+                <a:srgbClr val="0070C0"/>
+              </a:buClr>
+              <a:buFont typeface="+mj-lt"/>
+              <a:buAutoNum type="arabicPeriod"/>
+            </a:pPr>
+            <a:r>
+              <a:rPr sz="1600" dirty="0"/>
+              <a:t>对象结构中对象对应的类很少改变，但经常需要在此对象结构上定义新的操作</a:t>
+            </a:r>
+            <a:r>
+              <a:rPr lang="zh-CN" sz="1600" dirty="0"/>
+              <a:t>；</a:t>
+            </a:r>
+            <a:endParaRPr lang="zh-CN" sz="1600" dirty="0"/>
+          </a:p>
+          <a:p>
+            <a:pPr marL="342900" indent="-342900" eaLnBrk="1" latinLnBrk="0" hangingPunct="1">
+              <a:lnSpc>
+                <a:spcPct val="200000"/>
+              </a:lnSpc>
+              <a:buClr>
+                <a:srgbClr val="0070C0"/>
+              </a:buClr>
+              <a:buFont typeface="+mj-lt"/>
+              <a:buAutoNum type="arabicPeriod"/>
+            </a:pPr>
+            <a:r>
+              <a:rPr sz="1600" dirty="0"/>
+              <a:t>需要对一个对象结构中的对象进行很多不同的并且不相关的操作，而需要避免让这些操作"污染"这些对象的类，也不希望在增加新操作时修改这些类。</a:t>
+            </a:r>
+            <a:endParaRPr sz="1600" dirty="0"/>
+          </a:p>
+        </p:txBody>
+      </p:sp>
+    </p:spTree>
+    <p:custDataLst>
+      <p:tags r:id="rId2"/>
+    </p:custDataLst>
+  </p:cSld>
+  <p:clrMapOvr>
+    <a:masterClrMapping/>
+  </p:clrMapOvr>
+</p:sld>
+</file>
+
+<file path=ppt/slides/slide52.xml><?xml version="1.0" encoding="utf-8"?>
+<p:sld xmlns:a="http://schemas.openxmlformats.org/drawingml/2006/main" xmlns:r="http://schemas.openxmlformats.org/officeDocument/2006/relationships" xmlns:p="http://schemas.openxmlformats.org/presentationml/2006/main">
+  <p:cSld>
+    <p:spTree>
+      <p:nvGrpSpPr>
+        <p:cNvPr id="1" name=""/>
+        <p:cNvGrpSpPr/>
+        <p:nvPr/>
+      </p:nvGrpSpPr>
+      <p:grpSpPr>
+        <a:xfrm>
+          <a:off x="0" y="0"/>
+          <a:ext cx="0" cy="0"/>
+          <a:chOff x="0" y="0"/>
+          <a:chExt cx="0" cy="0"/>
+        </a:xfrm>
+      </p:grpSpPr>
+      <p:sp>
+        <p:nvSpPr>
+          <p:cNvPr id="8" name="标题 1"/>
+          <p:cNvSpPr txBox="1"/>
+          <p:nvPr>
+            <p:custDataLst>
+              <p:tags r:id="rId1"/>
+            </p:custDataLst>
+          </p:nvPr>
+        </p:nvSpPr>
+        <p:spPr>
+          <a:xfrm>
+            <a:off x="571608" y="661194"/>
+            <a:ext cx="7886700" cy="994172"/>
+          </a:xfrm>
+          <a:prstGeom prst="rect">
+            <a:avLst/>
+          </a:prstGeom>
+        </p:spPr>
+        <p:txBody>
+          <a:bodyPr vert="horz" wrap="square" lIns="68580" tIns="34290" rIns="68580" bIns="34290" rtlCol="0" anchor="ctr">
+            <a:normAutofit/>
+          </a:bodyPr>
+          <a:lstStyle>
+            <a:lvl1pPr defTabSz="914400">
+              <a:lnSpc>
+                <a:spcPct val="120000"/>
+              </a:lnSpc>
+              <a:spcBef>
+                <a:spcPct val="0"/>
+              </a:spcBef>
+              <a:buNone/>
+              <a:defRPr sz="3600">
+                <a:solidFill>
+                  <a:schemeClr val="tx1">
+                    <a:lumMod val="75000"/>
+                    <a:lumOff val="25000"/>
+                  </a:schemeClr>
+                </a:solidFill>
+                <a:latin typeface="+mj-lt"/>
+                <a:ea typeface="+mj-ea"/>
+                <a:cs typeface="+mj-cs"/>
+              </a:defRPr>
+            </a:lvl1pPr>
+          </a:lstStyle>
+          <a:p>
+            <a:r>
+              <a:rPr dirty="0">
+                <a:sym typeface="+mn-ea"/>
+              </a:rPr>
+              <a:t>访问者模式(</a:t>
+            </a:r>
+            <a:r>
+              <a:rPr lang="en-US" altLang="zh-CN" dirty="0">
+                <a:sym typeface="+mn-ea"/>
+              </a:rPr>
+              <a:t>The Visitor Pattern</a:t>
+            </a:r>
+            <a:r>
+              <a:rPr dirty="0">
+                <a:sym typeface="+mn-ea"/>
+              </a:rPr>
+              <a:t>)</a:t>
+            </a:r>
+            <a:endParaRPr dirty="0">
+              <a:sym typeface="+mn-ea"/>
+            </a:endParaRPr>
+          </a:p>
+        </p:txBody>
+      </p:sp>
+      <p:sp>
+        <p:nvSpPr>
+          <p:cNvPr id="3" name="文本框 2"/>
+          <p:cNvSpPr txBox="1"/>
+          <p:nvPr/>
+        </p:nvSpPr>
+        <p:spPr>
+          <a:xfrm>
+            <a:off x="566431" y="2057436"/>
+            <a:ext cx="8334776" cy="2861310"/>
+          </a:xfrm>
+          <a:prstGeom prst="rect">
+            <a:avLst/>
+          </a:prstGeom>
+          <a:noFill/>
+        </p:spPr>
+        <p:txBody>
+          <a:bodyPr wrap="square" rtlCol="0">
+            <a:spAutoFit/>
+          </a:bodyPr>
+          <a:lstStyle/>
+          <a:p>
+            <a:pPr indent="0" eaLnBrk="1" hangingPunct="1">
+              <a:lnSpc>
+                <a:spcPct val="150000"/>
+              </a:lnSpc>
+              <a:buFont typeface="Wingdings" panose="05000000000000000000" pitchFamily="2" charset="2"/>
+              <a:buNone/>
+            </a:pPr>
+            <a:r>
+              <a:rPr lang="zh-CN" altLang="en-US" b="1" dirty="0">
+                <a:solidFill>
+                  <a:srgbClr val="0070C0"/>
+                </a:solidFill>
+              </a:rPr>
+              <a:t>优点</a:t>
+            </a:r>
+            <a:endParaRPr lang="zh-CN" altLang="en-US" b="1" dirty="0">
+              <a:solidFill>
+                <a:srgbClr val="0070C0"/>
+              </a:solidFill>
+            </a:endParaRPr>
+          </a:p>
+          <a:p>
+            <a:pPr indent="0" eaLnBrk="1" hangingPunct="1">
+              <a:lnSpc>
+                <a:spcPct val="150000"/>
+              </a:lnSpc>
+              <a:buFont typeface="Wingdings" panose="05000000000000000000" pitchFamily="2" charset="2"/>
+              <a:buNone/>
+            </a:pPr>
+            <a:endParaRPr lang="zh-CN" altLang="en-US" dirty="0"/>
+          </a:p>
+          <a:p>
+            <a:pPr marL="457200" indent="-457200" eaLnBrk="1" latinLnBrk="0" hangingPunct="1">
+              <a:lnSpc>
+                <a:spcPct val="200000"/>
+              </a:lnSpc>
+              <a:buClr>
+                <a:srgbClr val="0070C0"/>
+              </a:buClr>
+              <a:buFont typeface="+mj-lt"/>
+              <a:buAutoNum type="arabicPeriod"/>
+            </a:pPr>
+            <a:r>
+              <a:rPr lang="zh-CN" altLang="en-US" sz="1800" dirty="0"/>
+              <a:t>符合单一职责原则；</a:t>
+            </a:r>
+            <a:endParaRPr lang="zh-CN" altLang="en-US" sz="1800" dirty="0"/>
+          </a:p>
+          <a:p>
+            <a:pPr marL="457200" indent="-457200" eaLnBrk="1" latinLnBrk="0" hangingPunct="1">
+              <a:lnSpc>
+                <a:spcPct val="200000"/>
+              </a:lnSpc>
+              <a:buClr>
+                <a:srgbClr val="0070C0"/>
+              </a:buClr>
+              <a:buFont typeface="+mj-lt"/>
+              <a:buAutoNum type="arabicPeriod"/>
+            </a:pPr>
+            <a:r>
+              <a:rPr lang="zh-CN" altLang="en-US" sz="1800" dirty="0"/>
+              <a:t>优秀的扩展性；</a:t>
+            </a:r>
+            <a:endParaRPr lang="zh-CN" altLang="en-US" sz="1800" dirty="0"/>
+          </a:p>
+          <a:p>
+            <a:pPr marL="457200" indent="-457200" eaLnBrk="1" latinLnBrk="0" hangingPunct="1">
+              <a:lnSpc>
+                <a:spcPct val="200000"/>
+              </a:lnSpc>
+              <a:buClr>
+                <a:srgbClr val="0070C0"/>
+              </a:buClr>
+              <a:buFont typeface="+mj-lt"/>
+              <a:buAutoNum type="arabicPeriod"/>
+            </a:pPr>
+            <a:r>
+              <a:rPr lang="zh-CN" altLang="en-US" sz="1800" dirty="0"/>
+              <a:t>灵活性；</a:t>
+            </a:r>
+            <a:endParaRPr lang="zh-CN" altLang="en-US" sz="1800" dirty="0"/>
+          </a:p>
+        </p:txBody>
+      </p:sp>
+    </p:spTree>
+    <p:custDataLst>
+      <p:tags r:id="rId2"/>
+    </p:custDataLst>
+  </p:cSld>
+  <p:clrMapOvr>
+    <a:masterClrMapping/>
+  </p:clrMapOvr>
+</p:sld>
+</file>
+
+<file path=ppt/slides/slide53.xml><?xml version="1.0" encoding="utf-8"?>
+<p:sld xmlns:a="http://schemas.openxmlformats.org/drawingml/2006/main" xmlns:r="http://schemas.openxmlformats.org/officeDocument/2006/relationships" xmlns:p="http://schemas.openxmlformats.org/presentationml/2006/main">
+  <p:cSld>
+    <p:spTree>
+      <p:nvGrpSpPr>
+        <p:cNvPr id="1" name=""/>
+        <p:cNvGrpSpPr/>
+        <p:nvPr/>
+      </p:nvGrpSpPr>
+      <p:grpSpPr>
+        <a:xfrm>
+          <a:off x="0" y="0"/>
+          <a:ext cx="0" cy="0"/>
+          <a:chOff x="0" y="0"/>
+          <a:chExt cx="0" cy="0"/>
+        </a:xfrm>
+      </p:grpSpPr>
+      <p:sp>
+        <p:nvSpPr>
+          <p:cNvPr id="8" name="标题 1"/>
+          <p:cNvSpPr txBox="1"/>
+          <p:nvPr>
+            <p:custDataLst>
+              <p:tags r:id="rId1"/>
+            </p:custDataLst>
+          </p:nvPr>
+        </p:nvSpPr>
+        <p:spPr>
+          <a:xfrm>
+            <a:off x="571608" y="661194"/>
+            <a:ext cx="7886700" cy="994172"/>
+          </a:xfrm>
+          <a:prstGeom prst="rect">
+            <a:avLst/>
+          </a:prstGeom>
+        </p:spPr>
+        <p:txBody>
+          <a:bodyPr vert="horz" wrap="square" lIns="68580" tIns="34290" rIns="68580" bIns="34290" rtlCol="0" anchor="ctr">
+            <a:normAutofit/>
+          </a:bodyPr>
+          <a:lstStyle>
+            <a:lvl1pPr defTabSz="914400">
+              <a:lnSpc>
+                <a:spcPct val="120000"/>
+              </a:lnSpc>
+              <a:spcBef>
+                <a:spcPct val="0"/>
+              </a:spcBef>
+              <a:buNone/>
+              <a:defRPr sz="3600">
+                <a:solidFill>
+                  <a:schemeClr val="tx1">
+                    <a:lumMod val="75000"/>
+                    <a:lumOff val="25000"/>
+                  </a:schemeClr>
+                </a:solidFill>
+                <a:latin typeface="+mj-lt"/>
+                <a:ea typeface="+mj-ea"/>
+                <a:cs typeface="+mj-cs"/>
+              </a:defRPr>
+            </a:lvl1pPr>
+          </a:lstStyle>
+          <a:p>
+            <a:r>
+              <a:rPr dirty="0">
+                <a:sym typeface="+mn-ea"/>
+              </a:rPr>
+              <a:t>访问者模式(</a:t>
+            </a:r>
+            <a:r>
+              <a:rPr lang="en-US" altLang="zh-CN" dirty="0">
+                <a:sym typeface="+mn-ea"/>
+              </a:rPr>
+              <a:t>The Visitor Pattern</a:t>
+            </a:r>
+            <a:r>
+              <a:rPr dirty="0">
+                <a:sym typeface="+mn-ea"/>
+              </a:rPr>
+              <a:t>)</a:t>
+            </a:r>
+            <a:endParaRPr dirty="0">
+              <a:sym typeface="+mn-ea"/>
+            </a:endParaRPr>
+          </a:p>
+        </p:txBody>
+      </p:sp>
+      <p:sp>
+        <p:nvSpPr>
+          <p:cNvPr id="3" name="文本框 2"/>
+          <p:cNvSpPr txBox="1"/>
+          <p:nvPr/>
+        </p:nvSpPr>
+        <p:spPr>
+          <a:xfrm>
+            <a:off x="566431" y="2057436"/>
+            <a:ext cx="8334776" cy="2306955"/>
+          </a:xfrm>
+          <a:prstGeom prst="rect">
+            <a:avLst/>
+          </a:prstGeom>
+          <a:noFill/>
+        </p:spPr>
+        <p:txBody>
+          <a:bodyPr wrap="square" rtlCol="0">
+            <a:spAutoFit/>
+          </a:bodyPr>
+          <a:lstStyle/>
+          <a:p>
+            <a:pPr indent="0" eaLnBrk="1" hangingPunct="1">
+              <a:lnSpc>
+                <a:spcPct val="150000"/>
+              </a:lnSpc>
+              <a:buFont typeface="Wingdings" panose="05000000000000000000" pitchFamily="2" charset="2"/>
+              <a:buNone/>
+            </a:pPr>
+            <a:r>
+              <a:rPr lang="zh-CN" altLang="en-US" b="1" dirty="0">
+                <a:solidFill>
+                  <a:srgbClr val="0070C0"/>
+                </a:solidFill>
+              </a:rPr>
+              <a:t>缺点</a:t>
+            </a:r>
+            <a:endParaRPr lang="zh-CN" altLang="en-US" dirty="0"/>
+          </a:p>
+          <a:p>
+            <a:pPr marL="457200" indent="-457200" algn="l">
+              <a:lnSpc>
+                <a:spcPct val="200000"/>
+              </a:lnSpc>
+              <a:buClr>
+                <a:srgbClr val="0070C0"/>
+              </a:buClr>
+              <a:buFont typeface="+mj-lt"/>
+              <a:buAutoNum type="arabicPeriod"/>
+            </a:pPr>
+            <a:r>
+              <a:rPr lang="zh-CN" altLang="en-US" sz="1800" dirty="0"/>
+              <a:t>具体元素对访问者公布细节，违反了迪米特原则；</a:t>
+            </a:r>
+            <a:endParaRPr lang="zh-CN" altLang="en-US" sz="1800" dirty="0"/>
+          </a:p>
+          <a:p>
+            <a:pPr marL="457200" indent="-457200" algn="l">
+              <a:lnSpc>
+                <a:spcPct val="200000"/>
+              </a:lnSpc>
+              <a:buClr>
+                <a:srgbClr val="0070C0"/>
+              </a:buClr>
+              <a:buFont typeface="+mj-lt"/>
+              <a:buAutoNum type="arabicPeriod"/>
+            </a:pPr>
+            <a:r>
+              <a:rPr lang="zh-CN" altLang="en-US" sz="1800" dirty="0"/>
+              <a:t>具体元素变更比较困难；</a:t>
+            </a:r>
+            <a:endParaRPr lang="zh-CN" altLang="en-US" sz="1800" dirty="0"/>
+          </a:p>
+          <a:p>
+            <a:pPr marL="457200" indent="-457200" algn="l">
+              <a:lnSpc>
+                <a:spcPct val="200000"/>
+              </a:lnSpc>
+              <a:buClr>
+                <a:srgbClr val="0070C0"/>
+              </a:buClr>
+              <a:buFont typeface="+mj-lt"/>
+              <a:buAutoNum type="arabicPeriod"/>
+            </a:pPr>
+            <a:r>
+              <a:rPr lang="zh-CN" altLang="en-US" sz="1800" dirty="0"/>
+              <a:t>违反了依赖倒置原则，依赖了具体类，没有依赖抽象；</a:t>
+            </a:r>
+            <a:endParaRPr lang="zh-CN" altLang="en-US" sz="1800" dirty="0"/>
+          </a:p>
+        </p:txBody>
+      </p:sp>
+    </p:spTree>
+    <p:custDataLst>
+      <p:tags r:id="rId2"/>
+    </p:custDataLst>
+  </p:cSld>
+  <p:clrMapOvr>
+    <a:masterClrMapping/>
+  </p:clrMapOvr>
+</p:sld>
+</file>
+
+<file path=ppt/slides/slide54.xml><?xml version="1.0" encoding="utf-8"?>
+<p:sld xmlns:a="http://schemas.openxmlformats.org/drawingml/2006/main" xmlns:r="http://schemas.openxmlformats.org/officeDocument/2006/relationships" xmlns:p="http://schemas.openxmlformats.org/presentationml/2006/main">
+  <p:cSld>
+    <p:spTree>
+      <p:nvGrpSpPr>
+        <p:cNvPr id="1" name=""/>
+        <p:cNvGrpSpPr/>
+        <p:nvPr/>
+      </p:nvGrpSpPr>
+      <p:grpSpPr>
+        <a:xfrm>
+          <a:off x="0" y="0"/>
+          <a:ext cx="0" cy="0"/>
+          <a:chOff x="0" y="0"/>
+          <a:chExt cx="0" cy="0"/>
+        </a:xfrm>
+      </p:grpSpPr>
+      <p:sp>
+        <p:nvSpPr>
           <p:cNvPr id="2" name="标题 1"/>
           <p:cNvSpPr>
             <a:spLocks noGrp="1"/>
@@ -15611,7 +17043,7 @@
           <a:p>
             <a:r>
               <a:rPr lang="en-US" altLang="zh-CN" sz="3600" dirty="0"/>
-              <a:t>The Mememto Pattern</a:t>
+              <a:t>The Memento Pattern</a:t>
             </a:r>
             <a:endParaRPr lang="en-US" altLang="zh-CN" sz="3600" dirty="0"/>
           </a:p>
@@ -15643,6 +17075,699 @@
         </p:txBody>
       </p:sp>
     </p:spTree>
+  </p:cSld>
+  <p:clrMapOvr>
+    <a:masterClrMapping/>
+  </p:clrMapOvr>
+</p:sld>
+</file>
+
+<file path=ppt/slides/slide55.xml><?xml version="1.0" encoding="utf-8"?>
+<p:sld xmlns:a="http://schemas.openxmlformats.org/drawingml/2006/main" xmlns:r="http://schemas.openxmlformats.org/officeDocument/2006/relationships" xmlns:p="http://schemas.openxmlformats.org/presentationml/2006/main">
+  <p:cSld>
+    <p:spTree>
+      <p:nvGrpSpPr>
+        <p:cNvPr id="1" name=""/>
+        <p:cNvGrpSpPr/>
+        <p:nvPr/>
+      </p:nvGrpSpPr>
+      <p:grpSpPr>
+        <a:xfrm>
+          <a:off x="0" y="0"/>
+          <a:ext cx="0" cy="0"/>
+          <a:chOff x="0" y="0"/>
+          <a:chExt cx="0" cy="0"/>
+        </a:xfrm>
+      </p:grpSpPr>
+      <p:sp>
+        <p:nvSpPr>
+          <p:cNvPr id="8" name="标题 1"/>
+          <p:cNvSpPr txBox="1"/>
+          <p:nvPr>
+            <p:custDataLst>
+              <p:tags r:id="rId1"/>
+            </p:custDataLst>
+          </p:nvPr>
+        </p:nvSpPr>
+        <p:spPr>
+          <a:xfrm>
+            <a:off x="571608" y="661194"/>
+            <a:ext cx="7886700" cy="994172"/>
+          </a:xfrm>
+          <a:prstGeom prst="rect">
+            <a:avLst/>
+          </a:prstGeom>
+        </p:spPr>
+        <p:txBody>
+          <a:bodyPr vert="horz" wrap="square" lIns="68580" tIns="34290" rIns="68580" bIns="34290" rtlCol="0" anchor="ctr">
+            <a:normAutofit/>
+          </a:bodyPr>
+          <a:lstStyle>
+            <a:lvl1pPr defTabSz="914400">
+              <a:lnSpc>
+                <a:spcPct val="120000"/>
+              </a:lnSpc>
+              <a:spcBef>
+                <a:spcPct val="0"/>
+              </a:spcBef>
+              <a:buNone/>
+              <a:defRPr sz="3600">
+                <a:solidFill>
+                  <a:schemeClr val="tx1">
+                    <a:lumMod val="75000"/>
+                    <a:lumOff val="25000"/>
+                  </a:schemeClr>
+                </a:solidFill>
+                <a:latin typeface="+mj-lt"/>
+                <a:ea typeface="+mj-ea"/>
+                <a:cs typeface="+mj-cs"/>
+              </a:defRPr>
+            </a:lvl1pPr>
+          </a:lstStyle>
+          <a:p>
+            <a:r>
+              <a:rPr dirty="0">
+                <a:sym typeface="+mn-ea"/>
+              </a:rPr>
+              <a:t>备忘录模式(</a:t>
+            </a:r>
+            <a:r>
+              <a:rPr lang="en-US" altLang="zh-CN" dirty="0">
+                <a:sym typeface="+mn-ea"/>
+              </a:rPr>
+              <a:t>The Memento Pattern</a:t>
+            </a:r>
+            <a:r>
+              <a:rPr dirty="0">
+                <a:sym typeface="+mn-ea"/>
+              </a:rPr>
+              <a:t>)</a:t>
+            </a:r>
+            <a:endParaRPr dirty="0">
+              <a:sym typeface="+mn-ea"/>
+            </a:endParaRPr>
+          </a:p>
+        </p:txBody>
+      </p:sp>
+      <p:sp>
+        <p:nvSpPr>
+          <p:cNvPr id="3" name="文本框 2"/>
+          <p:cNvSpPr txBox="1"/>
+          <p:nvPr/>
+        </p:nvSpPr>
+        <p:spPr>
+          <a:xfrm>
+            <a:off x="566431" y="2057436"/>
+            <a:ext cx="8334776" cy="2861310"/>
+          </a:xfrm>
+          <a:prstGeom prst="rect">
+            <a:avLst/>
+          </a:prstGeom>
+          <a:noFill/>
+        </p:spPr>
+        <p:txBody>
+          <a:bodyPr wrap="square" rtlCol="0">
+            <a:spAutoFit/>
+          </a:bodyPr>
+          <a:lstStyle/>
+          <a:p>
+            <a:pPr indent="0" eaLnBrk="1" hangingPunct="1">
+              <a:lnSpc>
+                <a:spcPct val="150000"/>
+              </a:lnSpc>
+              <a:buFont typeface="Wingdings" panose="05000000000000000000" pitchFamily="2" charset="2"/>
+              <a:buNone/>
+            </a:pPr>
+            <a:r>
+              <a:rPr lang="zh-CN" altLang="en-US" b="1" dirty="0">
+                <a:solidFill>
+                  <a:srgbClr val="0070C0"/>
+                </a:solidFill>
+              </a:rPr>
+              <a:t>定义</a:t>
+            </a:r>
+            <a:endParaRPr lang="zh-CN" altLang="en-US" dirty="0"/>
+          </a:p>
+          <a:p>
+            <a:pPr marL="0" indent="461010" eaLnBrk="1" latinLnBrk="0" hangingPunct="1">
+              <a:lnSpc>
+                <a:spcPct val="200000"/>
+              </a:lnSpc>
+              <a:buClr>
+                <a:srgbClr val="0070C0"/>
+              </a:buClr>
+              <a:buFont typeface="+mj-lt"/>
+              <a:buNone/>
+            </a:pPr>
+            <a:r>
+              <a:rPr sz="1800" dirty="0"/>
+              <a:t>我们使用了一个访问者类，它改变了元素类的执行算法。通过这种方式，元素的执行算法可以随着访问者改变而改变。这种类型的设计模式属于行为型模式。根据模式，元素对象已接受访问者对象，这样访问者对象就可以处理元素对象上的操作。</a:t>
+            </a:r>
+            <a:endParaRPr sz="1800" dirty="0"/>
+          </a:p>
+        </p:txBody>
+      </p:sp>
+    </p:spTree>
+    <p:custDataLst>
+      <p:tags r:id="rId2"/>
+    </p:custDataLst>
+  </p:cSld>
+  <p:clrMapOvr>
+    <a:masterClrMapping/>
+  </p:clrMapOvr>
+</p:sld>
+</file>
+
+<file path=ppt/slides/slide56.xml><?xml version="1.0" encoding="utf-8"?>
+<p:sld xmlns:a="http://schemas.openxmlformats.org/drawingml/2006/main" xmlns:r="http://schemas.openxmlformats.org/officeDocument/2006/relationships" xmlns:p="http://schemas.openxmlformats.org/presentationml/2006/main">
+  <p:cSld>
+    <p:spTree>
+      <p:nvGrpSpPr>
+        <p:cNvPr id="1" name=""/>
+        <p:cNvGrpSpPr/>
+        <p:nvPr/>
+      </p:nvGrpSpPr>
+      <p:grpSpPr>
+        <a:xfrm>
+          <a:off x="0" y="0"/>
+          <a:ext cx="0" cy="0"/>
+          <a:chOff x="0" y="0"/>
+          <a:chExt cx="0" cy="0"/>
+        </a:xfrm>
+      </p:grpSpPr>
+      <p:sp>
+        <p:nvSpPr>
+          <p:cNvPr id="8" name="标题 1"/>
+          <p:cNvSpPr txBox="1"/>
+          <p:nvPr>
+            <p:custDataLst>
+              <p:tags r:id="rId1"/>
+            </p:custDataLst>
+          </p:nvPr>
+        </p:nvSpPr>
+        <p:spPr>
+          <a:xfrm>
+            <a:off x="571608" y="661194"/>
+            <a:ext cx="7886700" cy="994172"/>
+          </a:xfrm>
+          <a:prstGeom prst="rect">
+            <a:avLst/>
+          </a:prstGeom>
+        </p:spPr>
+        <p:txBody>
+          <a:bodyPr vert="horz" wrap="square" lIns="68580" tIns="34290" rIns="68580" bIns="34290" rtlCol="0" anchor="ctr">
+            <a:normAutofit/>
+          </a:bodyPr>
+          <a:lstStyle>
+            <a:lvl1pPr defTabSz="914400">
+              <a:lnSpc>
+                <a:spcPct val="120000"/>
+              </a:lnSpc>
+              <a:spcBef>
+                <a:spcPct val="0"/>
+              </a:spcBef>
+              <a:buNone/>
+              <a:defRPr sz="3600">
+                <a:solidFill>
+                  <a:schemeClr val="tx1">
+                    <a:lumMod val="75000"/>
+                    <a:lumOff val="25000"/>
+                  </a:schemeClr>
+                </a:solidFill>
+                <a:latin typeface="+mj-lt"/>
+                <a:ea typeface="+mj-ea"/>
+                <a:cs typeface="+mj-cs"/>
+              </a:defRPr>
+            </a:lvl1pPr>
+          </a:lstStyle>
+          <a:p>
+            <a:r>
+              <a:rPr dirty="0">
+                <a:sym typeface="+mn-ea"/>
+              </a:rPr>
+              <a:t>备忘录模式(</a:t>
+            </a:r>
+            <a:r>
+              <a:rPr lang="en-US" altLang="zh-CN" dirty="0">
+                <a:sym typeface="+mn-ea"/>
+              </a:rPr>
+              <a:t>The Memento Pattern</a:t>
+            </a:r>
+            <a:r>
+              <a:rPr dirty="0">
+                <a:sym typeface="+mn-ea"/>
+              </a:rPr>
+              <a:t>)</a:t>
+            </a:r>
+            <a:endParaRPr dirty="0">
+              <a:sym typeface="+mn-ea"/>
+            </a:endParaRPr>
+          </a:p>
+        </p:txBody>
+      </p:sp>
+      <p:sp>
+        <p:nvSpPr>
+          <p:cNvPr id="3" name="文本框 2"/>
+          <p:cNvSpPr txBox="1"/>
+          <p:nvPr/>
+        </p:nvSpPr>
+        <p:spPr>
+          <a:xfrm>
+            <a:off x="566431" y="2057436"/>
+            <a:ext cx="8334776" cy="2122805"/>
+          </a:xfrm>
+          <a:prstGeom prst="rect">
+            <a:avLst/>
+          </a:prstGeom>
+          <a:noFill/>
+        </p:spPr>
+        <p:txBody>
+          <a:bodyPr wrap="square" rtlCol="0">
+            <a:spAutoFit/>
+          </a:bodyPr>
+          <a:lstStyle/>
+          <a:p>
+            <a:pPr indent="0" eaLnBrk="1" hangingPunct="1">
+              <a:lnSpc>
+                <a:spcPct val="150000"/>
+              </a:lnSpc>
+              <a:buFont typeface="Wingdings" panose="05000000000000000000" pitchFamily="2" charset="2"/>
+              <a:buNone/>
+            </a:pPr>
+            <a:r>
+              <a:rPr lang="zh-CN" altLang="en-US" b="1" dirty="0">
+                <a:solidFill>
+                  <a:srgbClr val="0070C0"/>
+                </a:solidFill>
+              </a:rPr>
+              <a:t>适用场景</a:t>
+            </a:r>
+            <a:endParaRPr lang="en-US" altLang="zh-CN" b="1" dirty="0">
+              <a:solidFill>
+                <a:srgbClr val="0070C0"/>
+              </a:solidFill>
+            </a:endParaRPr>
+          </a:p>
+          <a:p>
+            <a:pPr marL="342900" indent="-342900" eaLnBrk="1" latinLnBrk="0" hangingPunct="1">
+              <a:lnSpc>
+                <a:spcPct val="200000"/>
+              </a:lnSpc>
+              <a:buClr>
+                <a:srgbClr val="0070C0"/>
+              </a:buClr>
+              <a:buFont typeface="+mj-lt"/>
+              <a:buAutoNum type="arabicPeriod"/>
+            </a:pPr>
+            <a:endParaRPr sz="1600" dirty="0"/>
+          </a:p>
+          <a:p>
+            <a:pPr marL="342900" indent="-342900" eaLnBrk="1" latinLnBrk="0" hangingPunct="1">
+              <a:lnSpc>
+                <a:spcPct val="200000"/>
+              </a:lnSpc>
+              <a:buClr>
+                <a:srgbClr val="0070C0"/>
+              </a:buClr>
+              <a:buFont typeface="+mj-lt"/>
+              <a:buAutoNum type="arabicPeriod"/>
+            </a:pPr>
+            <a:r>
+              <a:rPr sz="1600" dirty="0"/>
+              <a:t>需要保存/恢复数据的相关状态场景</a:t>
+            </a:r>
+            <a:r>
+              <a:rPr lang="zh-CN" sz="1600" dirty="0"/>
+              <a:t>；</a:t>
+            </a:r>
+            <a:endParaRPr lang="zh-CN" sz="1600" dirty="0"/>
+          </a:p>
+          <a:p>
+            <a:pPr marL="342900" indent="-342900" eaLnBrk="1" latinLnBrk="0" hangingPunct="1">
+              <a:lnSpc>
+                <a:spcPct val="200000"/>
+              </a:lnSpc>
+              <a:buClr>
+                <a:srgbClr val="0070C0"/>
+              </a:buClr>
+              <a:buFont typeface="+mj-lt"/>
+              <a:buAutoNum type="arabicPeriod"/>
+            </a:pPr>
+            <a:r>
+              <a:rPr sz="1600" dirty="0"/>
+              <a:t>提供一个可回滚的操作。</a:t>
+            </a:r>
+            <a:endParaRPr sz="1600" dirty="0"/>
+          </a:p>
+        </p:txBody>
+      </p:sp>
+    </p:spTree>
+    <p:custDataLst>
+      <p:tags r:id="rId2"/>
+    </p:custDataLst>
+  </p:cSld>
+  <p:clrMapOvr>
+    <a:masterClrMapping/>
+  </p:clrMapOvr>
+</p:sld>
+</file>
+
+<file path=ppt/slides/slide57.xml><?xml version="1.0" encoding="utf-8"?>
+<p:sld xmlns:a="http://schemas.openxmlformats.org/drawingml/2006/main" xmlns:r="http://schemas.openxmlformats.org/officeDocument/2006/relationships" xmlns:p="http://schemas.openxmlformats.org/presentationml/2006/main">
+  <p:cSld>
+    <p:spTree>
+      <p:nvGrpSpPr>
+        <p:cNvPr id="1" name=""/>
+        <p:cNvGrpSpPr/>
+        <p:nvPr/>
+      </p:nvGrpSpPr>
+      <p:grpSpPr>
+        <a:xfrm>
+          <a:off x="0" y="0"/>
+          <a:ext cx="0" cy="0"/>
+          <a:chOff x="0" y="0"/>
+          <a:chExt cx="0" cy="0"/>
+        </a:xfrm>
+      </p:grpSpPr>
+      <p:sp>
+        <p:nvSpPr>
+          <p:cNvPr id="8" name="标题 1"/>
+          <p:cNvSpPr txBox="1"/>
+          <p:nvPr>
+            <p:custDataLst>
+              <p:tags r:id="rId1"/>
+            </p:custDataLst>
+          </p:nvPr>
+        </p:nvSpPr>
+        <p:spPr>
+          <a:xfrm>
+            <a:off x="571608" y="661194"/>
+            <a:ext cx="7886700" cy="994172"/>
+          </a:xfrm>
+          <a:prstGeom prst="rect">
+            <a:avLst/>
+          </a:prstGeom>
+        </p:spPr>
+        <p:txBody>
+          <a:bodyPr vert="horz" wrap="square" lIns="68580" tIns="34290" rIns="68580" bIns="34290" rtlCol="0" anchor="ctr">
+            <a:normAutofit/>
+          </a:bodyPr>
+          <a:lstStyle>
+            <a:lvl1pPr defTabSz="914400">
+              <a:lnSpc>
+                <a:spcPct val="120000"/>
+              </a:lnSpc>
+              <a:spcBef>
+                <a:spcPct val="0"/>
+              </a:spcBef>
+              <a:buNone/>
+              <a:defRPr sz="3600">
+                <a:solidFill>
+                  <a:schemeClr val="tx1">
+                    <a:lumMod val="75000"/>
+                    <a:lumOff val="25000"/>
+                  </a:schemeClr>
+                </a:solidFill>
+                <a:latin typeface="+mj-lt"/>
+                <a:ea typeface="+mj-ea"/>
+                <a:cs typeface="+mj-cs"/>
+              </a:defRPr>
+            </a:lvl1pPr>
+          </a:lstStyle>
+          <a:p>
+            <a:r>
+              <a:rPr dirty="0">
+                <a:sym typeface="+mn-ea"/>
+              </a:rPr>
+              <a:t>备忘录模式(</a:t>
+            </a:r>
+            <a:r>
+              <a:rPr lang="en-US" altLang="zh-CN" dirty="0">
+                <a:sym typeface="+mn-ea"/>
+              </a:rPr>
+              <a:t>The Memento Pattern</a:t>
+            </a:r>
+            <a:r>
+              <a:rPr dirty="0">
+                <a:sym typeface="+mn-ea"/>
+              </a:rPr>
+              <a:t>)</a:t>
+            </a:r>
+            <a:endParaRPr dirty="0">
+              <a:sym typeface="+mn-ea"/>
+            </a:endParaRPr>
+          </a:p>
+        </p:txBody>
+      </p:sp>
+      <p:sp>
+        <p:nvSpPr>
+          <p:cNvPr id="3" name="文本框 2"/>
+          <p:cNvSpPr txBox="1"/>
+          <p:nvPr/>
+        </p:nvSpPr>
+        <p:spPr>
+          <a:xfrm>
+            <a:off x="566431" y="2057436"/>
+            <a:ext cx="8334776" cy="2861310"/>
+          </a:xfrm>
+          <a:prstGeom prst="rect">
+            <a:avLst/>
+          </a:prstGeom>
+          <a:noFill/>
+        </p:spPr>
+        <p:txBody>
+          <a:bodyPr wrap="square" rtlCol="0">
+            <a:spAutoFit/>
+          </a:bodyPr>
+          <a:lstStyle/>
+          <a:p>
+            <a:pPr indent="0" eaLnBrk="1" hangingPunct="1">
+              <a:lnSpc>
+                <a:spcPct val="150000"/>
+              </a:lnSpc>
+              <a:buFont typeface="Wingdings" panose="05000000000000000000" pitchFamily="2" charset="2"/>
+              <a:buNone/>
+            </a:pPr>
+            <a:r>
+              <a:rPr lang="zh-CN" altLang="en-US" b="1" dirty="0">
+                <a:solidFill>
+                  <a:srgbClr val="0070C0"/>
+                </a:solidFill>
+              </a:rPr>
+              <a:t>优点</a:t>
+            </a:r>
+            <a:endParaRPr lang="zh-CN" altLang="en-US" b="1" dirty="0">
+              <a:solidFill>
+                <a:srgbClr val="0070C0"/>
+              </a:solidFill>
+            </a:endParaRPr>
+          </a:p>
+          <a:p>
+            <a:pPr indent="0" eaLnBrk="1" hangingPunct="1">
+              <a:lnSpc>
+                <a:spcPct val="150000"/>
+              </a:lnSpc>
+              <a:buFont typeface="Wingdings" panose="05000000000000000000" pitchFamily="2" charset="2"/>
+              <a:buNone/>
+            </a:pPr>
+            <a:endParaRPr lang="zh-CN" altLang="en-US" dirty="0"/>
+          </a:p>
+          <a:p>
+            <a:pPr marL="457200" indent="-457200" eaLnBrk="1" latinLnBrk="0" hangingPunct="1">
+              <a:lnSpc>
+                <a:spcPct val="200000"/>
+              </a:lnSpc>
+              <a:buClr>
+                <a:srgbClr val="0070C0"/>
+              </a:buClr>
+              <a:buFont typeface="+mj-lt"/>
+              <a:buAutoNum type="arabicPeriod"/>
+            </a:pPr>
+            <a:r>
+              <a:rPr lang="zh-CN" altLang="en-US" sz="1800" dirty="0"/>
+              <a:t>给用户提供了一种可以恢复状态的机制，可以使用户能够比较方便地回到某个历史的状态；</a:t>
+            </a:r>
+            <a:endParaRPr lang="zh-CN" altLang="en-US" sz="1800" dirty="0"/>
+          </a:p>
+          <a:p>
+            <a:pPr marL="457200" indent="-457200" eaLnBrk="1" latinLnBrk="0" hangingPunct="1">
+              <a:lnSpc>
+                <a:spcPct val="200000"/>
+              </a:lnSpc>
+              <a:buClr>
+                <a:srgbClr val="0070C0"/>
+              </a:buClr>
+              <a:buFont typeface="+mj-lt"/>
+              <a:buAutoNum type="arabicPeriod"/>
+            </a:pPr>
+            <a:r>
+              <a:rPr lang="zh-CN" altLang="en-US" sz="1800" dirty="0"/>
+              <a:t>实现了信息的封装，使得用户不需要关心状态的保存细节。</a:t>
+            </a:r>
+            <a:endParaRPr lang="zh-CN" altLang="en-US" sz="1800" dirty="0"/>
+          </a:p>
+        </p:txBody>
+      </p:sp>
+    </p:spTree>
+    <p:custDataLst>
+      <p:tags r:id="rId2"/>
+    </p:custDataLst>
+  </p:cSld>
+  <p:clrMapOvr>
+    <a:masterClrMapping/>
+  </p:clrMapOvr>
+</p:sld>
+</file>
+
+<file path=ppt/slides/slide58.xml><?xml version="1.0" encoding="utf-8"?>
+<p:sld xmlns:a="http://schemas.openxmlformats.org/drawingml/2006/main" xmlns:r="http://schemas.openxmlformats.org/officeDocument/2006/relationships" xmlns:p="http://schemas.openxmlformats.org/presentationml/2006/main">
+  <p:cSld>
+    <p:spTree>
+      <p:nvGrpSpPr>
+        <p:cNvPr id="1" name=""/>
+        <p:cNvGrpSpPr/>
+        <p:nvPr/>
+      </p:nvGrpSpPr>
+      <p:grpSpPr>
+        <a:xfrm>
+          <a:off x="0" y="0"/>
+          <a:ext cx="0" cy="0"/>
+          <a:chOff x="0" y="0"/>
+          <a:chExt cx="0" cy="0"/>
+        </a:xfrm>
+      </p:grpSpPr>
+      <p:sp>
+        <p:nvSpPr>
+          <p:cNvPr id="8" name="标题 1"/>
+          <p:cNvSpPr txBox="1"/>
+          <p:nvPr>
+            <p:custDataLst>
+              <p:tags r:id="rId1"/>
+            </p:custDataLst>
+          </p:nvPr>
+        </p:nvSpPr>
+        <p:spPr>
+          <a:xfrm>
+            <a:off x="571608" y="661194"/>
+            <a:ext cx="7886700" cy="994172"/>
+          </a:xfrm>
+          <a:prstGeom prst="rect">
+            <a:avLst/>
+          </a:prstGeom>
+        </p:spPr>
+        <p:txBody>
+          <a:bodyPr vert="horz" wrap="square" lIns="68580" tIns="34290" rIns="68580" bIns="34290" rtlCol="0" anchor="ctr">
+            <a:normAutofit/>
+          </a:bodyPr>
+          <a:lstStyle>
+            <a:lvl1pPr defTabSz="914400">
+              <a:lnSpc>
+                <a:spcPct val="120000"/>
+              </a:lnSpc>
+              <a:spcBef>
+                <a:spcPct val="0"/>
+              </a:spcBef>
+              <a:buNone/>
+              <a:defRPr sz="3600">
+                <a:solidFill>
+                  <a:schemeClr val="tx1">
+                    <a:lumMod val="75000"/>
+                    <a:lumOff val="25000"/>
+                  </a:schemeClr>
+                </a:solidFill>
+                <a:latin typeface="+mj-lt"/>
+                <a:ea typeface="+mj-ea"/>
+                <a:cs typeface="+mj-cs"/>
+              </a:defRPr>
+            </a:lvl1pPr>
+          </a:lstStyle>
+          <a:p>
+            <a:r>
+              <a:rPr dirty="0">
+                <a:sym typeface="+mn-ea"/>
+              </a:rPr>
+              <a:t>备忘录模式(</a:t>
+            </a:r>
+            <a:r>
+              <a:rPr lang="en-US" altLang="zh-CN" dirty="0">
+                <a:sym typeface="+mn-ea"/>
+              </a:rPr>
+              <a:t>The Memento Pattern</a:t>
+            </a:r>
+            <a:r>
+              <a:rPr dirty="0">
+                <a:sym typeface="+mn-ea"/>
+              </a:rPr>
+              <a:t>)</a:t>
+            </a:r>
+            <a:endParaRPr dirty="0">
+              <a:sym typeface="+mn-ea"/>
+            </a:endParaRPr>
+          </a:p>
+        </p:txBody>
+      </p:sp>
+      <p:sp>
+        <p:nvSpPr>
+          <p:cNvPr id="3" name="文本框 2"/>
+          <p:cNvSpPr txBox="1"/>
+          <p:nvPr/>
+        </p:nvSpPr>
+        <p:spPr>
+          <a:xfrm>
+            <a:off x="566431" y="2057436"/>
+            <a:ext cx="8334776" cy="1753235"/>
+          </a:xfrm>
+          <a:prstGeom prst="rect">
+            <a:avLst/>
+          </a:prstGeom>
+          <a:noFill/>
+        </p:spPr>
+        <p:txBody>
+          <a:bodyPr wrap="square" rtlCol="0">
+            <a:spAutoFit/>
+          </a:bodyPr>
+          <a:lstStyle/>
+          <a:p>
+            <a:pPr indent="0" eaLnBrk="1" hangingPunct="1">
+              <a:lnSpc>
+                <a:spcPct val="150000"/>
+              </a:lnSpc>
+              <a:buFont typeface="Wingdings" panose="05000000000000000000" pitchFamily="2" charset="2"/>
+              <a:buNone/>
+            </a:pPr>
+            <a:r>
+              <a:rPr lang="zh-CN" altLang="en-US" b="1" dirty="0">
+                <a:solidFill>
+                  <a:srgbClr val="0070C0"/>
+                </a:solidFill>
+              </a:rPr>
+              <a:t>缺点</a:t>
+            </a:r>
+            <a:endParaRPr lang="zh-CN" altLang="en-US" dirty="0"/>
+          </a:p>
+          <a:p>
+            <a:pPr marL="457200" indent="-457200" algn="l">
+              <a:lnSpc>
+                <a:spcPct val="200000"/>
+              </a:lnSpc>
+              <a:buClr>
+                <a:srgbClr val="0070C0"/>
+              </a:buClr>
+              <a:buFont typeface="+mj-lt"/>
+              <a:buAutoNum type="arabicPeriod"/>
+            </a:pPr>
+            <a:r>
+              <a:rPr lang="zh-CN" altLang="en-US" sz="1800" dirty="0"/>
+              <a:t>消耗资源。如果类的成员变量过多，势必会占用比较大的资源，而且每一次保存都会消耗一定的内存。</a:t>
+            </a:r>
+            <a:endParaRPr lang="zh-CN" altLang="en-US" sz="1800" dirty="0"/>
+          </a:p>
+        </p:txBody>
+      </p:sp>
+    </p:spTree>
+    <p:custDataLst>
+      <p:tags r:id="rId2"/>
+    </p:custDataLst>
   </p:cSld>
   <p:clrMapOvr>
     <a:masterClrMapping/>
@@ -16365,6 +18490,201 @@
 </p:tagLst>
 </file>
 
+<file path=ppt/tags/tag100.xml><?xml version="1.0" encoding="utf-8"?>
+<p:tagLst xmlns:p="http://schemas.openxmlformats.org/presentationml/2006/main">
+  <p:tag name="KSO_WM_TEMPLATE_CATEGORY" val="custom"/>
+  <p:tag name="KSO_WM_TEMPLATE_INDEX" val="20186830"/>
+  <p:tag name="KSO_WM_TAG_VERSION" val="1.0"/>
+  <p:tag name="KSO_WM_SLIDE_ID" val="custom20186830_7"/>
+  <p:tag name="KSO_WM_SLIDE_INDEX" val="7"/>
+  <p:tag name="KSO_WM_SLIDE_ITEM_CNT" val="1"/>
+  <p:tag name="KSO_WM_SLIDE_LAYOUT" val="a_l"/>
+  <p:tag name="KSO_WM_SLIDE_LAYOUT_CNT" val="1_1"/>
+  <p:tag name="KSO_WM_SLIDE_TYPE" val="text"/>
+  <p:tag name="KSO_WM_BEAUTIFY_FLAG" val="#wm#"/>
+  <p:tag name="KSO_WM_SLIDE_POSITION" val="25*85"/>
+  <p:tag name="KSO_WM_SLIDE_SIZE" val="452*279"/>
+  <p:tag name="KSO_WM_DIAGRAM_GROUP_CODE" val="l1-1"/>
+  <p:tag name="KSO_WM_SLIDE_SUBTYPE" val="diag"/>
+</p:tagLst>
+</file>
+
+<file path=ppt/tags/tag101.xml><?xml version="1.0" encoding="utf-8"?>
+<p:tagLst xmlns:p="http://schemas.openxmlformats.org/presentationml/2006/main">
+  <p:tag name="KSO_WM_TEMPLATE_CATEGORY" val="custom"/>
+  <p:tag name="KSO_WM_TEMPLATE_INDEX" val="20186830"/>
+  <p:tag name="KSO_WM_TAG_VERSION" val="1.0"/>
+  <p:tag name="KSO_WM_BEAUTIFY_FLAG" val="#wm#"/>
+  <p:tag name="KSO_WM_UNIT_TYPE" val="a"/>
+  <p:tag name="KSO_WM_UNIT_INDEX" val="1"/>
+  <p:tag name="KSO_WM_UNIT_ID" val="custom20186830_7*a*1"/>
+  <p:tag name="KSO_WM_UNIT_LAYERLEVEL" val="1"/>
+  <p:tag name="KSO_WM_UNIT_VALUE" val="19"/>
+  <p:tag name="KSO_WM_UNIT_ISCONTENTSTITLE" val="0"/>
+  <p:tag name="KSO_WM_UNIT_HIGHLIGHT" val="0"/>
+  <p:tag name="KSO_WM_UNIT_COMPATIBLE" val="0"/>
+  <p:tag name="KSO_WM_UNIT_CLEAR" val="0"/>
+  <p:tag name="KSO_WM_UNIT_PRESET_TEXT_INDEX" val="3"/>
+  <p:tag name="KSO_WM_UNIT_PRESET_TEXT_LEN" val="17"/>
+</p:tagLst>
+</file>
+
+<file path=ppt/tags/tag102.xml><?xml version="1.0" encoding="utf-8"?>
+<p:tagLst xmlns:p="http://schemas.openxmlformats.org/presentationml/2006/main">
+  <p:tag name="KSO_WM_TEMPLATE_CATEGORY" val="custom"/>
+  <p:tag name="KSO_WM_TEMPLATE_INDEX" val="20186830"/>
+  <p:tag name="KSO_WM_TAG_VERSION" val="1.0"/>
+  <p:tag name="KSO_WM_SLIDE_ID" val="custom20186830_7"/>
+  <p:tag name="KSO_WM_SLIDE_INDEX" val="7"/>
+  <p:tag name="KSO_WM_SLIDE_ITEM_CNT" val="1"/>
+  <p:tag name="KSO_WM_SLIDE_LAYOUT" val="a_l"/>
+  <p:tag name="KSO_WM_SLIDE_LAYOUT_CNT" val="1_1"/>
+  <p:tag name="KSO_WM_SLIDE_TYPE" val="text"/>
+  <p:tag name="KSO_WM_BEAUTIFY_FLAG" val="#wm#"/>
+  <p:tag name="KSO_WM_SLIDE_POSITION" val="25*85"/>
+  <p:tag name="KSO_WM_SLIDE_SIZE" val="452*279"/>
+  <p:tag name="KSO_WM_DIAGRAM_GROUP_CODE" val="l1-1"/>
+  <p:tag name="KSO_WM_SLIDE_SUBTYPE" val="diag"/>
+</p:tagLst>
+</file>
+
+<file path=ppt/tags/tag103.xml><?xml version="1.0" encoding="utf-8"?>
+<p:tagLst xmlns:p="http://schemas.openxmlformats.org/presentationml/2006/main">
+  <p:tag name="KSO_WM_TEMPLATE_CATEGORY" val="custom"/>
+  <p:tag name="KSO_WM_TEMPLATE_INDEX" val="20186830"/>
+  <p:tag name="KSO_WM_TAG_VERSION" val="1.0"/>
+  <p:tag name="KSO_WM_BEAUTIFY_FLAG" val="#wm#"/>
+  <p:tag name="KSO_WM_UNIT_TYPE" val="a"/>
+  <p:tag name="KSO_WM_UNIT_INDEX" val="1"/>
+  <p:tag name="KSO_WM_UNIT_ID" val="custom20186830_7*a*1"/>
+  <p:tag name="KSO_WM_UNIT_LAYERLEVEL" val="1"/>
+  <p:tag name="KSO_WM_UNIT_VALUE" val="19"/>
+  <p:tag name="KSO_WM_UNIT_ISCONTENTSTITLE" val="0"/>
+  <p:tag name="KSO_WM_UNIT_HIGHLIGHT" val="0"/>
+  <p:tag name="KSO_WM_UNIT_COMPATIBLE" val="0"/>
+  <p:tag name="KSO_WM_UNIT_CLEAR" val="0"/>
+  <p:tag name="KSO_WM_UNIT_PRESET_TEXT_INDEX" val="3"/>
+  <p:tag name="KSO_WM_UNIT_PRESET_TEXT_LEN" val="17"/>
+</p:tagLst>
+</file>
+
+<file path=ppt/tags/tag104.xml><?xml version="1.0" encoding="utf-8"?>
+<p:tagLst xmlns:p="http://schemas.openxmlformats.org/presentationml/2006/main">
+  <p:tag name="KSO_WM_TEMPLATE_CATEGORY" val="custom"/>
+  <p:tag name="KSO_WM_TEMPLATE_INDEX" val="20186830"/>
+  <p:tag name="KSO_WM_TAG_VERSION" val="1.0"/>
+  <p:tag name="KSO_WM_SLIDE_ID" val="custom20186830_7"/>
+  <p:tag name="KSO_WM_SLIDE_INDEX" val="7"/>
+  <p:tag name="KSO_WM_SLIDE_ITEM_CNT" val="1"/>
+  <p:tag name="KSO_WM_SLIDE_LAYOUT" val="a_l"/>
+  <p:tag name="KSO_WM_SLIDE_LAYOUT_CNT" val="1_1"/>
+  <p:tag name="KSO_WM_SLIDE_TYPE" val="text"/>
+  <p:tag name="KSO_WM_BEAUTIFY_FLAG" val="#wm#"/>
+  <p:tag name="KSO_WM_SLIDE_POSITION" val="25*85"/>
+  <p:tag name="KSO_WM_SLIDE_SIZE" val="452*279"/>
+  <p:tag name="KSO_WM_DIAGRAM_GROUP_CODE" val="l1-1"/>
+  <p:tag name="KSO_WM_SLIDE_SUBTYPE" val="diag"/>
+</p:tagLst>
+</file>
+
+<file path=ppt/tags/tag105.xml><?xml version="1.0" encoding="utf-8"?>
+<p:tagLst xmlns:p="http://schemas.openxmlformats.org/presentationml/2006/main">
+  <p:tag name="KSO_WM_TEMPLATE_CATEGORY" val="custom"/>
+  <p:tag name="KSO_WM_TEMPLATE_INDEX" val="20186830"/>
+  <p:tag name="KSO_WM_TAG_VERSION" val="1.0"/>
+  <p:tag name="KSO_WM_BEAUTIFY_FLAG" val="#wm#"/>
+  <p:tag name="KSO_WM_UNIT_TYPE" val="a"/>
+  <p:tag name="KSO_WM_UNIT_INDEX" val="1"/>
+  <p:tag name="KSO_WM_UNIT_ID" val="custom20186830_7*a*1"/>
+  <p:tag name="KSO_WM_UNIT_LAYERLEVEL" val="1"/>
+  <p:tag name="KSO_WM_UNIT_VALUE" val="19"/>
+  <p:tag name="KSO_WM_UNIT_ISCONTENTSTITLE" val="0"/>
+  <p:tag name="KSO_WM_UNIT_HIGHLIGHT" val="0"/>
+  <p:tag name="KSO_WM_UNIT_COMPATIBLE" val="0"/>
+  <p:tag name="KSO_WM_UNIT_CLEAR" val="0"/>
+  <p:tag name="KSO_WM_UNIT_PRESET_TEXT_INDEX" val="3"/>
+  <p:tag name="KSO_WM_UNIT_PRESET_TEXT_LEN" val="17"/>
+</p:tagLst>
+</file>
+
+<file path=ppt/tags/tag106.xml><?xml version="1.0" encoding="utf-8"?>
+<p:tagLst xmlns:p="http://schemas.openxmlformats.org/presentationml/2006/main">
+  <p:tag name="KSO_WM_TEMPLATE_CATEGORY" val="custom"/>
+  <p:tag name="KSO_WM_TEMPLATE_INDEX" val="20186830"/>
+  <p:tag name="KSO_WM_TAG_VERSION" val="1.0"/>
+  <p:tag name="KSO_WM_SLIDE_ID" val="custom20186830_7"/>
+  <p:tag name="KSO_WM_SLIDE_INDEX" val="7"/>
+  <p:tag name="KSO_WM_SLIDE_ITEM_CNT" val="1"/>
+  <p:tag name="KSO_WM_SLIDE_LAYOUT" val="a_l"/>
+  <p:tag name="KSO_WM_SLIDE_LAYOUT_CNT" val="1_1"/>
+  <p:tag name="KSO_WM_SLIDE_TYPE" val="text"/>
+  <p:tag name="KSO_WM_BEAUTIFY_FLAG" val="#wm#"/>
+  <p:tag name="KSO_WM_SLIDE_POSITION" val="25*85"/>
+  <p:tag name="KSO_WM_SLIDE_SIZE" val="452*279"/>
+  <p:tag name="KSO_WM_DIAGRAM_GROUP_CODE" val="l1-1"/>
+  <p:tag name="KSO_WM_SLIDE_SUBTYPE" val="diag"/>
+</p:tagLst>
+</file>
+
+<file path=ppt/tags/tag107.xml><?xml version="1.0" encoding="utf-8"?>
+<p:tagLst xmlns:p="http://schemas.openxmlformats.org/presentationml/2006/main">
+  <p:tag name="KSO_WM_TEMPLATE_CATEGORY" val="custom"/>
+  <p:tag name="KSO_WM_TEMPLATE_INDEX" val="20186830"/>
+  <p:tag name="KSO_WM_TAG_VERSION" val="1.0"/>
+  <p:tag name="KSO_WM_BEAUTIFY_FLAG" val="#wm#"/>
+  <p:tag name="KSO_WM_UNIT_TYPE" val="a"/>
+  <p:tag name="KSO_WM_UNIT_INDEX" val="1"/>
+  <p:tag name="KSO_WM_UNIT_ID" val="custom20186830_7*a*1"/>
+  <p:tag name="KSO_WM_UNIT_LAYERLEVEL" val="1"/>
+  <p:tag name="KSO_WM_UNIT_VALUE" val="19"/>
+  <p:tag name="KSO_WM_UNIT_ISCONTENTSTITLE" val="0"/>
+  <p:tag name="KSO_WM_UNIT_HIGHLIGHT" val="0"/>
+  <p:tag name="KSO_WM_UNIT_COMPATIBLE" val="0"/>
+  <p:tag name="KSO_WM_UNIT_CLEAR" val="0"/>
+  <p:tag name="KSO_WM_UNIT_PRESET_TEXT_INDEX" val="3"/>
+  <p:tag name="KSO_WM_UNIT_PRESET_TEXT_LEN" val="17"/>
+</p:tagLst>
+</file>
+
+<file path=ppt/tags/tag108.xml><?xml version="1.0" encoding="utf-8"?>
+<p:tagLst xmlns:p="http://schemas.openxmlformats.org/presentationml/2006/main">
+  <p:tag name="KSO_WM_TEMPLATE_CATEGORY" val="custom"/>
+  <p:tag name="KSO_WM_TEMPLATE_INDEX" val="20186830"/>
+  <p:tag name="KSO_WM_TAG_VERSION" val="1.0"/>
+  <p:tag name="KSO_WM_SLIDE_ID" val="custom20186830_7"/>
+  <p:tag name="KSO_WM_SLIDE_INDEX" val="7"/>
+  <p:tag name="KSO_WM_SLIDE_ITEM_CNT" val="1"/>
+  <p:tag name="KSO_WM_SLIDE_LAYOUT" val="a_l"/>
+  <p:tag name="KSO_WM_SLIDE_LAYOUT_CNT" val="1_1"/>
+  <p:tag name="KSO_WM_SLIDE_TYPE" val="text"/>
+  <p:tag name="KSO_WM_BEAUTIFY_FLAG" val="#wm#"/>
+  <p:tag name="KSO_WM_SLIDE_POSITION" val="25*85"/>
+  <p:tag name="KSO_WM_SLIDE_SIZE" val="452*279"/>
+  <p:tag name="KSO_WM_DIAGRAM_GROUP_CODE" val="l1-1"/>
+  <p:tag name="KSO_WM_SLIDE_SUBTYPE" val="diag"/>
+</p:tagLst>
+</file>
+
+<file path=ppt/tags/tag109.xml><?xml version="1.0" encoding="utf-8"?>
+<p:tagLst xmlns:p="http://schemas.openxmlformats.org/presentationml/2006/main">
+  <p:tag name="KSO_WM_TEMPLATE_CATEGORY" val="custom"/>
+  <p:tag name="KSO_WM_TEMPLATE_INDEX" val="20186830"/>
+  <p:tag name="KSO_WM_TAG_VERSION" val="1.0"/>
+  <p:tag name="KSO_WM_BEAUTIFY_FLAG" val="#wm#"/>
+  <p:tag name="KSO_WM_UNIT_TYPE" val="a"/>
+  <p:tag name="KSO_WM_UNIT_INDEX" val="1"/>
+  <p:tag name="KSO_WM_UNIT_ID" val="custom20186830_7*a*1"/>
+  <p:tag name="KSO_WM_UNIT_LAYERLEVEL" val="1"/>
+  <p:tag name="KSO_WM_UNIT_VALUE" val="19"/>
+  <p:tag name="KSO_WM_UNIT_ISCONTENTSTITLE" val="0"/>
+  <p:tag name="KSO_WM_UNIT_HIGHLIGHT" val="0"/>
+  <p:tag name="KSO_WM_UNIT_COMPATIBLE" val="0"/>
+  <p:tag name="KSO_WM_UNIT_CLEAR" val="0"/>
+  <p:tag name="KSO_WM_UNIT_PRESET_TEXT_INDEX" val="3"/>
+  <p:tag name="KSO_WM_UNIT_PRESET_TEXT_LEN" val="17"/>
+</p:tagLst>
+</file>
+
 <file path=ppt/tags/tag11.xml><?xml version="1.0" encoding="utf-8"?>
 <p:tagLst xmlns:p="http://schemas.openxmlformats.org/presentationml/2006/main">
   <p:tag name="KSO_WM_TAG_VERSION" val="1.0"/>
@@ -16374,6 +18694,64 @@
   <p:tag name="KSO_WM_TEMPLATE_CATEGORY" val="custom"/>
   <p:tag name="KSO_WM_TEMPLATE_INDEX" val="20184556"/>
   <p:tag name="KSO_WM_UNIT_INDEX" val="2"/>
+</p:tagLst>
+</file>
+
+<file path=ppt/tags/tag110.xml><?xml version="1.0" encoding="utf-8"?>
+<p:tagLst xmlns:p="http://schemas.openxmlformats.org/presentationml/2006/main">
+  <p:tag name="KSO_WM_TEMPLATE_CATEGORY" val="custom"/>
+  <p:tag name="KSO_WM_TEMPLATE_INDEX" val="20186830"/>
+  <p:tag name="KSO_WM_TAG_VERSION" val="1.0"/>
+  <p:tag name="KSO_WM_SLIDE_ID" val="custom20186830_7"/>
+  <p:tag name="KSO_WM_SLIDE_INDEX" val="7"/>
+  <p:tag name="KSO_WM_SLIDE_ITEM_CNT" val="1"/>
+  <p:tag name="KSO_WM_SLIDE_LAYOUT" val="a_l"/>
+  <p:tag name="KSO_WM_SLIDE_LAYOUT_CNT" val="1_1"/>
+  <p:tag name="KSO_WM_SLIDE_TYPE" val="text"/>
+  <p:tag name="KSO_WM_BEAUTIFY_FLAG" val="#wm#"/>
+  <p:tag name="KSO_WM_SLIDE_POSITION" val="25*85"/>
+  <p:tag name="KSO_WM_SLIDE_SIZE" val="452*279"/>
+  <p:tag name="KSO_WM_DIAGRAM_GROUP_CODE" val="l1-1"/>
+  <p:tag name="KSO_WM_SLIDE_SUBTYPE" val="diag"/>
+</p:tagLst>
+</file>
+
+<file path=ppt/tags/tag111.xml><?xml version="1.0" encoding="utf-8"?>
+<p:tagLst xmlns:p="http://schemas.openxmlformats.org/presentationml/2006/main">
+  <p:tag name="KSO_WM_TEMPLATE_CATEGORY" val="custom"/>
+  <p:tag name="KSO_WM_TEMPLATE_INDEX" val="20186830"/>
+  <p:tag name="KSO_WM_TAG_VERSION" val="1.0"/>
+  <p:tag name="KSO_WM_BEAUTIFY_FLAG" val="#wm#"/>
+  <p:tag name="KSO_WM_UNIT_TYPE" val="a"/>
+  <p:tag name="KSO_WM_UNIT_INDEX" val="1"/>
+  <p:tag name="KSO_WM_UNIT_ID" val="custom20186830_7*a*1"/>
+  <p:tag name="KSO_WM_UNIT_LAYERLEVEL" val="1"/>
+  <p:tag name="KSO_WM_UNIT_VALUE" val="19"/>
+  <p:tag name="KSO_WM_UNIT_ISCONTENTSTITLE" val="0"/>
+  <p:tag name="KSO_WM_UNIT_HIGHLIGHT" val="0"/>
+  <p:tag name="KSO_WM_UNIT_COMPATIBLE" val="0"/>
+  <p:tag name="KSO_WM_UNIT_CLEAR" val="0"/>
+  <p:tag name="KSO_WM_UNIT_PRESET_TEXT_INDEX" val="3"/>
+  <p:tag name="KSO_WM_UNIT_PRESET_TEXT_LEN" val="17"/>
+</p:tagLst>
+</file>
+
+<file path=ppt/tags/tag112.xml><?xml version="1.0" encoding="utf-8"?>
+<p:tagLst xmlns:p="http://schemas.openxmlformats.org/presentationml/2006/main">
+  <p:tag name="KSO_WM_TEMPLATE_CATEGORY" val="custom"/>
+  <p:tag name="KSO_WM_TEMPLATE_INDEX" val="20186830"/>
+  <p:tag name="KSO_WM_TAG_VERSION" val="1.0"/>
+  <p:tag name="KSO_WM_SLIDE_ID" val="custom20186830_7"/>
+  <p:tag name="KSO_WM_SLIDE_INDEX" val="7"/>
+  <p:tag name="KSO_WM_SLIDE_ITEM_CNT" val="1"/>
+  <p:tag name="KSO_WM_SLIDE_LAYOUT" val="a_l"/>
+  <p:tag name="KSO_WM_SLIDE_LAYOUT_CNT" val="1_1"/>
+  <p:tag name="KSO_WM_SLIDE_TYPE" val="text"/>
+  <p:tag name="KSO_WM_BEAUTIFY_FLAG" val="#wm#"/>
+  <p:tag name="KSO_WM_SLIDE_POSITION" val="25*85"/>
+  <p:tag name="KSO_WM_SLIDE_SIZE" val="452*279"/>
+  <p:tag name="KSO_WM_DIAGRAM_GROUP_CODE" val="l1-1"/>
+  <p:tag name="KSO_WM_SLIDE_SUBTYPE" val="diag"/>
 </p:tagLst>
 </file>
 
@@ -18066,6 +20444,65 @@
   <p:tag name="KSO_WM_SLIDE_SIZE" val="452*279"/>
   <p:tag name="KSO_WM_DIAGRAM_GROUP_CODE" val="l1-1"/>
   <p:tag name="KSO_WM_SLIDE_SUBTYPE" val="diag"/>
+</p:tagLst>
+</file>
+
+<file path=ppt/tags/tag97.xml><?xml version="1.0" encoding="utf-8"?>
+<p:tagLst xmlns:p="http://schemas.openxmlformats.org/presentationml/2006/main">
+  <p:tag name="KSO_WM_TEMPLATE_CATEGORY" val="custom"/>
+  <p:tag name="KSO_WM_TEMPLATE_INDEX" val="20186830"/>
+  <p:tag name="KSO_WM_TAG_VERSION" val="1.0"/>
+  <p:tag name="KSO_WM_BEAUTIFY_FLAG" val="#wm#"/>
+  <p:tag name="KSO_WM_UNIT_TYPE" val="a"/>
+  <p:tag name="KSO_WM_UNIT_INDEX" val="1"/>
+  <p:tag name="KSO_WM_UNIT_ID" val="custom20186830_7*a*1"/>
+  <p:tag name="KSO_WM_UNIT_LAYERLEVEL" val="1"/>
+  <p:tag name="KSO_WM_UNIT_VALUE" val="19"/>
+  <p:tag name="KSO_WM_UNIT_ISCONTENTSTITLE" val="0"/>
+  <p:tag name="KSO_WM_UNIT_HIGHLIGHT" val="0"/>
+  <p:tag name="KSO_WM_UNIT_COMPATIBLE" val="0"/>
+  <p:tag name="KSO_WM_UNIT_CLEAR" val="0"/>
+  <p:tag name="KSO_WM_UNIT_PRESET_TEXT_INDEX" val="3"/>
+  <p:tag name="KSO_WM_UNIT_PRESET_TEXT_LEN" val="17"/>
+</p:tagLst>
+</file>
+
+<file path=ppt/tags/tag98.xml><?xml version="1.0" encoding="utf-8"?>
+<p:tagLst xmlns:p="http://schemas.openxmlformats.org/presentationml/2006/main">
+  <p:tag name="KSO_WM_TEMPLATE_CATEGORY" val="custom"/>
+  <p:tag name="KSO_WM_TEMPLATE_INDEX" val="20186830"/>
+  <p:tag name="KSO_WM_TAG_VERSION" val="1.0"/>
+  <p:tag name="KSO_WM_SLIDE_ID" val="custom20186830_7"/>
+  <p:tag name="KSO_WM_SLIDE_INDEX" val="7"/>
+  <p:tag name="KSO_WM_SLIDE_ITEM_CNT" val="1"/>
+  <p:tag name="KSO_WM_SLIDE_LAYOUT" val="a_l"/>
+  <p:tag name="KSO_WM_SLIDE_LAYOUT_CNT" val="1_1"/>
+  <p:tag name="KSO_WM_SLIDE_TYPE" val="text"/>
+  <p:tag name="KSO_WM_BEAUTIFY_FLAG" val="#wm#"/>
+  <p:tag name="KSO_WM_SLIDE_POSITION" val="25*85"/>
+  <p:tag name="KSO_WM_SLIDE_SIZE" val="452*279"/>
+  <p:tag name="KSO_WM_DIAGRAM_GROUP_CODE" val="l1-1"/>
+  <p:tag name="KSO_WM_SLIDE_SUBTYPE" val="diag"/>
+</p:tagLst>
+</file>
+
+<file path=ppt/tags/tag99.xml><?xml version="1.0" encoding="utf-8"?>
+<p:tagLst xmlns:p="http://schemas.openxmlformats.org/presentationml/2006/main">
+  <p:tag name="KSO_WM_TEMPLATE_CATEGORY" val="custom"/>
+  <p:tag name="KSO_WM_TEMPLATE_INDEX" val="20186830"/>
+  <p:tag name="KSO_WM_TAG_VERSION" val="1.0"/>
+  <p:tag name="KSO_WM_BEAUTIFY_FLAG" val="#wm#"/>
+  <p:tag name="KSO_WM_UNIT_TYPE" val="a"/>
+  <p:tag name="KSO_WM_UNIT_INDEX" val="1"/>
+  <p:tag name="KSO_WM_UNIT_ID" val="custom20186830_7*a*1"/>
+  <p:tag name="KSO_WM_UNIT_LAYERLEVEL" val="1"/>
+  <p:tag name="KSO_WM_UNIT_VALUE" val="19"/>
+  <p:tag name="KSO_WM_UNIT_ISCONTENTSTITLE" val="0"/>
+  <p:tag name="KSO_WM_UNIT_HIGHLIGHT" val="0"/>
+  <p:tag name="KSO_WM_UNIT_COMPATIBLE" val="0"/>
+  <p:tag name="KSO_WM_UNIT_CLEAR" val="0"/>
+  <p:tag name="KSO_WM_UNIT_PRESET_TEXT_INDEX" val="3"/>
+  <p:tag name="KSO_WM_UNIT_PRESET_TEXT_LEN" val="17"/>
 </p:tagLst>
 </file>
 
